--- a/docs/Forecasting COVID-19 Cases Using SARS-Cov-2 Titers in Wastewater.pptx
+++ b/docs/Forecasting COVID-19 Cases Using SARS-Cov-2 Titers in Wastewater.pptx
@@ -221,7 +221,7 @@
           <a:p>
             <a:fld id="{3D406BDB-6B49-4B11-8253-D1D88ADC96AB}" type="datetimeFigureOut">
               <a:rPr lang="en-US" smtClean="0"/>
-              <a:t>5/8/2021</a:t>
+              <a:t>5/8/21</a:t>
             </a:fld>
             <a:endParaRPr lang="en-US"/>
           </a:p>
@@ -775,7 +775,7 @@
           <a:p>
             <a:fld id="{23772E5A-4422-486A-A87A-E869B50742A8}" type="datetime1">
               <a:rPr lang="en-US" smtClean="0"/>
-              <a:t>5/8/2021</a:t>
+              <a:t>5/8/21</a:t>
             </a:fld>
             <a:endParaRPr lang="en-US"/>
           </a:p>
@@ -990,7 +990,7 @@
           <a:p>
             <a:fld id="{82D28C0C-9D7F-46A4-8129-B9517C5D9C30}" type="datetime1">
               <a:rPr lang="en-US" smtClean="0"/>
-              <a:t>5/8/2021</a:t>
+              <a:t>5/8/21</a:t>
             </a:fld>
             <a:endParaRPr lang="en-US"/>
           </a:p>
@@ -1206,7 +1206,7 @@
           <a:p>
             <a:fld id="{FDA8264D-4035-460F-BAF3-62BA936D0A87}" type="datetime1">
               <a:rPr lang="en-US" smtClean="0"/>
-              <a:t>5/8/2021</a:t>
+              <a:t>5/8/21</a:t>
             </a:fld>
             <a:endParaRPr lang="en-US"/>
           </a:p>
@@ -1420,7 +1420,7 @@
           <a:p>
             <a:fld id="{ECE466CF-983C-49A1-A47F-682B5A11D702}" type="datetime1">
               <a:rPr lang="en-US" smtClean="0"/>
-              <a:t>5/8/2021</a:t>
+              <a:t>5/8/21</a:t>
             </a:fld>
             <a:endParaRPr lang="en-US"/>
           </a:p>
@@ -1722,7 +1722,7 @@
           <a:p>
             <a:fld id="{C47B484B-ED0C-4749-9AB7-7A183B453992}" type="datetime1">
               <a:rPr lang="en-US" smtClean="0"/>
-              <a:t>5/8/2021</a:t>
+              <a:t>5/8/21</a:t>
             </a:fld>
             <a:endParaRPr lang="en-US"/>
           </a:p>
@@ -2004,7 +2004,7 @@
           <a:p>
             <a:fld id="{746490DB-0AAB-472C-A5F6-BC30E631120C}" type="datetime1">
               <a:rPr lang="en-US" smtClean="0"/>
-              <a:t>5/8/2021</a:t>
+              <a:t>5/8/21</a:t>
             </a:fld>
             <a:endParaRPr lang="en-US"/>
           </a:p>
@@ -2433,7 +2433,7 @@
           <a:p>
             <a:fld id="{FBECE044-DD7F-45E9-B9AB-7E91294C227E}" type="datetime1">
               <a:rPr lang="en-US" smtClean="0"/>
-              <a:t>5/8/2021</a:t>
+              <a:t>5/8/21</a:t>
             </a:fld>
             <a:endParaRPr lang="en-US"/>
           </a:p>
@@ -2591,7 +2591,7 @@
           <a:p>
             <a:fld id="{EA1C4183-4751-4B8C-9BBE-9899B383C828}" type="datetime1">
               <a:rPr lang="en-US" smtClean="0"/>
-              <a:t>5/8/2021</a:t>
+              <a:t>5/8/21</a:t>
             </a:fld>
             <a:endParaRPr lang="en-US"/>
           </a:p>
@@ -2721,7 +2721,7 @@
           <a:p>
             <a:fld id="{23D68E4B-9EC5-4A90-B8FA-397553C257F5}" type="datetime1">
               <a:rPr lang="en-US" smtClean="0"/>
-              <a:t>5/8/2021</a:t>
+              <a:t>5/8/21</a:t>
             </a:fld>
             <a:endParaRPr lang="en-US"/>
           </a:p>
@@ -3040,7 +3040,7 @@
           <a:p>
             <a:fld id="{FEEA3F26-8AF6-4215-888D-C0FCEA20E090}" type="datetime1">
               <a:rPr lang="en-US" smtClean="0"/>
-              <a:t>5/8/2021</a:t>
+              <a:t>5/8/21</a:t>
             </a:fld>
             <a:endParaRPr lang="en-US"/>
           </a:p>
@@ -3336,7 +3336,7 @@
           <a:p>
             <a:fld id="{CBAA1D26-AF54-442D-B1AA-CA96D0D2A052}" type="datetime1">
               <a:rPr lang="en-US" smtClean="0"/>
-              <a:t>5/8/2021</a:t>
+              <a:t>5/8/21</a:t>
             </a:fld>
             <a:endParaRPr lang="en-US"/>
           </a:p>
@@ -3594,7 +3594,7 @@
           <a:p>
             <a:fld id="{397F4084-F903-4ADC-842A-CF01F81605BF}" type="datetime1">
               <a:rPr lang="en-US" smtClean="0"/>
-              <a:t>5/8/2021</a:t>
+              <a:t>5/8/21</a:t>
             </a:fld>
             <a:endParaRPr lang="en-US"/>
           </a:p>
@@ -4166,7 +4166,7 @@
           </a:ln>
           <a:extLst>
             <a:ext uri="{C572A759-6A51-4108-AA02-DFA0A04FC94B}">
-              <ma14:wrappingTextBoxFlag xmlns="" xmlns:m="http://schemas.openxmlformats.org/officeDocument/2006/math" xmlns:a14="http://schemas.microsoft.com/office/drawing/2010/main" xmlns:ma14="http://schemas.microsoft.com/office/mac/drawingml/2011/main" val="1"/>
+              <ma14:wrappingTextBoxFlag xmlns:ma14="http://schemas.microsoft.com/office/mac/drawingml/2011/main" xmlns:a14="http://schemas.microsoft.com/office/drawing/2010/main" xmlns:m="http://schemas.openxmlformats.org/officeDocument/2006/math" xmlns="" val="1"/>
             </a:ext>
           </a:extLst>
         </p:spPr>
@@ -7590,65 +7590,42 @@
           </a:p>
         </p:txBody>
       </p:sp>
-      <p:sp>
-        <p:nvSpPr>
-          <p:cNvPr id="9" name="Title 1">
-            <a:extLst>
-              <a:ext uri="{FF2B5EF4-FFF2-40B4-BE49-F238E27FC236}">
-                <a16:creationId xmlns:a16="http://schemas.microsoft.com/office/drawing/2014/main" id="{C44D0EDD-3504-45CD-B9F1-479A9EA406E6}"/>
-              </a:ext>
-            </a:extLst>
-          </p:cNvPr>
-          <p:cNvSpPr txBox="1">
-            <a:spLocks/>
-          </p:cNvSpPr>
+      <p:pic>
+        <p:nvPicPr>
+          <p:cNvPr id="7" name="Picture 6" descr="Chart, line chart&#10;&#10;Description automatically generated">
+            <a:extLst>
+              <a:ext uri="{FF2B5EF4-FFF2-40B4-BE49-F238E27FC236}">
+                <a16:creationId xmlns:a16="http://schemas.microsoft.com/office/drawing/2014/main" id="{00A34CD0-0458-FC41-B2F9-EFE8A9127D9B}"/>
+              </a:ext>
+            </a:extLst>
+          </p:cNvPr>
+          <p:cNvPicPr>
+            <a:picLocks noChangeAspect="1"/>
+          </p:cNvPicPr>
           <p:nvPr/>
-        </p:nvSpPr>
+        </p:nvPicPr>
+        <p:blipFill>
+          <a:blip r:embed="rId2">
+            <a:extLst>
+              <a:ext uri="{28A0092B-C50C-407E-A947-70E740481C1C}">
+                <a14:useLocalDpi xmlns:a14="http://schemas.microsoft.com/office/drawing/2010/main" val="0"/>
+              </a:ext>
+            </a:extLst>
+          </a:blip>
+          <a:stretch>
+            <a:fillRect/>
+          </a:stretch>
+        </p:blipFill>
         <p:spPr>
           <a:xfrm>
-            <a:off x="1018880" y="2040413"/>
-            <a:ext cx="10515600" cy="455046"/>
+            <a:off x="735583" y="943054"/>
+            <a:ext cx="10787605" cy="3477364"/>
           </a:xfrm>
           <a:prstGeom prst="rect">
             <a:avLst/>
           </a:prstGeom>
         </p:spPr>
-        <p:txBody>
-          <a:bodyPr vert="horz" lIns="91440" tIns="45720" rIns="91440" bIns="45720" rtlCol="0" anchor="ctr">
-            <a:normAutofit/>
-          </a:bodyPr>
-          <a:lstStyle>
-            <a:lvl1pPr algn="l" defTabSz="914400" rtl="0" eaLnBrk="1" latinLnBrk="0" hangingPunct="1">
-              <a:lnSpc>
-                <a:spcPct val="90000"/>
-              </a:lnSpc>
-              <a:spcBef>
-                <a:spcPct val="0"/>
-              </a:spcBef>
-              <a:buNone/>
-              <a:defRPr sz="4400" kern="1200">
-                <a:solidFill>
-                  <a:schemeClr val="tx1"/>
-                </a:solidFill>
-                <a:latin typeface="+mj-lt"/>
-                <a:ea typeface="+mj-ea"/>
-                <a:cs typeface="+mj-cs"/>
-              </a:defRPr>
-            </a:lvl1pPr>
-          </a:lstStyle>
-          <a:p>
-            <a:r>
-              <a:rPr lang="en-US" sz="2400" b="1" dirty="0">
-                <a:latin typeface="Franklin Gothic Medium" panose="020B0603020102020204" pitchFamily="34" charset="0"/>
-              </a:rPr>
-              <a:t>Slide for XGB</a:t>
-            </a:r>
-            <a:endParaRPr lang="en-US" sz="3200" b="1" dirty="0">
-              <a:latin typeface="Franklin Gothic Medium" panose="020B0603020102020204" pitchFamily="34" charset="0"/>
-            </a:endParaRPr>
-          </a:p>
-        </p:txBody>
-      </p:sp>
+      </p:pic>
     </p:spTree>
     <p:extLst>
       <p:ext uri="{BB962C8B-B14F-4D97-AF65-F5344CB8AC3E}">
@@ -12091,6 +12068,21 @@
 </file>
 
 <file path=customXml/item1.xml><?xml version="1.0" encoding="utf-8"?>
+<?mso-contentType ?>
+<FormTemplates xmlns="http://schemas.microsoft.com/sharepoint/v3/contenttype/forms">
+  <Display>DocumentLibraryForm</Display>
+  <Edit>DocumentLibraryForm</Edit>
+  <New>DocumentLibraryForm</New>
+</FormTemplates>
+</file>
+
+<file path=customXml/item2.xml><?xml version="1.0" encoding="utf-8"?>
+<p:properties xmlns:p="http://schemas.microsoft.com/office/2006/metadata/properties" xmlns:xsi="http://www.w3.org/2001/XMLSchema-instance" xmlns:pc="http://schemas.microsoft.com/office/infopath/2007/PartnerControls">
+  <documentManagement/>
+</p:properties>
+</file>
+
+<file path=customXml/item3.xml><?xml version="1.0" encoding="utf-8"?>
 <ct:contentTypeSchema xmlns:ct="http://schemas.microsoft.com/office/2006/metadata/contentType" xmlns:ma="http://schemas.microsoft.com/office/2006/metadata/properties/metaAttributes" ct:_="" ma:_="" ma:contentTypeName="Document" ma:contentTypeID="0x0101001E5F5ADF55C80F4A8C79927091D4FADC" ma:contentTypeVersion="8" ma:contentTypeDescription="Create a new document." ma:contentTypeScope="" ma:versionID="1131ac7d056ed97470bedf86932b656d">
   <xsd:schema xmlns:xsd="http://www.w3.org/2001/XMLSchema" xmlns:xs="http://www.w3.org/2001/XMLSchema" xmlns:p="http://schemas.microsoft.com/office/2006/metadata/properties" xmlns:ns2="942f9929-5e4f-4c14-8aa0-ea20b43b8905" targetNamespace="http://schemas.microsoft.com/office/2006/metadata/properties" ma:root="true" ma:fieldsID="c2601c4789672c7f4c8054d11f66b509" ns2:_="">
     <xsd:import namespace="942f9929-5e4f-4c14-8aa0-ea20b43b8905"/>
@@ -12262,22 +12254,24 @@
 </ct:contentTypeSchema>
 </file>
 
-<file path=customXml/item2.xml><?xml version="1.0" encoding="utf-8"?>
-<p:properties xmlns:p="http://schemas.microsoft.com/office/2006/metadata/properties" xmlns:xsi="http://www.w3.org/2001/XMLSchema-instance" xmlns:pc="http://schemas.microsoft.com/office/infopath/2007/PartnerControls">
-  <documentManagement/>
-</p:properties>
+<file path=customXml/itemProps1.xml><?xml version="1.0" encoding="utf-8"?>
+<ds:datastoreItem xmlns:ds="http://schemas.openxmlformats.org/officeDocument/2006/customXml" ds:itemID="{3CFB5B0E-5780-4934-9AF5-7124045DD765}">
+  <ds:schemaRefs>
+    <ds:schemaRef ds:uri="http://schemas.microsoft.com/sharepoint/v3/contenttype/forms"/>
+  </ds:schemaRefs>
+</ds:datastoreItem>
 </file>
 
-<file path=customXml/item3.xml><?xml version="1.0" encoding="utf-8"?>
-<?mso-contentType ?>
-<FormTemplates xmlns="http://schemas.microsoft.com/sharepoint/v3/contenttype/forms">
-  <Display>DocumentLibraryForm</Display>
-  <Edit>DocumentLibraryForm</Edit>
-  <New>DocumentLibraryForm</New>
-</FormTemplates>
+<file path=customXml/itemProps2.xml><?xml version="1.0" encoding="utf-8"?>
+<ds:datastoreItem xmlns:ds="http://schemas.openxmlformats.org/officeDocument/2006/customXml" ds:itemID="{B008C5C5-952F-416E-BF3E-8249A5F5DB76}">
+  <ds:schemaRefs>
+    <ds:schemaRef ds:uri="http://schemas.microsoft.com/office/2006/metadata/properties"/>
+    <ds:schemaRef ds:uri="http://schemas.microsoft.com/office/infopath/2007/PartnerControls"/>
+  </ds:schemaRefs>
+</ds:datastoreItem>
 </file>
 
-<file path=customXml/itemProps1.xml><?xml version="1.0" encoding="utf-8"?>
+<file path=customXml/itemProps3.xml><?xml version="1.0" encoding="utf-8"?>
 <ds:datastoreItem xmlns:ds="http://schemas.openxmlformats.org/officeDocument/2006/customXml" ds:itemID="{6358298D-15AD-4420-A74C-F4391095A6CF}">
   <ds:schemaRefs>
     <ds:schemaRef ds:uri="http://schemas.microsoft.com/office/2006/metadata/contentType"/>
@@ -12293,21 +12287,4 @@
     <ds:schemaRef ds:uri="http://schemas.microsoft.com/internal/obd"/>
   </ds:schemaRefs>
 </ds:datastoreItem>
-</file>
-
-<file path=customXml/itemProps2.xml><?xml version="1.0" encoding="utf-8"?>
-<ds:datastoreItem xmlns:ds="http://schemas.openxmlformats.org/officeDocument/2006/customXml" ds:itemID="{B008C5C5-952F-416E-BF3E-8249A5F5DB76}">
-  <ds:schemaRefs>
-    <ds:schemaRef ds:uri="http://schemas.microsoft.com/office/2006/metadata/properties"/>
-    <ds:schemaRef ds:uri="http://schemas.microsoft.com/office/infopath/2007/PartnerControls"/>
-  </ds:schemaRefs>
-</ds:datastoreItem>
-</file>
-
-<file path=customXml/itemProps3.xml><?xml version="1.0" encoding="utf-8"?>
-<ds:datastoreItem xmlns:ds="http://schemas.openxmlformats.org/officeDocument/2006/customXml" ds:itemID="{3CFB5B0E-5780-4934-9AF5-7124045DD765}">
-  <ds:schemaRefs>
-    <ds:schemaRef ds:uri="http://schemas.microsoft.com/sharepoint/v3/contenttype/forms"/>
-  </ds:schemaRefs>
-</ds:datastoreItem>
 </file>
--- a/docs/Forecasting COVID-19 Cases Using SARS-Cov-2 Titers in Wastewater.pptx
+++ b/docs/Forecasting COVID-19 Cases Using SARS-Cov-2 Titers in Wastewater.pptx
@@ -5,7 +5,7 @@
     <p:sldMasterId id="2147483648" r:id="rId4"/>
   </p:sldMasterIdLst>
   <p:notesMasterIdLst>
-    <p:notesMasterId r:id="rId27"/>
+    <p:notesMasterId r:id="rId26"/>
   </p:notesMasterIdLst>
   <p:sldIdLst>
     <p:sldId id="256" r:id="rId5"/>
@@ -18,18 +18,17 @@
     <p:sldId id="286" r:id="rId12"/>
     <p:sldId id="287" r:id="rId13"/>
     <p:sldId id="288" r:id="rId14"/>
-    <p:sldId id="300" r:id="rId15"/>
-    <p:sldId id="326" r:id="rId16"/>
-    <p:sldId id="331" r:id="rId17"/>
-    <p:sldId id="332" r:id="rId18"/>
-    <p:sldId id="333" r:id="rId19"/>
-    <p:sldId id="337" r:id="rId20"/>
-    <p:sldId id="328" r:id="rId21"/>
-    <p:sldId id="330" r:id="rId22"/>
-    <p:sldId id="313" r:id="rId23"/>
-    <p:sldId id="297" r:id="rId24"/>
-    <p:sldId id="293" r:id="rId25"/>
-    <p:sldId id="259" r:id="rId26"/>
+    <p:sldId id="326" r:id="rId15"/>
+    <p:sldId id="331" r:id="rId16"/>
+    <p:sldId id="333" r:id="rId17"/>
+    <p:sldId id="337" r:id="rId18"/>
+    <p:sldId id="328" r:id="rId19"/>
+    <p:sldId id="339" r:id="rId20"/>
+    <p:sldId id="330" r:id="rId21"/>
+    <p:sldId id="313" r:id="rId22"/>
+    <p:sldId id="297" r:id="rId23"/>
+    <p:sldId id="293" r:id="rId24"/>
+    <p:sldId id="259" r:id="rId25"/>
   </p:sldIdLst>
   <p:sldSz cx="12192000" cy="6858000"/>
   <p:notesSz cx="6858000" cy="9144000"/>
@@ -4388,53 +4387,6 @@
           </a:p>
         </p:txBody>
       </p:sp>
-      <p:pic>
-        <p:nvPicPr>
-          <p:cNvPr id="2050" name="Picture 2">
-            <a:extLst>
-              <a:ext uri="{FF2B5EF4-FFF2-40B4-BE49-F238E27FC236}">
-                <a16:creationId xmlns:a16="http://schemas.microsoft.com/office/drawing/2014/main" id="{BB3A78B8-BB96-49DC-9F18-6BF188EAF100}"/>
-              </a:ext>
-            </a:extLst>
-          </p:cNvPr>
-          <p:cNvPicPr>
-            <a:picLocks noChangeAspect="1" noChangeArrowheads="1"/>
-          </p:cNvPicPr>
-          <p:nvPr/>
-        </p:nvPicPr>
-        <p:blipFill>
-          <a:blip r:embed="rId2">
-            <a:extLst>
-              <a:ext uri="{28A0092B-C50C-407E-A947-70E740481C1C}">
-                <a14:useLocalDpi xmlns:a14="http://schemas.microsoft.com/office/drawing/2010/main" val="0"/>
-              </a:ext>
-            </a:extLst>
-          </a:blip>
-          <a:srcRect/>
-          <a:stretch>
-            <a:fillRect/>
-          </a:stretch>
-        </p:blipFill>
-        <p:spPr bwMode="auto">
-          <a:xfrm>
-            <a:off x="1562100" y="944830"/>
-            <a:ext cx="9067800" cy="2962275"/>
-          </a:xfrm>
-          <a:prstGeom prst="rect">
-            <a:avLst/>
-          </a:prstGeom>
-          <a:noFill/>
-          <a:extLst>
-            <a:ext uri="{909E8E84-426E-40DD-AFC4-6F175D3DCCD1}">
-              <a14:hiddenFill xmlns:a14="http://schemas.microsoft.com/office/drawing/2010/main">
-                <a:solidFill>
-                  <a:srgbClr val="FFFFFF"/>
-                </a:solidFill>
-              </a14:hiddenFill>
-            </a:ext>
-          </a:extLst>
-        </p:spPr>
-      </p:pic>
       <p:cxnSp>
         <p:nvCxnSpPr>
           <p:cNvPr id="10" name="Straight Connector 9">
@@ -4508,6 +4460,12 @@
               <a:rPr lang="en-US" sz="1600" b="1" i="1" dirty="0"/>
               <a:t>TAKE AWAY</a:t>
             </a:r>
+            <a:endParaRPr lang="en-US" sz="1800" dirty="0">
+              <a:effectLst/>
+              <a:latin typeface="Franklin Gothic Book" panose="020B0503020102020204" pitchFamily="34" charset="0"/>
+              <a:ea typeface="Calibri" panose="020F0502020204030204" pitchFamily="34" charset="0"/>
+              <a:cs typeface="Calibri" panose="020F0502020204030204" pitchFamily="34" charset="0"/>
+            </a:endParaRPr>
           </a:p>
           <a:p>
             <a:pPr marL="285750" marR="0" indent="-285750" algn="just">
@@ -4524,34 +4482,66 @@
                 <a:ea typeface="Calibri" panose="020F0502020204030204" pitchFamily="34" charset="0"/>
                 <a:cs typeface="Calibri" panose="020F0502020204030204" pitchFamily="34" charset="0"/>
               </a:rPr>
-              <a:t>Point 1</a:t>
-            </a:r>
-          </a:p>
-          <a:p>
-            <a:pPr marL="285750" marR="0" indent="-285750" algn="just">
-              <a:lnSpc>
-                <a:spcPct val="110000"/>
-              </a:lnSpc>
-              <a:buFont typeface="Wingdings" panose="05000000000000000000" pitchFamily="2" charset="2"/>
-              <a:buChar char="ü"/>
-            </a:pPr>
+              <a:t>Since </a:t>
+            </a:r>
             <a:r>
               <a:rPr lang="en-US" dirty="0">
                 <a:latin typeface="Franklin Gothic Book" panose="020B0503020102020204" pitchFamily="34" charset="0"/>
                 <a:ea typeface="Calibri" panose="020F0502020204030204" pitchFamily="34" charset="0"/>
                 <a:cs typeface="Calibri" panose="020F0502020204030204" pitchFamily="34" charset="0"/>
               </a:rPr>
-              <a:t>Point 2</a:t>
-            </a:r>
-            <a:endParaRPr lang="en-US" sz="1800" dirty="0">
-              <a:effectLst/>
-              <a:latin typeface="Franklin Gothic Book" panose="020B0503020102020204" pitchFamily="34" charset="0"/>
-              <a:ea typeface="Calibri" panose="020F0502020204030204" pitchFamily="34" charset="0"/>
-              <a:cs typeface="Calibri" panose="020F0502020204030204" pitchFamily="34" charset="0"/>
-            </a:endParaRPr>
-          </a:p>
-        </p:txBody>
-      </p:sp>
+              <a:t>there is a strong relation between the Southern 7-day average, Northern 7-day average and the Cases 7-day Average, we use the first two variables to predict the latter</a:t>
+            </a:r>
+          </a:p>
+        </p:txBody>
+      </p:sp>
+      <p:pic>
+        <p:nvPicPr>
+          <p:cNvPr id="1026" name="Picture 2">
+            <a:extLst>
+              <a:ext uri="{FF2B5EF4-FFF2-40B4-BE49-F238E27FC236}">
+                <a16:creationId xmlns:a16="http://schemas.microsoft.com/office/drawing/2014/main" id="{8278EE24-7DD9-9A41-A1A3-4EACE2844AD0}"/>
+              </a:ext>
+            </a:extLst>
+          </p:cNvPr>
+          <p:cNvPicPr>
+            <a:picLocks noChangeAspect="1" noChangeArrowheads="1"/>
+          </p:cNvPicPr>
+          <p:nvPr/>
+        </p:nvPicPr>
+        <p:blipFill>
+          <a:blip r:embed="rId2">
+            <a:extLst>
+              <a:ext uri="{28A0092B-C50C-407E-A947-70E740481C1C}">
+                <a14:useLocalDpi xmlns:a14="http://schemas.microsoft.com/office/drawing/2010/main" val="0"/>
+              </a:ext>
+            </a:extLst>
+          </a:blip>
+          <a:srcRect/>
+          <a:stretch>
+            <a:fillRect/>
+          </a:stretch>
+        </p:blipFill>
+        <p:spPr bwMode="auto">
+          <a:xfrm>
+            <a:off x="799986" y="871654"/>
+            <a:ext cx="10553814" cy="3447727"/>
+          </a:xfrm>
+          <a:prstGeom prst="rect">
+            <a:avLst/>
+          </a:prstGeom>
+          <a:noFill/>
+          <a:extLst>
+            <a:ext uri="{909E8E84-426E-40DD-AFC4-6F175D3DCCD1}">
+              <a14:hiddenFill xmlns:a14="http://schemas.microsoft.com/office/drawing/2010/main">
+                <a:solidFill>
+                  <a:srgbClr val="FFFFFF"/>
+                </a:solidFill>
+              </a14:hiddenFill>
+            </a:ext>
+          </a:extLst>
+        </p:spPr>
+      </p:pic>
     </p:spTree>
     <p:extLst>
       <p:ext uri="{BB962C8B-B14F-4D97-AF65-F5344CB8AC3E}">
@@ -4614,7 +4604,7 @@
               <a:rPr lang="en-US" sz="2400" b="1" dirty="0">
                 <a:latin typeface="Franklin Gothic Medium" panose="020B0603020102020204" pitchFamily="34" charset="0"/>
               </a:rPr>
-              <a:t>Exploratory Data Analysis</a:t>
+              <a:t>Models Explored: Persistence Model</a:t>
             </a:r>
             <a:endParaRPr lang="en-US" sz="3200" b="1" dirty="0">
               <a:latin typeface="Franklin Gothic Medium" panose="020B0603020102020204" pitchFamily="34" charset="0"/>
@@ -4660,12 +4650,62 @@
           </a:p>
         </p:txBody>
       </p:sp>
+      <p:sp>
+        <p:nvSpPr>
+          <p:cNvPr id="6" name="TextBox 5">
+            <a:extLst>
+              <a:ext uri="{FF2B5EF4-FFF2-40B4-BE49-F238E27FC236}">
+                <a16:creationId xmlns:a16="http://schemas.microsoft.com/office/drawing/2014/main" id="{F4436B14-D460-4362-8154-9146B1ACBA73}"/>
+              </a:ext>
+            </a:extLst>
+          </p:cNvPr>
+          <p:cNvSpPr txBox="1"/>
+          <p:nvPr/>
+        </p:nvSpPr>
+        <p:spPr>
+          <a:xfrm>
+            <a:off x="838200" y="5200649"/>
+            <a:ext cx="10515600" cy="620170"/>
+          </a:xfrm>
+          <a:prstGeom prst="rect">
+            <a:avLst/>
+          </a:prstGeom>
+          <a:noFill/>
+        </p:spPr>
+        <p:txBody>
+          <a:bodyPr wrap="square" rtlCol="0">
+            <a:spAutoFit/>
+          </a:bodyPr>
+          <a:lstStyle/>
+          <a:p>
+            <a:r>
+              <a:rPr lang="en-US" sz="1600" b="1" i="1" dirty="0"/>
+              <a:t>TAKE AWAY</a:t>
+            </a:r>
+          </a:p>
+          <a:p>
+            <a:pPr marL="285750" marR="0" indent="-285750" algn="just">
+              <a:lnSpc>
+                <a:spcPct val="110000"/>
+              </a:lnSpc>
+              <a:buFont typeface="Wingdings" panose="05000000000000000000" pitchFamily="2" charset="2"/>
+              <a:buChar char="ü"/>
+            </a:pPr>
+            <a:endParaRPr lang="en-US" sz="1800" dirty="0">
+              <a:effectLst/>
+              <a:latin typeface="Franklin Gothic Book" panose="020B0503020102020204" pitchFamily="34" charset="0"/>
+              <a:ea typeface="Calibri" panose="020F0502020204030204" pitchFamily="34" charset="0"/>
+              <a:cs typeface="Calibri" panose="020F0502020204030204" pitchFamily="34" charset="0"/>
+            </a:endParaRPr>
+          </a:p>
+        </p:txBody>
+      </p:sp>
       <p:cxnSp>
         <p:nvCxnSpPr>
-          <p:cNvPr id="10" name="Straight Connector 9">
-            <a:extLst>
-              <a:ext uri="{FF2B5EF4-FFF2-40B4-BE49-F238E27FC236}">
-                <a16:creationId xmlns:a16="http://schemas.microsoft.com/office/drawing/2014/main" id="{8D0CEF7C-C41E-43DD-A846-F57F5A18AFAD}"/>
+          <p:cNvPr id="8" name="Straight Connector 7">
+            <a:extLst>
+              <a:ext uri="{FF2B5EF4-FFF2-40B4-BE49-F238E27FC236}">
+                <a16:creationId xmlns:a16="http://schemas.microsoft.com/office/drawing/2014/main" id="{D53E0C48-748C-48C9-8D14-FE95F617EFA8}"/>
               </a:ext>
             </a:extLst>
           </p:cNvPr>
@@ -4674,7 +4714,7 @@
         </p:nvCxnSpPr>
         <p:spPr>
           <a:xfrm>
-            <a:off x="904973" y="782426"/>
+            <a:off x="904973" y="5222449"/>
             <a:ext cx="10448827" cy="0"/>
           </a:xfrm>
           <a:prstGeom prst="line">
@@ -4701,88 +4741,12 @@
           </a:fontRef>
         </p:style>
       </p:cxnSp>
-      <p:sp>
-        <p:nvSpPr>
-          <p:cNvPr id="5" name="Slide Number Placeholder 4">
-            <a:extLst>
-              <a:ext uri="{FF2B5EF4-FFF2-40B4-BE49-F238E27FC236}">
-                <a16:creationId xmlns:a16="http://schemas.microsoft.com/office/drawing/2014/main" id="{3B1AABA4-9B46-4557-AAB4-95E5E546369F}"/>
-              </a:ext>
-            </a:extLst>
-          </p:cNvPr>
-          <p:cNvSpPr>
-            <a:spLocks noGrp="1"/>
-          </p:cNvSpPr>
-          <p:nvPr>
-            <p:ph type="sldNum" sz="quarter" idx="12"/>
-          </p:nvPr>
-        </p:nvSpPr>
-        <p:spPr/>
-        <p:txBody>
-          <a:bodyPr/>
-          <a:lstStyle/>
-          <a:p>
-            <a:fld id="{0E267267-BF27-42DB-AB6A-E6E964C8A9EC}" type="slidenum">
-              <a:rPr lang="en-US" smtClean="0"/>
-              <a:t>11</a:t>
-            </a:fld>
-            <a:endParaRPr lang="en-US"/>
-          </a:p>
-        </p:txBody>
-      </p:sp>
-      <p:pic>
-        <p:nvPicPr>
-          <p:cNvPr id="3074" name="Picture 2">
-            <a:extLst>
-              <a:ext uri="{FF2B5EF4-FFF2-40B4-BE49-F238E27FC236}">
-                <a16:creationId xmlns:a16="http://schemas.microsoft.com/office/drawing/2014/main" id="{756FE6A1-C841-4B7F-A928-9C3C44981AA2}"/>
-              </a:ext>
-            </a:extLst>
-          </p:cNvPr>
-          <p:cNvPicPr>
-            <a:picLocks noChangeAspect="1" noChangeArrowheads="1"/>
-          </p:cNvPicPr>
-          <p:nvPr/>
-        </p:nvPicPr>
-        <p:blipFill>
-          <a:blip r:embed="rId2">
-            <a:extLst>
-              <a:ext uri="{28A0092B-C50C-407E-A947-70E740481C1C}">
-                <a14:useLocalDpi xmlns:a14="http://schemas.microsoft.com/office/drawing/2010/main" val="0"/>
-              </a:ext>
-            </a:extLst>
-          </a:blip>
-          <a:srcRect/>
-          <a:stretch>
-            <a:fillRect/>
-          </a:stretch>
-        </p:blipFill>
-        <p:spPr bwMode="auto">
-          <a:xfrm>
-            <a:off x="1562100" y="1090023"/>
-            <a:ext cx="9067800" cy="2962275"/>
-          </a:xfrm>
-          <a:prstGeom prst="rect">
-            <a:avLst/>
-          </a:prstGeom>
-          <a:noFill/>
-          <a:extLst>
-            <a:ext uri="{909E8E84-426E-40DD-AFC4-6F175D3DCCD1}">
-              <a14:hiddenFill xmlns:a14="http://schemas.microsoft.com/office/drawing/2010/main">
-                <a:solidFill>
-                  <a:srgbClr val="FFFFFF"/>
-                </a:solidFill>
-              </a14:hiddenFill>
-            </a:ext>
-          </a:extLst>
-        </p:spPr>
-      </p:pic>
       <p:cxnSp>
         <p:nvCxnSpPr>
-          <p:cNvPr id="8" name="Straight Connector 7">
-            <a:extLst>
-              <a:ext uri="{FF2B5EF4-FFF2-40B4-BE49-F238E27FC236}">
-                <a16:creationId xmlns:a16="http://schemas.microsoft.com/office/drawing/2014/main" id="{0B70CADD-62E4-46C9-9A39-3E0688128DB9}"/>
+          <p:cNvPr id="10" name="Straight Connector 9">
+            <a:extLst>
+              <a:ext uri="{FF2B5EF4-FFF2-40B4-BE49-F238E27FC236}">
+                <a16:creationId xmlns:a16="http://schemas.microsoft.com/office/drawing/2014/main" id="{8D0CEF7C-C41E-43DD-A846-F57F5A18AFAD}"/>
               </a:ext>
             </a:extLst>
           </p:cNvPr>
@@ -4791,7 +4755,7 @@
         </p:nvCxnSpPr>
         <p:spPr>
           <a:xfrm>
-            <a:off x="904973" y="5222449"/>
+            <a:off x="904973" y="782426"/>
             <a:ext cx="10448827" cy="0"/>
           </a:xfrm>
           <a:prstGeom prst="line">
@@ -4820,10 +4784,86 @@
       </p:cxnSp>
       <p:sp>
         <p:nvSpPr>
+          <p:cNvPr id="5" name="Slide Number Placeholder 4">
+            <a:extLst>
+              <a:ext uri="{FF2B5EF4-FFF2-40B4-BE49-F238E27FC236}">
+                <a16:creationId xmlns:a16="http://schemas.microsoft.com/office/drawing/2014/main" id="{D475A8ED-3498-44C1-856C-F280AF21A4DC}"/>
+              </a:ext>
+            </a:extLst>
+          </p:cNvPr>
+          <p:cNvSpPr>
+            <a:spLocks noGrp="1"/>
+          </p:cNvSpPr>
+          <p:nvPr>
+            <p:ph type="sldNum" sz="quarter" idx="12"/>
+          </p:nvPr>
+        </p:nvSpPr>
+        <p:spPr/>
+        <p:txBody>
+          <a:bodyPr/>
+          <a:lstStyle/>
+          <a:p>
+            <a:fld id="{0E267267-BF27-42DB-AB6A-E6E964C8A9EC}" type="slidenum">
+              <a:rPr lang="en-US" smtClean="0"/>
+              <a:t>11</a:t>
+            </a:fld>
+            <a:endParaRPr lang="en-US"/>
+          </a:p>
+        </p:txBody>
+      </p:sp>
+      <p:pic>
+        <p:nvPicPr>
+          <p:cNvPr id="4098" name="Picture 2">
+            <a:extLst>
+              <a:ext uri="{FF2B5EF4-FFF2-40B4-BE49-F238E27FC236}">
+                <a16:creationId xmlns:a16="http://schemas.microsoft.com/office/drawing/2014/main" id="{A072BC2D-BF19-48E1-AAE3-33C72D3008BC}"/>
+              </a:ext>
+            </a:extLst>
+          </p:cNvPr>
+          <p:cNvPicPr>
+            <a:picLocks noChangeAspect="1" noChangeArrowheads="1"/>
+          </p:cNvPicPr>
+          <p:nvPr/>
+        </p:nvPicPr>
+        <p:blipFill>
+          <a:blip r:embed="rId2">
+            <a:extLst>
+              <a:ext uri="{28A0092B-C50C-407E-A947-70E740481C1C}">
+                <a14:useLocalDpi xmlns:a14="http://schemas.microsoft.com/office/drawing/2010/main" val="0"/>
+              </a:ext>
+            </a:extLst>
+          </a:blip>
+          <a:srcRect/>
+          <a:stretch>
+            <a:fillRect/>
+          </a:stretch>
+        </p:blipFill>
+        <p:spPr bwMode="auto">
+          <a:xfrm>
+            <a:off x="1614536" y="1137354"/>
+            <a:ext cx="9029700" cy="2924175"/>
+          </a:xfrm>
+          <a:prstGeom prst="rect">
+            <a:avLst/>
+          </a:prstGeom>
+          <a:noFill/>
+          <a:extLst>
+            <a:ext uri="{909E8E84-426E-40DD-AFC4-6F175D3DCCD1}">
+              <a14:hiddenFill xmlns:a14="http://schemas.microsoft.com/office/drawing/2010/main">
+                <a:solidFill>
+                  <a:srgbClr val="FFFFFF"/>
+                </a:solidFill>
+              </a14:hiddenFill>
+            </a:ext>
+          </a:extLst>
+        </p:spPr>
+      </p:pic>
+      <p:sp>
+        <p:nvSpPr>
           <p:cNvPr id="9" name="TextBox 8">
             <a:extLst>
               <a:ext uri="{FF2B5EF4-FFF2-40B4-BE49-F238E27FC236}">
-                <a16:creationId xmlns:a16="http://schemas.microsoft.com/office/drawing/2014/main" id="{C3168D3E-4D18-4618-B66F-A276512BF824}"/>
+                <a16:creationId xmlns:a16="http://schemas.microsoft.com/office/drawing/2014/main" id="{71EC2573-F8CE-8D4C-8789-400C64790EF7}"/>
               </a:ext>
             </a:extLst>
           </p:cNvPr>
@@ -4833,7 +4873,7 @@
         <p:spPr>
           <a:xfrm>
             <a:off x="838200" y="5200649"/>
-            <a:ext cx="10515600" cy="924869"/>
+            <a:ext cx="10704616" cy="1534266"/>
           </a:xfrm>
           <a:prstGeom prst="rect">
             <a:avLst/>
@@ -4860,13 +4900,28 @@
               <a:buChar char="ü"/>
             </a:pPr>
             <a:r>
-              <a:rPr lang="en-US" sz="1800" dirty="0">
-                <a:effectLst/>
+              <a:rPr lang="en-US" dirty="0">
+                <a:latin typeface="Franklin Gothic Book" panose="020B0503020102020204" pitchFamily="34" charset="0"/>
+                <a:cs typeface="Calibri" panose="020F0502020204030204" pitchFamily="34" charset="0"/>
+              </a:rPr>
+              <a:t>The persistence model considers that the Covid Case Count at t + 1 is equal to the Covid Case Count at t. </a:t>
+            </a:r>
+          </a:p>
+          <a:p>
+            <a:pPr marL="285750" indent="-285750" algn="just">
+              <a:lnSpc>
+                <a:spcPct val="110000"/>
+              </a:lnSpc>
+              <a:buFont typeface="Wingdings" panose="05000000000000000000" pitchFamily="2" charset="2"/>
+              <a:buChar char="ü"/>
+            </a:pPr>
+            <a:r>
+              <a:rPr lang="en-US" dirty="0">
                 <a:latin typeface="Franklin Gothic Book" panose="020B0503020102020204" pitchFamily="34" charset="0"/>
                 <a:ea typeface="Calibri" panose="020F0502020204030204" pitchFamily="34" charset="0"/>
                 <a:cs typeface="Calibri" panose="020F0502020204030204" pitchFamily="34" charset="0"/>
               </a:rPr>
-              <a:t>Point 1</a:t>
+              <a:t>We use the persistence model and assume that there is a relation between the average of last 7 covid case values and the next response variable. </a:t>
             </a:r>
           </a:p>
           <a:p>
@@ -4877,27 +4932,69 @@
               <a:buFont typeface="Wingdings" panose="05000000000000000000" pitchFamily="2" charset="2"/>
               <a:buChar char="ü"/>
             </a:pPr>
-            <a:r>
-              <a:rPr lang="en-US" dirty="0">
-                <a:latin typeface="Franklin Gothic Book" panose="020B0503020102020204" pitchFamily="34" charset="0"/>
-                <a:ea typeface="Calibri" panose="020F0502020204030204" pitchFamily="34" charset="0"/>
-                <a:cs typeface="Calibri" panose="020F0502020204030204" pitchFamily="34" charset="0"/>
-              </a:rPr>
-              <a:t>Point 2</a:t>
-            </a:r>
-            <a:endParaRPr lang="en-US" sz="1800" dirty="0">
-              <a:effectLst/>
+            <a:endParaRPr lang="en-US" dirty="0">
               <a:latin typeface="Franklin Gothic Book" panose="020B0503020102020204" pitchFamily="34" charset="0"/>
-              <a:ea typeface="Calibri" panose="020F0502020204030204" pitchFamily="34" charset="0"/>
               <a:cs typeface="Calibri" panose="020F0502020204030204" pitchFamily="34" charset="0"/>
             </a:endParaRPr>
+          </a:p>
+        </p:txBody>
+      </p:sp>
+      <p:sp>
+        <p:nvSpPr>
+          <p:cNvPr id="11" name="Oval 10">
+            <a:extLst>
+              <a:ext uri="{FF2B5EF4-FFF2-40B4-BE49-F238E27FC236}">
+                <a16:creationId xmlns:a16="http://schemas.microsoft.com/office/drawing/2014/main" id="{FA5E6615-1140-CD49-BFA5-5CE4A188318F}"/>
+              </a:ext>
+            </a:extLst>
+          </p:cNvPr>
+          <p:cNvSpPr/>
+          <p:nvPr/>
+        </p:nvSpPr>
+        <p:spPr>
+          <a:xfrm>
+            <a:off x="10174146" y="0"/>
+            <a:ext cx="1594944" cy="1359405"/>
+          </a:xfrm>
+          <a:prstGeom prst="ellipse">
+            <a:avLst/>
+          </a:prstGeom>
+          <a:solidFill>
+            <a:srgbClr val="FF0000"/>
+          </a:solidFill>
+        </p:spPr>
+        <p:style>
+          <a:lnRef idx="2">
+            <a:schemeClr val="accent1">
+              <a:shade val="50000"/>
+            </a:schemeClr>
+          </a:lnRef>
+          <a:fillRef idx="1">
+            <a:schemeClr val="accent1"/>
+          </a:fillRef>
+          <a:effectRef idx="0">
+            <a:schemeClr val="accent1"/>
+          </a:effectRef>
+          <a:fontRef idx="minor">
+            <a:schemeClr val="lt1"/>
+          </a:fontRef>
+        </p:style>
+        <p:txBody>
+          <a:bodyPr rtlCol="0" anchor="ctr"/>
+          <a:lstStyle/>
+          <a:p>
+            <a:pPr algn="ctr"/>
+            <a:r>
+              <a:rPr lang="en-US" sz="1200" dirty="0"/>
+              <a:t>Phrase this better</a:t>
+            </a:r>
           </a:p>
         </p:txBody>
       </p:sp>
     </p:spTree>
     <p:extLst>
       <p:ext uri="{BB962C8B-B14F-4D97-AF65-F5344CB8AC3E}">
-        <p14:creationId xmlns:p14="http://schemas.microsoft.com/office/powerpoint/2010/main" val="856589419"/>
+        <p14:creationId xmlns:p14="http://schemas.microsoft.com/office/powerpoint/2010/main" val="3805690469"/>
       </p:ext>
     </p:extLst>
   </p:cSld>
@@ -4956,7 +5053,7 @@
               <a:rPr lang="en-US" sz="2400" b="1" dirty="0">
                 <a:latin typeface="Franklin Gothic Medium" panose="020B0603020102020204" pitchFamily="34" charset="0"/>
               </a:rPr>
-              <a:t>Models Explored</a:t>
+              <a:t>Models Explored: Linear and Polynomial Regression</a:t>
             </a:r>
             <a:endParaRPr lang="en-US" sz="3200" b="1" dirty="0">
               <a:latin typeface="Franklin Gothic Medium" panose="020B0603020102020204" pitchFamily="34" charset="0"/>
@@ -5016,7 +5113,7 @@
         </p:nvSpPr>
         <p:spPr>
           <a:xfrm>
-            <a:off x="838200" y="5200649"/>
+            <a:off x="838199" y="5629026"/>
             <a:ext cx="10515600" cy="924869"/>
           </a:xfrm>
           <a:prstGeom prst="rect">
@@ -5050,7 +5147,15 @@
                 <a:ea typeface="Calibri" panose="020F0502020204030204" pitchFamily="34" charset="0"/>
                 <a:cs typeface="Calibri" panose="020F0502020204030204" pitchFamily="34" charset="0"/>
               </a:rPr>
-              <a:t>Point 1</a:t>
+              <a:t>Increase in polynomial </a:t>
+            </a:r>
+            <a:r>
+              <a:rPr lang="en-US" dirty="0">
+                <a:latin typeface="Franklin Gothic Book" panose="020B0503020102020204" pitchFamily="34" charset="0"/>
+                <a:ea typeface="Calibri" panose="020F0502020204030204" pitchFamily="34" charset="0"/>
+                <a:cs typeface="Calibri" panose="020F0502020204030204" pitchFamily="34" charset="0"/>
+              </a:rPr>
+              <a:t>degree increases the variance in predicted values which is a result of overfitting</a:t>
             </a:r>
           </a:p>
           <a:p>
@@ -5062,19 +5167,14 @@
               <a:buChar char="ü"/>
             </a:pPr>
             <a:r>
-              <a:rPr lang="en-US" dirty="0">
+              <a:rPr lang="en-US" sz="1800" dirty="0">
+                <a:effectLst/>
                 <a:latin typeface="Franklin Gothic Book" panose="020B0503020102020204" pitchFamily="34" charset="0"/>
                 <a:ea typeface="Calibri" panose="020F0502020204030204" pitchFamily="34" charset="0"/>
                 <a:cs typeface="Calibri" panose="020F0502020204030204" pitchFamily="34" charset="0"/>
               </a:rPr>
-              <a:t>Point 2</a:t>
-            </a:r>
-            <a:endParaRPr lang="en-US" sz="1800" dirty="0">
-              <a:effectLst/>
-              <a:latin typeface="Franklin Gothic Book" panose="020B0503020102020204" pitchFamily="34" charset="0"/>
-              <a:ea typeface="Calibri" panose="020F0502020204030204" pitchFamily="34" charset="0"/>
-              <a:cs typeface="Calibri" panose="020F0502020204030204" pitchFamily="34" charset="0"/>
-            </a:endParaRPr>
+              <a:t>Linear Regression performed better with respect to the polynomial regression models</a:t>
+            </a:r>
           </a:p>
         </p:txBody>
       </p:sp>
@@ -5092,7 +5192,7 @@
         </p:nvCxnSpPr>
         <p:spPr>
           <a:xfrm>
-            <a:off x="904973" y="5222449"/>
+            <a:off x="904973" y="5597199"/>
             <a:ext cx="10448827" cy="0"/>
           </a:xfrm>
           <a:prstGeom prst="line">
@@ -5191,10 +5291,10 @@
       </p:sp>
       <p:pic>
         <p:nvPicPr>
-          <p:cNvPr id="4098" name="Picture 2">
-            <a:extLst>
-              <a:ext uri="{FF2B5EF4-FFF2-40B4-BE49-F238E27FC236}">
-                <a16:creationId xmlns:a16="http://schemas.microsoft.com/office/drawing/2014/main" id="{A072BC2D-BF19-48E1-AAE3-33C72D3008BC}"/>
+          <p:cNvPr id="2050" name="Picture 2">
+            <a:extLst>
+              <a:ext uri="{FF2B5EF4-FFF2-40B4-BE49-F238E27FC236}">
+                <a16:creationId xmlns:a16="http://schemas.microsoft.com/office/drawing/2014/main" id="{DA89BA78-754C-FA46-9566-810CCBCD24B8}"/>
               </a:ext>
             </a:extLst>
           </p:cNvPr>
@@ -5203,7 +5303,7 @@
           </p:cNvPicPr>
           <p:nvPr/>
         </p:nvPicPr>
-        <p:blipFill>
+        <p:blipFill rotWithShape="1">
           <a:blip r:embed="rId2">
             <a:extLst>
               <a:ext uri="{28A0092B-C50C-407E-A947-70E740481C1C}">
@@ -5211,15 +5311,13 @@
               </a:ext>
             </a:extLst>
           </a:blip>
-          <a:srcRect/>
-          <a:stretch>
-            <a:fillRect/>
-          </a:stretch>
+          <a:srcRect t="10574"/>
+          <a:stretch/>
         </p:blipFill>
         <p:spPr bwMode="auto">
           <a:xfrm>
-            <a:off x="1614536" y="1137354"/>
-            <a:ext cx="9029700" cy="2924175"/>
+            <a:off x="3303891" y="893601"/>
+            <a:ext cx="5584217" cy="1617170"/>
           </a:xfrm>
           <a:prstGeom prst="rect">
             <a:avLst/>
@@ -5236,10 +5334,269 @@
           </a:extLst>
         </p:spPr>
       </p:pic>
+      <p:pic>
+        <p:nvPicPr>
+          <p:cNvPr id="12" name="Picture 11">
+            <a:extLst>
+              <a:ext uri="{FF2B5EF4-FFF2-40B4-BE49-F238E27FC236}">
+                <a16:creationId xmlns:a16="http://schemas.microsoft.com/office/drawing/2014/main" id="{839B36A2-3F1B-D744-BF9B-F1492DCC018A}"/>
+              </a:ext>
+            </a:extLst>
+          </p:cNvPr>
+          <p:cNvPicPr>
+            <a:picLocks noChangeAspect="1"/>
+          </p:cNvPicPr>
+          <p:nvPr/>
+        </p:nvPicPr>
+        <p:blipFill rotWithShape="1">
+          <a:blip r:embed="rId3"/>
+          <a:srcRect t="48619"/>
+          <a:stretch/>
+        </p:blipFill>
+        <p:spPr>
+          <a:xfrm>
+            <a:off x="6163179" y="2825955"/>
+            <a:ext cx="6028821" cy="2739418"/>
+          </a:xfrm>
+          <a:prstGeom prst="rect">
+            <a:avLst/>
+          </a:prstGeom>
+        </p:spPr>
+      </p:pic>
+      <p:grpSp>
+        <p:nvGrpSpPr>
+          <p:cNvPr id="3" name="Group 2">
+            <a:extLst>
+              <a:ext uri="{FF2B5EF4-FFF2-40B4-BE49-F238E27FC236}">
+                <a16:creationId xmlns:a16="http://schemas.microsoft.com/office/drawing/2014/main" id="{A3DB4E08-3886-944C-9F48-DEF827058099}"/>
+              </a:ext>
+            </a:extLst>
+          </p:cNvPr>
+          <p:cNvGrpSpPr/>
+          <p:nvPr/>
+        </p:nvGrpSpPr>
+        <p:grpSpPr>
+          <a:xfrm>
+            <a:off x="0" y="2612934"/>
+            <a:ext cx="6400800" cy="2976586"/>
+            <a:chOff x="0" y="2588844"/>
+            <a:chExt cx="6691202" cy="2976586"/>
+          </a:xfrm>
+        </p:grpSpPr>
+        <p:pic>
+          <p:nvPicPr>
+            <p:cNvPr id="11" name="Picture 10">
+              <a:extLst>
+                <a:ext uri="{FF2B5EF4-FFF2-40B4-BE49-F238E27FC236}">
+                  <a16:creationId xmlns:a16="http://schemas.microsoft.com/office/drawing/2014/main" id="{BDCE628A-F84D-1A44-A25B-946DB5EAD0F7}"/>
+                </a:ext>
+              </a:extLst>
+            </p:cNvPr>
+            <p:cNvPicPr>
+              <a:picLocks noChangeAspect="1"/>
+            </p:cNvPicPr>
+            <p:nvPr/>
+          </p:nvPicPr>
+          <p:blipFill rotWithShape="1">
+            <a:blip r:embed="rId3"/>
+            <a:srcRect b="52199"/>
+            <a:stretch/>
+          </p:blipFill>
+          <p:spPr>
+            <a:xfrm>
+              <a:off x="0" y="2588844"/>
+              <a:ext cx="6691202" cy="2636284"/>
+            </a:xfrm>
+            <a:prstGeom prst="rect">
+              <a:avLst/>
+            </a:prstGeom>
+          </p:spPr>
+        </p:pic>
+        <p:pic>
+          <p:nvPicPr>
+            <p:cNvPr id="14" name="Picture 13">
+              <a:extLst>
+                <a:ext uri="{FF2B5EF4-FFF2-40B4-BE49-F238E27FC236}">
+                  <a16:creationId xmlns:a16="http://schemas.microsoft.com/office/drawing/2014/main" id="{D9645DC5-D711-4042-8D11-5185EB8815B9}"/>
+                </a:ext>
+              </a:extLst>
+            </p:cNvPr>
+            <p:cNvPicPr>
+              <a:picLocks noChangeAspect="1"/>
+            </p:cNvPicPr>
+            <p:nvPr/>
+          </p:nvPicPr>
+          <p:blipFill rotWithShape="1">
+            <a:blip r:embed="rId3"/>
+            <a:srcRect t="93164"/>
+            <a:stretch/>
+          </p:blipFill>
+          <p:spPr>
+            <a:xfrm>
+              <a:off x="100565" y="5200981"/>
+              <a:ext cx="6028821" cy="364449"/>
+            </a:xfrm>
+            <a:prstGeom prst="rect">
+              <a:avLst/>
+            </a:prstGeom>
+          </p:spPr>
+        </p:pic>
+      </p:grpSp>
+      <p:sp>
+        <p:nvSpPr>
+          <p:cNvPr id="15" name="TextBox 14">
+            <a:extLst>
+              <a:ext uri="{FF2B5EF4-FFF2-40B4-BE49-F238E27FC236}">
+                <a16:creationId xmlns:a16="http://schemas.microsoft.com/office/drawing/2014/main" id="{95CD3C9E-38EA-3144-AC1B-87B00472D42C}"/>
+              </a:ext>
+            </a:extLst>
+          </p:cNvPr>
+          <p:cNvSpPr txBox="1"/>
+          <p:nvPr/>
+        </p:nvSpPr>
+        <p:spPr>
+          <a:xfrm>
+            <a:off x="1598380" y="823396"/>
+            <a:ext cx="3204040" cy="620170"/>
+          </a:xfrm>
+          <a:prstGeom prst="rect">
+            <a:avLst/>
+          </a:prstGeom>
+          <a:noFill/>
+        </p:spPr>
+        <p:txBody>
+          <a:bodyPr wrap="square" rtlCol="0">
+            <a:spAutoFit/>
+          </a:bodyPr>
+          <a:lstStyle/>
+          <a:p>
+            <a:r>
+              <a:rPr lang="en-US" sz="1600" b="1" i="1" dirty="0"/>
+              <a:t>Linear Regression</a:t>
+            </a:r>
+            <a:endParaRPr lang="en-US" dirty="0">
+              <a:latin typeface="Franklin Gothic Book" panose="020B0503020102020204" pitchFamily="34" charset="0"/>
+              <a:ea typeface="Calibri" panose="020F0502020204030204" pitchFamily="34" charset="0"/>
+              <a:cs typeface="Calibri" panose="020F0502020204030204" pitchFamily="34" charset="0"/>
+            </a:endParaRPr>
+          </a:p>
+          <a:p>
+            <a:pPr marL="285750" marR="0" indent="-285750" algn="just">
+              <a:lnSpc>
+                <a:spcPct val="110000"/>
+              </a:lnSpc>
+              <a:buFont typeface="Wingdings" panose="05000000000000000000" pitchFamily="2" charset="2"/>
+              <a:buChar char="ü"/>
+            </a:pPr>
+            <a:endParaRPr lang="en-US" sz="1800" dirty="0">
+              <a:effectLst/>
+              <a:latin typeface="Franklin Gothic Book" panose="020B0503020102020204" pitchFamily="34" charset="0"/>
+              <a:ea typeface="Calibri" panose="020F0502020204030204" pitchFamily="34" charset="0"/>
+              <a:cs typeface="Calibri" panose="020F0502020204030204" pitchFamily="34" charset="0"/>
+            </a:endParaRPr>
+          </a:p>
+        </p:txBody>
+      </p:sp>
+      <p:sp>
+        <p:nvSpPr>
+          <p:cNvPr id="16" name="TextBox 15">
+            <a:extLst>
+              <a:ext uri="{FF2B5EF4-FFF2-40B4-BE49-F238E27FC236}">
+                <a16:creationId xmlns:a16="http://schemas.microsoft.com/office/drawing/2014/main" id="{EC8962E2-42E3-5946-93AA-A86DDD87C123}"/>
+              </a:ext>
+            </a:extLst>
+          </p:cNvPr>
+          <p:cNvSpPr txBox="1"/>
+          <p:nvPr/>
+        </p:nvSpPr>
+        <p:spPr>
+          <a:xfrm>
+            <a:off x="5098592" y="2542729"/>
+            <a:ext cx="3204040" cy="620170"/>
+          </a:xfrm>
+          <a:prstGeom prst="rect">
+            <a:avLst/>
+          </a:prstGeom>
+          <a:noFill/>
+        </p:spPr>
+        <p:txBody>
+          <a:bodyPr wrap="square" rtlCol="0">
+            <a:spAutoFit/>
+          </a:bodyPr>
+          <a:lstStyle/>
+          <a:p>
+            <a:r>
+              <a:rPr lang="en-US" sz="1600" b="1" i="1" dirty="0"/>
+              <a:t>Polynomial Regression</a:t>
+            </a:r>
+            <a:endParaRPr lang="en-US" dirty="0">
+              <a:latin typeface="Franklin Gothic Book" panose="020B0503020102020204" pitchFamily="34" charset="0"/>
+              <a:ea typeface="Calibri" panose="020F0502020204030204" pitchFamily="34" charset="0"/>
+              <a:cs typeface="Calibri" panose="020F0502020204030204" pitchFamily="34" charset="0"/>
+            </a:endParaRPr>
+          </a:p>
+          <a:p>
+            <a:pPr marL="285750" marR="0" indent="-285750" algn="just">
+              <a:lnSpc>
+                <a:spcPct val="110000"/>
+              </a:lnSpc>
+              <a:buFont typeface="Wingdings" panose="05000000000000000000" pitchFamily="2" charset="2"/>
+              <a:buChar char="ü"/>
+            </a:pPr>
+            <a:endParaRPr lang="en-US" sz="1800" dirty="0">
+              <a:effectLst/>
+              <a:latin typeface="Franklin Gothic Book" panose="020B0503020102020204" pitchFamily="34" charset="0"/>
+              <a:ea typeface="Calibri" panose="020F0502020204030204" pitchFamily="34" charset="0"/>
+              <a:cs typeface="Calibri" panose="020F0502020204030204" pitchFamily="34" charset="0"/>
+            </a:endParaRPr>
+          </a:p>
+        </p:txBody>
+      </p:sp>
+      <p:cxnSp>
+        <p:nvCxnSpPr>
+          <p:cNvPr id="19" name="Straight Connector 18">
+            <a:extLst>
+              <a:ext uri="{FF2B5EF4-FFF2-40B4-BE49-F238E27FC236}">
+                <a16:creationId xmlns:a16="http://schemas.microsoft.com/office/drawing/2014/main" id="{5E2BE57E-8457-FF41-80D5-B57A289F9E40}"/>
+              </a:ext>
+            </a:extLst>
+          </p:cNvPr>
+          <p:cNvCxnSpPr/>
+          <p:nvPr/>
+        </p:nvCxnSpPr>
+        <p:spPr>
+          <a:xfrm>
+            <a:off x="938765" y="2520920"/>
+            <a:ext cx="10448827" cy="0"/>
+          </a:xfrm>
+          <a:prstGeom prst="line">
+            <a:avLst/>
+          </a:prstGeom>
+          <a:ln>
+            <a:solidFill>
+              <a:schemeClr val="tx1"/>
+            </a:solidFill>
+          </a:ln>
+        </p:spPr>
+        <p:style>
+          <a:lnRef idx="1">
+            <a:schemeClr val="accent1"/>
+          </a:lnRef>
+          <a:fillRef idx="0">
+            <a:schemeClr val="accent1"/>
+          </a:fillRef>
+          <a:effectRef idx="0">
+            <a:schemeClr val="accent1"/>
+          </a:effectRef>
+          <a:fontRef idx="minor">
+            <a:schemeClr val="tx1"/>
+          </a:fontRef>
+        </p:style>
+      </p:cxnSp>
     </p:spTree>
     <p:extLst>
       <p:ext uri="{BB962C8B-B14F-4D97-AF65-F5344CB8AC3E}">
-        <p14:creationId xmlns:p14="http://schemas.microsoft.com/office/powerpoint/2010/main" val="3805690469"/>
+        <p14:creationId xmlns:p14="http://schemas.microsoft.com/office/powerpoint/2010/main" val="4127508298"/>
       </p:ext>
     </p:extLst>
   </p:cSld>
@@ -5298,7 +5655,7 @@
               <a:rPr lang="en-US" sz="2400" b="1" dirty="0">
                 <a:latin typeface="Franklin Gothic Medium" panose="020B0603020102020204" pitchFamily="34" charset="0"/>
               </a:rPr>
-              <a:t>Models Explored</a:t>
+              <a:t>Models Explored: GLM Poisson</a:t>
             </a:r>
             <a:endParaRPr lang="en-US" sz="3200" b="1" dirty="0">
               <a:latin typeface="Franklin Gothic Medium" panose="020B0603020102020204" pitchFamily="34" charset="0"/>
@@ -5536,7 +5893,7 @@
           <p:cNvPr id="9" name="Title 1">
             <a:extLst>
               <a:ext uri="{FF2B5EF4-FFF2-40B4-BE49-F238E27FC236}">
-                <a16:creationId xmlns:a16="http://schemas.microsoft.com/office/drawing/2014/main" id="{D256042F-F112-41BE-967C-801517C340F2}"/>
+                <a16:creationId xmlns:a16="http://schemas.microsoft.com/office/drawing/2014/main" id="{8E6D7A67-B771-4AE1-A522-827E5BECD0EC}"/>
               </a:ext>
             </a:extLst>
           </p:cNvPr>
@@ -5582,7 +5939,7 @@
               <a:rPr lang="en-US" sz="2400" b="1" dirty="0">
                 <a:latin typeface="Franklin Gothic Medium" panose="020B0603020102020204" pitchFamily="34" charset="0"/>
               </a:rPr>
-              <a:t>Slide for Multi Linear Regression</a:t>
+              <a:t>Slide for GLM Poisson</a:t>
             </a:r>
             <a:endParaRPr lang="en-US" sz="3200" b="1" dirty="0">
               <a:latin typeface="Franklin Gothic Medium" panose="020B0603020102020204" pitchFamily="34" charset="0"/>
@@ -5590,10 +5947,92 @@
           </a:p>
         </p:txBody>
       </p:sp>
+      <p:pic>
+        <p:nvPicPr>
+          <p:cNvPr id="11" name="Picture 10">
+            <a:extLst>
+              <a:ext uri="{FF2B5EF4-FFF2-40B4-BE49-F238E27FC236}">
+                <a16:creationId xmlns:a16="http://schemas.microsoft.com/office/drawing/2014/main" id="{2F8FB462-5ECD-47B5-BCC1-5FC7C62D77D8}"/>
+              </a:ext>
+            </a:extLst>
+          </p:cNvPr>
+          <p:cNvPicPr>
+            <a:picLocks noChangeAspect="1"/>
+          </p:cNvPicPr>
+          <p:nvPr/>
+        </p:nvPicPr>
+        <p:blipFill>
+          <a:blip r:embed="rId2"/>
+          <a:stretch>
+            <a:fillRect/>
+          </a:stretch>
+        </p:blipFill>
+        <p:spPr>
+          <a:xfrm>
+            <a:off x="5177790" y="960801"/>
+            <a:ext cx="6591300" cy="4146232"/>
+          </a:xfrm>
+          <a:prstGeom prst="rect">
+            <a:avLst/>
+          </a:prstGeom>
+        </p:spPr>
+      </p:pic>
+      <p:sp>
+        <p:nvSpPr>
+          <p:cNvPr id="12" name="Oval 11">
+            <a:extLst>
+              <a:ext uri="{FF2B5EF4-FFF2-40B4-BE49-F238E27FC236}">
+                <a16:creationId xmlns:a16="http://schemas.microsoft.com/office/drawing/2014/main" id="{D531DC89-00BA-FC4E-A37F-82976E13C77E}"/>
+              </a:ext>
+            </a:extLst>
+          </p:cNvPr>
+          <p:cNvSpPr/>
+          <p:nvPr/>
+        </p:nvSpPr>
+        <p:spPr>
+          <a:xfrm>
+            <a:off x="10174146" y="111393"/>
+            <a:ext cx="1594944" cy="1359405"/>
+          </a:xfrm>
+          <a:prstGeom prst="ellipse">
+            <a:avLst/>
+          </a:prstGeom>
+          <a:solidFill>
+            <a:srgbClr val="FF0000"/>
+          </a:solidFill>
+        </p:spPr>
+        <p:style>
+          <a:lnRef idx="2">
+            <a:schemeClr val="accent1">
+              <a:shade val="50000"/>
+            </a:schemeClr>
+          </a:lnRef>
+          <a:fillRef idx="1">
+            <a:schemeClr val="accent1"/>
+          </a:fillRef>
+          <a:effectRef idx="0">
+            <a:schemeClr val="accent1"/>
+          </a:effectRef>
+          <a:fontRef idx="minor">
+            <a:schemeClr val="lt1"/>
+          </a:fontRef>
+        </p:style>
+        <p:txBody>
+          <a:bodyPr rtlCol="0" anchor="ctr"/>
+          <a:lstStyle/>
+          <a:p>
+            <a:pPr algn="ctr"/>
+            <a:r>
+              <a:rPr lang="en-US" sz="1200" dirty="0"/>
+              <a:t>Vivek, please update this slide.</a:t>
+            </a:r>
+          </a:p>
+        </p:txBody>
+      </p:sp>
     </p:spTree>
     <p:extLst>
       <p:ext uri="{BB962C8B-B14F-4D97-AF65-F5344CB8AC3E}">
-        <p14:creationId xmlns:p14="http://schemas.microsoft.com/office/powerpoint/2010/main" val="4127508298"/>
+        <p14:creationId xmlns:p14="http://schemas.microsoft.com/office/powerpoint/2010/main" val="2413399692"/>
       </p:ext>
     </p:extLst>
   </p:cSld>
@@ -5652,7 +6091,13 @@
               <a:rPr lang="en-US" sz="2400" b="1" dirty="0">
                 <a:latin typeface="Franklin Gothic Medium" panose="020B0603020102020204" pitchFamily="34" charset="0"/>
               </a:rPr>
-              <a:t>Models Explored</a:t>
+              <a:t>Models Explored: </a:t>
+            </a:r>
+            <a:r>
+              <a:rPr lang="en-US" sz="2400" b="1" dirty="0" err="1">
+                <a:latin typeface="Franklin Gothic Medium" panose="020B0603020102020204" pitchFamily="34" charset="0"/>
+              </a:rPr>
+              <a:t>PyGAM</a:t>
             </a:r>
             <a:endParaRPr lang="en-US" sz="3200" b="1" dirty="0">
               <a:latin typeface="Franklin Gothic Medium" panose="020B0603020102020204" pitchFamily="34" charset="0"/>
@@ -5890,7 +6335,7 @@
           <p:cNvPr id="9" name="Title 1">
             <a:extLst>
               <a:ext uri="{FF2B5EF4-FFF2-40B4-BE49-F238E27FC236}">
-                <a16:creationId xmlns:a16="http://schemas.microsoft.com/office/drawing/2014/main" id="{2FC2AE6C-C5EB-49A7-A141-4F12CF7FA6AE}"/>
+                <a16:creationId xmlns:a16="http://schemas.microsoft.com/office/drawing/2014/main" id="{8E6D7A67-B771-4AE1-A522-827E5BECD0EC}"/>
               </a:ext>
             </a:extLst>
           </p:cNvPr>
@@ -5901,7 +6346,7 @@
         </p:nvSpPr>
         <p:spPr>
           <a:xfrm>
-            <a:off x="1028307" y="1013259"/>
+            <a:off x="904973" y="1248562"/>
             <a:ext cx="10515600" cy="455046"/>
           </a:xfrm>
           <a:prstGeom prst="rect">
@@ -5936,7 +6381,13 @@
               <a:rPr lang="en-US" sz="2400" b="1" dirty="0">
                 <a:latin typeface="Franklin Gothic Medium" panose="020B0603020102020204" pitchFamily="34" charset="0"/>
               </a:rPr>
-              <a:t>Slide for Polynomial Regression</a:t>
+              <a:t>Slide for </a:t>
+            </a:r>
+            <a:r>
+              <a:rPr lang="en-US" sz="2400" b="1" dirty="0" err="1">
+                <a:latin typeface="Franklin Gothic Medium" panose="020B0603020102020204" pitchFamily="34" charset="0"/>
+              </a:rPr>
+              <a:t>PyGAM</a:t>
             </a:r>
             <a:endParaRPr lang="en-US" sz="3200" b="1" dirty="0">
               <a:latin typeface="Franklin Gothic Medium" panose="020B0603020102020204" pitchFamily="34" charset="0"/>
@@ -5946,38 +6397,107 @@
       </p:sp>
       <p:pic>
         <p:nvPicPr>
-          <p:cNvPr id="11" name="Picture 10">
-            <a:extLst>
-              <a:ext uri="{FF2B5EF4-FFF2-40B4-BE49-F238E27FC236}">
-                <a16:creationId xmlns:a16="http://schemas.microsoft.com/office/drawing/2014/main" id="{A2EA33CF-ACDB-4FEC-9BF5-C5FEB76BA54C}"/>
+          <p:cNvPr id="12" name="Picture 11">
+            <a:extLst>
+              <a:ext uri="{FF2B5EF4-FFF2-40B4-BE49-F238E27FC236}">
+                <a16:creationId xmlns:a16="http://schemas.microsoft.com/office/drawing/2014/main" id="{759DA93B-6898-495A-8C23-AD7F25DE37B5}"/>
               </a:ext>
             </a:extLst>
           </p:cNvPr>
           <p:cNvPicPr>
-            <a:picLocks noChangeAspect="1"/>
+            <a:picLocks noChangeAspect="1" noChangeArrowheads="1"/>
           </p:cNvPicPr>
           <p:nvPr/>
         </p:nvPicPr>
         <p:blipFill>
-          <a:blip r:embed="rId2"/>
+          <a:blip r:embed="rId2">
+            <a:extLst>
+              <a:ext uri="{28A0092B-C50C-407E-A947-70E740481C1C}">
+                <a14:useLocalDpi xmlns:a14="http://schemas.microsoft.com/office/drawing/2010/main" val="0"/>
+              </a:ext>
+            </a:extLst>
+          </a:blip>
+          <a:srcRect/>
           <a:stretch>
             <a:fillRect/>
           </a:stretch>
         </p:blipFill>
-        <p:spPr>
-          <a:xfrm>
-            <a:off x="6369279" y="1508915"/>
-            <a:ext cx="3398895" cy="3005856"/>
+        <p:spPr bwMode="auto">
+          <a:xfrm>
+            <a:off x="990632" y="1725408"/>
+            <a:ext cx="8926366" cy="2931433"/>
           </a:xfrm>
           <a:prstGeom prst="rect">
             <a:avLst/>
           </a:prstGeom>
+          <a:noFill/>
+          <a:extLst>
+            <a:ext uri="{909E8E84-426E-40DD-AFC4-6F175D3DCCD1}">
+              <a14:hiddenFill xmlns:a14="http://schemas.microsoft.com/office/drawing/2010/main">
+                <a:solidFill>
+                  <a:srgbClr val="FFFFFF"/>
+                </a:solidFill>
+              </a14:hiddenFill>
+            </a:ext>
+          </a:extLst>
         </p:spPr>
       </p:pic>
+      <p:sp>
+        <p:nvSpPr>
+          <p:cNvPr id="11" name="Oval 10">
+            <a:extLst>
+              <a:ext uri="{FF2B5EF4-FFF2-40B4-BE49-F238E27FC236}">
+                <a16:creationId xmlns:a16="http://schemas.microsoft.com/office/drawing/2014/main" id="{0E9DA8E8-38C2-9647-AD0C-36B77CF86989}"/>
+              </a:ext>
+            </a:extLst>
+          </p:cNvPr>
+          <p:cNvSpPr/>
+          <p:nvPr/>
+        </p:nvSpPr>
+        <p:spPr>
+          <a:xfrm>
+            <a:off x="10174146" y="111393"/>
+            <a:ext cx="1594944" cy="1359405"/>
+          </a:xfrm>
+          <a:prstGeom prst="ellipse">
+            <a:avLst/>
+          </a:prstGeom>
+          <a:solidFill>
+            <a:srgbClr val="FF0000"/>
+          </a:solidFill>
+        </p:spPr>
+        <p:style>
+          <a:lnRef idx="2">
+            <a:schemeClr val="accent1">
+              <a:shade val="50000"/>
+            </a:schemeClr>
+          </a:lnRef>
+          <a:fillRef idx="1">
+            <a:schemeClr val="accent1"/>
+          </a:fillRef>
+          <a:effectRef idx="0">
+            <a:schemeClr val="accent1"/>
+          </a:effectRef>
+          <a:fontRef idx="minor">
+            <a:schemeClr val="lt1"/>
+          </a:fontRef>
+        </p:style>
+        <p:txBody>
+          <a:bodyPr rtlCol="0" anchor="ctr"/>
+          <a:lstStyle/>
+          <a:p>
+            <a:pPr algn="ctr"/>
+            <a:r>
+              <a:rPr lang="en-US" sz="1200" dirty="0"/>
+              <a:t>Vivek to update this slide</a:t>
+            </a:r>
+          </a:p>
+        </p:txBody>
+      </p:sp>
     </p:spTree>
     <p:extLst>
       <p:ext uri="{BB962C8B-B14F-4D97-AF65-F5344CB8AC3E}">
-        <p14:creationId xmlns:p14="http://schemas.microsoft.com/office/powerpoint/2010/main" val="2661531509"/>
+        <p14:creationId xmlns:p14="http://schemas.microsoft.com/office/powerpoint/2010/main" val="1400687453"/>
       </p:ext>
     </p:extLst>
   </p:cSld>
@@ -6036,7 +6556,7 @@
               <a:rPr lang="en-US" sz="2400" b="1" dirty="0">
                 <a:latin typeface="Franklin Gothic Medium" panose="020B0603020102020204" pitchFamily="34" charset="0"/>
               </a:rPr>
-              <a:t>Models Explored</a:t>
+              <a:t>Models Explored: Deep Learning Models </a:t>
             </a:r>
             <a:endParaRPr lang="en-US" sz="3200" b="1" dirty="0">
               <a:latin typeface="Franklin Gothic Medium" panose="020B0603020102020204" pitchFamily="34" charset="0"/>
@@ -6096,8 +6616,8 @@
         </p:nvSpPr>
         <p:spPr>
           <a:xfrm>
-            <a:off x="838200" y="5200649"/>
-            <a:ext cx="10515600" cy="924869"/>
+            <a:off x="838199" y="5573740"/>
+            <a:ext cx="10515600" cy="1229567"/>
           </a:xfrm>
           <a:prstGeom prst="rect">
             <a:avLst/>
@@ -6130,7 +6650,7 @@
                 <a:ea typeface="Calibri" panose="020F0502020204030204" pitchFamily="34" charset="0"/>
                 <a:cs typeface="Calibri" panose="020F0502020204030204" pitchFamily="34" charset="0"/>
               </a:rPr>
-              <a:t>Point 1</a:t>
+              <a:t>All the deep learning models provided very similar results</a:t>
             </a:r>
           </a:p>
           <a:p>
@@ -6147,7 +6667,7 @@
                 <a:ea typeface="Calibri" panose="020F0502020204030204" pitchFamily="34" charset="0"/>
                 <a:cs typeface="Calibri" panose="020F0502020204030204" pitchFamily="34" charset="0"/>
               </a:rPr>
-              <a:t>Point 2</a:t>
+              <a:t>The predicted values are lagged by 5-6 days when compared to the train and test set</a:t>
             </a:r>
             <a:endParaRPr lang="en-US" sz="1800" dirty="0">
               <a:effectLst/>
@@ -6156,6 +6676,21 @@
               <a:cs typeface="Calibri" panose="020F0502020204030204" pitchFamily="34" charset="0"/>
             </a:endParaRPr>
           </a:p>
+          <a:p>
+            <a:pPr marL="285750" marR="0" indent="-285750" algn="just">
+              <a:lnSpc>
+                <a:spcPct val="110000"/>
+              </a:lnSpc>
+              <a:buFont typeface="Wingdings" panose="05000000000000000000" pitchFamily="2" charset="2"/>
+              <a:buChar char="ü"/>
+            </a:pPr>
+            <a:endParaRPr lang="en-US" sz="1800" dirty="0">
+              <a:effectLst/>
+              <a:latin typeface="Franklin Gothic Book" panose="020B0503020102020204" pitchFamily="34" charset="0"/>
+              <a:ea typeface="Calibri" panose="020F0502020204030204" pitchFamily="34" charset="0"/>
+              <a:cs typeface="Calibri" panose="020F0502020204030204" pitchFamily="34" charset="0"/>
+            </a:endParaRPr>
+          </a:p>
         </p:txBody>
       </p:sp>
       <p:cxnSp>
@@ -6172,7 +6707,7 @@
         </p:nvCxnSpPr>
         <p:spPr>
           <a:xfrm>
-            <a:off x="904973" y="5222449"/>
+            <a:off x="904973" y="5599524"/>
             <a:ext cx="10448827" cy="0"/>
           </a:xfrm>
           <a:prstGeom prst="line">
@@ -6269,99 +6804,297 @@
           </a:p>
         </p:txBody>
       </p:sp>
-      <p:sp>
-        <p:nvSpPr>
-          <p:cNvPr id="9" name="Title 1">
-            <a:extLst>
-              <a:ext uri="{FF2B5EF4-FFF2-40B4-BE49-F238E27FC236}">
-                <a16:creationId xmlns:a16="http://schemas.microsoft.com/office/drawing/2014/main" id="{8E6D7A67-B771-4AE1-A522-827E5BECD0EC}"/>
-              </a:ext>
-            </a:extLst>
-          </p:cNvPr>
-          <p:cNvSpPr txBox="1">
-            <a:spLocks/>
-          </p:cNvSpPr>
-          <p:nvPr/>
-        </p:nvSpPr>
-        <p:spPr>
-          <a:xfrm>
-            <a:off x="1018880" y="2040413"/>
-            <a:ext cx="10515600" cy="455046"/>
-          </a:xfrm>
-          <a:prstGeom prst="rect">
-            <a:avLst/>
-          </a:prstGeom>
-        </p:spPr>
-        <p:txBody>
-          <a:bodyPr vert="horz" lIns="91440" tIns="45720" rIns="91440" bIns="45720" rtlCol="0" anchor="ctr">
-            <a:normAutofit/>
-          </a:bodyPr>
-          <a:lstStyle>
-            <a:lvl1pPr algn="l" defTabSz="914400" rtl="0" eaLnBrk="1" latinLnBrk="0" hangingPunct="1">
-              <a:lnSpc>
-                <a:spcPct val="90000"/>
-              </a:lnSpc>
-              <a:spcBef>
-                <a:spcPct val="0"/>
-              </a:spcBef>
-              <a:buNone/>
-              <a:defRPr sz="4400" kern="1200">
-                <a:solidFill>
-                  <a:schemeClr val="tx1"/>
-                </a:solidFill>
-                <a:latin typeface="+mj-lt"/>
-                <a:ea typeface="+mj-ea"/>
-                <a:cs typeface="+mj-cs"/>
-              </a:defRPr>
-            </a:lvl1pPr>
-          </a:lstStyle>
-          <a:p>
-            <a:r>
-              <a:rPr lang="en-US" sz="2400" b="1" dirty="0">
-                <a:latin typeface="Franklin Gothic Medium" panose="020B0603020102020204" pitchFamily="34" charset="0"/>
-              </a:rPr>
-              <a:t>Slide for GLM Poisson</a:t>
-            </a:r>
-            <a:endParaRPr lang="en-US" sz="3200" b="1" dirty="0">
-              <a:latin typeface="Franklin Gothic Medium" panose="020B0603020102020204" pitchFamily="34" charset="0"/>
-            </a:endParaRPr>
-          </a:p>
-        </p:txBody>
-      </p:sp>
       <p:pic>
         <p:nvPicPr>
-          <p:cNvPr id="11" name="Picture 10">
-            <a:extLst>
-              <a:ext uri="{FF2B5EF4-FFF2-40B4-BE49-F238E27FC236}">
-                <a16:creationId xmlns:a16="http://schemas.microsoft.com/office/drawing/2014/main" id="{2F8FB462-5ECD-47B5-BCC1-5FC7C62D77D8}"/>
+          <p:cNvPr id="5122" name="Picture 2">
+            <a:extLst>
+              <a:ext uri="{FF2B5EF4-FFF2-40B4-BE49-F238E27FC236}">
+                <a16:creationId xmlns:a16="http://schemas.microsoft.com/office/drawing/2014/main" id="{B3FE3573-75D4-42A4-970A-A17F6B743D01}"/>
               </a:ext>
             </a:extLst>
           </p:cNvPr>
           <p:cNvPicPr>
-            <a:picLocks noChangeAspect="1"/>
+            <a:picLocks noChangeAspect="1" noChangeArrowheads="1"/>
           </p:cNvPicPr>
           <p:nvPr/>
         </p:nvPicPr>
         <p:blipFill>
-          <a:blip r:embed="rId2"/>
+          <a:blip r:embed="rId2">
+            <a:extLst>
+              <a:ext uri="{28A0092B-C50C-407E-A947-70E740481C1C}">
+                <a14:useLocalDpi xmlns:a14="http://schemas.microsoft.com/office/drawing/2010/main" val="0"/>
+              </a:ext>
+            </a:extLst>
+          </a:blip>
+          <a:srcRect/>
           <a:stretch>
             <a:fillRect/>
           </a:stretch>
         </p:blipFill>
-        <p:spPr>
-          <a:xfrm>
-            <a:off x="5177790" y="960801"/>
-            <a:ext cx="6591300" cy="4146232"/>
+        <p:spPr bwMode="auto">
+          <a:xfrm>
+            <a:off x="838200" y="834149"/>
+            <a:ext cx="4872862" cy="1578026"/>
           </a:xfrm>
           <a:prstGeom prst="rect">
             <a:avLst/>
           </a:prstGeom>
+          <a:noFill/>
+          <a:extLst>
+            <a:ext uri="{909E8E84-426E-40DD-AFC4-6F175D3DCCD1}">
+              <a14:hiddenFill xmlns:a14="http://schemas.microsoft.com/office/drawing/2010/main">
+                <a:solidFill>
+                  <a:srgbClr val="FFFFFF"/>
+                </a:solidFill>
+              </a14:hiddenFill>
+            </a:ext>
+          </a:extLst>
         </p:spPr>
       </p:pic>
+      <p:pic>
+        <p:nvPicPr>
+          <p:cNvPr id="9" name="Picture 2">
+            <a:extLst>
+              <a:ext uri="{FF2B5EF4-FFF2-40B4-BE49-F238E27FC236}">
+                <a16:creationId xmlns:a16="http://schemas.microsoft.com/office/drawing/2014/main" id="{E46FB007-FB7C-4E77-A7C6-36129F38D2C0}"/>
+              </a:ext>
+            </a:extLst>
+          </p:cNvPr>
+          <p:cNvPicPr>
+            <a:picLocks noChangeAspect="1" noChangeArrowheads="1"/>
+          </p:cNvPicPr>
+          <p:nvPr/>
+        </p:nvPicPr>
+        <p:blipFill>
+          <a:blip r:embed="rId3">
+            <a:extLst>
+              <a:ext uri="{28A0092B-C50C-407E-A947-70E740481C1C}">
+                <a14:useLocalDpi xmlns:a14="http://schemas.microsoft.com/office/drawing/2010/main" val="0"/>
+              </a:ext>
+            </a:extLst>
+          </a:blip>
+          <a:srcRect/>
+          <a:stretch>
+            <a:fillRect/>
+          </a:stretch>
+        </p:blipFill>
+        <p:spPr bwMode="auto">
+          <a:xfrm>
+            <a:off x="6213639" y="773371"/>
+            <a:ext cx="5140161" cy="1664588"/>
+          </a:xfrm>
+          <a:prstGeom prst="rect">
+            <a:avLst/>
+          </a:prstGeom>
+          <a:noFill/>
+          <a:extLst>
+            <a:ext uri="{909E8E84-426E-40DD-AFC4-6F175D3DCCD1}">
+              <a14:hiddenFill xmlns:a14="http://schemas.microsoft.com/office/drawing/2010/main">
+                <a:solidFill>
+                  <a:srgbClr val="FFFFFF"/>
+                </a:solidFill>
+              </a14:hiddenFill>
+            </a:ext>
+          </a:extLst>
+        </p:spPr>
+      </p:pic>
+      <p:pic>
+        <p:nvPicPr>
+          <p:cNvPr id="11" name="Picture 2">
+            <a:extLst>
+              <a:ext uri="{FF2B5EF4-FFF2-40B4-BE49-F238E27FC236}">
+                <a16:creationId xmlns:a16="http://schemas.microsoft.com/office/drawing/2014/main" id="{06B39282-F4D9-4173-B4D8-848B39F0EB40}"/>
+              </a:ext>
+            </a:extLst>
+          </p:cNvPr>
+          <p:cNvPicPr>
+            <a:picLocks noChangeAspect="1" noChangeArrowheads="1"/>
+          </p:cNvPicPr>
+          <p:nvPr/>
+        </p:nvPicPr>
+        <p:blipFill>
+          <a:blip r:embed="rId4">
+            <a:extLst>
+              <a:ext uri="{28A0092B-C50C-407E-A947-70E740481C1C}">
+                <a14:useLocalDpi xmlns:a14="http://schemas.microsoft.com/office/drawing/2010/main" val="0"/>
+              </a:ext>
+            </a:extLst>
+          </a:blip>
+          <a:srcRect/>
+          <a:stretch>
+            <a:fillRect/>
+          </a:stretch>
+        </p:blipFill>
+        <p:spPr bwMode="auto">
+          <a:xfrm>
+            <a:off x="838201" y="2421600"/>
+            <a:ext cx="4872862" cy="1578026"/>
+          </a:xfrm>
+          <a:prstGeom prst="rect">
+            <a:avLst/>
+          </a:prstGeom>
+          <a:noFill/>
+          <a:extLst>
+            <a:ext uri="{909E8E84-426E-40DD-AFC4-6F175D3DCCD1}">
+              <a14:hiddenFill xmlns:a14="http://schemas.microsoft.com/office/drawing/2010/main">
+                <a:solidFill>
+                  <a:srgbClr val="FFFFFF"/>
+                </a:solidFill>
+              </a14:hiddenFill>
+            </a:ext>
+          </a:extLst>
+        </p:spPr>
+      </p:pic>
+      <p:pic>
+        <p:nvPicPr>
+          <p:cNvPr id="12" name="Picture 2">
+            <a:extLst>
+              <a:ext uri="{FF2B5EF4-FFF2-40B4-BE49-F238E27FC236}">
+                <a16:creationId xmlns:a16="http://schemas.microsoft.com/office/drawing/2014/main" id="{93570502-C8D7-4592-B501-4DA9A922056B}"/>
+              </a:ext>
+            </a:extLst>
+          </p:cNvPr>
+          <p:cNvPicPr>
+            <a:picLocks noChangeAspect="1" noChangeArrowheads="1"/>
+          </p:cNvPicPr>
+          <p:nvPr/>
+        </p:nvPicPr>
+        <p:blipFill>
+          <a:blip r:embed="rId5">
+            <a:extLst>
+              <a:ext uri="{28A0092B-C50C-407E-A947-70E740481C1C}">
+                <a14:useLocalDpi xmlns:a14="http://schemas.microsoft.com/office/drawing/2010/main" val="0"/>
+              </a:ext>
+            </a:extLst>
+          </a:blip>
+          <a:srcRect/>
+          <a:stretch>
+            <a:fillRect/>
+          </a:stretch>
+        </p:blipFill>
+        <p:spPr bwMode="auto">
+          <a:xfrm>
+            <a:off x="6213639" y="2414952"/>
+            <a:ext cx="5140160" cy="1664587"/>
+          </a:xfrm>
+          <a:prstGeom prst="rect">
+            <a:avLst/>
+          </a:prstGeom>
+          <a:noFill/>
+          <a:extLst>
+            <a:ext uri="{909E8E84-426E-40DD-AFC4-6F175D3DCCD1}">
+              <a14:hiddenFill xmlns:a14="http://schemas.microsoft.com/office/drawing/2010/main">
+                <a:solidFill>
+                  <a:srgbClr val="FFFFFF"/>
+                </a:solidFill>
+              </a14:hiddenFill>
+            </a:ext>
+          </a:extLst>
+        </p:spPr>
+      </p:pic>
+      <p:pic>
+        <p:nvPicPr>
+          <p:cNvPr id="13" name="Picture 3">
+            <a:extLst>
+              <a:ext uri="{FF2B5EF4-FFF2-40B4-BE49-F238E27FC236}">
+                <a16:creationId xmlns:a16="http://schemas.microsoft.com/office/drawing/2014/main" id="{583FEF55-C1CC-4B78-9F9B-8AAC9803548A}"/>
+              </a:ext>
+            </a:extLst>
+          </p:cNvPr>
+          <p:cNvPicPr>
+            <a:picLocks noChangeAspect="1" noChangeArrowheads="1"/>
+          </p:cNvPicPr>
+          <p:nvPr/>
+        </p:nvPicPr>
+        <p:blipFill>
+          <a:blip r:embed="rId6">
+            <a:extLst>
+              <a:ext uri="{28A0092B-C50C-407E-A947-70E740481C1C}">
+                <a14:useLocalDpi xmlns:a14="http://schemas.microsoft.com/office/drawing/2010/main" val="0"/>
+              </a:ext>
+            </a:extLst>
+          </a:blip>
+          <a:srcRect/>
+          <a:stretch>
+            <a:fillRect/>
+          </a:stretch>
+        </p:blipFill>
+        <p:spPr bwMode="auto">
+          <a:xfrm>
+            <a:off x="3240519" y="3891091"/>
+            <a:ext cx="5396831" cy="1747708"/>
+          </a:xfrm>
+          <a:prstGeom prst="rect">
+            <a:avLst/>
+          </a:prstGeom>
+          <a:noFill/>
+          <a:extLst>
+            <a:ext uri="{909E8E84-426E-40DD-AFC4-6F175D3DCCD1}">
+              <a14:hiddenFill xmlns:a14="http://schemas.microsoft.com/office/drawing/2010/main">
+                <a:solidFill>
+                  <a:srgbClr val="FFFFFF"/>
+                </a:solidFill>
+              </a14:hiddenFill>
+            </a:ext>
+          </a:extLst>
+        </p:spPr>
+      </p:pic>
+      <p:sp>
+        <p:nvSpPr>
+          <p:cNvPr id="14" name="Oval 13">
+            <a:extLst>
+              <a:ext uri="{FF2B5EF4-FFF2-40B4-BE49-F238E27FC236}">
+                <a16:creationId xmlns:a16="http://schemas.microsoft.com/office/drawing/2014/main" id="{5149465C-D52B-DE4C-BA7B-3BC9D5262C5E}"/>
+              </a:ext>
+            </a:extLst>
+          </p:cNvPr>
+          <p:cNvSpPr/>
+          <p:nvPr/>
+        </p:nvSpPr>
+        <p:spPr>
+          <a:xfrm>
+            <a:off x="10301860" y="154446"/>
+            <a:ext cx="1594944" cy="1359405"/>
+          </a:xfrm>
+          <a:prstGeom prst="ellipse">
+            <a:avLst/>
+          </a:prstGeom>
+          <a:solidFill>
+            <a:srgbClr val="FF0000"/>
+          </a:solidFill>
+        </p:spPr>
+        <p:style>
+          <a:lnRef idx="2">
+            <a:schemeClr val="accent1">
+              <a:shade val="50000"/>
+            </a:schemeClr>
+          </a:lnRef>
+          <a:fillRef idx="1">
+            <a:schemeClr val="accent1"/>
+          </a:fillRef>
+          <a:effectRef idx="0">
+            <a:schemeClr val="accent1"/>
+          </a:effectRef>
+          <a:fontRef idx="minor">
+            <a:schemeClr val="lt1"/>
+          </a:fontRef>
+        </p:style>
+        <p:txBody>
+          <a:bodyPr rtlCol="0" anchor="ctr"/>
+          <a:lstStyle/>
+          <a:p>
+            <a:pPr algn="ctr"/>
+            <a:r>
+              <a:rPr lang="en-US" sz="1200" dirty="0"/>
+              <a:t>Update graphs with better results if any</a:t>
+            </a:r>
+          </a:p>
+        </p:txBody>
+      </p:sp>
     </p:spTree>
     <p:extLst>
       <p:ext uri="{BB962C8B-B14F-4D97-AF65-F5344CB8AC3E}">
-        <p14:creationId xmlns:p14="http://schemas.microsoft.com/office/powerpoint/2010/main" val="2413399692"/>
+        <p14:creationId xmlns:p14="http://schemas.microsoft.com/office/powerpoint/2010/main" val="3758432213"/>
       </p:ext>
     </p:extLst>
   </p:cSld>
@@ -6420,7 +7153,7 @@
               <a:rPr lang="en-US" sz="2400" b="1" dirty="0">
                 <a:latin typeface="Franklin Gothic Medium" panose="020B0603020102020204" pitchFamily="34" charset="0"/>
               </a:rPr>
-              <a:t>Models Explored</a:t>
+              <a:t>Models Explored: Time Series Analysis</a:t>
             </a:r>
             <a:endParaRPr lang="en-US" sz="3200" b="1" dirty="0">
               <a:latin typeface="Franklin Gothic Medium" panose="020B0603020102020204" pitchFamily="34" charset="0"/>
@@ -6480,8 +7213,8 @@
         </p:nvSpPr>
         <p:spPr>
           <a:xfrm>
-            <a:off x="838200" y="5200649"/>
-            <a:ext cx="10515600" cy="924869"/>
+            <a:off x="838200" y="5066797"/>
+            <a:ext cx="10515600" cy="1838965"/>
           </a:xfrm>
           <a:prstGeom prst="rect">
             <a:avLst/>
@@ -6508,13 +7241,12 @@
               <a:buChar char="ü"/>
             </a:pPr>
             <a:r>
-              <a:rPr lang="en-US" sz="1800" dirty="0">
-                <a:effectLst/>
+              <a:rPr lang="en-US" dirty="0">
                 <a:latin typeface="Franklin Gothic Book" panose="020B0503020102020204" pitchFamily="34" charset="0"/>
                 <a:ea typeface="Calibri" panose="020F0502020204030204" pitchFamily="34" charset="0"/>
                 <a:cs typeface="Calibri" panose="020F0502020204030204" pitchFamily="34" charset="0"/>
               </a:rPr>
-              <a:t>Point 1</a:t>
+              <a:t>On decomposing the training data into trend, seasonality and residuals, we see that there is seasonality in the data</a:t>
             </a:r>
           </a:p>
           <a:p>
@@ -6531,7 +7263,7 @@
                 <a:ea typeface="Calibri" panose="020F0502020204030204" pitchFamily="34" charset="0"/>
                 <a:cs typeface="Calibri" panose="020F0502020204030204" pitchFamily="34" charset="0"/>
               </a:rPr>
-              <a:t>Point 2</a:t>
+              <a:t>This encouraged us to split the data variable into day-of-week, day-of-month and month and investigate the models further </a:t>
             </a:r>
             <a:endParaRPr lang="en-US" sz="1800" dirty="0">
               <a:effectLst/>
@@ -6540,6 +7272,21 @@
               <a:cs typeface="Calibri" panose="020F0502020204030204" pitchFamily="34" charset="0"/>
             </a:endParaRPr>
           </a:p>
+          <a:p>
+            <a:pPr marL="285750" marR="0" indent="-285750" algn="just">
+              <a:lnSpc>
+                <a:spcPct val="110000"/>
+              </a:lnSpc>
+              <a:buFont typeface="Wingdings" panose="05000000000000000000" pitchFamily="2" charset="2"/>
+              <a:buChar char="ü"/>
+            </a:pPr>
+            <a:endParaRPr lang="en-US" sz="1800" dirty="0">
+              <a:effectLst/>
+              <a:latin typeface="Franklin Gothic Book" panose="020B0503020102020204" pitchFamily="34" charset="0"/>
+              <a:ea typeface="Calibri" panose="020F0502020204030204" pitchFamily="34" charset="0"/>
+              <a:cs typeface="Calibri" panose="020F0502020204030204" pitchFamily="34" charset="0"/>
+            </a:endParaRPr>
+          </a:p>
         </p:txBody>
       </p:sp>
       <p:cxnSp>
@@ -6556,7 +7303,7 @@
         </p:nvCxnSpPr>
         <p:spPr>
           <a:xfrm>
-            <a:off x="904973" y="5222449"/>
+            <a:off x="904973" y="5032358"/>
             <a:ext cx="10448827" cy="0"/>
           </a:xfrm>
           <a:prstGeom prst="line">
@@ -6653,77 +7400,12 @@
           </a:p>
         </p:txBody>
       </p:sp>
-      <p:sp>
-        <p:nvSpPr>
-          <p:cNvPr id="9" name="Title 1">
-            <a:extLst>
-              <a:ext uri="{FF2B5EF4-FFF2-40B4-BE49-F238E27FC236}">
-                <a16:creationId xmlns:a16="http://schemas.microsoft.com/office/drawing/2014/main" id="{8E6D7A67-B771-4AE1-A522-827E5BECD0EC}"/>
-              </a:ext>
-            </a:extLst>
-          </p:cNvPr>
-          <p:cNvSpPr txBox="1">
-            <a:spLocks/>
-          </p:cNvSpPr>
-          <p:nvPr/>
-        </p:nvSpPr>
-        <p:spPr>
-          <a:xfrm>
-            <a:off x="904973" y="1248562"/>
-            <a:ext cx="10515600" cy="455046"/>
-          </a:xfrm>
-          <a:prstGeom prst="rect">
-            <a:avLst/>
-          </a:prstGeom>
-        </p:spPr>
-        <p:txBody>
-          <a:bodyPr vert="horz" lIns="91440" tIns="45720" rIns="91440" bIns="45720" rtlCol="0" anchor="ctr">
-            <a:normAutofit/>
-          </a:bodyPr>
-          <a:lstStyle>
-            <a:lvl1pPr algn="l" defTabSz="914400" rtl="0" eaLnBrk="1" latinLnBrk="0" hangingPunct="1">
-              <a:lnSpc>
-                <a:spcPct val="90000"/>
-              </a:lnSpc>
-              <a:spcBef>
-                <a:spcPct val="0"/>
-              </a:spcBef>
-              <a:buNone/>
-              <a:defRPr sz="4400" kern="1200">
-                <a:solidFill>
-                  <a:schemeClr val="tx1"/>
-                </a:solidFill>
-                <a:latin typeface="+mj-lt"/>
-                <a:ea typeface="+mj-ea"/>
-                <a:cs typeface="+mj-cs"/>
-              </a:defRPr>
-            </a:lvl1pPr>
-          </a:lstStyle>
-          <a:p>
-            <a:r>
-              <a:rPr lang="en-US" sz="2400" b="1" dirty="0">
-                <a:latin typeface="Franklin Gothic Medium" panose="020B0603020102020204" pitchFamily="34" charset="0"/>
-              </a:rPr>
-              <a:t>Slide for </a:t>
-            </a:r>
-            <a:r>
-              <a:rPr lang="en-US" sz="2400" b="1" dirty="0" err="1">
-                <a:latin typeface="Franklin Gothic Medium" panose="020B0603020102020204" pitchFamily="34" charset="0"/>
-              </a:rPr>
-              <a:t>PyGAM</a:t>
-            </a:r>
-            <a:endParaRPr lang="en-US" sz="3200" b="1" dirty="0">
-              <a:latin typeface="Franklin Gothic Medium" panose="020B0603020102020204" pitchFamily="34" charset="0"/>
-            </a:endParaRPr>
-          </a:p>
-        </p:txBody>
-      </p:sp>
       <p:pic>
         <p:nvPicPr>
-          <p:cNvPr id="12" name="Picture 11">
-            <a:extLst>
-              <a:ext uri="{FF2B5EF4-FFF2-40B4-BE49-F238E27FC236}">
-                <a16:creationId xmlns:a16="http://schemas.microsoft.com/office/drawing/2014/main" id="{759DA93B-6898-495A-8C23-AD7F25DE37B5}"/>
+          <p:cNvPr id="3074" name="Picture 2">
+            <a:extLst>
+              <a:ext uri="{FF2B5EF4-FFF2-40B4-BE49-F238E27FC236}">
+                <a16:creationId xmlns:a16="http://schemas.microsoft.com/office/drawing/2014/main" id="{F04D9BE0-62DF-8745-9D25-94C7D1F0BF1F}"/>
               </a:ext>
             </a:extLst>
           </p:cNvPr>
@@ -6747,8 +7429,8 @@
         </p:blipFill>
         <p:spPr bwMode="auto">
           <a:xfrm>
-            <a:off x="990632" y="1725408"/>
-            <a:ext cx="8926366" cy="2931433"/>
+            <a:off x="2500131" y="1079065"/>
+            <a:ext cx="6623908" cy="3840977"/>
           </a:xfrm>
           <a:prstGeom prst="rect">
             <a:avLst/>
@@ -6768,7 +7450,7 @@
     </p:spTree>
     <p:extLst>
       <p:ext uri="{BB962C8B-B14F-4D97-AF65-F5344CB8AC3E}">
-        <p14:creationId xmlns:p14="http://schemas.microsoft.com/office/powerpoint/2010/main" val="1400687453"/>
+        <p14:creationId xmlns:p14="http://schemas.microsoft.com/office/powerpoint/2010/main" val="3210994349"/>
       </p:ext>
     </p:extLst>
   </p:cSld>
@@ -6827,7 +7509,13 @@
               <a:rPr lang="en-US" sz="2400" b="1" dirty="0">
                 <a:latin typeface="Franklin Gothic Medium" panose="020B0603020102020204" pitchFamily="34" charset="0"/>
               </a:rPr>
-              <a:t>Models Explored</a:t>
+              <a:t>Models Explored: </a:t>
+            </a:r>
+            <a:r>
+              <a:rPr lang="en-US" sz="2400" b="1" dirty="0" err="1">
+                <a:latin typeface="Franklin Gothic Medium" panose="020B0603020102020204" pitchFamily="34" charset="0"/>
+              </a:rPr>
+              <a:t>XGBoost</a:t>
             </a:r>
             <a:endParaRPr lang="en-US" sz="3200" b="1" dirty="0">
               <a:latin typeface="Franklin Gothic Medium" panose="020B0603020102020204" pitchFamily="34" charset="0"/>
@@ -6887,8 +7575,8 @@
         </p:nvSpPr>
         <p:spPr>
           <a:xfrm>
-            <a:off x="838200" y="5633963"/>
-            <a:ext cx="10515600" cy="924869"/>
+            <a:off x="838200" y="4922856"/>
+            <a:ext cx="10515600" cy="1229567"/>
           </a:xfrm>
           <a:prstGeom prst="rect">
             <a:avLst/>
@@ -6921,7 +7609,7 @@
                 <a:ea typeface="Calibri" panose="020F0502020204030204" pitchFamily="34" charset="0"/>
                 <a:cs typeface="Calibri" panose="020F0502020204030204" pitchFamily="34" charset="0"/>
               </a:rPr>
-              <a:t>Point 1</a:t>
+              <a:t>The model predicts the training and test data with better precision when compared to the other models.</a:t>
             </a:r>
           </a:p>
           <a:p>
@@ -6938,7 +7626,7 @@
                 <a:ea typeface="Calibri" panose="020F0502020204030204" pitchFamily="34" charset="0"/>
                 <a:cs typeface="Calibri" panose="020F0502020204030204" pitchFamily="34" charset="0"/>
               </a:rPr>
-              <a:t>Point 2</a:t>
+              <a:t>Accounting for seasonality by incorporating multiple date  related variables has resulted in better predictive capabilities of the model</a:t>
             </a:r>
             <a:endParaRPr lang="en-US" sz="1800" dirty="0">
               <a:effectLst/>
@@ -6963,7 +7651,7 @@
         </p:nvCxnSpPr>
         <p:spPr>
           <a:xfrm>
-            <a:off x="904973" y="5599524"/>
+            <a:off x="904973" y="4944656"/>
             <a:ext cx="10448827" cy="0"/>
           </a:xfrm>
           <a:prstGeom prst="line">
@@ -7062,15 +7750,15 @@
       </p:sp>
       <p:pic>
         <p:nvPicPr>
-          <p:cNvPr id="5122" name="Picture 2">
-            <a:extLst>
-              <a:ext uri="{FF2B5EF4-FFF2-40B4-BE49-F238E27FC236}">
-                <a16:creationId xmlns:a16="http://schemas.microsoft.com/office/drawing/2014/main" id="{B3FE3573-75D4-42A4-970A-A17F6B743D01}"/>
+          <p:cNvPr id="7" name="Picture 6" descr="Chart, line chart&#10;&#10;Description automatically generated">
+            <a:extLst>
+              <a:ext uri="{FF2B5EF4-FFF2-40B4-BE49-F238E27FC236}">
+                <a16:creationId xmlns:a16="http://schemas.microsoft.com/office/drawing/2014/main" id="{00A34CD0-0458-FC41-B2F9-EFE8A9127D9B}"/>
               </a:ext>
             </a:extLst>
           </p:cNvPr>
           <p:cNvPicPr>
-            <a:picLocks noChangeAspect="1" noChangeArrowheads="1"/>
+            <a:picLocks noChangeAspect="1"/>
           </p:cNvPicPr>
           <p:nvPr/>
         </p:nvPicPr>
@@ -7082,223 +7770,24 @@
               </a:ext>
             </a:extLst>
           </a:blip>
-          <a:srcRect/>
           <a:stretch>
             <a:fillRect/>
           </a:stretch>
         </p:blipFill>
-        <p:spPr bwMode="auto">
-          <a:xfrm>
-            <a:off x="838200" y="834149"/>
-            <a:ext cx="4872862" cy="1578026"/>
+        <p:spPr>
+          <a:xfrm>
+            <a:off x="735583" y="943054"/>
+            <a:ext cx="10787605" cy="3477364"/>
           </a:xfrm>
           <a:prstGeom prst="rect">
             <a:avLst/>
           </a:prstGeom>
-          <a:noFill/>
-          <a:extLst>
-            <a:ext uri="{909E8E84-426E-40DD-AFC4-6F175D3DCCD1}">
-              <a14:hiddenFill xmlns:a14="http://schemas.microsoft.com/office/drawing/2010/main">
-                <a:solidFill>
-                  <a:srgbClr val="FFFFFF"/>
-                </a:solidFill>
-              </a14:hiddenFill>
-            </a:ext>
-          </a:extLst>
-        </p:spPr>
-      </p:pic>
-      <p:pic>
-        <p:nvPicPr>
-          <p:cNvPr id="9" name="Picture 2">
-            <a:extLst>
-              <a:ext uri="{FF2B5EF4-FFF2-40B4-BE49-F238E27FC236}">
-                <a16:creationId xmlns:a16="http://schemas.microsoft.com/office/drawing/2014/main" id="{E46FB007-FB7C-4E77-A7C6-36129F38D2C0}"/>
-              </a:ext>
-            </a:extLst>
-          </p:cNvPr>
-          <p:cNvPicPr>
-            <a:picLocks noChangeAspect="1" noChangeArrowheads="1"/>
-          </p:cNvPicPr>
-          <p:nvPr/>
-        </p:nvPicPr>
-        <p:blipFill>
-          <a:blip r:embed="rId3">
-            <a:extLst>
-              <a:ext uri="{28A0092B-C50C-407E-A947-70E740481C1C}">
-                <a14:useLocalDpi xmlns:a14="http://schemas.microsoft.com/office/drawing/2010/main" val="0"/>
-              </a:ext>
-            </a:extLst>
-          </a:blip>
-          <a:srcRect/>
-          <a:stretch>
-            <a:fillRect/>
-          </a:stretch>
-        </p:blipFill>
-        <p:spPr bwMode="auto">
-          <a:xfrm>
-            <a:off x="6213639" y="773371"/>
-            <a:ext cx="5140161" cy="1664588"/>
-          </a:xfrm>
-          <a:prstGeom prst="rect">
-            <a:avLst/>
-          </a:prstGeom>
-          <a:noFill/>
-          <a:extLst>
-            <a:ext uri="{909E8E84-426E-40DD-AFC4-6F175D3DCCD1}">
-              <a14:hiddenFill xmlns:a14="http://schemas.microsoft.com/office/drawing/2010/main">
-                <a:solidFill>
-                  <a:srgbClr val="FFFFFF"/>
-                </a:solidFill>
-              </a14:hiddenFill>
-            </a:ext>
-          </a:extLst>
-        </p:spPr>
-      </p:pic>
-      <p:pic>
-        <p:nvPicPr>
-          <p:cNvPr id="11" name="Picture 2">
-            <a:extLst>
-              <a:ext uri="{FF2B5EF4-FFF2-40B4-BE49-F238E27FC236}">
-                <a16:creationId xmlns:a16="http://schemas.microsoft.com/office/drawing/2014/main" id="{06B39282-F4D9-4173-B4D8-848B39F0EB40}"/>
-              </a:ext>
-            </a:extLst>
-          </p:cNvPr>
-          <p:cNvPicPr>
-            <a:picLocks noChangeAspect="1" noChangeArrowheads="1"/>
-          </p:cNvPicPr>
-          <p:nvPr/>
-        </p:nvPicPr>
-        <p:blipFill>
-          <a:blip r:embed="rId4">
-            <a:extLst>
-              <a:ext uri="{28A0092B-C50C-407E-A947-70E740481C1C}">
-                <a14:useLocalDpi xmlns:a14="http://schemas.microsoft.com/office/drawing/2010/main" val="0"/>
-              </a:ext>
-            </a:extLst>
-          </a:blip>
-          <a:srcRect/>
-          <a:stretch>
-            <a:fillRect/>
-          </a:stretch>
-        </p:blipFill>
-        <p:spPr bwMode="auto">
-          <a:xfrm>
-            <a:off x="838201" y="2421600"/>
-            <a:ext cx="4872862" cy="1578026"/>
-          </a:xfrm>
-          <a:prstGeom prst="rect">
-            <a:avLst/>
-          </a:prstGeom>
-          <a:noFill/>
-          <a:extLst>
-            <a:ext uri="{909E8E84-426E-40DD-AFC4-6F175D3DCCD1}">
-              <a14:hiddenFill xmlns:a14="http://schemas.microsoft.com/office/drawing/2010/main">
-                <a:solidFill>
-                  <a:srgbClr val="FFFFFF"/>
-                </a:solidFill>
-              </a14:hiddenFill>
-            </a:ext>
-          </a:extLst>
-        </p:spPr>
-      </p:pic>
-      <p:pic>
-        <p:nvPicPr>
-          <p:cNvPr id="12" name="Picture 2">
-            <a:extLst>
-              <a:ext uri="{FF2B5EF4-FFF2-40B4-BE49-F238E27FC236}">
-                <a16:creationId xmlns:a16="http://schemas.microsoft.com/office/drawing/2014/main" id="{93570502-C8D7-4592-B501-4DA9A922056B}"/>
-              </a:ext>
-            </a:extLst>
-          </p:cNvPr>
-          <p:cNvPicPr>
-            <a:picLocks noChangeAspect="1" noChangeArrowheads="1"/>
-          </p:cNvPicPr>
-          <p:nvPr/>
-        </p:nvPicPr>
-        <p:blipFill>
-          <a:blip r:embed="rId5">
-            <a:extLst>
-              <a:ext uri="{28A0092B-C50C-407E-A947-70E740481C1C}">
-                <a14:useLocalDpi xmlns:a14="http://schemas.microsoft.com/office/drawing/2010/main" val="0"/>
-              </a:ext>
-            </a:extLst>
-          </a:blip>
-          <a:srcRect/>
-          <a:stretch>
-            <a:fillRect/>
-          </a:stretch>
-        </p:blipFill>
-        <p:spPr bwMode="auto">
-          <a:xfrm>
-            <a:off x="6213639" y="2414952"/>
-            <a:ext cx="5140160" cy="1664587"/>
-          </a:xfrm>
-          <a:prstGeom prst="rect">
-            <a:avLst/>
-          </a:prstGeom>
-          <a:noFill/>
-          <a:extLst>
-            <a:ext uri="{909E8E84-426E-40DD-AFC4-6F175D3DCCD1}">
-              <a14:hiddenFill xmlns:a14="http://schemas.microsoft.com/office/drawing/2010/main">
-                <a:solidFill>
-                  <a:srgbClr val="FFFFFF"/>
-                </a:solidFill>
-              </a14:hiddenFill>
-            </a:ext>
-          </a:extLst>
-        </p:spPr>
-      </p:pic>
-      <p:pic>
-        <p:nvPicPr>
-          <p:cNvPr id="13" name="Picture 3">
-            <a:extLst>
-              <a:ext uri="{FF2B5EF4-FFF2-40B4-BE49-F238E27FC236}">
-                <a16:creationId xmlns:a16="http://schemas.microsoft.com/office/drawing/2014/main" id="{583FEF55-C1CC-4B78-9F9B-8AAC9803548A}"/>
-              </a:ext>
-            </a:extLst>
-          </p:cNvPr>
-          <p:cNvPicPr>
-            <a:picLocks noChangeAspect="1" noChangeArrowheads="1"/>
-          </p:cNvPicPr>
-          <p:nvPr/>
-        </p:nvPicPr>
-        <p:blipFill>
-          <a:blip r:embed="rId6">
-            <a:extLst>
-              <a:ext uri="{28A0092B-C50C-407E-A947-70E740481C1C}">
-                <a14:useLocalDpi xmlns:a14="http://schemas.microsoft.com/office/drawing/2010/main" val="0"/>
-              </a:ext>
-            </a:extLst>
-          </a:blip>
-          <a:srcRect/>
-          <a:stretch>
-            <a:fillRect/>
-          </a:stretch>
-        </p:blipFill>
-        <p:spPr bwMode="auto">
-          <a:xfrm>
-            <a:off x="3240519" y="3891091"/>
-            <a:ext cx="5396831" cy="1747708"/>
-          </a:xfrm>
-          <a:prstGeom prst="rect">
-            <a:avLst/>
-          </a:prstGeom>
-          <a:noFill/>
-          <a:extLst>
-            <a:ext uri="{909E8E84-426E-40DD-AFC4-6F175D3DCCD1}">
-              <a14:hiddenFill xmlns:a14="http://schemas.microsoft.com/office/drawing/2010/main">
-                <a:solidFill>
-                  <a:srgbClr val="FFFFFF"/>
-                </a:solidFill>
-              </a14:hiddenFill>
-            </a:ext>
-          </a:extLst>
         </p:spPr>
       </p:pic>
     </p:spTree>
     <p:extLst>
       <p:ext uri="{BB962C8B-B14F-4D97-AF65-F5344CB8AC3E}">
-        <p14:creationId xmlns:p14="http://schemas.microsoft.com/office/powerpoint/2010/main" val="3758432213"/>
+        <p14:creationId xmlns:p14="http://schemas.microsoft.com/office/powerpoint/2010/main" val="3995617380"/>
       </p:ext>
     </p:extLst>
   </p:cSld>
@@ -7403,88 +7892,12 @@
           </a:p>
         </p:txBody>
       </p:sp>
-      <p:sp>
-        <p:nvSpPr>
-          <p:cNvPr id="6" name="TextBox 5">
-            <a:extLst>
-              <a:ext uri="{FF2B5EF4-FFF2-40B4-BE49-F238E27FC236}">
-                <a16:creationId xmlns:a16="http://schemas.microsoft.com/office/drawing/2014/main" id="{F4436B14-D460-4362-8154-9146B1ACBA73}"/>
-              </a:ext>
-            </a:extLst>
-          </p:cNvPr>
-          <p:cNvSpPr txBox="1"/>
-          <p:nvPr/>
-        </p:nvSpPr>
-        <p:spPr>
-          <a:xfrm>
-            <a:off x="838200" y="5200649"/>
-            <a:ext cx="10515600" cy="924869"/>
-          </a:xfrm>
-          <a:prstGeom prst="rect">
-            <a:avLst/>
-          </a:prstGeom>
-          <a:noFill/>
-        </p:spPr>
-        <p:txBody>
-          <a:bodyPr wrap="square" rtlCol="0">
-            <a:spAutoFit/>
-          </a:bodyPr>
-          <a:lstStyle/>
-          <a:p>
-            <a:r>
-              <a:rPr lang="en-US" sz="1600" b="1" i="1" dirty="0"/>
-              <a:t>TAKE AWAY</a:t>
-            </a:r>
-          </a:p>
-          <a:p>
-            <a:pPr marL="285750" marR="0" indent="-285750" algn="just">
-              <a:lnSpc>
-                <a:spcPct val="110000"/>
-              </a:lnSpc>
-              <a:buFont typeface="Wingdings" panose="05000000000000000000" pitchFamily="2" charset="2"/>
-              <a:buChar char="ü"/>
-            </a:pPr>
-            <a:r>
-              <a:rPr lang="en-US" sz="1800" dirty="0">
-                <a:effectLst/>
-                <a:latin typeface="Franklin Gothic Book" panose="020B0503020102020204" pitchFamily="34" charset="0"/>
-                <a:ea typeface="Calibri" panose="020F0502020204030204" pitchFamily="34" charset="0"/>
-                <a:cs typeface="Calibri" panose="020F0502020204030204" pitchFamily="34" charset="0"/>
-              </a:rPr>
-              <a:t>Point 1</a:t>
-            </a:r>
-          </a:p>
-          <a:p>
-            <a:pPr marL="285750" marR="0" indent="-285750" algn="just">
-              <a:lnSpc>
-                <a:spcPct val="110000"/>
-              </a:lnSpc>
-              <a:buFont typeface="Wingdings" panose="05000000000000000000" pitchFamily="2" charset="2"/>
-              <a:buChar char="ü"/>
-            </a:pPr>
-            <a:r>
-              <a:rPr lang="en-US" dirty="0">
-                <a:latin typeface="Franklin Gothic Book" panose="020B0503020102020204" pitchFamily="34" charset="0"/>
-                <a:ea typeface="Calibri" panose="020F0502020204030204" pitchFamily="34" charset="0"/>
-                <a:cs typeface="Calibri" panose="020F0502020204030204" pitchFamily="34" charset="0"/>
-              </a:rPr>
-              <a:t>Point 2</a:t>
-            </a:r>
-            <a:endParaRPr lang="en-US" sz="1800" dirty="0">
-              <a:effectLst/>
-              <a:latin typeface="Franklin Gothic Book" panose="020B0503020102020204" pitchFamily="34" charset="0"/>
-              <a:ea typeface="Calibri" panose="020F0502020204030204" pitchFamily="34" charset="0"/>
-              <a:cs typeface="Calibri" panose="020F0502020204030204" pitchFamily="34" charset="0"/>
-            </a:endParaRPr>
-          </a:p>
-        </p:txBody>
-      </p:sp>
       <p:cxnSp>
         <p:nvCxnSpPr>
-          <p:cNvPr id="8" name="Straight Connector 7">
-            <a:extLst>
-              <a:ext uri="{FF2B5EF4-FFF2-40B4-BE49-F238E27FC236}">
-                <a16:creationId xmlns:a16="http://schemas.microsoft.com/office/drawing/2014/main" id="{D53E0C48-748C-48C9-8D14-FE95F617EFA8}"/>
+          <p:cNvPr id="10" name="Straight Connector 9">
+            <a:extLst>
+              <a:ext uri="{FF2B5EF4-FFF2-40B4-BE49-F238E27FC236}">
+                <a16:creationId xmlns:a16="http://schemas.microsoft.com/office/drawing/2014/main" id="{8D0CEF7C-C41E-43DD-A846-F57F5A18AFAD}"/>
               </a:ext>
             </a:extLst>
           </p:cNvPr>
@@ -7493,7 +7906,7 @@
         </p:nvCxnSpPr>
         <p:spPr>
           <a:xfrm>
-            <a:off x="904973" y="5222449"/>
+            <a:off x="904973" y="782426"/>
             <a:ext cx="10448827" cy="0"/>
           </a:xfrm>
           <a:prstGeom prst="line">
@@ -7520,116 +7933,293 @@
           </a:fontRef>
         </p:style>
       </p:cxnSp>
-      <p:cxnSp>
-        <p:nvCxnSpPr>
-          <p:cNvPr id="10" name="Straight Connector 9">
-            <a:extLst>
-              <a:ext uri="{FF2B5EF4-FFF2-40B4-BE49-F238E27FC236}">
-                <a16:creationId xmlns:a16="http://schemas.microsoft.com/office/drawing/2014/main" id="{8D0CEF7C-C41E-43DD-A846-F57F5A18AFAD}"/>
-              </a:ext>
-            </a:extLst>
-          </p:cNvPr>
-          <p:cNvCxnSpPr/>
+      <p:sp>
+        <p:nvSpPr>
+          <p:cNvPr id="5" name="Slide Number Placeholder 4">
+            <a:extLst>
+              <a:ext uri="{FF2B5EF4-FFF2-40B4-BE49-F238E27FC236}">
+                <a16:creationId xmlns:a16="http://schemas.microsoft.com/office/drawing/2014/main" id="{C4021966-D6A1-4766-811B-818BF9D2E172}"/>
+              </a:ext>
+            </a:extLst>
+          </p:cNvPr>
+          <p:cNvSpPr>
+            <a:spLocks noGrp="1"/>
+          </p:cNvSpPr>
+          <p:nvPr>
+            <p:ph type="sldNum" sz="quarter" idx="12"/>
+          </p:nvPr>
+        </p:nvSpPr>
+        <p:spPr/>
+        <p:txBody>
+          <a:bodyPr/>
+          <a:lstStyle/>
+          <a:p>
+            <a:fld id="{0E267267-BF27-42DB-AB6A-E6E964C8A9EC}" type="slidenum">
+              <a:rPr lang="en-US" smtClean="0"/>
+              <a:t>18</a:t>
+            </a:fld>
+            <a:endParaRPr lang="en-US"/>
+          </a:p>
+        </p:txBody>
+      </p:sp>
+      <p:pic>
+        <p:nvPicPr>
+          <p:cNvPr id="7" name="Picture 6">
+            <a:extLst>
+              <a:ext uri="{FF2B5EF4-FFF2-40B4-BE49-F238E27FC236}">
+                <a16:creationId xmlns:a16="http://schemas.microsoft.com/office/drawing/2014/main" id="{D865F560-DFF9-47FA-97B9-3FD800264818}"/>
+              </a:ext>
+            </a:extLst>
+          </p:cNvPr>
+          <p:cNvPicPr>
+            <a:picLocks noChangeAspect="1"/>
+          </p:cNvPicPr>
           <p:nvPr/>
-        </p:nvCxnSpPr>
+        </p:nvPicPr>
+        <p:blipFill>
+          <a:blip r:embed="rId2"/>
+          <a:stretch>
+            <a:fillRect/>
+          </a:stretch>
+        </p:blipFill>
         <p:spPr>
           <a:xfrm>
-            <a:off x="904973" y="782426"/>
-            <a:ext cx="10448827" cy="0"/>
-          </a:xfrm>
-          <a:prstGeom prst="line">
+            <a:off x="492297" y="1632843"/>
+            <a:ext cx="6569568" cy="4206240"/>
+          </a:xfrm>
+          <a:prstGeom prst="rect">
             <a:avLst/>
           </a:prstGeom>
-          <a:ln>
-            <a:solidFill>
-              <a:schemeClr val="tx1"/>
-            </a:solidFill>
-          </a:ln>
+        </p:spPr>
+      </p:pic>
+      <p:sp>
+        <p:nvSpPr>
+          <p:cNvPr id="8" name="Oval 7">
+            <a:extLst>
+              <a:ext uri="{FF2B5EF4-FFF2-40B4-BE49-F238E27FC236}">
+                <a16:creationId xmlns:a16="http://schemas.microsoft.com/office/drawing/2014/main" id="{23C6B7F7-99C2-CE4D-B8EB-704879848020}"/>
+              </a:ext>
+            </a:extLst>
+          </p:cNvPr>
+          <p:cNvSpPr/>
+          <p:nvPr/>
+        </p:nvSpPr>
+        <p:spPr>
+          <a:xfrm>
+            <a:off x="10174146" y="111393"/>
+            <a:ext cx="1594944" cy="1359405"/>
+          </a:xfrm>
+          <a:prstGeom prst="ellipse">
+            <a:avLst/>
+          </a:prstGeom>
+          <a:solidFill>
+            <a:srgbClr val="FF0000"/>
+          </a:solidFill>
         </p:spPr>
         <p:style>
-          <a:lnRef idx="1">
-            <a:schemeClr val="accent1"/>
+          <a:lnRef idx="2">
+            <a:schemeClr val="accent1">
+              <a:shade val="50000"/>
+            </a:schemeClr>
           </a:lnRef>
-          <a:fillRef idx="0">
+          <a:fillRef idx="1">
             <a:schemeClr val="accent1"/>
           </a:fillRef>
           <a:effectRef idx="0">
             <a:schemeClr val="accent1"/>
           </a:effectRef>
           <a:fontRef idx="minor">
-            <a:schemeClr val="tx1"/>
+            <a:schemeClr val="lt1"/>
           </a:fontRef>
         </p:style>
-      </p:cxnSp>
-      <p:sp>
-        <p:nvSpPr>
-          <p:cNvPr id="5" name="Slide Number Placeholder 4">
-            <a:extLst>
-              <a:ext uri="{FF2B5EF4-FFF2-40B4-BE49-F238E27FC236}">
-                <a16:creationId xmlns:a16="http://schemas.microsoft.com/office/drawing/2014/main" id="{D475A8ED-3498-44C1-856C-F280AF21A4DC}"/>
-              </a:ext>
-            </a:extLst>
-          </p:cNvPr>
-          <p:cNvSpPr>
-            <a:spLocks noGrp="1"/>
-          </p:cNvSpPr>
-          <p:nvPr>
-            <p:ph type="sldNum" sz="quarter" idx="12"/>
-          </p:nvPr>
-        </p:nvSpPr>
-        <p:spPr/>
-        <p:txBody>
-          <a:bodyPr/>
-          <a:lstStyle/>
-          <a:p>
-            <a:fld id="{0E267267-BF27-42DB-AB6A-E6E964C8A9EC}" type="slidenum">
-              <a:rPr lang="en-US" smtClean="0"/>
-              <a:t>18</a:t>
-            </a:fld>
-            <a:endParaRPr lang="en-US"/>
-          </a:p>
-        </p:txBody>
-      </p:sp>
-      <p:pic>
-        <p:nvPicPr>
-          <p:cNvPr id="7" name="Picture 6" descr="Chart, line chart&#10;&#10;Description automatically generated">
-            <a:extLst>
-              <a:ext uri="{FF2B5EF4-FFF2-40B4-BE49-F238E27FC236}">
-                <a16:creationId xmlns:a16="http://schemas.microsoft.com/office/drawing/2014/main" id="{00A34CD0-0458-FC41-B2F9-EFE8A9127D9B}"/>
-              </a:ext>
-            </a:extLst>
-          </p:cNvPr>
-          <p:cNvPicPr>
-            <a:picLocks noChangeAspect="1"/>
-          </p:cNvPicPr>
+        <p:txBody>
+          <a:bodyPr rtlCol="0" anchor="ctr"/>
+          <a:lstStyle/>
+          <a:p>
+            <a:pPr algn="ctr"/>
+            <a:r>
+              <a:rPr lang="en-US" sz="1200" dirty="0"/>
+              <a:t>Run all models and update output</a:t>
+            </a:r>
+          </a:p>
+        </p:txBody>
+      </p:sp>
+      <p:sp>
+        <p:nvSpPr>
+          <p:cNvPr id="9" name="TextBox 8">
+            <a:extLst>
+              <a:ext uri="{FF2B5EF4-FFF2-40B4-BE49-F238E27FC236}">
+                <a16:creationId xmlns:a16="http://schemas.microsoft.com/office/drawing/2014/main" id="{7E2EA721-75AC-B64F-905F-C4F56FA5A35E}"/>
+              </a:ext>
+            </a:extLst>
+          </p:cNvPr>
+          <p:cNvSpPr txBox="1"/>
           <p:nvPr/>
-        </p:nvPicPr>
-        <p:blipFill>
-          <a:blip r:embed="rId2">
-            <a:extLst>
-              <a:ext uri="{28A0092B-C50C-407E-A947-70E740481C1C}">
-                <a14:useLocalDpi xmlns:a14="http://schemas.microsoft.com/office/drawing/2010/main" val="0"/>
-              </a:ext>
-            </a:extLst>
-          </a:blip>
-          <a:stretch>
-            <a:fillRect/>
-          </a:stretch>
-        </p:blipFill>
+        </p:nvSpPr>
         <p:spPr>
           <a:xfrm>
-            <a:off x="735583" y="943054"/>
-            <a:ext cx="10787605" cy="3477364"/>
+            <a:off x="7365839" y="1714871"/>
+            <a:ext cx="4396077" cy="4885953"/>
           </a:xfrm>
           <a:prstGeom prst="rect">
             <a:avLst/>
           </a:prstGeom>
-        </p:spPr>
-      </p:pic>
+          <a:noFill/>
+        </p:spPr>
+        <p:txBody>
+          <a:bodyPr wrap="square" rtlCol="0">
+            <a:spAutoFit/>
+          </a:bodyPr>
+          <a:lstStyle/>
+          <a:p>
+            <a:r>
+              <a:rPr lang="en-US" sz="1600" b="1" i="1" dirty="0"/>
+              <a:t>TAKE AWAY</a:t>
+            </a:r>
+          </a:p>
+          <a:p>
+            <a:pPr marL="285750" marR="0" indent="-285750" algn="just">
+              <a:lnSpc>
+                <a:spcPct val="110000"/>
+              </a:lnSpc>
+              <a:buFont typeface="Wingdings" panose="05000000000000000000" pitchFamily="2" charset="2"/>
+              <a:buChar char="ü"/>
+            </a:pPr>
+            <a:r>
+              <a:rPr lang="en-US" dirty="0">
+                <a:latin typeface="Franklin Gothic Book" panose="020B0503020102020204" pitchFamily="34" charset="0"/>
+                <a:ea typeface="Calibri" panose="020F0502020204030204" pitchFamily="34" charset="0"/>
+                <a:cs typeface="Calibri" panose="020F0502020204030204" pitchFamily="34" charset="0"/>
+              </a:rPr>
+              <a:t>Since this is a regression problem with a strong underlying linear relationship, RMSE, MAE and MAPE have been used to compare models.</a:t>
+            </a:r>
+          </a:p>
+          <a:p>
+            <a:pPr marL="285750" marR="0" indent="-285750" algn="just">
+              <a:lnSpc>
+                <a:spcPct val="110000"/>
+              </a:lnSpc>
+              <a:buFont typeface="Wingdings" panose="05000000000000000000" pitchFamily="2" charset="2"/>
+              <a:buChar char="ü"/>
+            </a:pPr>
+            <a:r>
+              <a:rPr lang="en-US" dirty="0">
+                <a:latin typeface="Franklin Gothic Book" panose="020B0503020102020204" pitchFamily="34" charset="0"/>
+                <a:ea typeface="Calibri" panose="020F0502020204030204" pitchFamily="34" charset="0"/>
+                <a:cs typeface="Calibri" panose="020F0502020204030204" pitchFamily="34" charset="0"/>
+              </a:rPr>
+              <a:t>While persistence model has performed very well, </a:t>
+            </a:r>
+            <a:r>
+              <a:rPr lang="en-US" dirty="0" err="1">
+                <a:latin typeface="Franklin Gothic Book" panose="020B0503020102020204" pitchFamily="34" charset="0"/>
+                <a:ea typeface="Calibri" panose="020F0502020204030204" pitchFamily="34" charset="0"/>
+                <a:cs typeface="Calibri" panose="020F0502020204030204" pitchFamily="34" charset="0"/>
+              </a:rPr>
+              <a:t>XGBoost</a:t>
+            </a:r>
+            <a:r>
+              <a:rPr lang="en-US" dirty="0">
+                <a:latin typeface="Franklin Gothic Book" panose="020B0503020102020204" pitchFamily="34" charset="0"/>
+                <a:ea typeface="Calibri" panose="020F0502020204030204" pitchFamily="34" charset="0"/>
+                <a:cs typeface="Calibri" panose="020F0502020204030204" pitchFamily="34" charset="0"/>
+              </a:rPr>
+              <a:t> is a close second with a low RMSE of </a:t>
+            </a:r>
+            <a:r>
+              <a:rPr lang="en-US" dirty="0">
+                <a:solidFill>
+                  <a:srgbClr val="FF0000"/>
+                </a:solidFill>
+                <a:latin typeface="Franklin Gothic Book" panose="020B0503020102020204" pitchFamily="34" charset="0"/>
+                <a:ea typeface="Calibri" panose="020F0502020204030204" pitchFamily="34" charset="0"/>
+                <a:cs typeface="Calibri" panose="020F0502020204030204" pitchFamily="34" charset="0"/>
+              </a:rPr>
+              <a:t>0.01. </a:t>
+            </a:r>
+          </a:p>
+          <a:p>
+            <a:pPr marL="285750" marR="0" indent="-285750" algn="just">
+              <a:lnSpc>
+                <a:spcPct val="110000"/>
+              </a:lnSpc>
+              <a:buFont typeface="Wingdings" panose="05000000000000000000" pitchFamily="2" charset="2"/>
+              <a:buChar char="ü"/>
+            </a:pPr>
+            <a:r>
+              <a:rPr lang="en-US" dirty="0">
+                <a:latin typeface="Franklin Gothic Book" panose="020B0503020102020204" pitchFamily="34" charset="0"/>
+                <a:ea typeface="Calibri" panose="020F0502020204030204" pitchFamily="34" charset="0"/>
+                <a:cs typeface="Calibri" panose="020F0502020204030204" pitchFamily="34" charset="0"/>
+              </a:rPr>
+              <a:t>The R-Squared values of Persistence, </a:t>
+            </a:r>
+            <a:r>
+              <a:rPr lang="en-US" dirty="0" err="1">
+                <a:latin typeface="Franklin Gothic Book" panose="020B0503020102020204" pitchFamily="34" charset="0"/>
+                <a:ea typeface="Calibri" panose="020F0502020204030204" pitchFamily="34" charset="0"/>
+                <a:cs typeface="Calibri" panose="020F0502020204030204" pitchFamily="34" charset="0"/>
+              </a:rPr>
+              <a:t>XGBoost</a:t>
+            </a:r>
+            <a:r>
+              <a:rPr lang="en-US" dirty="0">
+                <a:latin typeface="Franklin Gothic Book" panose="020B0503020102020204" pitchFamily="34" charset="0"/>
+                <a:ea typeface="Calibri" panose="020F0502020204030204" pitchFamily="34" charset="0"/>
+                <a:cs typeface="Calibri" panose="020F0502020204030204" pitchFamily="34" charset="0"/>
+              </a:rPr>
+              <a:t> and CNN are highly positive indicating that the predictor variables have been able to explain the variance in the response variable well.</a:t>
+            </a:r>
+          </a:p>
+          <a:p>
+            <a:pPr marL="285750" marR="0" indent="-285750" algn="just">
+              <a:lnSpc>
+                <a:spcPct val="110000"/>
+              </a:lnSpc>
+              <a:buFont typeface="Wingdings" panose="05000000000000000000" pitchFamily="2" charset="2"/>
+              <a:buChar char="ü"/>
+            </a:pPr>
+            <a:endParaRPr lang="en-US" dirty="0">
+              <a:latin typeface="Franklin Gothic Book" panose="020B0503020102020204" pitchFamily="34" charset="0"/>
+              <a:ea typeface="Calibri" panose="020F0502020204030204" pitchFamily="34" charset="0"/>
+              <a:cs typeface="Calibri" panose="020F0502020204030204" pitchFamily="34" charset="0"/>
+            </a:endParaRPr>
+          </a:p>
+          <a:p>
+            <a:pPr marL="285750" marR="0" indent="-285750" algn="just">
+              <a:lnSpc>
+                <a:spcPct val="110000"/>
+              </a:lnSpc>
+              <a:buFont typeface="Wingdings" panose="05000000000000000000" pitchFamily="2" charset="2"/>
+              <a:buChar char="ü"/>
+            </a:pPr>
+            <a:endParaRPr lang="en-US" dirty="0">
+              <a:latin typeface="Franklin Gothic Book" panose="020B0503020102020204" pitchFamily="34" charset="0"/>
+              <a:ea typeface="Calibri" panose="020F0502020204030204" pitchFamily="34" charset="0"/>
+              <a:cs typeface="Calibri" panose="020F0502020204030204" pitchFamily="34" charset="0"/>
+            </a:endParaRPr>
+          </a:p>
+          <a:p>
+            <a:pPr marL="285750" marR="0" indent="-285750" algn="just">
+              <a:lnSpc>
+                <a:spcPct val="110000"/>
+              </a:lnSpc>
+              <a:buFont typeface="Wingdings" panose="05000000000000000000" pitchFamily="2" charset="2"/>
+              <a:buChar char="ü"/>
+            </a:pPr>
+            <a:endParaRPr lang="en-US" sz="1800" dirty="0">
+              <a:effectLst/>
+              <a:latin typeface="Franklin Gothic Book" panose="020B0503020102020204" pitchFamily="34" charset="0"/>
+              <a:ea typeface="Calibri" panose="020F0502020204030204" pitchFamily="34" charset="0"/>
+              <a:cs typeface="Calibri" panose="020F0502020204030204" pitchFamily="34" charset="0"/>
+            </a:endParaRPr>
+          </a:p>
+        </p:txBody>
+      </p:sp>
     </p:spTree>
     <p:extLst>
       <p:ext uri="{BB962C8B-B14F-4D97-AF65-F5344CB8AC3E}">
-        <p14:creationId xmlns:p14="http://schemas.microsoft.com/office/powerpoint/2010/main" val="3995617380"/>
+        <p14:creationId xmlns:p14="http://schemas.microsoft.com/office/powerpoint/2010/main" val="1906288025"/>
       </p:ext>
     </p:extLst>
   </p:cSld>
@@ -7688,7 +8278,7 @@
               <a:rPr lang="en-US" sz="2400" b="1" dirty="0">
                 <a:latin typeface="Franklin Gothic Medium" panose="020B0603020102020204" pitchFamily="34" charset="0"/>
               </a:rPr>
-              <a:t>Models Explored</a:t>
+              <a:t>Conclusion</a:t>
             </a:r>
             <a:endParaRPr lang="en-US" sz="3200" b="1" dirty="0">
               <a:latin typeface="Franklin Gothic Medium" panose="020B0603020102020204" pitchFamily="34" charset="0"/>
@@ -7780,7 +8370,7 @@
           <p:cNvPr id="5" name="Slide Number Placeholder 4">
             <a:extLst>
               <a:ext uri="{FF2B5EF4-FFF2-40B4-BE49-F238E27FC236}">
-                <a16:creationId xmlns:a16="http://schemas.microsoft.com/office/drawing/2014/main" id="{C4021966-D6A1-4766-811B-818BF9D2E172}"/>
+                <a16:creationId xmlns:a16="http://schemas.microsoft.com/office/drawing/2014/main" id="{F351C912-7FF3-4029-96F6-792E647D266E}"/>
               </a:ext>
             </a:extLst>
           </p:cNvPr>
@@ -7804,40 +8394,214 @@
           </a:p>
         </p:txBody>
       </p:sp>
-      <p:pic>
-        <p:nvPicPr>
-          <p:cNvPr id="7" name="Picture 6">
-            <a:extLst>
-              <a:ext uri="{FF2B5EF4-FFF2-40B4-BE49-F238E27FC236}">
-                <a16:creationId xmlns:a16="http://schemas.microsoft.com/office/drawing/2014/main" id="{D865F560-DFF9-47FA-97B9-3FD800264818}"/>
-              </a:ext>
-            </a:extLst>
-          </p:cNvPr>
-          <p:cNvPicPr>
-            <a:picLocks noChangeAspect="1"/>
-          </p:cNvPicPr>
+      <p:sp>
+        <p:nvSpPr>
+          <p:cNvPr id="7" name="TextBox 6">
+            <a:extLst>
+              <a:ext uri="{FF2B5EF4-FFF2-40B4-BE49-F238E27FC236}">
+                <a16:creationId xmlns:a16="http://schemas.microsoft.com/office/drawing/2014/main" id="{4C4F9FF2-C5F4-AF4F-AAD7-C88AD272E94B}"/>
+              </a:ext>
+            </a:extLst>
+          </p:cNvPr>
+          <p:cNvSpPr txBox="1"/>
           <p:nvPr/>
-        </p:nvPicPr>
-        <p:blipFill>
-          <a:blip r:embed="rId2"/>
-          <a:stretch>
-            <a:fillRect/>
-          </a:stretch>
-        </p:blipFill>
+        </p:nvSpPr>
         <p:spPr>
           <a:xfrm>
-            <a:off x="2529014" y="1138237"/>
-            <a:ext cx="7155711" cy="4581525"/>
+            <a:off x="681135" y="1080062"/>
+            <a:ext cx="10515600" cy="4030334"/>
           </a:xfrm>
           <a:prstGeom prst="rect">
             <a:avLst/>
           </a:prstGeom>
-        </p:spPr>
-      </p:pic>
+          <a:noFill/>
+        </p:spPr>
+        <p:txBody>
+          <a:bodyPr wrap="square" rtlCol="0">
+            <a:spAutoFit/>
+          </a:bodyPr>
+          <a:lstStyle/>
+          <a:p>
+            <a:pPr marL="285750" marR="0" indent="-285750" algn="just">
+              <a:lnSpc>
+                <a:spcPct val="110000"/>
+              </a:lnSpc>
+              <a:buFont typeface="Wingdings" panose="05000000000000000000" pitchFamily="2" charset="2"/>
+              <a:buChar char="ü"/>
+            </a:pPr>
+            <a:r>
+              <a:rPr lang="en-US" sz="1800" dirty="0">
+                <a:effectLst/>
+                <a:latin typeface="Franklin Gothic Book" panose="020B0503020102020204" pitchFamily="34" charset="0"/>
+                <a:ea typeface="Calibri" panose="020F0502020204030204" pitchFamily="34" charset="0"/>
+                <a:cs typeface="Calibri" panose="020F0502020204030204" pitchFamily="34" charset="0"/>
+              </a:rPr>
+              <a:t>Adding th</a:t>
+            </a:r>
+            <a:r>
+              <a:rPr lang="en-US" dirty="0">
+                <a:latin typeface="Franklin Gothic Book" panose="020B0503020102020204" pitchFamily="34" charset="0"/>
+                <a:ea typeface="Calibri" panose="020F0502020204030204" pitchFamily="34" charset="0"/>
+                <a:cs typeface="Calibri" panose="020F0502020204030204" pitchFamily="34" charset="0"/>
+              </a:rPr>
+              <a:t>e output of the persistence model as an input variable has improved the predictive capabilities of all models. This shows that there is a significant relation between covid cases counts of the future and the past. </a:t>
+            </a:r>
+            <a:r>
+              <a:rPr lang="en-US" sz="1800" dirty="0">
+                <a:effectLst/>
+                <a:latin typeface="Franklin Gothic Book" panose="020B0503020102020204" pitchFamily="34" charset="0"/>
+                <a:ea typeface="Calibri" panose="020F0502020204030204" pitchFamily="34" charset="0"/>
+                <a:cs typeface="Calibri" panose="020F0502020204030204" pitchFamily="34" charset="0"/>
+              </a:rPr>
+              <a:t>We have predicted a particular day’s case count using the previous day’s case count.</a:t>
+            </a:r>
+          </a:p>
+          <a:p>
+            <a:pPr marL="285750" marR="0" indent="-285750" algn="just">
+              <a:lnSpc>
+                <a:spcPct val="110000"/>
+              </a:lnSpc>
+              <a:buFont typeface="Wingdings" panose="05000000000000000000" pitchFamily="2" charset="2"/>
+              <a:buChar char="ü"/>
+            </a:pPr>
+            <a:endParaRPr lang="en-US" sz="1800" dirty="0">
+              <a:effectLst/>
+              <a:latin typeface="Franklin Gothic Book" panose="020B0503020102020204" pitchFamily="34" charset="0"/>
+              <a:ea typeface="Calibri" panose="020F0502020204030204" pitchFamily="34" charset="0"/>
+              <a:cs typeface="Calibri" panose="020F0502020204030204" pitchFamily="34" charset="0"/>
+            </a:endParaRPr>
+          </a:p>
+          <a:p>
+            <a:pPr marL="285750" marR="0" indent="-285750" algn="just">
+              <a:lnSpc>
+                <a:spcPct val="110000"/>
+              </a:lnSpc>
+              <a:buFont typeface="Wingdings" panose="05000000000000000000" pitchFamily="2" charset="2"/>
+              <a:buChar char="ü"/>
+            </a:pPr>
+            <a:r>
+              <a:rPr lang="en-US" dirty="0">
+                <a:latin typeface="Franklin Gothic Book" panose="020B0503020102020204" pitchFamily="34" charset="0"/>
+                <a:ea typeface="Calibri" panose="020F0502020204030204" pitchFamily="34" charset="0"/>
+                <a:cs typeface="Calibri" panose="020F0502020204030204" pitchFamily="34" charset="0"/>
+              </a:rPr>
+              <a:t>RMSE, MAE and MAPE have been used as the metrics to compare models. </a:t>
+            </a:r>
+          </a:p>
+          <a:p>
+            <a:pPr marR="0" algn="just">
+              <a:lnSpc>
+                <a:spcPct val="110000"/>
+              </a:lnSpc>
+            </a:pPr>
+            <a:endParaRPr lang="en-US" dirty="0">
+              <a:latin typeface="Franklin Gothic Book" panose="020B0503020102020204" pitchFamily="34" charset="0"/>
+              <a:ea typeface="Calibri" panose="020F0502020204030204" pitchFamily="34" charset="0"/>
+              <a:cs typeface="Calibri" panose="020F0502020204030204" pitchFamily="34" charset="0"/>
+            </a:endParaRPr>
+          </a:p>
+          <a:p>
+            <a:pPr marL="285750" marR="0" indent="-285750" algn="just">
+              <a:lnSpc>
+                <a:spcPct val="110000"/>
+              </a:lnSpc>
+              <a:buFont typeface="Wingdings" panose="05000000000000000000" pitchFamily="2" charset="2"/>
+              <a:buChar char="ü"/>
+            </a:pPr>
+            <a:r>
+              <a:rPr lang="en-US" sz="1800" dirty="0">
+                <a:effectLst/>
+                <a:latin typeface="Franklin Gothic Book" panose="020B0503020102020204" pitchFamily="34" charset="0"/>
+                <a:ea typeface="Calibri" panose="020F0502020204030204" pitchFamily="34" charset="0"/>
+                <a:cs typeface="Calibri" panose="020F0502020204030204" pitchFamily="34" charset="0"/>
+              </a:rPr>
+              <a:t>Time series </a:t>
+            </a:r>
+            <a:r>
+              <a:rPr lang="en-US" dirty="0">
+                <a:latin typeface="Franklin Gothic Book" panose="020B0503020102020204" pitchFamily="34" charset="0"/>
+                <a:ea typeface="Calibri" panose="020F0502020204030204" pitchFamily="34" charset="0"/>
+                <a:cs typeface="Calibri" panose="020F0502020204030204" pitchFamily="34" charset="0"/>
+              </a:rPr>
+              <a:t>decomposition of the training data shows that there could be an underlying seasonal factor in the data. We accounted for this by splitting the date variable into day-of-month and day-of-week.</a:t>
+            </a:r>
+          </a:p>
+          <a:p>
+            <a:pPr marL="285750" marR="0" indent="-285750" algn="just">
+              <a:lnSpc>
+                <a:spcPct val="110000"/>
+              </a:lnSpc>
+              <a:buFont typeface="Wingdings" panose="05000000000000000000" pitchFamily="2" charset="2"/>
+              <a:buChar char="ü"/>
+            </a:pPr>
+            <a:endParaRPr lang="en-US" dirty="0">
+              <a:latin typeface="Franklin Gothic Book" panose="020B0503020102020204" pitchFamily="34" charset="0"/>
+              <a:ea typeface="Calibri" panose="020F0502020204030204" pitchFamily="34" charset="0"/>
+              <a:cs typeface="Calibri" panose="020F0502020204030204" pitchFamily="34" charset="0"/>
+            </a:endParaRPr>
+          </a:p>
+          <a:p>
+            <a:pPr marL="285750" marR="0" indent="-285750" algn="just">
+              <a:lnSpc>
+                <a:spcPct val="110000"/>
+              </a:lnSpc>
+              <a:buFont typeface="Wingdings" panose="05000000000000000000" pitchFamily="2" charset="2"/>
+              <a:buChar char="ü"/>
+            </a:pPr>
+            <a:endParaRPr lang="en-US" dirty="0">
+              <a:latin typeface="Franklin Gothic Book" panose="020B0503020102020204" pitchFamily="34" charset="0"/>
+              <a:ea typeface="Calibri" panose="020F0502020204030204" pitchFamily="34" charset="0"/>
+              <a:cs typeface="Calibri" panose="020F0502020204030204" pitchFamily="34" charset="0"/>
+            </a:endParaRPr>
+          </a:p>
+          <a:p>
+            <a:pPr marR="0" algn="just">
+              <a:lnSpc>
+                <a:spcPct val="110000"/>
+              </a:lnSpc>
+            </a:pPr>
+            <a:endParaRPr lang="en-US" dirty="0">
+              <a:latin typeface="Franklin Gothic Book" panose="020B0503020102020204" pitchFamily="34" charset="0"/>
+              <a:ea typeface="Calibri" panose="020F0502020204030204" pitchFamily="34" charset="0"/>
+              <a:cs typeface="Calibri" panose="020F0502020204030204" pitchFamily="34" charset="0"/>
+            </a:endParaRPr>
+          </a:p>
+          <a:p>
+            <a:pPr marL="285750" marR="0" indent="-285750" algn="just">
+              <a:lnSpc>
+                <a:spcPct val="110000"/>
+              </a:lnSpc>
+              <a:buFont typeface="Wingdings" panose="05000000000000000000" pitchFamily="2" charset="2"/>
+              <a:buChar char="ü"/>
+            </a:pPr>
+            <a:endParaRPr lang="en-US" sz="1800" dirty="0">
+              <a:effectLst/>
+              <a:latin typeface="Franklin Gothic Book" panose="020B0503020102020204" pitchFamily="34" charset="0"/>
+              <a:ea typeface="Calibri" panose="020F0502020204030204" pitchFamily="34" charset="0"/>
+              <a:cs typeface="Calibri" panose="020F0502020204030204" pitchFamily="34" charset="0"/>
+            </a:endParaRPr>
+          </a:p>
+          <a:p>
+            <a:pPr marL="285750" marR="0" indent="-285750" algn="just">
+              <a:lnSpc>
+                <a:spcPct val="110000"/>
+              </a:lnSpc>
+              <a:buFont typeface="Wingdings" panose="05000000000000000000" pitchFamily="2" charset="2"/>
+              <a:buChar char="ü"/>
+            </a:pPr>
+            <a:endParaRPr lang="en-US" sz="1800" dirty="0">
+              <a:effectLst/>
+              <a:latin typeface="Franklin Gothic Book" panose="020B0503020102020204" pitchFamily="34" charset="0"/>
+              <a:ea typeface="Calibri" panose="020F0502020204030204" pitchFamily="34" charset="0"/>
+              <a:cs typeface="Calibri" panose="020F0502020204030204" pitchFamily="34" charset="0"/>
+            </a:endParaRPr>
+          </a:p>
+        </p:txBody>
+      </p:sp>
     </p:spTree>
     <p:extLst>
       <p:ext uri="{BB962C8B-B14F-4D97-AF65-F5344CB8AC3E}">
-        <p14:creationId xmlns:p14="http://schemas.microsoft.com/office/powerpoint/2010/main" val="1906288025"/>
+        <p14:creationId xmlns:p14="http://schemas.microsoft.com/office/powerpoint/2010/main" val="55105967"/>
       </p:ext>
     </p:extLst>
   </p:cSld>
@@ -8158,7 +8922,7 @@
         </p:nvSpPr>
         <p:spPr>
           <a:xfrm>
-            <a:off x="838200" y="257176"/>
+            <a:off x="838200" y="189528"/>
             <a:ext cx="10515600" cy="455046"/>
           </a:xfrm>
         </p:spPr>
@@ -8172,7 +8936,7 @@
               <a:rPr lang="en-US" sz="2400" b="1" dirty="0">
                 <a:latin typeface="Franklin Gothic Medium" panose="020B0603020102020204" pitchFamily="34" charset="0"/>
               </a:rPr>
-              <a:t>Conclusion &amp; Next Steps</a:t>
+              <a:t>References and Special Thanks </a:t>
             </a:r>
             <a:endParaRPr lang="en-US" sz="3200" b="1" dirty="0">
               <a:latin typeface="Franklin Gothic Medium" panose="020B0603020102020204" pitchFamily="34" charset="0"/>
@@ -8198,8 +8962,8 @@
         </p:nvSpPr>
         <p:spPr>
           <a:xfrm>
-            <a:off x="838200" y="852631"/>
-            <a:ext cx="10515600" cy="5133390"/>
+            <a:off x="838200" y="852630"/>
+            <a:ext cx="10515600" cy="5503715"/>
           </a:xfrm>
         </p:spPr>
         <p:txBody>
@@ -8208,37 +8972,202 @@
           </a:bodyPr>
           <a:lstStyle/>
           <a:p>
-            <a:pPr>
+            <a:pPr marL="342900" marR="0" lvl="0" indent="-342900">
+              <a:lnSpc>
+                <a:spcPct val="110000"/>
+              </a:lnSpc>
+              <a:spcBef>
+                <a:spcPts val="0"/>
+              </a:spcBef>
+              <a:spcAft>
+                <a:spcPts val="0"/>
+              </a:spcAft>
+              <a:buSzPts val="1200"/>
+              <a:buFont typeface="+mj-lt"/>
+              <a:buAutoNum type="arabicPeriod"/>
+              <a:tabLst>
+                <a:tab pos="457200" algn="l"/>
+              </a:tabLst>
+            </a:pPr>
+            <a:r>
+              <a:rPr lang="en-US" sz="2000" dirty="0">
+                <a:solidFill>
+                  <a:srgbClr val="000000"/>
+                </a:solidFill>
+                <a:effectLst/>
+                <a:latin typeface="Times New Roman" panose="02020603050405020304" pitchFamily="18" charset="0"/>
+                <a:ea typeface="Calibri" panose="020F0502020204030204" pitchFamily="34" charset="0"/>
+                <a:cs typeface="Calibri" panose="020F0502020204030204" pitchFamily="34" charset="0"/>
+              </a:rPr>
+              <a:t>Wu et al. SARS-CoV-2 titers in wastewater foreshadow dynamics and clinical presentation of new COVID-19 cases (2020 </a:t>
+            </a:r>
+            <a:r>
+              <a:rPr lang="en-US" sz="2000" dirty="0" err="1">
+                <a:solidFill>
+                  <a:srgbClr val="000000"/>
+                </a:solidFill>
+                <a:effectLst/>
+                <a:latin typeface="Times New Roman" panose="02020603050405020304" pitchFamily="18" charset="0"/>
+                <a:ea typeface="Calibri" panose="020F0502020204030204" pitchFamily="34" charset="0"/>
+                <a:cs typeface="Calibri" panose="020F0502020204030204" pitchFamily="34" charset="0"/>
+              </a:rPr>
+              <a:t>doi</a:t>
+            </a:r>
+            <a:r>
+              <a:rPr lang="en-US" sz="2000" dirty="0">
+                <a:solidFill>
+                  <a:srgbClr val="000000"/>
+                </a:solidFill>
+                <a:effectLst/>
+                <a:latin typeface="Times New Roman" panose="02020603050405020304" pitchFamily="18" charset="0"/>
+                <a:ea typeface="Calibri" panose="020F0502020204030204" pitchFamily="34" charset="0"/>
+                <a:cs typeface="Calibri" panose="020F0502020204030204" pitchFamily="34" charset="0"/>
+              </a:rPr>
+              <a:t>: </a:t>
+            </a:r>
+            <a:r>
+              <a:rPr lang="en-US" sz="2000" dirty="0">
+                <a:solidFill>
+                  <a:srgbClr val="000000"/>
+                </a:solidFill>
+                <a:effectLst/>
+                <a:latin typeface="GillSansRegular;Gill Sans MT;Gi"/>
+                <a:ea typeface="Calibri" panose="020F0502020204030204" pitchFamily="34" charset="0"/>
+                <a:cs typeface="Times New Roman" panose="02020603050405020304" pitchFamily="18" charset="0"/>
+              </a:rPr>
+              <a:t>https://doi.org/10.1101/2020.06.15.20117747</a:t>
+            </a:r>
+            <a:r>
+              <a:rPr lang="en-US" sz="2000" b="1" dirty="0">
+                <a:solidFill>
+                  <a:srgbClr val="000000"/>
+                </a:solidFill>
+                <a:effectLst/>
+                <a:latin typeface="Times New Roman" panose="02020603050405020304" pitchFamily="18" charset="0"/>
+                <a:ea typeface="Calibri" panose="020F0502020204030204" pitchFamily="34" charset="0"/>
+                <a:cs typeface="Calibri" panose="020F0502020204030204" pitchFamily="34" charset="0"/>
+              </a:rPr>
+              <a:t>)</a:t>
+            </a:r>
+            <a:endParaRPr lang="en-US" sz="2000" dirty="0">
+              <a:effectLst/>
+              <a:latin typeface="Calibri" panose="020F0502020204030204" pitchFamily="34" charset="0"/>
+              <a:ea typeface="Calibri" panose="020F0502020204030204" pitchFamily="34" charset="0"/>
+              <a:cs typeface="Calibri" panose="020F0502020204030204" pitchFamily="34" charset="0"/>
+            </a:endParaRPr>
+          </a:p>
+          <a:p>
+            <a:pPr marL="342900" marR="0" lvl="0" indent="-342900">
+              <a:lnSpc>
+                <a:spcPct val="110000"/>
+              </a:lnSpc>
+              <a:spcBef>
+                <a:spcPts val="0"/>
+              </a:spcBef>
+              <a:spcAft>
+                <a:spcPts val="0"/>
+              </a:spcAft>
+              <a:buSzPts val="1200"/>
+              <a:buFont typeface="+mj-lt"/>
+              <a:buAutoNum type="arabicPeriod"/>
+              <a:tabLst>
+                <a:tab pos="457200" algn="l"/>
+              </a:tabLst>
+            </a:pPr>
+            <a:r>
+              <a:rPr lang="en-US" sz="2000" u="sng" dirty="0">
+                <a:solidFill>
+                  <a:srgbClr val="000000"/>
+                </a:solidFill>
+                <a:effectLst/>
+                <a:latin typeface="Times New Roman" panose="02020603050405020304" pitchFamily="18" charset="0"/>
+                <a:ea typeface="Calibri" panose="020F0502020204030204" pitchFamily="34" charset="0"/>
+                <a:cs typeface="Calibri" panose="020F0502020204030204" pitchFamily="34" charset="0"/>
+                <a:hlinkClick r:id="rId2"/>
+              </a:rPr>
+              <a:t>https://www.mwra.com/biobot/biobotdata.htm</a:t>
+            </a:r>
+            <a:endParaRPr lang="en-US" sz="2000" dirty="0">
+              <a:effectLst/>
+              <a:latin typeface="Calibri" panose="020F0502020204030204" pitchFamily="34" charset="0"/>
+              <a:ea typeface="Calibri" panose="020F0502020204030204" pitchFamily="34" charset="0"/>
+              <a:cs typeface="Calibri" panose="020F0502020204030204" pitchFamily="34" charset="0"/>
+            </a:endParaRPr>
+          </a:p>
+          <a:p>
+            <a:pPr marL="342900" marR="0" lvl="0" indent="-342900">
+              <a:lnSpc>
+                <a:spcPct val="110000"/>
+              </a:lnSpc>
+              <a:spcBef>
+                <a:spcPts val="0"/>
+              </a:spcBef>
+              <a:spcAft>
+                <a:spcPts val="0"/>
+              </a:spcAft>
+              <a:buSzPts val="1200"/>
+              <a:buFont typeface="+mj-lt"/>
+              <a:buAutoNum type="arabicPeriod"/>
+              <a:tabLst>
+                <a:tab pos="457200" algn="l"/>
+              </a:tabLst>
+            </a:pPr>
+            <a:r>
+              <a:rPr lang="en-US" sz="2000" u="sng" dirty="0">
+                <a:solidFill>
+                  <a:srgbClr val="000000"/>
+                </a:solidFill>
+                <a:effectLst/>
+                <a:latin typeface="Times New Roman" panose="02020603050405020304" pitchFamily="18" charset="0"/>
+                <a:ea typeface="Calibri" panose="020F0502020204030204" pitchFamily="34" charset="0"/>
+                <a:cs typeface="Calibri" panose="020F0502020204030204" pitchFamily="34" charset="0"/>
+                <a:hlinkClick r:id="rId3"/>
+              </a:rPr>
+              <a:t>https://www.mass.gov/info-details/covid-19-response-reporting#covid-19-interactive-data-dashboard-</a:t>
+            </a:r>
+            <a:endParaRPr lang="en-US" sz="2000" dirty="0">
+              <a:effectLst/>
+              <a:latin typeface="Calibri" panose="020F0502020204030204" pitchFamily="34" charset="0"/>
+              <a:ea typeface="Calibri" panose="020F0502020204030204" pitchFamily="34" charset="0"/>
+              <a:cs typeface="Calibri" panose="020F0502020204030204" pitchFamily="34" charset="0"/>
+            </a:endParaRPr>
+          </a:p>
+          <a:p>
+            <a:pPr marL="342900" marR="0" lvl="0" indent="-342900">
+              <a:lnSpc>
+                <a:spcPct val="110000"/>
+              </a:lnSpc>
+              <a:spcBef>
+                <a:spcPts val="0"/>
+              </a:spcBef>
               <a:spcAft>
                 <a:spcPts val="600"/>
               </a:spcAft>
+              <a:buSzPts val="1200"/>
+              <a:buFont typeface="+mj-lt"/>
+              <a:buAutoNum type="arabicPeriod"/>
+              <a:tabLst>
+                <a:tab pos="457200" algn="l"/>
+              </a:tabLst>
             </a:pPr>
             <a:r>
-              <a:rPr lang="en-US" sz="2000" dirty="0"/>
-              <a:t>We did not have enough time for the following in case we had the time, we could have attempted the following </a:t>
-            </a:r>
-          </a:p>
-          <a:p>
-            <a:pPr>
-              <a:spcAft>
-                <a:spcPts val="600"/>
-              </a:spcAft>
-            </a:pPr>
-            <a:r>
-              <a:rPr lang="en-US" sz="2000" dirty="0"/>
-              <a:t>Travel pattern</a:t>
-            </a:r>
-          </a:p>
-          <a:p>
-            <a:pPr>
-              <a:spcAft>
-                <a:spcPts val="600"/>
-              </a:spcAft>
-            </a:pPr>
-            <a:r>
-              <a:rPr lang="en-US" sz="2000" dirty="0"/>
-              <a:t>Putting output of one model to the input of other</a:t>
-            </a:r>
+              <a:rPr lang="en-US" sz="2000" dirty="0">
+                <a:solidFill>
+                  <a:srgbClr val="000000"/>
+                </a:solidFill>
+                <a:effectLst/>
+                <a:latin typeface="Times New Roman" panose="02020603050405020304" pitchFamily="18" charset="0"/>
+                <a:ea typeface="Calibri" panose="020F0502020204030204" pitchFamily="34" charset="0"/>
+                <a:cs typeface="Calibri" panose="020F0502020204030204" pitchFamily="34" charset="0"/>
+              </a:rPr>
+              <a:t>Yang et al. Accurate estimation of influenza epidemics using Google search data via ARGO (2015, https://doi.org/10.1073/pnas.1515373112)</a:t>
+            </a:r>
+            <a:endParaRPr lang="en-US" sz="2000" dirty="0">
+              <a:effectLst/>
+              <a:latin typeface="Calibri" panose="020F0502020204030204" pitchFamily="34" charset="0"/>
+              <a:ea typeface="Calibri" panose="020F0502020204030204" pitchFamily="34" charset="0"/>
+              <a:cs typeface="Calibri" panose="020F0502020204030204" pitchFamily="34" charset="0"/>
+            </a:endParaRPr>
           </a:p>
           <a:p>
             <a:pPr marL="457200" lvl="1" indent="0">
@@ -8255,6 +9184,125 @@
                 <a:spcPts val="600"/>
               </a:spcAft>
               <a:buNone/>
+            </a:pPr>
+            <a:endParaRPr lang="en-US" sz="1600" dirty="0"/>
+          </a:p>
+          <a:p>
+            <a:pPr marL="0" indent="0">
+              <a:spcAft>
+                <a:spcPts val="600"/>
+              </a:spcAft>
+              <a:buNone/>
+            </a:pPr>
+            <a:r>
+              <a:rPr lang="en-US" sz="2400" b="1" dirty="0">
+                <a:latin typeface="Franklin Gothic Medium" panose="020B0603020102020204" pitchFamily="34" charset="0"/>
+              </a:rPr>
+              <a:t>Special Thanks</a:t>
+            </a:r>
+          </a:p>
+          <a:p>
+            <a:pPr marL="457200" lvl="1" indent="0">
+              <a:spcAft>
+                <a:spcPts val="600"/>
+              </a:spcAft>
+              <a:buNone/>
+            </a:pPr>
+            <a:r>
+              <a:rPr lang="en-US" sz="1600" dirty="0">
+                <a:latin typeface="Franklin Gothic Medium" panose="020B0603020102020204" pitchFamily="34" charset="0"/>
+              </a:rPr>
+              <a:t>We would like to say special thanks to </a:t>
+            </a:r>
+          </a:p>
+          <a:p>
+            <a:pPr lvl="1">
+              <a:spcAft>
+                <a:spcPts val="600"/>
+              </a:spcAft>
+            </a:pPr>
+            <a:r>
+              <a:rPr lang="en-US" sz="1800" dirty="0">
+                <a:solidFill>
+                  <a:srgbClr val="000000"/>
+                </a:solidFill>
+                <a:effectLst/>
+                <a:latin typeface="Times New Roman" panose="02020603050405020304" pitchFamily="18" charset="0"/>
+                <a:ea typeface="Times New Roman" panose="02020603050405020304" pitchFamily="18" charset="0"/>
+              </a:rPr>
+              <a:t>Dr. Mauricio </a:t>
+            </a:r>
+            <a:r>
+              <a:rPr lang="en-US" sz="1800" dirty="0" err="1">
+                <a:solidFill>
+                  <a:srgbClr val="000000"/>
+                </a:solidFill>
+                <a:effectLst/>
+                <a:latin typeface="Times New Roman" panose="02020603050405020304" pitchFamily="18" charset="0"/>
+                <a:ea typeface="Times New Roman" panose="02020603050405020304" pitchFamily="18" charset="0"/>
+              </a:rPr>
+              <a:t>Santillana</a:t>
+            </a:r>
+            <a:r>
+              <a:rPr lang="en-US" sz="1800" dirty="0">
+                <a:solidFill>
+                  <a:srgbClr val="000000"/>
+                </a:solidFill>
+                <a:effectLst/>
+                <a:latin typeface="Times New Roman" panose="02020603050405020304" pitchFamily="18" charset="0"/>
+                <a:ea typeface="Times New Roman" panose="02020603050405020304" pitchFamily="18" charset="0"/>
+              </a:rPr>
+              <a:t>, </a:t>
+            </a:r>
+          </a:p>
+          <a:p>
+            <a:pPr lvl="1">
+              <a:spcAft>
+                <a:spcPts val="600"/>
+              </a:spcAft>
+            </a:pPr>
+            <a:r>
+              <a:rPr lang="en-US" sz="1800" dirty="0">
+                <a:solidFill>
+                  <a:srgbClr val="000000"/>
+                </a:solidFill>
+                <a:effectLst/>
+                <a:latin typeface="Times New Roman" panose="02020603050405020304" pitchFamily="18" charset="0"/>
+                <a:ea typeface="Times New Roman" panose="02020603050405020304" pitchFamily="18" charset="0"/>
+              </a:rPr>
+              <a:t>TF of the 109b – Prof Protopapas, </a:t>
+            </a:r>
+            <a:r>
+              <a:rPr lang="en-US" sz="1800" dirty="0">
+                <a:solidFill>
+                  <a:srgbClr val="000000"/>
+                </a:solidFill>
+                <a:latin typeface="Times New Roman" panose="02020603050405020304" pitchFamily="18" charset="0"/>
+              </a:rPr>
+              <a:t>Glickman, Tanner </a:t>
+            </a:r>
+          </a:p>
+          <a:p>
+            <a:pPr lvl="1">
+              <a:spcAft>
+                <a:spcPts val="600"/>
+              </a:spcAft>
+            </a:pPr>
+            <a:r>
+              <a:rPr lang="en-US" sz="1800" dirty="0">
+                <a:solidFill>
+                  <a:srgbClr val="000000"/>
+                </a:solidFill>
+                <a:latin typeface="Times New Roman" panose="02020603050405020304" pitchFamily="18" charset="0"/>
+              </a:rPr>
+              <a:t>Teaching Assistants  </a:t>
+            </a:r>
+          </a:p>
+          <a:p>
+            <a:pPr lvl="1">
+              <a:spcAft>
+                <a:spcPts val="600"/>
+              </a:spcAft>
             </a:pPr>
             <a:endParaRPr lang="en-US" sz="1600" dirty="0"/>
           </a:p>
@@ -8344,7 +9392,7 @@
           <p:cNvPr id="5" name="Slide Number Placeholder 4">
             <a:extLst>
               <a:ext uri="{FF2B5EF4-FFF2-40B4-BE49-F238E27FC236}">
-                <a16:creationId xmlns:a16="http://schemas.microsoft.com/office/drawing/2014/main" id="{F351C912-7FF3-4029-96F6-792E647D266E}"/>
+                <a16:creationId xmlns:a16="http://schemas.microsoft.com/office/drawing/2014/main" id="{DCDE3B7F-3B37-479D-81EA-5B1D9163F79B}"/>
               </a:ext>
             </a:extLst>
           </p:cNvPr>
@@ -8371,7 +9419,7 @@
     </p:spTree>
     <p:extLst>
       <p:ext uri="{BB962C8B-B14F-4D97-AF65-F5344CB8AC3E}">
-        <p14:creationId xmlns:p14="http://schemas.microsoft.com/office/powerpoint/2010/main" val="55105967"/>
+        <p14:creationId xmlns:p14="http://schemas.microsoft.com/office/powerpoint/2010/main" val="1548552243"/>
       </p:ext>
     </p:extLst>
   </p:cSld>
@@ -8416,8 +9464,8 @@
         </p:nvSpPr>
         <p:spPr>
           <a:xfrm>
-            <a:off x="838200" y="189528"/>
-            <a:ext cx="10515600" cy="455046"/>
+            <a:off x="838200" y="2702972"/>
+            <a:ext cx="10515600" cy="1020615"/>
           </a:xfrm>
         </p:spPr>
         <p:txBody>
@@ -8426,378 +9474,13 @@
           </a:bodyPr>
           <a:lstStyle/>
           <a:p>
-            <a:r>
-              <a:rPr lang="en-US" sz="2400" b="1" dirty="0">
+            <a:pPr algn="ctr"/>
+            <a:r>
+              <a:rPr lang="en-US" sz="3200" b="1" dirty="0">
                 <a:latin typeface="Franklin Gothic Medium" panose="020B0603020102020204" pitchFamily="34" charset="0"/>
               </a:rPr>
-              <a:t>References and Special Thanks </a:t>
-            </a:r>
-            <a:endParaRPr lang="en-US" sz="3200" b="1" dirty="0">
-              <a:latin typeface="Franklin Gothic Medium" panose="020B0603020102020204" pitchFamily="34" charset="0"/>
-            </a:endParaRPr>
-          </a:p>
-        </p:txBody>
-      </p:sp>
-      <p:sp>
-        <p:nvSpPr>
-          <p:cNvPr id="3" name="Content Placeholder 2">
-            <a:extLst>
-              <a:ext uri="{FF2B5EF4-FFF2-40B4-BE49-F238E27FC236}">
-                <a16:creationId xmlns:a16="http://schemas.microsoft.com/office/drawing/2014/main" id="{4DD8E8D6-64AC-4D91-B357-06BB4EE17B70}"/>
-              </a:ext>
-            </a:extLst>
-          </p:cNvPr>
-          <p:cNvSpPr>
-            <a:spLocks noGrp="1"/>
-          </p:cNvSpPr>
-          <p:nvPr>
-            <p:ph idx="1"/>
-          </p:nvPr>
-        </p:nvSpPr>
-        <p:spPr>
-          <a:xfrm>
-            <a:off x="838200" y="852630"/>
-            <a:ext cx="10515600" cy="5503715"/>
-          </a:xfrm>
-        </p:spPr>
-        <p:txBody>
-          <a:bodyPr>
-            <a:normAutofit/>
-          </a:bodyPr>
-          <a:lstStyle/>
-          <a:p>
-            <a:pPr marL="342900" marR="0" lvl="0" indent="-342900">
-              <a:lnSpc>
-                <a:spcPct val="110000"/>
-              </a:lnSpc>
-              <a:spcBef>
-                <a:spcPts val="0"/>
-              </a:spcBef>
-              <a:spcAft>
-                <a:spcPts val="0"/>
-              </a:spcAft>
-              <a:buSzPts val="1200"/>
-              <a:buFont typeface="+mj-lt"/>
-              <a:buAutoNum type="arabicPeriod"/>
-              <a:tabLst>
-                <a:tab pos="457200" algn="l"/>
-              </a:tabLst>
-            </a:pPr>
-            <a:r>
-              <a:rPr lang="en-US" sz="2000" dirty="0">
-                <a:solidFill>
-                  <a:srgbClr val="000000"/>
-                </a:solidFill>
-                <a:effectLst/>
-                <a:latin typeface="Times New Roman" panose="02020603050405020304" pitchFamily="18" charset="0"/>
-                <a:ea typeface="Calibri" panose="020F0502020204030204" pitchFamily="34" charset="0"/>
-                <a:cs typeface="Calibri" panose="020F0502020204030204" pitchFamily="34" charset="0"/>
-              </a:rPr>
-              <a:t>Wu et al. SARS-CoV-2 titers in wastewater foreshadow dynamics and clinical presentation of new COVID-19 cases (2020 </a:t>
-            </a:r>
-            <a:r>
-              <a:rPr lang="en-US" sz="2000" dirty="0" err="1">
-                <a:solidFill>
-                  <a:srgbClr val="000000"/>
-                </a:solidFill>
-                <a:effectLst/>
-                <a:latin typeface="Times New Roman" panose="02020603050405020304" pitchFamily="18" charset="0"/>
-                <a:ea typeface="Calibri" panose="020F0502020204030204" pitchFamily="34" charset="0"/>
-                <a:cs typeface="Calibri" panose="020F0502020204030204" pitchFamily="34" charset="0"/>
-              </a:rPr>
-              <a:t>doi</a:t>
-            </a:r>
-            <a:r>
-              <a:rPr lang="en-US" sz="2000" dirty="0">
-                <a:solidFill>
-                  <a:srgbClr val="000000"/>
-                </a:solidFill>
-                <a:effectLst/>
-                <a:latin typeface="Times New Roman" panose="02020603050405020304" pitchFamily="18" charset="0"/>
-                <a:ea typeface="Calibri" panose="020F0502020204030204" pitchFamily="34" charset="0"/>
-                <a:cs typeface="Calibri" panose="020F0502020204030204" pitchFamily="34" charset="0"/>
-              </a:rPr>
-              <a:t>: </a:t>
-            </a:r>
-            <a:r>
-              <a:rPr lang="en-US" sz="2000" dirty="0">
-                <a:solidFill>
-                  <a:srgbClr val="000000"/>
-                </a:solidFill>
-                <a:effectLst/>
-                <a:latin typeface="GillSansRegular;Gill Sans MT;Gi"/>
-                <a:ea typeface="Calibri" panose="020F0502020204030204" pitchFamily="34" charset="0"/>
-                <a:cs typeface="Times New Roman" panose="02020603050405020304" pitchFamily="18" charset="0"/>
-              </a:rPr>
-              <a:t>https://doi.org/10.1101/2020.06.15.20117747</a:t>
-            </a:r>
-            <a:r>
-              <a:rPr lang="en-US" sz="2000" b="1" dirty="0">
-                <a:solidFill>
-                  <a:srgbClr val="000000"/>
-                </a:solidFill>
-                <a:effectLst/>
-                <a:latin typeface="Times New Roman" panose="02020603050405020304" pitchFamily="18" charset="0"/>
-                <a:ea typeface="Calibri" panose="020F0502020204030204" pitchFamily="34" charset="0"/>
-                <a:cs typeface="Calibri" panose="020F0502020204030204" pitchFamily="34" charset="0"/>
-              </a:rPr>
-              <a:t>)</a:t>
-            </a:r>
-            <a:endParaRPr lang="en-US" sz="2000" dirty="0">
-              <a:effectLst/>
-              <a:latin typeface="Calibri" panose="020F0502020204030204" pitchFamily="34" charset="0"/>
-              <a:ea typeface="Calibri" panose="020F0502020204030204" pitchFamily="34" charset="0"/>
-              <a:cs typeface="Calibri" panose="020F0502020204030204" pitchFamily="34" charset="0"/>
-            </a:endParaRPr>
-          </a:p>
-          <a:p>
-            <a:pPr marL="342900" marR="0" lvl="0" indent="-342900">
-              <a:lnSpc>
-                <a:spcPct val="110000"/>
-              </a:lnSpc>
-              <a:spcBef>
-                <a:spcPts val="0"/>
-              </a:spcBef>
-              <a:spcAft>
-                <a:spcPts val="0"/>
-              </a:spcAft>
-              <a:buSzPts val="1200"/>
-              <a:buFont typeface="+mj-lt"/>
-              <a:buAutoNum type="arabicPeriod"/>
-              <a:tabLst>
-                <a:tab pos="457200" algn="l"/>
-              </a:tabLst>
-            </a:pPr>
-            <a:r>
-              <a:rPr lang="en-US" sz="2000" u="sng" dirty="0">
-                <a:solidFill>
-                  <a:srgbClr val="000000"/>
-                </a:solidFill>
-                <a:effectLst/>
-                <a:latin typeface="Times New Roman" panose="02020603050405020304" pitchFamily="18" charset="0"/>
-                <a:ea typeface="Calibri" panose="020F0502020204030204" pitchFamily="34" charset="0"/>
-                <a:cs typeface="Calibri" panose="020F0502020204030204" pitchFamily="34" charset="0"/>
-                <a:hlinkClick r:id="rId2"/>
-              </a:rPr>
-              <a:t>https://www.mwra.com/biobot/biobotdata.htm</a:t>
-            </a:r>
-            <a:endParaRPr lang="en-US" sz="2000" dirty="0">
-              <a:effectLst/>
-              <a:latin typeface="Calibri" panose="020F0502020204030204" pitchFamily="34" charset="0"/>
-              <a:ea typeface="Calibri" panose="020F0502020204030204" pitchFamily="34" charset="0"/>
-              <a:cs typeface="Calibri" panose="020F0502020204030204" pitchFamily="34" charset="0"/>
-            </a:endParaRPr>
-          </a:p>
-          <a:p>
-            <a:pPr marL="342900" marR="0" lvl="0" indent="-342900">
-              <a:lnSpc>
-                <a:spcPct val="110000"/>
-              </a:lnSpc>
-              <a:spcBef>
-                <a:spcPts val="0"/>
-              </a:spcBef>
-              <a:spcAft>
-                <a:spcPts val="0"/>
-              </a:spcAft>
-              <a:buSzPts val="1200"/>
-              <a:buFont typeface="+mj-lt"/>
-              <a:buAutoNum type="arabicPeriod"/>
-              <a:tabLst>
-                <a:tab pos="457200" algn="l"/>
-              </a:tabLst>
-            </a:pPr>
-            <a:r>
-              <a:rPr lang="en-US" sz="2000" u="sng" dirty="0">
-                <a:solidFill>
-                  <a:srgbClr val="000000"/>
-                </a:solidFill>
-                <a:effectLst/>
-                <a:latin typeface="Times New Roman" panose="02020603050405020304" pitchFamily="18" charset="0"/>
-                <a:ea typeface="Calibri" panose="020F0502020204030204" pitchFamily="34" charset="0"/>
-                <a:cs typeface="Calibri" panose="020F0502020204030204" pitchFamily="34" charset="0"/>
-                <a:hlinkClick r:id="rId3"/>
-              </a:rPr>
-              <a:t>https://www.mass.gov/info-details/covid-19-response-reporting#covid-19-interactive-data-dashboard-</a:t>
-            </a:r>
-            <a:endParaRPr lang="en-US" sz="2000" dirty="0">
-              <a:effectLst/>
-              <a:latin typeface="Calibri" panose="020F0502020204030204" pitchFamily="34" charset="0"/>
-              <a:ea typeface="Calibri" panose="020F0502020204030204" pitchFamily="34" charset="0"/>
-              <a:cs typeface="Calibri" panose="020F0502020204030204" pitchFamily="34" charset="0"/>
-            </a:endParaRPr>
-          </a:p>
-          <a:p>
-            <a:pPr marL="342900" marR="0" lvl="0" indent="-342900">
-              <a:lnSpc>
-                <a:spcPct val="110000"/>
-              </a:lnSpc>
-              <a:spcBef>
-                <a:spcPts val="0"/>
-              </a:spcBef>
-              <a:spcAft>
-                <a:spcPts val="600"/>
-              </a:spcAft>
-              <a:buSzPts val="1200"/>
-              <a:buFont typeface="+mj-lt"/>
-              <a:buAutoNum type="arabicPeriod"/>
-              <a:tabLst>
-                <a:tab pos="457200" algn="l"/>
-              </a:tabLst>
-            </a:pPr>
-            <a:r>
-              <a:rPr lang="en-US" sz="2000" dirty="0">
-                <a:solidFill>
-                  <a:srgbClr val="000000"/>
-                </a:solidFill>
-                <a:effectLst/>
-                <a:latin typeface="Times New Roman" panose="02020603050405020304" pitchFamily="18" charset="0"/>
-                <a:ea typeface="Calibri" panose="020F0502020204030204" pitchFamily="34" charset="0"/>
-                <a:cs typeface="Calibri" panose="020F0502020204030204" pitchFamily="34" charset="0"/>
-              </a:rPr>
-              <a:t>Yang et al. Accurate estimation of influenza epidemics using Google search data via ARGO (2015, https://doi.org/10.1073/pnas.1515373112)</a:t>
-            </a:r>
-            <a:endParaRPr lang="en-US" sz="2000" dirty="0">
-              <a:effectLst/>
-              <a:latin typeface="Calibri" panose="020F0502020204030204" pitchFamily="34" charset="0"/>
-              <a:ea typeface="Calibri" panose="020F0502020204030204" pitchFamily="34" charset="0"/>
-              <a:cs typeface="Calibri" panose="020F0502020204030204" pitchFamily="34" charset="0"/>
-            </a:endParaRPr>
-          </a:p>
-          <a:p>
-            <a:pPr marL="457200" lvl="1" indent="0">
-              <a:spcAft>
-                <a:spcPts val="600"/>
-              </a:spcAft>
-              <a:buNone/>
-            </a:pPr>
-            <a:endParaRPr lang="en-US" sz="1600" dirty="0"/>
-          </a:p>
-          <a:p>
-            <a:pPr marL="457200" lvl="1" indent="0">
-              <a:spcAft>
-                <a:spcPts val="600"/>
-              </a:spcAft>
-              <a:buNone/>
-            </a:pPr>
-            <a:endParaRPr lang="en-US" sz="1600" dirty="0"/>
-          </a:p>
-          <a:p>
-            <a:pPr marL="0" indent="0">
-              <a:spcAft>
-                <a:spcPts val="600"/>
-              </a:spcAft>
-              <a:buNone/>
-            </a:pPr>
-            <a:r>
-              <a:rPr lang="en-US" sz="2400" b="1" dirty="0">
-                <a:latin typeface="Franklin Gothic Medium" panose="020B0603020102020204" pitchFamily="34" charset="0"/>
-              </a:rPr>
-              <a:t>Special Thanks</a:t>
-            </a:r>
-          </a:p>
-          <a:p>
-            <a:pPr lvl="1">
-              <a:spcAft>
-                <a:spcPts val="600"/>
-              </a:spcAft>
-            </a:pPr>
-            <a:r>
-              <a:rPr lang="en-US" sz="1600" dirty="0">
-                <a:latin typeface="Franklin Gothic Medium" panose="020B0603020102020204" pitchFamily="34" charset="0"/>
-              </a:rPr>
-              <a:t>We would like to say special thanks to the following </a:t>
-            </a:r>
-          </a:p>
-          <a:p>
-            <a:pPr lvl="1">
-              <a:spcAft>
-                <a:spcPts val="600"/>
-              </a:spcAft>
-            </a:pPr>
-            <a:r>
-              <a:rPr lang="en-US" sz="1800" dirty="0">
-                <a:solidFill>
-                  <a:srgbClr val="000000"/>
-                </a:solidFill>
-                <a:effectLst/>
-                <a:latin typeface="Times New Roman" panose="02020603050405020304" pitchFamily="18" charset="0"/>
-                <a:ea typeface="Times New Roman" panose="02020603050405020304" pitchFamily="18" charset="0"/>
-              </a:rPr>
-              <a:t>Dr. Mauricio </a:t>
-            </a:r>
-            <a:r>
-              <a:rPr lang="en-US" sz="1800" dirty="0" err="1">
-                <a:solidFill>
-                  <a:srgbClr val="000000"/>
-                </a:solidFill>
-                <a:effectLst/>
-                <a:latin typeface="Times New Roman" panose="02020603050405020304" pitchFamily="18" charset="0"/>
-                <a:ea typeface="Times New Roman" panose="02020603050405020304" pitchFamily="18" charset="0"/>
-              </a:rPr>
-              <a:t>Santillana</a:t>
-            </a:r>
-            <a:r>
-              <a:rPr lang="en-US" sz="1800" dirty="0">
-                <a:solidFill>
-                  <a:srgbClr val="000000"/>
-                </a:solidFill>
-                <a:effectLst/>
-                <a:latin typeface="Times New Roman" panose="02020603050405020304" pitchFamily="18" charset="0"/>
-                <a:ea typeface="Times New Roman" panose="02020603050405020304" pitchFamily="18" charset="0"/>
-              </a:rPr>
-              <a:t>, </a:t>
-            </a:r>
-          </a:p>
-          <a:p>
-            <a:pPr lvl="1">
-              <a:spcAft>
-                <a:spcPts val="600"/>
-              </a:spcAft>
-            </a:pPr>
-            <a:r>
-              <a:rPr lang="en-US" sz="1800" dirty="0">
-                <a:solidFill>
-                  <a:srgbClr val="000000"/>
-                </a:solidFill>
-                <a:effectLst/>
-                <a:latin typeface="Times New Roman" panose="02020603050405020304" pitchFamily="18" charset="0"/>
-                <a:ea typeface="Times New Roman" panose="02020603050405020304" pitchFamily="18" charset="0"/>
-              </a:rPr>
-              <a:t>TF of the 109b – Prof Protopapas, </a:t>
-            </a:r>
-            <a:r>
-              <a:rPr lang="en-US" sz="1800" dirty="0">
-                <a:solidFill>
-                  <a:srgbClr val="000000"/>
-                </a:solidFill>
-                <a:latin typeface="Times New Roman" panose="02020603050405020304" pitchFamily="18" charset="0"/>
-              </a:rPr>
-              <a:t>Glickman, Tanner </a:t>
-            </a:r>
-          </a:p>
-          <a:p>
-            <a:pPr lvl="1">
-              <a:spcAft>
-                <a:spcPts val="600"/>
-              </a:spcAft>
-            </a:pPr>
-            <a:r>
-              <a:rPr lang="en-US" sz="1800" dirty="0">
-                <a:solidFill>
-                  <a:srgbClr val="000000"/>
-                </a:solidFill>
-                <a:latin typeface="Times New Roman" panose="02020603050405020304" pitchFamily="18" charset="0"/>
-              </a:rPr>
-              <a:t>Teaching Assistants  </a:t>
-            </a:r>
-          </a:p>
-          <a:p>
-            <a:pPr lvl="1">
-              <a:spcAft>
-                <a:spcPts val="600"/>
-              </a:spcAft>
-            </a:pPr>
-            <a:endParaRPr lang="en-US" sz="1600" dirty="0"/>
+              <a:t>THANK YOU</a:t>
+            </a:r>
           </a:p>
         </p:txBody>
       </p:sp>
@@ -8839,53 +9522,12 @@
           </a:p>
         </p:txBody>
       </p:sp>
-      <p:cxnSp>
-        <p:nvCxnSpPr>
-          <p:cNvPr id="10" name="Straight Connector 9">
-            <a:extLst>
-              <a:ext uri="{FF2B5EF4-FFF2-40B4-BE49-F238E27FC236}">
-                <a16:creationId xmlns:a16="http://schemas.microsoft.com/office/drawing/2014/main" id="{8D0CEF7C-C41E-43DD-A846-F57F5A18AFAD}"/>
-              </a:ext>
-            </a:extLst>
-          </p:cNvPr>
-          <p:cNvCxnSpPr/>
-          <p:nvPr/>
-        </p:nvCxnSpPr>
-        <p:spPr>
-          <a:xfrm>
-            <a:off x="904973" y="782426"/>
-            <a:ext cx="10448827" cy="0"/>
-          </a:xfrm>
-          <a:prstGeom prst="line">
-            <a:avLst/>
-          </a:prstGeom>
-          <a:ln>
-            <a:solidFill>
-              <a:schemeClr val="tx1"/>
-            </a:solidFill>
-          </a:ln>
-        </p:spPr>
-        <p:style>
-          <a:lnRef idx="1">
-            <a:schemeClr val="accent1"/>
-          </a:lnRef>
-          <a:fillRef idx="0">
-            <a:schemeClr val="accent1"/>
-          </a:fillRef>
-          <a:effectRef idx="0">
-            <a:schemeClr val="accent1"/>
-          </a:effectRef>
-          <a:fontRef idx="minor">
-            <a:schemeClr val="tx1"/>
-          </a:fontRef>
-        </p:style>
-      </p:cxnSp>
-      <p:sp>
-        <p:nvSpPr>
-          <p:cNvPr id="5" name="Slide Number Placeholder 4">
-            <a:extLst>
-              <a:ext uri="{FF2B5EF4-FFF2-40B4-BE49-F238E27FC236}">
-                <a16:creationId xmlns:a16="http://schemas.microsoft.com/office/drawing/2014/main" id="{DCDE3B7F-3B37-479D-81EA-5B1D9163F79B}"/>
+      <p:sp>
+        <p:nvSpPr>
+          <p:cNvPr id="3" name="Slide Number Placeholder 2">
+            <a:extLst>
+              <a:ext uri="{FF2B5EF4-FFF2-40B4-BE49-F238E27FC236}">
+                <a16:creationId xmlns:a16="http://schemas.microsoft.com/office/drawing/2014/main" id="{C0528BB7-18B8-469A-B464-6DA7EF7B0E7F}"/>
               </a:ext>
             </a:extLst>
           </p:cNvPr>
@@ -8904,141 +9546,6 @@
             <a:fld id="{0E267267-BF27-42DB-AB6A-E6E964C8A9EC}" type="slidenum">
               <a:rPr lang="en-US" smtClean="0"/>
               <a:t>21</a:t>
-            </a:fld>
-            <a:endParaRPr lang="en-US"/>
-          </a:p>
-        </p:txBody>
-      </p:sp>
-    </p:spTree>
-    <p:extLst>
-      <p:ext uri="{BB962C8B-B14F-4D97-AF65-F5344CB8AC3E}">
-        <p14:creationId xmlns:p14="http://schemas.microsoft.com/office/powerpoint/2010/main" val="1548552243"/>
-      </p:ext>
-    </p:extLst>
-  </p:cSld>
-  <p:clrMapOvr>
-    <a:masterClrMapping/>
-  </p:clrMapOvr>
-</p:sld>
-</file>
-
-<file path=ppt/slides/slide22.xml><?xml version="1.0" encoding="utf-8"?>
-<p:sld xmlns:a="http://schemas.openxmlformats.org/drawingml/2006/main" xmlns:r="http://schemas.openxmlformats.org/officeDocument/2006/relationships" xmlns:p="http://schemas.openxmlformats.org/presentationml/2006/main">
-  <p:cSld>
-    <p:spTree>
-      <p:nvGrpSpPr>
-        <p:cNvPr id="1" name=""/>
-        <p:cNvGrpSpPr/>
-        <p:nvPr/>
-      </p:nvGrpSpPr>
-      <p:grpSpPr>
-        <a:xfrm>
-          <a:off x="0" y="0"/>
-          <a:ext cx="0" cy="0"/>
-          <a:chOff x="0" y="0"/>
-          <a:chExt cx="0" cy="0"/>
-        </a:xfrm>
-      </p:grpSpPr>
-      <p:sp>
-        <p:nvSpPr>
-          <p:cNvPr id="2" name="Title 1">
-            <a:extLst>
-              <a:ext uri="{FF2B5EF4-FFF2-40B4-BE49-F238E27FC236}">
-                <a16:creationId xmlns:a16="http://schemas.microsoft.com/office/drawing/2014/main" id="{51DC04F3-88F8-4BB6-A8CB-3B09FA668010}"/>
-              </a:ext>
-            </a:extLst>
-          </p:cNvPr>
-          <p:cNvSpPr>
-            <a:spLocks noGrp="1"/>
-          </p:cNvSpPr>
-          <p:nvPr>
-            <p:ph type="title"/>
-          </p:nvPr>
-        </p:nvSpPr>
-        <p:spPr>
-          <a:xfrm>
-            <a:off x="838200" y="2702972"/>
-            <a:ext cx="10515600" cy="1020615"/>
-          </a:xfrm>
-        </p:spPr>
-        <p:txBody>
-          <a:bodyPr>
-            <a:normAutofit/>
-          </a:bodyPr>
-          <a:lstStyle/>
-          <a:p>
-            <a:pPr algn="ctr"/>
-            <a:r>
-              <a:rPr lang="en-US" sz="3200" b="1" dirty="0">
-                <a:latin typeface="Franklin Gothic Medium" panose="020B0603020102020204" pitchFamily="34" charset="0"/>
-              </a:rPr>
-              <a:t>THANK YOU</a:t>
-            </a:r>
-          </a:p>
-        </p:txBody>
-      </p:sp>
-      <p:sp>
-        <p:nvSpPr>
-          <p:cNvPr id="4" name="Footer Placeholder 3">
-            <a:extLst>
-              <a:ext uri="{FF2B5EF4-FFF2-40B4-BE49-F238E27FC236}">
-                <a16:creationId xmlns:a16="http://schemas.microsoft.com/office/drawing/2014/main" id="{F50326A7-70AA-4904-8C95-FC6135202D7C}"/>
-              </a:ext>
-            </a:extLst>
-          </p:cNvPr>
-          <p:cNvSpPr>
-            <a:spLocks noGrp="1"/>
-          </p:cNvSpPr>
-          <p:nvPr>
-            <p:ph type="ftr" sz="quarter" idx="11"/>
-          </p:nvPr>
-        </p:nvSpPr>
-        <p:spPr/>
-        <p:txBody>
-          <a:bodyPr/>
-          <a:lstStyle/>
-          <a:p>
-            <a:r>
-              <a:rPr lang="en-US" dirty="0"/>
-              <a:t>Final Project Group #111  V Bhatia, P Bhatt, L Bondili, R Soori</a:t>
-            </a:r>
-            <a:endParaRPr lang="en-US" sz="1000" kern="1200" dirty="0">
-              <a:solidFill>
-                <a:schemeClr val="tx1">
-                  <a:tint val="75000"/>
-                </a:schemeClr>
-              </a:solidFill>
-              <a:latin typeface="+mn-lt"/>
-              <a:ea typeface="+mn-ea"/>
-              <a:cs typeface="+mn-cs"/>
-            </a:endParaRPr>
-          </a:p>
-        </p:txBody>
-      </p:sp>
-      <p:sp>
-        <p:nvSpPr>
-          <p:cNvPr id="3" name="Slide Number Placeholder 2">
-            <a:extLst>
-              <a:ext uri="{FF2B5EF4-FFF2-40B4-BE49-F238E27FC236}">
-                <a16:creationId xmlns:a16="http://schemas.microsoft.com/office/drawing/2014/main" id="{C0528BB7-18B8-469A-B464-6DA7EF7B0E7F}"/>
-              </a:ext>
-            </a:extLst>
-          </p:cNvPr>
-          <p:cNvSpPr>
-            <a:spLocks noGrp="1"/>
-          </p:cNvSpPr>
-          <p:nvPr>
-            <p:ph type="sldNum" sz="quarter" idx="12"/>
-          </p:nvPr>
-        </p:nvSpPr>
-        <p:spPr/>
-        <p:txBody>
-          <a:bodyPr/>
-          <a:lstStyle/>
-          <a:p>
-            <a:fld id="{0E267267-BF27-42DB-AB6A-E6E964C8A9EC}" type="slidenum">
-              <a:rPr lang="en-US" smtClean="0"/>
-              <a:t>22</a:t>
             </a:fld>
             <a:endParaRPr lang="en-US"/>
           </a:p>
@@ -9098,19 +9605,16 @@
         </p:spPr>
         <p:txBody>
           <a:bodyPr>
-            <a:normAutofit/>
+            <a:normAutofit fontScale="90000"/>
           </a:bodyPr>
           <a:lstStyle/>
           <a:p>
             <a:r>
-              <a:rPr lang="en-US" sz="2400" b="1" dirty="0">
+              <a:rPr lang="en-US" sz="3200" b="1" dirty="0">
                 <a:latin typeface="Franklin Gothic Medium" panose="020B0603020102020204" pitchFamily="34" charset="0"/>
               </a:rPr>
-              <a:t>INTRODUCTION</a:t>
-            </a:r>
-            <a:endParaRPr lang="en-US" sz="3200" b="1" dirty="0">
-              <a:latin typeface="Franklin Gothic Medium" panose="020B0603020102020204" pitchFamily="34" charset="0"/>
-            </a:endParaRPr>
+              <a:t>Introduction</a:t>
+            </a:r>
           </a:p>
         </p:txBody>
       </p:sp>
@@ -9132,7 +9636,7 @@
         </p:nvSpPr>
         <p:spPr>
           <a:xfrm>
-            <a:off x="838200" y="852631"/>
+            <a:off x="871586" y="1279194"/>
             <a:ext cx="10515600" cy="4299611"/>
           </a:xfrm>
         </p:spPr>
@@ -9373,19 +9877,16 @@
         </p:spPr>
         <p:txBody>
           <a:bodyPr>
-            <a:normAutofit/>
+            <a:normAutofit fontScale="90000"/>
           </a:bodyPr>
           <a:lstStyle/>
           <a:p>
             <a:r>
-              <a:rPr lang="en-US" sz="2400" b="1" dirty="0">
+              <a:rPr lang="en-US" sz="2900" b="1" dirty="0">
                 <a:latin typeface="Franklin Gothic Medium" panose="020B0603020102020204" pitchFamily="34" charset="0"/>
               </a:rPr>
               <a:t>Project Proposal</a:t>
             </a:r>
-            <a:endParaRPr lang="en-US" sz="3200" b="1" dirty="0">
-              <a:latin typeface="Franklin Gothic Medium" panose="020B0603020102020204" pitchFamily="34" charset="0"/>
-            </a:endParaRPr>
           </a:p>
         </p:txBody>
       </p:sp>
@@ -9633,14 +10134,11 @@
           <a:lstStyle/>
           <a:p>
             <a:r>
-              <a:rPr lang="en-US" sz="2400" b="1" dirty="0">
+              <a:rPr lang="en-US" sz="2600" b="1" dirty="0">
                 <a:latin typeface="Franklin Gothic Medium" panose="020B0603020102020204" pitchFamily="34" charset="0"/>
               </a:rPr>
               <a:t>Data Description</a:t>
             </a:r>
-            <a:endParaRPr lang="en-US" sz="3200" b="1" dirty="0">
-              <a:latin typeface="Franklin Gothic Medium" panose="020B0603020102020204" pitchFamily="34" charset="0"/>
-            </a:endParaRPr>
           </a:p>
         </p:txBody>
       </p:sp>
@@ -9849,8 +10347,22 @@
                 <a:ea typeface="Calibri" panose="020F0502020204030204" pitchFamily="34" charset="0"/>
                 <a:cs typeface="Calibri" panose="020F0502020204030204" pitchFamily="34" charset="0"/>
               </a:rPr>
-              <a:t>Point 1</a:t>
-            </a:r>
+              <a:t>Southern 7-day average and </a:t>
+            </a:r>
+            <a:r>
+              <a:rPr lang="en-US" dirty="0">
+                <a:latin typeface="Franklin Gothic Book" panose="020B0503020102020204" pitchFamily="34" charset="0"/>
+                <a:ea typeface="Calibri" panose="020F0502020204030204" pitchFamily="34" charset="0"/>
+                <a:cs typeface="Calibri" panose="020F0502020204030204" pitchFamily="34" charset="0"/>
+              </a:rPr>
+              <a:t>Northern 7-day average are the primary predictor variables used in models  </a:t>
+            </a:r>
+            <a:endParaRPr lang="en-US" sz="1800" dirty="0">
+              <a:effectLst/>
+              <a:latin typeface="Franklin Gothic Book" panose="020B0503020102020204" pitchFamily="34" charset="0"/>
+              <a:ea typeface="Calibri" panose="020F0502020204030204" pitchFamily="34" charset="0"/>
+              <a:cs typeface="Calibri" panose="020F0502020204030204" pitchFamily="34" charset="0"/>
+            </a:endParaRPr>
           </a:p>
           <a:p>
             <a:pPr marL="285750" marR="0" indent="-285750" algn="just">
@@ -9866,7 +10378,7 @@
                 <a:ea typeface="Calibri" panose="020F0502020204030204" pitchFamily="34" charset="0"/>
                 <a:cs typeface="Calibri" panose="020F0502020204030204" pitchFamily="34" charset="0"/>
               </a:rPr>
-              <a:t>Point 2</a:t>
+              <a:t>Notice how these variables are the rolling averages of titer values for every 7 days</a:t>
             </a:r>
             <a:endParaRPr lang="en-US" sz="1800" dirty="0">
               <a:effectLst/>
@@ -10251,7 +10763,7 @@
         <p:spPr>
           <a:xfrm>
             <a:off x="838200" y="5200649"/>
-            <a:ext cx="10515600" cy="924869"/>
+            <a:ext cx="10515600" cy="1838965"/>
           </a:xfrm>
           <a:prstGeom prst="rect">
             <a:avLst/>
@@ -10284,7 +10796,7 @@
                 <a:ea typeface="Calibri" panose="020F0502020204030204" pitchFamily="34" charset="0"/>
                 <a:cs typeface="Calibri" panose="020F0502020204030204" pitchFamily="34" charset="0"/>
               </a:rPr>
-              <a:t>Point 1</a:t>
+              <a:t>Our models are trying to predict the number of cases per day</a:t>
             </a:r>
           </a:p>
           <a:p>
@@ -10301,8 +10813,54 @@
                 <a:ea typeface="Calibri" panose="020F0502020204030204" pitchFamily="34" charset="0"/>
                 <a:cs typeface="Calibri" panose="020F0502020204030204" pitchFamily="34" charset="0"/>
               </a:rPr>
-              <a:t>Point 2</a:t>
-            </a:r>
+              <a:t>Since our predictor variables are 7-day rolling averages, we have computed “</a:t>
+            </a:r>
+            <a:r>
+              <a:rPr lang="en-US" dirty="0" err="1">
+                <a:latin typeface="Franklin Gothic Book" panose="020B0503020102020204" pitchFamily="34" charset="0"/>
+                <a:ea typeface="Calibri" panose="020F0502020204030204" pitchFamily="34" charset="0"/>
+                <a:cs typeface="Calibri" panose="020F0502020204030204" pitchFamily="34" charset="0"/>
+              </a:rPr>
+              <a:t>Cases_Avg</a:t>
+            </a:r>
+            <a:r>
+              <a:rPr lang="en-US" dirty="0">
+                <a:latin typeface="Franklin Gothic Book" panose="020B0503020102020204" pitchFamily="34" charset="0"/>
+                <a:ea typeface="Calibri" panose="020F0502020204030204" pitchFamily="34" charset="0"/>
+                <a:cs typeface="Calibri" panose="020F0502020204030204" pitchFamily="34" charset="0"/>
+              </a:rPr>
+              <a:t>” which is the 7-day rolling average of the number of cases. We use this as the response variable. </a:t>
+            </a:r>
+            <a:endParaRPr lang="en-US" sz="1800" dirty="0">
+              <a:effectLst/>
+              <a:latin typeface="Franklin Gothic Book" panose="020B0503020102020204" pitchFamily="34" charset="0"/>
+              <a:ea typeface="Calibri" panose="020F0502020204030204" pitchFamily="34" charset="0"/>
+              <a:cs typeface="Calibri" panose="020F0502020204030204" pitchFamily="34" charset="0"/>
+            </a:endParaRPr>
+          </a:p>
+          <a:p>
+            <a:pPr marL="285750" marR="0" indent="-285750" algn="just">
+              <a:lnSpc>
+                <a:spcPct val="110000"/>
+              </a:lnSpc>
+              <a:buFont typeface="Wingdings" panose="05000000000000000000" pitchFamily="2" charset="2"/>
+              <a:buChar char="ü"/>
+            </a:pPr>
+            <a:endParaRPr lang="en-US" sz="1800" dirty="0">
+              <a:effectLst/>
+              <a:latin typeface="Franklin Gothic Book" panose="020B0503020102020204" pitchFamily="34" charset="0"/>
+              <a:ea typeface="Calibri" panose="020F0502020204030204" pitchFamily="34" charset="0"/>
+              <a:cs typeface="Calibri" panose="020F0502020204030204" pitchFamily="34" charset="0"/>
+            </a:endParaRPr>
+          </a:p>
+          <a:p>
+            <a:pPr marL="285750" marR="0" indent="-285750" algn="just">
+              <a:lnSpc>
+                <a:spcPct val="110000"/>
+              </a:lnSpc>
+              <a:buFont typeface="Wingdings" panose="05000000000000000000" pitchFamily="2" charset="2"/>
+              <a:buChar char="ü"/>
+            </a:pPr>
             <a:endParaRPr lang="en-US" sz="1800" dirty="0">
               <a:effectLst/>
               <a:latin typeface="Franklin Gothic Book" panose="020B0503020102020204" pitchFamily="34" charset="0"/>
@@ -10445,7 +11003,7 @@
         </p:blipFill>
         <p:spPr>
           <a:xfrm>
-            <a:off x="4262437" y="1672818"/>
+            <a:off x="3093394" y="1635550"/>
             <a:ext cx="3667125" cy="3286125"/>
           </a:xfrm>
           <a:prstGeom prst="rect">
@@ -10620,15 +11178,7 @@
             </a:pPr>
             <a:r>
               <a:rPr lang="en-US" sz="2000" dirty="0"/>
-              <a:t>Replace </a:t>
-            </a:r>
-            <a:r>
-              <a:rPr lang="en-US" sz="2000" dirty="0" err="1"/>
-              <a:t>NaNs</a:t>
-            </a:r>
-            <a:r>
-              <a:rPr lang="en-US" sz="2000" dirty="0"/>
-              <a:t> with 0’s</a:t>
+              <a:t>Dropped nan values</a:t>
             </a:r>
           </a:p>
           <a:p>
@@ -10776,6 +11326,58 @@
               <a:t>7</a:t>
             </a:fld>
             <a:endParaRPr lang="en-US"/>
+          </a:p>
+        </p:txBody>
+      </p:sp>
+      <p:sp>
+        <p:nvSpPr>
+          <p:cNvPr id="7" name="Oval 6">
+            <a:extLst>
+              <a:ext uri="{FF2B5EF4-FFF2-40B4-BE49-F238E27FC236}">
+                <a16:creationId xmlns:a16="http://schemas.microsoft.com/office/drawing/2014/main" id="{C6803282-2C01-B243-A4E7-7655C76540BB}"/>
+              </a:ext>
+            </a:extLst>
+          </p:cNvPr>
+          <p:cNvSpPr/>
+          <p:nvPr/>
+        </p:nvSpPr>
+        <p:spPr>
+          <a:xfrm>
+            <a:off x="8762036" y="922836"/>
+            <a:ext cx="2291787" cy="2476982"/>
+          </a:xfrm>
+          <a:prstGeom prst="ellipse">
+            <a:avLst/>
+          </a:prstGeom>
+          <a:solidFill>
+            <a:srgbClr val="FF0000"/>
+          </a:solidFill>
+        </p:spPr>
+        <p:style>
+          <a:lnRef idx="2">
+            <a:schemeClr val="accent1">
+              <a:shade val="50000"/>
+            </a:schemeClr>
+          </a:lnRef>
+          <a:fillRef idx="1">
+            <a:schemeClr val="accent1"/>
+          </a:fillRef>
+          <a:effectRef idx="0">
+            <a:schemeClr val="accent1"/>
+          </a:effectRef>
+          <a:fontRef idx="minor">
+            <a:schemeClr val="lt1"/>
+          </a:fontRef>
+        </p:style>
+        <p:txBody>
+          <a:bodyPr rtlCol="0" anchor="ctr"/>
+          <a:lstStyle/>
+          <a:p>
+            <a:pPr algn="ctr"/>
+            <a:r>
+              <a:rPr lang="en-US" dirty="0"/>
+              <a:t>Vivek update this slide</a:t>
+            </a:r>
           </a:p>
         </p:txBody>
       </p:sp>
@@ -10935,7 +11537,7 @@
             </a:pPr>
             <a:r>
               <a:rPr lang="en-US" dirty="0"/>
-              <a:t>Strong relationship between Southern and Northern titer data</a:t>
+              <a:t>Strong linear relationship between Southern and Northern titer data</a:t>
             </a:r>
           </a:p>
           <a:p>
@@ -10945,7 +11547,15 @@
             </a:pPr>
             <a:r>
               <a:rPr lang="en-US" dirty="0"/>
-              <a:t>Over the time Southern and Northern titer data has strong correlation </a:t>
+              <a:t>We also see that Southern and Northern titers have a strong positive correlation  when plotted </a:t>
+            </a:r>
+            <a:r>
+              <a:rPr lang="en-US" dirty="0" err="1"/>
+              <a:t>w.r.t</a:t>
+            </a:r>
+            <a:r>
+              <a:rPr lang="en-US" dirty="0"/>
+              <a:t> date</a:t>
             </a:r>
           </a:p>
         </p:txBody>
@@ -11305,8 +11915,8 @@
         </p:blipFill>
         <p:spPr bwMode="auto">
           <a:xfrm>
-            <a:off x="838199" y="850138"/>
-            <a:ext cx="10515599" cy="2326696"/>
+            <a:off x="838199" y="850137"/>
+            <a:ext cx="10448827" cy="2405115"/>
           </a:xfrm>
           <a:prstGeom prst="rect">
             <a:avLst/>
@@ -11425,8 +12035,8 @@
         </p:nvSpPr>
         <p:spPr>
           <a:xfrm>
-            <a:off x="838200" y="5785109"/>
-            <a:ext cx="10515600" cy="620170"/>
+            <a:off x="904974" y="3602749"/>
+            <a:ext cx="3204040" cy="2753061"/>
           </a:xfrm>
           <a:prstGeom prst="rect">
             <a:avLst/>
@@ -11459,8 +12069,62 @@
                 <a:ea typeface="Calibri" panose="020F0502020204030204" pitchFamily="34" charset="0"/>
                 <a:cs typeface="Calibri" panose="020F0502020204030204" pitchFamily="34" charset="0"/>
               </a:rPr>
-              <a:t>Point 1</a:t>
-            </a:r>
+              <a:t>Notice that the 7-day average titer values from the </a:t>
+            </a:r>
+            <a:r>
+              <a:rPr lang="en-US" dirty="0">
+                <a:latin typeface="Franklin Gothic Book" panose="020B0503020102020204" pitchFamily="34" charset="0"/>
+                <a:ea typeface="Calibri" panose="020F0502020204030204" pitchFamily="34" charset="0"/>
+                <a:cs typeface="Calibri" panose="020F0502020204030204" pitchFamily="34" charset="0"/>
+              </a:rPr>
+              <a:t>top</a:t>
+            </a:r>
+            <a:r>
+              <a:rPr lang="en-US" sz="1800" dirty="0">
+                <a:effectLst/>
+                <a:latin typeface="Franklin Gothic Book" panose="020B0503020102020204" pitchFamily="34" charset="0"/>
+                <a:ea typeface="Calibri" panose="020F0502020204030204" pitchFamily="34" charset="0"/>
+                <a:cs typeface="Calibri" panose="020F0502020204030204" pitchFamily="34" charset="0"/>
+              </a:rPr>
+              <a:t> graph follows the same trend as the cases per county from th</a:t>
+            </a:r>
+            <a:r>
+              <a:rPr lang="en-US" dirty="0">
+                <a:latin typeface="Franklin Gothic Book" panose="020B0503020102020204" pitchFamily="34" charset="0"/>
+                <a:ea typeface="Calibri" panose="020F0502020204030204" pitchFamily="34" charset="0"/>
+                <a:cs typeface="Calibri" panose="020F0502020204030204" pitchFamily="34" charset="0"/>
+              </a:rPr>
+              <a:t>e bottom graph</a:t>
+            </a:r>
+          </a:p>
+          <a:p>
+            <a:pPr marL="285750" marR="0" indent="-285750" algn="just">
+              <a:lnSpc>
+                <a:spcPct val="110000"/>
+              </a:lnSpc>
+              <a:buFont typeface="Wingdings" panose="05000000000000000000" pitchFamily="2" charset="2"/>
+              <a:buChar char="ü"/>
+            </a:pPr>
+            <a:endParaRPr lang="en-US" dirty="0">
+              <a:latin typeface="Franklin Gothic Book" panose="020B0503020102020204" pitchFamily="34" charset="0"/>
+              <a:ea typeface="Calibri" panose="020F0502020204030204" pitchFamily="34" charset="0"/>
+              <a:cs typeface="Calibri" panose="020F0502020204030204" pitchFamily="34" charset="0"/>
+            </a:endParaRPr>
+          </a:p>
+          <a:p>
+            <a:pPr marL="285750" marR="0" indent="-285750" algn="just">
+              <a:lnSpc>
+                <a:spcPct val="110000"/>
+              </a:lnSpc>
+              <a:buFont typeface="Wingdings" panose="05000000000000000000" pitchFamily="2" charset="2"/>
+              <a:buChar char="ü"/>
+            </a:pPr>
+            <a:endParaRPr lang="en-US" sz="1800" dirty="0">
+              <a:effectLst/>
+              <a:latin typeface="Franklin Gothic Book" panose="020B0503020102020204" pitchFamily="34" charset="0"/>
+              <a:ea typeface="Calibri" panose="020F0502020204030204" pitchFamily="34" charset="0"/>
+              <a:cs typeface="Calibri" panose="020F0502020204030204" pitchFamily="34" charset="0"/>
+            </a:endParaRPr>
           </a:p>
         </p:txBody>
       </p:sp>

--- a/docs/Forecasting COVID-19 Cases Using SARS-Cov-2 Titers in Wastewater.pptx
+++ b/docs/Forecasting COVID-19 Cases Using SARS-Cov-2 Titers in Wastewater.pptx
@@ -6,7 +6,7 @@
     <p:sldMasterId id="2147483661" r:id="rId2"/>
   </p:sldMasterIdLst>
   <p:notesMasterIdLst>
-    <p:notesMasterId r:id="rId36"/>
+    <p:notesMasterId r:id="rId35"/>
   </p:notesMasterIdLst>
   <p:sldIdLst>
     <p:sldId id="256" r:id="rId3"/>
@@ -27,8 +27,8 @@
     <p:sldId id="271" r:id="rId18"/>
     <p:sldId id="272" r:id="rId19"/>
     <p:sldId id="273" r:id="rId20"/>
-    <p:sldId id="274" r:id="rId21"/>
-    <p:sldId id="275" r:id="rId22"/>
+    <p:sldId id="275" r:id="rId21"/>
+    <p:sldId id="274" r:id="rId22"/>
     <p:sldId id="276" r:id="rId23"/>
     <p:sldId id="277" r:id="rId24"/>
     <p:sldId id="278" r:id="rId25"/>
@@ -37,11 +37,10 @@
     <p:sldId id="281" r:id="rId28"/>
     <p:sldId id="282" r:id="rId29"/>
     <p:sldId id="283" r:id="rId30"/>
-    <p:sldId id="284" r:id="rId31"/>
-    <p:sldId id="285" r:id="rId32"/>
-    <p:sldId id="286" r:id="rId33"/>
-    <p:sldId id="287" r:id="rId34"/>
-    <p:sldId id="288" r:id="rId35"/>
+    <p:sldId id="285" r:id="rId31"/>
+    <p:sldId id="286" r:id="rId32"/>
+    <p:sldId id="289" r:id="rId33"/>
+    <p:sldId id="288" r:id="rId34"/>
   </p:sldIdLst>
   <p:sldSz cx="12192000" cy="6858000"/>
   <p:notesSz cx="6858000" cy="9144000"/>
@@ -140,6 +139,11 @@
       </a:defRPr>
     </a:lvl9pPr>
   </p:defaultTextStyle>
+  <p:extLst>
+    <p:ext uri="{EFAFB233-063F-42B5-8137-9DF3F51BA10A}">
+      <p15:sldGuideLst xmlns:p15="http://schemas.microsoft.com/office/powerpoint/2012/main"/>
+    </p:ext>
+  </p:extLst>
 </p:presentation>
 </file>
 
@@ -542,127 +546,9 @@
                 <a:spcPct val="100000"/>
               </a:lnSpc>
             </a:pPr>
-            <a:r>
-              <a:rPr lang="en-US" sz="2000" b="0" strike="noStrike" spc="-1">
-                <a:latin typeface="Arial"/>
-              </a:rPr>
-              <a:t>Now coming to data processing, </a:t>
-            </a:r>
-          </a:p>
-          <a:p>
-            <a:pPr marL="216000" indent="-216000">
-              <a:lnSpc>
-                <a:spcPct val="100000"/>
-              </a:lnSpc>
-            </a:pPr>
-            <a:endParaRPr lang="en-US" sz="2000" b="0" strike="noStrike" spc="-1">
+            <a:endParaRPr lang="en-US" sz="2000" b="0" strike="noStrike" spc="-1" dirty="0">
               <a:latin typeface="Arial"/>
             </a:endParaRPr>
-          </a:p>
-          <a:p>
-            <a:pPr marL="216000" indent="-216000">
-              <a:lnSpc>
-                <a:spcPct val="100000"/>
-              </a:lnSpc>
-            </a:pPr>
-            <a:r>
-              <a:rPr lang="en-US" sz="2000" b="0" strike="noStrike" spc="-1">
-                <a:latin typeface="Arial"/>
-              </a:rPr>
-              <a:t>Our target variable has different interpretations for positive and negative values. </a:t>
-            </a:r>
-          </a:p>
-          <a:p>
-            <a:pPr marL="216000" indent="-216000">
-              <a:lnSpc>
-                <a:spcPct val="100000"/>
-              </a:lnSpc>
-            </a:pPr>
-            <a:endParaRPr lang="en-US" sz="2000" b="0" strike="noStrike" spc="-1">
-              <a:latin typeface="Arial"/>
-            </a:endParaRPr>
-          </a:p>
-          <a:p>
-            <a:pPr marL="216000" indent="-216000">
-              <a:lnSpc>
-                <a:spcPct val="100000"/>
-              </a:lnSpc>
-            </a:pPr>
-            <a:r>
-              <a:rPr lang="en-US" sz="2000" b="0" strike="noStrike" spc="-1">
-                <a:latin typeface="Arial"/>
-              </a:rPr>
-              <a:t>so we used an absolute value where lower number would indicate high mortality risk and higher number would indicate lower risk.</a:t>
-            </a:r>
-          </a:p>
-          <a:p>
-            <a:pPr marL="216000" indent="-216000">
-              <a:lnSpc>
-                <a:spcPct val="100000"/>
-              </a:lnSpc>
-            </a:pPr>
-            <a:endParaRPr lang="en-US" sz="2000" b="0" strike="noStrike" spc="-1">
-              <a:latin typeface="Arial"/>
-            </a:endParaRPr>
-          </a:p>
-          <a:p>
-            <a:pPr marL="216000" indent="-216000">
-              <a:lnSpc>
-                <a:spcPct val="100000"/>
-              </a:lnSpc>
-            </a:pPr>
-            <a:r>
-              <a:rPr lang="en-US" sz="2000" b="0" strike="noStrike" spc="-1">
-                <a:latin typeface="Arial"/>
-              </a:rPr>
-              <a:t>For identifying race, we used the distribution of race in 70s and for sex, we  leveraged the fact that males and females have different ranges for some of the clinical variables like RBC.</a:t>
-            </a:r>
-          </a:p>
-          <a:p>
-            <a:pPr marL="216000" indent="-216000">
-              <a:lnSpc>
-                <a:spcPct val="100000"/>
-              </a:lnSpc>
-            </a:pPr>
-            <a:endParaRPr lang="en-US" sz="2000" b="0" strike="noStrike" spc="-1">
-              <a:latin typeface="Arial"/>
-            </a:endParaRPr>
-          </a:p>
-          <a:p>
-            <a:pPr marL="216000" indent="-216000">
-              <a:lnSpc>
-                <a:spcPct val="100000"/>
-              </a:lnSpc>
-            </a:pPr>
-            <a:r>
-              <a:rPr lang="en-US" sz="2000" b="0" strike="noStrike" spc="-1">
-                <a:latin typeface="Arial"/>
-              </a:rPr>
-              <a:t>For filling in the missing data in our dataset, we used an iterative imputer.</a:t>
-            </a:r>
-          </a:p>
-          <a:p>
-            <a:pPr marL="216000" indent="-216000">
-              <a:lnSpc>
-                <a:spcPct val="100000"/>
-              </a:lnSpc>
-            </a:pPr>
-            <a:endParaRPr lang="en-US" sz="2000" b="0" strike="noStrike" spc="-1">
-              <a:latin typeface="Arial"/>
-            </a:endParaRPr>
-          </a:p>
-          <a:p>
-            <a:pPr marL="216000" indent="-216000">
-              <a:lnSpc>
-                <a:spcPct val="100000"/>
-              </a:lnSpc>
-            </a:pPr>
-            <a:r>
-              <a:rPr lang="en-US" sz="2000" b="0" strike="noStrike" spc="-1">
-                <a:latin typeface="Arial"/>
-              </a:rPr>
-              <a:t>We added some new flags indicating predictors outside of normal range. e.g. if a person had high BMI, we would either flag it as  1 or 2 depending on the range and then used a sum_flag that would add up these flags to indicate an overall health of a person.</a:t>
-            </a:r>
           </a:p>
         </p:txBody>
       </p:sp>
@@ -743,7 +629,12 @@
             <p:ph type="sldImg"/>
           </p:nvPr>
         </p:nvSpPr>
-        <p:spPr/>
+        <p:spPr>
+          <a:xfrm>
+            <a:off x="533400" y="763588"/>
+            <a:ext cx="6704013" cy="3771900"/>
+          </a:xfrm>
+        </p:spPr>
       </p:sp>
       <p:sp>
         <p:nvSpPr>
@@ -760,19 +651,66 @@
           <a:bodyPr/>
           <a:lstStyle/>
           <a:p>
+            <a:pPr marL="0" marR="0" lvl="0" indent="0" algn="l" defTabSz="914400" rtl="0" eaLnBrk="1" fontAlgn="auto" latinLnBrk="0" hangingPunct="1">
+              <a:lnSpc>
+                <a:spcPct val="100000"/>
+              </a:lnSpc>
+              <a:spcBef>
+                <a:spcPts val="0"/>
+              </a:spcBef>
+              <a:spcAft>
+                <a:spcPts val="0"/>
+              </a:spcAft>
+              <a:buClrTx/>
+              <a:buSzTx/>
+              <a:buFontTx/>
+              <a:buNone/>
+              <a:tabLst/>
+              <a:defRPr/>
+            </a:pPr>
             <a:r>
               <a:rPr lang="en-US" dirty="0"/>
-              <a:t>We tried a multitude of deep learning models including CNN, GRU, LSTM and bi-directional models and found that they all provided very similar results.</a:t>
-            </a:r>
-          </a:p>
-          <a:p>
+              <a:t>We also tried the </a:t>
+            </a:r>
+            <a:r>
+              <a:rPr lang="en-US" dirty="0" err="1"/>
+              <a:t>XGBoost</a:t>
+            </a:r>
             <a:r>
               <a:rPr lang="en-US" dirty="0"/>
-              <a:t>The predicted values follow a similar trend as the training and test data but are lagged by a 5-6 days which in turn reduces the effectiveness of the models.</a:t>
-            </a:r>
-          </a:p>
-          <a:p>
-            <a:endParaRPr lang="en-US" dirty="0"/>
+              <a:t> Model which performed very similar to the deep learning models.</a:t>
+            </a:r>
+          </a:p>
+          <a:p>
+            <a:pPr marL="0" marR="0" lvl="0" indent="0" algn="l" defTabSz="914400" rtl="0" eaLnBrk="1" fontAlgn="auto" latinLnBrk="0" hangingPunct="1">
+              <a:lnSpc>
+                <a:spcPct val="100000"/>
+              </a:lnSpc>
+              <a:spcBef>
+                <a:spcPts val="0"/>
+              </a:spcBef>
+              <a:spcAft>
+                <a:spcPts val="0"/>
+              </a:spcAft>
+              <a:buClrTx/>
+              <a:buSzTx/>
+              <a:buFontTx/>
+              <a:buNone/>
+              <a:tabLst/>
+              <a:defRPr/>
+            </a:pPr>
+            <a:r>
+              <a:rPr lang="en-US" dirty="0"/>
+              <a:t>The feature importance plot shows that </a:t>
+            </a:r>
+            <a:r>
+              <a:rPr lang="en-US" dirty="0" err="1"/>
+              <a:t>Southern_Avg</a:t>
+            </a:r>
+            <a:r>
+              <a:rPr lang="en-US" dirty="0"/>
+              <a:t> is the most important feature.</a:t>
+            </a:r>
           </a:p>
         </p:txBody>
       </p:sp>
@@ -807,7 +745,7 @@
     </p:spTree>
     <p:extLst>
       <p:ext uri="{BB962C8B-B14F-4D97-AF65-F5344CB8AC3E}">
-        <p14:creationId xmlns:p14="http://schemas.microsoft.com/office/powerpoint/2010/main" val="2276785695"/>
+        <p14:creationId xmlns:p14="http://schemas.microsoft.com/office/powerpoint/2010/main" val="3844261907"/>
       </p:ext>
     </p:extLst>
   </p:cSld>
@@ -936,7 +874,7 @@
         <p:spPr>
           <a:xfrm>
             <a:off x="685800" y="1143000"/>
-            <a:ext cx="5486040" cy="3085920"/>
+            <a:ext cx="5486400" cy="3086100"/>
           </a:xfrm>
           <a:prstGeom prst="rect">
             <a:avLst/>
@@ -973,139 +911,9 @@
                 <a:spcPct val="100000"/>
               </a:lnSpc>
             </a:pPr>
-            <a:r>
-              <a:rPr lang="en-US" sz="2000" b="0" strike="noStrike" spc="-1" dirty="0">
-                <a:latin typeface="Arial"/>
-              </a:rPr>
-              <a:t>Now coming to data processing, </a:t>
-            </a:r>
-          </a:p>
-          <a:p>
-            <a:pPr marL="216000" indent="-216000">
-              <a:lnSpc>
-                <a:spcPct val="100000"/>
-              </a:lnSpc>
-            </a:pPr>
             <a:endParaRPr lang="en-US" sz="2000" b="0" strike="noStrike" spc="-1" dirty="0">
               <a:latin typeface="Arial"/>
             </a:endParaRPr>
-          </a:p>
-          <a:p>
-            <a:pPr marL="216000" indent="-216000">
-              <a:lnSpc>
-                <a:spcPct val="100000"/>
-              </a:lnSpc>
-            </a:pPr>
-            <a:r>
-              <a:rPr lang="en-US" sz="2000" b="0" strike="noStrike" spc="-1" dirty="0">
-                <a:latin typeface="Arial"/>
-              </a:rPr>
-              <a:t>Our target variable has different interpretations for positive and negative values. </a:t>
-            </a:r>
-          </a:p>
-          <a:p>
-            <a:pPr marL="216000" indent="-216000">
-              <a:lnSpc>
-                <a:spcPct val="100000"/>
-              </a:lnSpc>
-            </a:pPr>
-            <a:endParaRPr lang="en-US" sz="2000" b="0" strike="noStrike" spc="-1" dirty="0">
-              <a:latin typeface="Arial"/>
-            </a:endParaRPr>
-          </a:p>
-          <a:p>
-            <a:pPr marL="216000" indent="-216000">
-              <a:lnSpc>
-                <a:spcPct val="100000"/>
-              </a:lnSpc>
-            </a:pPr>
-            <a:r>
-              <a:rPr lang="en-US" sz="2000" b="0" strike="noStrike" spc="-1" dirty="0">
-                <a:latin typeface="Arial"/>
-              </a:rPr>
-              <a:t>so we used an absolute value where lower number would indicate high mortality risk and higher number would indicate lower risk.</a:t>
-            </a:r>
-          </a:p>
-          <a:p>
-            <a:pPr marL="216000" indent="-216000">
-              <a:lnSpc>
-                <a:spcPct val="100000"/>
-              </a:lnSpc>
-            </a:pPr>
-            <a:endParaRPr lang="en-US" sz="2000" b="0" strike="noStrike" spc="-1" dirty="0">
-              <a:latin typeface="Arial"/>
-            </a:endParaRPr>
-          </a:p>
-          <a:p>
-            <a:pPr marL="216000" indent="-216000">
-              <a:lnSpc>
-                <a:spcPct val="100000"/>
-              </a:lnSpc>
-            </a:pPr>
-            <a:r>
-              <a:rPr lang="en-US" sz="2000" b="0" strike="noStrike" spc="-1" dirty="0">
-                <a:latin typeface="Arial"/>
-              </a:rPr>
-              <a:t>For identifying race, we used the distribution of race in 70s and for sex, we  leveraged the fact that males and females have different ranges for some of the clinical variables like RBC.</a:t>
-            </a:r>
-          </a:p>
-          <a:p>
-            <a:pPr marL="216000" indent="-216000">
-              <a:lnSpc>
-                <a:spcPct val="100000"/>
-              </a:lnSpc>
-            </a:pPr>
-            <a:endParaRPr lang="en-US" sz="2000" b="0" strike="noStrike" spc="-1" dirty="0">
-              <a:latin typeface="Arial"/>
-            </a:endParaRPr>
-          </a:p>
-          <a:p>
-            <a:pPr marL="216000" indent="-216000">
-              <a:lnSpc>
-                <a:spcPct val="100000"/>
-              </a:lnSpc>
-            </a:pPr>
-            <a:r>
-              <a:rPr lang="en-US" sz="2000" b="0" strike="noStrike" spc="-1" dirty="0">
-                <a:latin typeface="Arial"/>
-              </a:rPr>
-              <a:t>For filling in the missing data in our dataset, we used an iterative imputer.</a:t>
-            </a:r>
-          </a:p>
-          <a:p>
-            <a:pPr marL="216000" indent="-216000">
-              <a:lnSpc>
-                <a:spcPct val="100000"/>
-              </a:lnSpc>
-            </a:pPr>
-            <a:endParaRPr lang="en-US" sz="2000" b="0" strike="noStrike" spc="-1" dirty="0">
-              <a:latin typeface="Arial"/>
-            </a:endParaRPr>
-          </a:p>
-          <a:p>
-            <a:pPr marL="216000" indent="-216000">
-              <a:lnSpc>
-                <a:spcPct val="100000"/>
-              </a:lnSpc>
-            </a:pPr>
-            <a:r>
-              <a:rPr lang="en-US" sz="2000" b="0" strike="noStrike" spc="-1" dirty="0">
-                <a:latin typeface="Arial"/>
-              </a:rPr>
-              <a:t>We added some new flags indicating predictors outside of normal range. e.g. if a person had high BMI, we would either flag it as  1 or 2 depending on the range and then used a </a:t>
-            </a:r>
-            <a:r>
-              <a:rPr lang="en-US" sz="2000" b="0" strike="noStrike" spc="-1" dirty="0" err="1">
-                <a:latin typeface="Arial"/>
-              </a:rPr>
-              <a:t>sum_flag</a:t>
-            </a:r>
-            <a:r>
-              <a:rPr lang="en-US" sz="2000" b="0" strike="noStrike" spc="-1" dirty="0">
-                <a:latin typeface="Arial"/>
-              </a:rPr>
-              <a:t> that would add up these flags to indicate an overall health of a person.</a:t>
-            </a:r>
           </a:p>
         </p:txBody>
       </p:sp>
@@ -1186,7 +994,12 @@
             <p:ph type="sldImg"/>
           </p:nvPr>
         </p:nvSpPr>
-        <p:spPr/>
+        <p:spPr>
+          <a:xfrm>
+            <a:off x="533400" y="763588"/>
+            <a:ext cx="6704013" cy="3771900"/>
+          </a:xfrm>
+        </p:spPr>
       </p:sp>
       <p:sp>
         <p:nvSpPr>
@@ -1203,7 +1016,18 @@
           <a:bodyPr/>
           <a:lstStyle/>
           <a:p>
-            <a:endParaRPr lang="en-US" dirty="0"/>
+            <a:r>
+              <a:rPr lang="en-US" dirty="0"/>
+              <a:t>In attempt 1, we see that all models faired poorly in comparison with the persistence model. Although models performed well on training data, they performed poorly on test data. To further improve the models, we decomposed the case counts into trend, seasonality and residuals which is shown here. From the 3</a:t>
+            </a:r>
+            <a:r>
+              <a:rPr lang="en-US" baseline="30000" dirty="0"/>
+              <a:t>rd</a:t>
+            </a:r>
+            <a:r>
+              <a:rPr lang="en-US" dirty="0"/>
+              <a:t> plot, we can see that there is a clear seasonal factor that needs to be accounted for.</a:t>
+            </a:r>
           </a:p>
         </p:txBody>
       </p:sp>
@@ -1227,7 +1051,7 @@
               <a:rPr lang="en-US" sz="1400" b="0" strike="noStrike" spc="-1" smtClean="0">
                 <a:latin typeface="Times New Roman"/>
               </a:rPr>
-              <a:t>25</a:t>
+              <a:t>23</a:t>
             </a:fld>
             <a:endParaRPr lang="en-US" sz="1400" b="0" strike="noStrike" spc="-1">
               <a:latin typeface="Times New Roman"/>
@@ -1238,7 +1062,7 @@
     </p:spTree>
     <p:extLst>
       <p:ext uri="{BB962C8B-B14F-4D97-AF65-F5344CB8AC3E}">
-        <p14:creationId xmlns:p14="http://schemas.microsoft.com/office/powerpoint/2010/main" val="3053014466"/>
+        <p14:creationId xmlns:p14="http://schemas.microsoft.com/office/powerpoint/2010/main" val="3584539147"/>
       </p:ext>
     </p:extLst>
   </p:cSld>
@@ -1275,7 +1099,12 @@
             <p:ph type="sldImg"/>
           </p:nvPr>
         </p:nvSpPr>
-        <p:spPr/>
+        <p:spPr>
+          <a:xfrm>
+            <a:off x="533400" y="763588"/>
+            <a:ext cx="6704013" cy="3771900"/>
+          </a:xfrm>
+        </p:spPr>
       </p:sp>
       <p:sp>
         <p:nvSpPr>
@@ -1292,7 +1121,43 @@
           <a:bodyPr/>
           <a:lstStyle/>
           <a:p>
+            <a:r>
+              <a:rPr lang="en-US" dirty="0"/>
+              <a:t>To account for the seasonal factor, we added the predictor variables </a:t>
+            </a:r>
+            <a:r>
+              <a:rPr lang="en-US" dirty="0" err="1"/>
+              <a:t>day_of_week</a:t>
+            </a:r>
+            <a:r>
+              <a:rPr lang="en-US" dirty="0"/>
+              <a:t> and </a:t>
+            </a:r>
+            <a:r>
+              <a:rPr lang="en-US" dirty="0" err="1"/>
+              <a:t>day_of_month</a:t>
+            </a:r>
+            <a:r>
+              <a:rPr lang="en-US" dirty="0"/>
+              <a:t>. The table on the right shows that there is an 80% decrease in RMSE for linear regression models which is a huge improvement. Also, adding these variables also improved the results of </a:t>
+            </a:r>
+            <a:r>
+              <a:rPr lang="en-US" dirty="0" err="1"/>
+              <a:t>XGBoost</a:t>
+            </a:r>
+            <a:r>
+              <a:rPr lang="en-US" dirty="0"/>
+              <a:t>. </a:t>
+            </a:r>
+          </a:p>
+          <a:p>
             <a:endParaRPr lang="en-US" dirty="0"/>
+          </a:p>
+          <a:p>
+            <a:r>
+              <a:rPr lang="en-US" dirty="0"/>
+              <a:t>In the next few slides, we have shown the improved results for each of these models.</a:t>
+            </a:r>
           </a:p>
         </p:txBody>
       </p:sp>
@@ -1316,7 +1181,416 @@
               <a:rPr lang="en-US" sz="1400" b="0" strike="noStrike" spc="-1" smtClean="0">
                 <a:latin typeface="Times New Roman"/>
               </a:rPr>
-              <a:t>30</a:t>
+              <a:t>24</a:t>
+            </a:fld>
+            <a:endParaRPr lang="en-US" sz="1400" b="0" strike="noStrike" spc="-1">
+              <a:latin typeface="Times New Roman"/>
+            </a:endParaRPr>
+          </a:p>
+        </p:txBody>
+      </p:sp>
+    </p:spTree>
+    <p:extLst>
+      <p:ext uri="{BB962C8B-B14F-4D97-AF65-F5344CB8AC3E}">
+        <p14:creationId xmlns:p14="http://schemas.microsoft.com/office/powerpoint/2010/main" val="1151732165"/>
+      </p:ext>
+    </p:extLst>
+  </p:cSld>
+  <p:clrMapOvr>
+    <a:masterClrMapping/>
+  </p:clrMapOvr>
+</p:notes>
+</file>
+
+<file path=ppt/notesSlides/notesSlide15.xml><?xml version="1.0" encoding="utf-8"?>
+<p:notes xmlns:a="http://schemas.openxmlformats.org/drawingml/2006/main" xmlns:r="http://schemas.openxmlformats.org/officeDocument/2006/relationships" xmlns:p="http://schemas.openxmlformats.org/presentationml/2006/main">
+  <p:cSld>
+    <p:spTree>
+      <p:nvGrpSpPr>
+        <p:cNvPr id="1" name=""/>
+        <p:cNvGrpSpPr/>
+        <p:nvPr/>
+      </p:nvGrpSpPr>
+      <p:grpSpPr>
+        <a:xfrm>
+          <a:off x="0" y="0"/>
+          <a:ext cx="0" cy="0"/>
+          <a:chOff x="0" y="0"/>
+          <a:chExt cx="0" cy="0"/>
+        </a:xfrm>
+      </p:grpSpPr>
+      <p:sp>
+        <p:nvSpPr>
+          <p:cNvPr id="2" name="Slide Image Placeholder 1"/>
+          <p:cNvSpPr>
+            <a:spLocks noGrp="1" noRot="1" noChangeAspect="1"/>
+          </p:cNvSpPr>
+          <p:nvPr>
+            <p:ph type="sldImg"/>
+          </p:nvPr>
+        </p:nvSpPr>
+        <p:spPr>
+          <a:xfrm>
+            <a:off x="533400" y="763588"/>
+            <a:ext cx="6704013" cy="3771900"/>
+          </a:xfrm>
+        </p:spPr>
+      </p:sp>
+      <p:sp>
+        <p:nvSpPr>
+          <p:cNvPr id="3" name="Notes Placeholder 2"/>
+          <p:cNvSpPr>
+            <a:spLocks noGrp="1"/>
+          </p:cNvSpPr>
+          <p:nvPr>
+            <p:ph type="body" idx="1"/>
+          </p:nvPr>
+        </p:nvSpPr>
+        <p:spPr/>
+        <p:txBody>
+          <a:bodyPr/>
+          <a:lstStyle/>
+          <a:p>
+            <a:r>
+              <a:rPr lang="en-US" dirty="0"/>
+              <a:t>These are the improved results for Linear and Polynomial regression models</a:t>
+            </a:r>
+          </a:p>
+        </p:txBody>
+      </p:sp>
+      <p:sp>
+        <p:nvSpPr>
+          <p:cNvPr id="4" name="Slide Number Placeholder 3"/>
+          <p:cNvSpPr>
+            <a:spLocks noGrp="1"/>
+          </p:cNvSpPr>
+          <p:nvPr>
+            <p:ph type="sldNum"/>
+          </p:nvPr>
+        </p:nvSpPr>
+        <p:spPr/>
+        <p:txBody>
+          <a:bodyPr/>
+          <a:lstStyle/>
+          <a:p>
+            <a:pPr algn="r"/>
+            <a:fld id="{067AE061-FD7C-42B6-AC7A-BB007F30D5D5}" type="slidenum">
+              <a:rPr lang="en-US" sz="1400" b="0" strike="noStrike" spc="-1" smtClean="0">
+                <a:latin typeface="Times New Roman"/>
+              </a:rPr>
+              <a:t>25</a:t>
+            </a:fld>
+            <a:endParaRPr lang="en-US" sz="1400" b="0" strike="noStrike" spc="-1">
+              <a:latin typeface="Times New Roman"/>
+            </a:endParaRPr>
+          </a:p>
+        </p:txBody>
+      </p:sp>
+    </p:spTree>
+    <p:extLst>
+      <p:ext uri="{BB962C8B-B14F-4D97-AF65-F5344CB8AC3E}">
+        <p14:creationId xmlns:p14="http://schemas.microsoft.com/office/powerpoint/2010/main" val="3053014466"/>
+      </p:ext>
+    </p:extLst>
+  </p:cSld>
+  <p:clrMapOvr>
+    <a:masterClrMapping/>
+  </p:clrMapOvr>
+</p:notes>
+</file>
+
+<file path=ppt/notesSlides/notesSlide16.xml><?xml version="1.0" encoding="utf-8"?>
+<p:notes xmlns:a="http://schemas.openxmlformats.org/drawingml/2006/main" xmlns:r="http://schemas.openxmlformats.org/officeDocument/2006/relationships" xmlns:p="http://schemas.openxmlformats.org/presentationml/2006/main">
+  <p:cSld>
+    <p:spTree>
+      <p:nvGrpSpPr>
+        <p:cNvPr id="1" name=""/>
+        <p:cNvGrpSpPr/>
+        <p:nvPr/>
+      </p:nvGrpSpPr>
+      <p:grpSpPr>
+        <a:xfrm>
+          <a:off x="0" y="0"/>
+          <a:ext cx="0" cy="0"/>
+          <a:chOff x="0" y="0"/>
+          <a:chExt cx="0" cy="0"/>
+        </a:xfrm>
+      </p:grpSpPr>
+      <p:sp>
+        <p:nvSpPr>
+          <p:cNvPr id="2" name="Slide Image Placeholder 1"/>
+          <p:cNvSpPr>
+            <a:spLocks noGrp="1" noRot="1" noChangeAspect="1"/>
+          </p:cNvSpPr>
+          <p:nvPr>
+            <p:ph type="sldImg"/>
+          </p:nvPr>
+        </p:nvSpPr>
+        <p:spPr>
+          <a:xfrm>
+            <a:off x="533400" y="763588"/>
+            <a:ext cx="6704013" cy="3771900"/>
+          </a:xfrm>
+        </p:spPr>
+      </p:sp>
+      <p:sp>
+        <p:nvSpPr>
+          <p:cNvPr id="3" name="Notes Placeholder 2"/>
+          <p:cNvSpPr>
+            <a:spLocks noGrp="1"/>
+          </p:cNvSpPr>
+          <p:nvPr>
+            <p:ph type="body" idx="1"/>
+          </p:nvPr>
+        </p:nvSpPr>
+        <p:spPr/>
+        <p:txBody>
+          <a:bodyPr/>
+          <a:lstStyle/>
+          <a:p>
+            <a:r>
+              <a:rPr lang="en-US" dirty="0"/>
+              <a:t>Similarly, we can see the </a:t>
+            </a:r>
+            <a:r>
+              <a:rPr lang="en-US" dirty="0" err="1"/>
+              <a:t>PyGAM</a:t>
+            </a:r>
+            <a:r>
+              <a:rPr lang="en-US" dirty="0"/>
+              <a:t> predictions have improved</a:t>
+            </a:r>
+          </a:p>
+        </p:txBody>
+      </p:sp>
+      <p:sp>
+        <p:nvSpPr>
+          <p:cNvPr id="4" name="Slide Number Placeholder 3"/>
+          <p:cNvSpPr>
+            <a:spLocks noGrp="1"/>
+          </p:cNvSpPr>
+          <p:nvPr>
+            <p:ph type="sldNum"/>
+          </p:nvPr>
+        </p:nvSpPr>
+        <p:spPr/>
+        <p:txBody>
+          <a:bodyPr/>
+          <a:lstStyle/>
+          <a:p>
+            <a:pPr algn="r"/>
+            <a:fld id="{067AE061-FD7C-42B6-AC7A-BB007F30D5D5}" type="slidenum">
+              <a:rPr lang="en-US" sz="1400" b="0" strike="noStrike" spc="-1" smtClean="0">
+                <a:latin typeface="Times New Roman"/>
+              </a:rPr>
+              <a:t>26</a:t>
+            </a:fld>
+            <a:endParaRPr lang="en-US" sz="1400" b="0" strike="noStrike" spc="-1">
+              <a:latin typeface="Times New Roman"/>
+            </a:endParaRPr>
+          </a:p>
+        </p:txBody>
+      </p:sp>
+    </p:spTree>
+    <p:extLst>
+      <p:ext uri="{BB962C8B-B14F-4D97-AF65-F5344CB8AC3E}">
+        <p14:creationId xmlns:p14="http://schemas.microsoft.com/office/powerpoint/2010/main" val="1501582089"/>
+      </p:ext>
+    </p:extLst>
+  </p:cSld>
+  <p:clrMapOvr>
+    <a:masterClrMapping/>
+  </p:clrMapOvr>
+</p:notes>
+</file>
+
+<file path=ppt/notesSlides/notesSlide17.xml><?xml version="1.0" encoding="utf-8"?>
+<p:notes xmlns:a="http://schemas.openxmlformats.org/drawingml/2006/main" xmlns:r="http://schemas.openxmlformats.org/officeDocument/2006/relationships" xmlns:p="http://schemas.openxmlformats.org/presentationml/2006/main">
+  <p:cSld>
+    <p:spTree>
+      <p:nvGrpSpPr>
+        <p:cNvPr id="1" name=""/>
+        <p:cNvGrpSpPr/>
+        <p:nvPr/>
+      </p:nvGrpSpPr>
+      <p:grpSpPr>
+        <a:xfrm>
+          <a:off x="0" y="0"/>
+          <a:ext cx="0" cy="0"/>
+          <a:chOff x="0" y="0"/>
+          <a:chExt cx="0" cy="0"/>
+        </a:xfrm>
+      </p:grpSpPr>
+      <p:sp>
+        <p:nvSpPr>
+          <p:cNvPr id="2" name="Slide Image Placeholder 1"/>
+          <p:cNvSpPr>
+            <a:spLocks noGrp="1" noRot="1" noChangeAspect="1"/>
+          </p:cNvSpPr>
+          <p:nvPr>
+            <p:ph type="sldImg"/>
+          </p:nvPr>
+        </p:nvSpPr>
+        <p:spPr>
+          <a:xfrm>
+            <a:off x="533400" y="763588"/>
+            <a:ext cx="6704013" cy="3771900"/>
+          </a:xfrm>
+        </p:spPr>
+      </p:sp>
+      <p:sp>
+        <p:nvSpPr>
+          <p:cNvPr id="3" name="Notes Placeholder 2"/>
+          <p:cNvSpPr>
+            <a:spLocks noGrp="1"/>
+          </p:cNvSpPr>
+          <p:nvPr>
+            <p:ph type="body" idx="1"/>
+          </p:nvPr>
+        </p:nvSpPr>
+        <p:spPr/>
+        <p:txBody>
+          <a:bodyPr/>
+          <a:lstStyle/>
+          <a:p>
+            <a:r>
+              <a:rPr lang="en-US" dirty="0"/>
+              <a:t>In </a:t>
+            </a:r>
+            <a:r>
+              <a:rPr lang="en-US" dirty="0" err="1"/>
+              <a:t>XGBoost</a:t>
+            </a:r>
+            <a:r>
+              <a:rPr lang="en-US" dirty="0"/>
+              <a:t>, notice that the most important feature is now the Persistence model output and not the </a:t>
+            </a:r>
+            <a:r>
+              <a:rPr lang="en-US" dirty="0" err="1"/>
+              <a:t>Southern_Avg</a:t>
+            </a:r>
+            <a:r>
+              <a:rPr lang="en-US" dirty="0"/>
+              <a:t> that we saw earlier.</a:t>
+            </a:r>
+          </a:p>
+        </p:txBody>
+      </p:sp>
+      <p:sp>
+        <p:nvSpPr>
+          <p:cNvPr id="4" name="Slide Number Placeholder 3"/>
+          <p:cNvSpPr>
+            <a:spLocks noGrp="1"/>
+          </p:cNvSpPr>
+          <p:nvPr>
+            <p:ph type="sldNum"/>
+          </p:nvPr>
+        </p:nvSpPr>
+        <p:spPr/>
+        <p:txBody>
+          <a:bodyPr/>
+          <a:lstStyle/>
+          <a:p>
+            <a:pPr algn="r"/>
+            <a:fld id="{067AE061-FD7C-42B6-AC7A-BB007F30D5D5}" type="slidenum">
+              <a:rPr lang="en-US" sz="1400" b="0" strike="noStrike" spc="-1" smtClean="0">
+                <a:latin typeface="Times New Roman"/>
+              </a:rPr>
+              <a:t>27</a:t>
+            </a:fld>
+            <a:endParaRPr lang="en-US" sz="1400" b="0" strike="noStrike" spc="-1">
+              <a:latin typeface="Times New Roman"/>
+            </a:endParaRPr>
+          </a:p>
+        </p:txBody>
+      </p:sp>
+    </p:spTree>
+    <p:extLst>
+      <p:ext uri="{BB962C8B-B14F-4D97-AF65-F5344CB8AC3E}">
+        <p14:creationId xmlns:p14="http://schemas.microsoft.com/office/powerpoint/2010/main" val="237328440"/>
+      </p:ext>
+    </p:extLst>
+  </p:cSld>
+  <p:clrMapOvr>
+    <a:masterClrMapping/>
+  </p:clrMapOvr>
+</p:notes>
+</file>
+
+<file path=ppt/notesSlides/notesSlide18.xml><?xml version="1.0" encoding="utf-8"?>
+<p:notes xmlns:a="http://schemas.openxmlformats.org/drawingml/2006/main" xmlns:r="http://schemas.openxmlformats.org/officeDocument/2006/relationships" xmlns:p="http://schemas.openxmlformats.org/presentationml/2006/main">
+  <p:cSld>
+    <p:spTree>
+      <p:nvGrpSpPr>
+        <p:cNvPr id="1" name=""/>
+        <p:cNvGrpSpPr/>
+        <p:nvPr/>
+      </p:nvGrpSpPr>
+      <p:grpSpPr>
+        <a:xfrm>
+          <a:off x="0" y="0"/>
+          <a:ext cx="0" cy="0"/>
+          <a:chOff x="0" y="0"/>
+          <a:chExt cx="0" cy="0"/>
+        </a:xfrm>
+      </p:grpSpPr>
+      <p:sp>
+        <p:nvSpPr>
+          <p:cNvPr id="2" name="Slide Image Placeholder 1"/>
+          <p:cNvSpPr>
+            <a:spLocks noGrp="1" noRot="1" noChangeAspect="1"/>
+          </p:cNvSpPr>
+          <p:nvPr>
+            <p:ph type="sldImg"/>
+          </p:nvPr>
+        </p:nvSpPr>
+        <p:spPr>
+          <a:xfrm>
+            <a:off x="533400" y="763588"/>
+            <a:ext cx="6704013" cy="3771900"/>
+          </a:xfrm>
+        </p:spPr>
+      </p:sp>
+      <p:sp>
+        <p:nvSpPr>
+          <p:cNvPr id="3" name="Notes Placeholder 2"/>
+          <p:cNvSpPr>
+            <a:spLocks noGrp="1"/>
+          </p:cNvSpPr>
+          <p:nvPr>
+            <p:ph type="body" idx="1"/>
+          </p:nvPr>
+        </p:nvSpPr>
+        <p:spPr/>
+        <p:txBody>
+          <a:bodyPr/>
+          <a:lstStyle/>
+          <a:p>
+            <a:endParaRPr lang="en-US" dirty="0"/>
+          </a:p>
+        </p:txBody>
+      </p:sp>
+      <p:sp>
+        <p:nvSpPr>
+          <p:cNvPr id="4" name="Slide Number Placeholder 3"/>
+          <p:cNvSpPr>
+            <a:spLocks noGrp="1"/>
+          </p:cNvSpPr>
+          <p:nvPr>
+            <p:ph type="sldNum"/>
+          </p:nvPr>
+        </p:nvSpPr>
+        <p:spPr/>
+        <p:txBody>
+          <a:bodyPr/>
+          <a:lstStyle/>
+          <a:p>
+            <a:pPr algn="r"/>
+            <a:fld id="{067AE061-FD7C-42B6-AC7A-BB007F30D5D5}" type="slidenum">
+              <a:rPr lang="en-US" sz="1400" b="0" strike="noStrike" spc="-1" smtClean="0">
+                <a:latin typeface="Times New Roman"/>
+              </a:rPr>
+              <a:t>29</a:t>
             </a:fld>
             <a:endParaRPr lang="en-US" sz="1400" b="0" strike="noStrike" spc="-1">
               <a:latin typeface="Times New Roman"/>
@@ -1367,7 +1641,7 @@
         <p:spPr>
           <a:xfrm>
             <a:off x="685800" y="1143000"/>
-            <a:ext cx="5486040" cy="3085920"/>
+            <a:ext cx="5486400" cy="3086100"/>
           </a:xfrm>
           <a:prstGeom prst="rect">
             <a:avLst/>
@@ -1404,127 +1678,9 @@
                 <a:spcPct val="100000"/>
               </a:lnSpc>
             </a:pPr>
-            <a:r>
-              <a:rPr lang="en-US" sz="2000" b="0" strike="noStrike" spc="-1">
-                <a:latin typeface="Arial"/>
-              </a:rPr>
-              <a:t>Now coming to data processing, </a:t>
-            </a:r>
-          </a:p>
-          <a:p>
-            <a:pPr marL="216000" indent="-216000">
-              <a:lnSpc>
-                <a:spcPct val="100000"/>
-              </a:lnSpc>
-            </a:pPr>
-            <a:endParaRPr lang="en-US" sz="2000" b="0" strike="noStrike" spc="-1">
+            <a:endParaRPr lang="en-US" sz="2000" b="0" strike="noStrike" spc="-1" dirty="0">
               <a:latin typeface="Arial"/>
             </a:endParaRPr>
-          </a:p>
-          <a:p>
-            <a:pPr marL="216000" indent="-216000">
-              <a:lnSpc>
-                <a:spcPct val="100000"/>
-              </a:lnSpc>
-            </a:pPr>
-            <a:r>
-              <a:rPr lang="en-US" sz="2000" b="0" strike="noStrike" spc="-1">
-                <a:latin typeface="Arial"/>
-              </a:rPr>
-              <a:t>Our target variable has different interpretations for positive and negative values. </a:t>
-            </a:r>
-          </a:p>
-          <a:p>
-            <a:pPr marL="216000" indent="-216000">
-              <a:lnSpc>
-                <a:spcPct val="100000"/>
-              </a:lnSpc>
-            </a:pPr>
-            <a:endParaRPr lang="en-US" sz="2000" b="0" strike="noStrike" spc="-1">
-              <a:latin typeface="Arial"/>
-            </a:endParaRPr>
-          </a:p>
-          <a:p>
-            <a:pPr marL="216000" indent="-216000">
-              <a:lnSpc>
-                <a:spcPct val="100000"/>
-              </a:lnSpc>
-            </a:pPr>
-            <a:r>
-              <a:rPr lang="en-US" sz="2000" b="0" strike="noStrike" spc="-1">
-                <a:latin typeface="Arial"/>
-              </a:rPr>
-              <a:t>so we used an absolute value where lower number would indicate high mortality risk and higher number would indicate lower risk.</a:t>
-            </a:r>
-          </a:p>
-          <a:p>
-            <a:pPr marL="216000" indent="-216000">
-              <a:lnSpc>
-                <a:spcPct val="100000"/>
-              </a:lnSpc>
-            </a:pPr>
-            <a:endParaRPr lang="en-US" sz="2000" b="0" strike="noStrike" spc="-1">
-              <a:latin typeface="Arial"/>
-            </a:endParaRPr>
-          </a:p>
-          <a:p>
-            <a:pPr marL="216000" indent="-216000">
-              <a:lnSpc>
-                <a:spcPct val="100000"/>
-              </a:lnSpc>
-            </a:pPr>
-            <a:r>
-              <a:rPr lang="en-US" sz="2000" b="0" strike="noStrike" spc="-1">
-                <a:latin typeface="Arial"/>
-              </a:rPr>
-              <a:t>For identifying race, we used the distribution of race in 70s and for sex, we  leveraged the fact that males and females have different ranges for some of the clinical variables like RBC.</a:t>
-            </a:r>
-          </a:p>
-          <a:p>
-            <a:pPr marL="216000" indent="-216000">
-              <a:lnSpc>
-                <a:spcPct val="100000"/>
-              </a:lnSpc>
-            </a:pPr>
-            <a:endParaRPr lang="en-US" sz="2000" b="0" strike="noStrike" spc="-1">
-              <a:latin typeface="Arial"/>
-            </a:endParaRPr>
-          </a:p>
-          <a:p>
-            <a:pPr marL="216000" indent="-216000">
-              <a:lnSpc>
-                <a:spcPct val="100000"/>
-              </a:lnSpc>
-            </a:pPr>
-            <a:r>
-              <a:rPr lang="en-US" sz="2000" b="0" strike="noStrike" spc="-1">
-                <a:latin typeface="Arial"/>
-              </a:rPr>
-              <a:t>For filling in the missing data in our dataset, we used an iterative imputer.</a:t>
-            </a:r>
-          </a:p>
-          <a:p>
-            <a:pPr marL="216000" indent="-216000">
-              <a:lnSpc>
-                <a:spcPct val="100000"/>
-              </a:lnSpc>
-            </a:pPr>
-            <a:endParaRPr lang="en-US" sz="2000" b="0" strike="noStrike" spc="-1">
-              <a:latin typeface="Arial"/>
-            </a:endParaRPr>
-          </a:p>
-          <a:p>
-            <a:pPr marL="216000" indent="-216000">
-              <a:lnSpc>
-                <a:spcPct val="100000"/>
-              </a:lnSpc>
-            </a:pPr>
-            <a:r>
-              <a:rPr lang="en-US" sz="2000" b="0" strike="noStrike" spc="-1">
-                <a:latin typeface="Arial"/>
-              </a:rPr>
-              <a:t>We added some new flags indicating predictors outside of normal range. e.g. if a person had high BMI, we would either flag it as  1 or 2 depending on the range and then used a sum_flag that would add up these flags to indicate an overall health of a person.</a:t>
-            </a:r>
           </a:p>
         </p:txBody>
       </p:sp>
@@ -1645,127 +1801,9 @@
                 <a:spcPct val="100000"/>
               </a:lnSpc>
             </a:pPr>
-            <a:r>
-              <a:rPr lang="en-US" sz="2000" b="0" strike="noStrike" spc="-1">
-                <a:latin typeface="Arial"/>
-              </a:rPr>
-              <a:t>Now coming to data processing, </a:t>
-            </a:r>
-          </a:p>
-          <a:p>
-            <a:pPr marL="216000" indent="-216000">
-              <a:lnSpc>
-                <a:spcPct val="100000"/>
-              </a:lnSpc>
-            </a:pPr>
-            <a:endParaRPr lang="en-US" sz="2000" b="0" strike="noStrike" spc="-1">
+            <a:endParaRPr lang="en-US" sz="2000" b="0" strike="noStrike" spc="-1" dirty="0">
               <a:latin typeface="Arial"/>
             </a:endParaRPr>
-          </a:p>
-          <a:p>
-            <a:pPr marL="216000" indent="-216000">
-              <a:lnSpc>
-                <a:spcPct val="100000"/>
-              </a:lnSpc>
-            </a:pPr>
-            <a:r>
-              <a:rPr lang="en-US" sz="2000" b="0" strike="noStrike" spc="-1">
-                <a:latin typeface="Arial"/>
-              </a:rPr>
-              <a:t>Our target variable has different interpretations for positive and negative values. </a:t>
-            </a:r>
-          </a:p>
-          <a:p>
-            <a:pPr marL="216000" indent="-216000">
-              <a:lnSpc>
-                <a:spcPct val="100000"/>
-              </a:lnSpc>
-            </a:pPr>
-            <a:endParaRPr lang="en-US" sz="2000" b="0" strike="noStrike" spc="-1">
-              <a:latin typeface="Arial"/>
-            </a:endParaRPr>
-          </a:p>
-          <a:p>
-            <a:pPr marL="216000" indent="-216000">
-              <a:lnSpc>
-                <a:spcPct val="100000"/>
-              </a:lnSpc>
-            </a:pPr>
-            <a:r>
-              <a:rPr lang="en-US" sz="2000" b="0" strike="noStrike" spc="-1">
-                <a:latin typeface="Arial"/>
-              </a:rPr>
-              <a:t>so we used an absolute value where lower number would indicate high mortality risk and higher number would indicate lower risk.</a:t>
-            </a:r>
-          </a:p>
-          <a:p>
-            <a:pPr marL="216000" indent="-216000">
-              <a:lnSpc>
-                <a:spcPct val="100000"/>
-              </a:lnSpc>
-            </a:pPr>
-            <a:endParaRPr lang="en-US" sz="2000" b="0" strike="noStrike" spc="-1">
-              <a:latin typeface="Arial"/>
-            </a:endParaRPr>
-          </a:p>
-          <a:p>
-            <a:pPr marL="216000" indent="-216000">
-              <a:lnSpc>
-                <a:spcPct val="100000"/>
-              </a:lnSpc>
-            </a:pPr>
-            <a:r>
-              <a:rPr lang="en-US" sz="2000" b="0" strike="noStrike" spc="-1">
-                <a:latin typeface="Arial"/>
-              </a:rPr>
-              <a:t>For identifying race, we used the distribution of race in 70s and for sex, we  leveraged the fact that males and females have different ranges for some of the clinical variables like RBC.</a:t>
-            </a:r>
-          </a:p>
-          <a:p>
-            <a:pPr marL="216000" indent="-216000">
-              <a:lnSpc>
-                <a:spcPct val="100000"/>
-              </a:lnSpc>
-            </a:pPr>
-            <a:endParaRPr lang="en-US" sz="2000" b="0" strike="noStrike" spc="-1">
-              <a:latin typeface="Arial"/>
-            </a:endParaRPr>
-          </a:p>
-          <a:p>
-            <a:pPr marL="216000" indent="-216000">
-              <a:lnSpc>
-                <a:spcPct val="100000"/>
-              </a:lnSpc>
-            </a:pPr>
-            <a:r>
-              <a:rPr lang="en-US" sz="2000" b="0" strike="noStrike" spc="-1">
-                <a:latin typeface="Arial"/>
-              </a:rPr>
-              <a:t>For filling in the missing data in our dataset, we used an iterative imputer.</a:t>
-            </a:r>
-          </a:p>
-          <a:p>
-            <a:pPr marL="216000" indent="-216000">
-              <a:lnSpc>
-                <a:spcPct val="100000"/>
-              </a:lnSpc>
-            </a:pPr>
-            <a:endParaRPr lang="en-US" sz="2000" b="0" strike="noStrike" spc="-1">
-              <a:latin typeface="Arial"/>
-            </a:endParaRPr>
-          </a:p>
-          <a:p>
-            <a:pPr marL="216000" indent="-216000">
-              <a:lnSpc>
-                <a:spcPct val="100000"/>
-              </a:lnSpc>
-            </a:pPr>
-            <a:r>
-              <a:rPr lang="en-US" sz="2000" b="0" strike="noStrike" spc="-1">
-                <a:latin typeface="Arial"/>
-              </a:rPr>
-              <a:t>We added some new flags indicating predictors outside of normal range. e.g. if a person had high BMI, we would either flag it as  1 or 2 depending on the range and then used a sum_flag that would add up these flags to indicate an overall health of a person.</a:t>
-            </a:r>
           </a:p>
         </p:txBody>
       </p:sp>
@@ -1849,7 +1887,7 @@
         <p:spPr>
           <a:xfrm>
             <a:off x="685800" y="1143000"/>
-            <a:ext cx="5486040" cy="3085920"/>
+            <a:ext cx="5486400" cy="3086100"/>
           </a:xfrm>
           <a:prstGeom prst="rect">
             <a:avLst/>
@@ -1886,127 +1924,9 @@
                 <a:spcPct val="100000"/>
               </a:lnSpc>
             </a:pPr>
-            <a:r>
-              <a:rPr lang="en-US" sz="2000" b="0" strike="noStrike" spc="-1">
-                <a:latin typeface="Arial"/>
-              </a:rPr>
-              <a:t>Now coming to data processing, </a:t>
-            </a:r>
-          </a:p>
-          <a:p>
-            <a:pPr marL="216000" indent="-216000">
-              <a:lnSpc>
-                <a:spcPct val="100000"/>
-              </a:lnSpc>
-            </a:pPr>
-            <a:endParaRPr lang="en-US" sz="2000" b="0" strike="noStrike" spc="-1">
+            <a:endParaRPr lang="en-US" sz="2000" b="0" strike="noStrike" spc="-1" dirty="0">
               <a:latin typeface="Arial"/>
             </a:endParaRPr>
-          </a:p>
-          <a:p>
-            <a:pPr marL="216000" indent="-216000">
-              <a:lnSpc>
-                <a:spcPct val="100000"/>
-              </a:lnSpc>
-            </a:pPr>
-            <a:r>
-              <a:rPr lang="en-US" sz="2000" b="0" strike="noStrike" spc="-1">
-                <a:latin typeface="Arial"/>
-              </a:rPr>
-              <a:t>Our target variable has different interpretations for positive and negative values. </a:t>
-            </a:r>
-          </a:p>
-          <a:p>
-            <a:pPr marL="216000" indent="-216000">
-              <a:lnSpc>
-                <a:spcPct val="100000"/>
-              </a:lnSpc>
-            </a:pPr>
-            <a:endParaRPr lang="en-US" sz="2000" b="0" strike="noStrike" spc="-1">
-              <a:latin typeface="Arial"/>
-            </a:endParaRPr>
-          </a:p>
-          <a:p>
-            <a:pPr marL="216000" indent="-216000">
-              <a:lnSpc>
-                <a:spcPct val="100000"/>
-              </a:lnSpc>
-            </a:pPr>
-            <a:r>
-              <a:rPr lang="en-US" sz="2000" b="0" strike="noStrike" spc="-1">
-                <a:latin typeface="Arial"/>
-              </a:rPr>
-              <a:t>so we used an absolute value where lower number would indicate high mortality risk and higher number would indicate lower risk.</a:t>
-            </a:r>
-          </a:p>
-          <a:p>
-            <a:pPr marL="216000" indent="-216000">
-              <a:lnSpc>
-                <a:spcPct val="100000"/>
-              </a:lnSpc>
-            </a:pPr>
-            <a:endParaRPr lang="en-US" sz="2000" b="0" strike="noStrike" spc="-1">
-              <a:latin typeface="Arial"/>
-            </a:endParaRPr>
-          </a:p>
-          <a:p>
-            <a:pPr marL="216000" indent="-216000">
-              <a:lnSpc>
-                <a:spcPct val="100000"/>
-              </a:lnSpc>
-            </a:pPr>
-            <a:r>
-              <a:rPr lang="en-US" sz="2000" b="0" strike="noStrike" spc="-1">
-                <a:latin typeface="Arial"/>
-              </a:rPr>
-              <a:t>For identifying race, we used the distribution of race in 70s and for sex, we  leveraged the fact that males and females have different ranges for some of the clinical variables like RBC.</a:t>
-            </a:r>
-          </a:p>
-          <a:p>
-            <a:pPr marL="216000" indent="-216000">
-              <a:lnSpc>
-                <a:spcPct val="100000"/>
-              </a:lnSpc>
-            </a:pPr>
-            <a:endParaRPr lang="en-US" sz="2000" b="0" strike="noStrike" spc="-1">
-              <a:latin typeface="Arial"/>
-            </a:endParaRPr>
-          </a:p>
-          <a:p>
-            <a:pPr marL="216000" indent="-216000">
-              <a:lnSpc>
-                <a:spcPct val="100000"/>
-              </a:lnSpc>
-            </a:pPr>
-            <a:r>
-              <a:rPr lang="en-US" sz="2000" b="0" strike="noStrike" spc="-1">
-                <a:latin typeface="Arial"/>
-              </a:rPr>
-              <a:t>For filling in the missing data in our dataset, we used an iterative imputer.</a:t>
-            </a:r>
-          </a:p>
-          <a:p>
-            <a:pPr marL="216000" indent="-216000">
-              <a:lnSpc>
-                <a:spcPct val="100000"/>
-              </a:lnSpc>
-            </a:pPr>
-            <a:endParaRPr lang="en-US" sz="2000" b="0" strike="noStrike" spc="-1">
-              <a:latin typeface="Arial"/>
-            </a:endParaRPr>
-          </a:p>
-          <a:p>
-            <a:pPr marL="216000" indent="-216000">
-              <a:lnSpc>
-                <a:spcPct val="100000"/>
-              </a:lnSpc>
-            </a:pPr>
-            <a:r>
-              <a:rPr lang="en-US" sz="2000" b="0" strike="noStrike" spc="-1">
-                <a:latin typeface="Arial"/>
-              </a:rPr>
-              <a:t>We added some new flags indicating predictors outside of normal range. e.g. if a person had high BMI, we would either flag it as  1 or 2 depending on the range and then used a sum_flag that would add up these flags to indicate an overall health of a person.</a:t>
-            </a:r>
           </a:p>
         </p:txBody>
       </p:sp>
@@ -2090,7 +2010,7 @@
         <p:spPr>
           <a:xfrm>
             <a:off x="685800" y="1143000"/>
-            <a:ext cx="5486040" cy="3085920"/>
+            <a:ext cx="5486400" cy="3086100"/>
           </a:xfrm>
           <a:prstGeom prst="rect">
             <a:avLst/>
@@ -2127,127 +2047,9 @@
                 <a:spcPct val="100000"/>
               </a:lnSpc>
             </a:pPr>
-            <a:r>
-              <a:rPr lang="en-US" sz="2000" b="0" strike="noStrike" spc="-1">
-                <a:latin typeface="Arial"/>
-              </a:rPr>
-              <a:t>Now coming to data processing, </a:t>
-            </a:r>
-          </a:p>
-          <a:p>
-            <a:pPr marL="216000" indent="-216000">
-              <a:lnSpc>
-                <a:spcPct val="100000"/>
-              </a:lnSpc>
-            </a:pPr>
-            <a:endParaRPr lang="en-US" sz="2000" b="0" strike="noStrike" spc="-1">
+            <a:endParaRPr lang="en-US" sz="2000" b="0" strike="noStrike" spc="-1" dirty="0">
               <a:latin typeface="Arial"/>
             </a:endParaRPr>
-          </a:p>
-          <a:p>
-            <a:pPr marL="216000" indent="-216000">
-              <a:lnSpc>
-                <a:spcPct val="100000"/>
-              </a:lnSpc>
-            </a:pPr>
-            <a:r>
-              <a:rPr lang="en-US" sz="2000" b="0" strike="noStrike" spc="-1">
-                <a:latin typeface="Arial"/>
-              </a:rPr>
-              <a:t>Our target variable has different interpretations for positive and negative values. </a:t>
-            </a:r>
-          </a:p>
-          <a:p>
-            <a:pPr marL="216000" indent="-216000">
-              <a:lnSpc>
-                <a:spcPct val="100000"/>
-              </a:lnSpc>
-            </a:pPr>
-            <a:endParaRPr lang="en-US" sz="2000" b="0" strike="noStrike" spc="-1">
-              <a:latin typeface="Arial"/>
-            </a:endParaRPr>
-          </a:p>
-          <a:p>
-            <a:pPr marL="216000" indent="-216000">
-              <a:lnSpc>
-                <a:spcPct val="100000"/>
-              </a:lnSpc>
-            </a:pPr>
-            <a:r>
-              <a:rPr lang="en-US" sz="2000" b="0" strike="noStrike" spc="-1">
-                <a:latin typeface="Arial"/>
-              </a:rPr>
-              <a:t>so we used an absolute value where lower number would indicate high mortality risk and higher number would indicate lower risk.</a:t>
-            </a:r>
-          </a:p>
-          <a:p>
-            <a:pPr marL="216000" indent="-216000">
-              <a:lnSpc>
-                <a:spcPct val="100000"/>
-              </a:lnSpc>
-            </a:pPr>
-            <a:endParaRPr lang="en-US" sz="2000" b="0" strike="noStrike" spc="-1">
-              <a:latin typeface="Arial"/>
-            </a:endParaRPr>
-          </a:p>
-          <a:p>
-            <a:pPr marL="216000" indent="-216000">
-              <a:lnSpc>
-                <a:spcPct val="100000"/>
-              </a:lnSpc>
-            </a:pPr>
-            <a:r>
-              <a:rPr lang="en-US" sz="2000" b="0" strike="noStrike" spc="-1">
-                <a:latin typeface="Arial"/>
-              </a:rPr>
-              <a:t>For identifying race, we used the distribution of race in 70s and for sex, we  leveraged the fact that males and females have different ranges for some of the clinical variables like RBC.</a:t>
-            </a:r>
-          </a:p>
-          <a:p>
-            <a:pPr marL="216000" indent="-216000">
-              <a:lnSpc>
-                <a:spcPct val="100000"/>
-              </a:lnSpc>
-            </a:pPr>
-            <a:endParaRPr lang="en-US" sz="2000" b="0" strike="noStrike" spc="-1">
-              <a:latin typeface="Arial"/>
-            </a:endParaRPr>
-          </a:p>
-          <a:p>
-            <a:pPr marL="216000" indent="-216000">
-              <a:lnSpc>
-                <a:spcPct val="100000"/>
-              </a:lnSpc>
-            </a:pPr>
-            <a:r>
-              <a:rPr lang="en-US" sz="2000" b="0" strike="noStrike" spc="-1">
-                <a:latin typeface="Arial"/>
-              </a:rPr>
-              <a:t>For filling in the missing data in our dataset, we used an iterative imputer.</a:t>
-            </a:r>
-          </a:p>
-          <a:p>
-            <a:pPr marL="216000" indent="-216000">
-              <a:lnSpc>
-                <a:spcPct val="100000"/>
-              </a:lnSpc>
-            </a:pPr>
-            <a:endParaRPr lang="en-US" sz="2000" b="0" strike="noStrike" spc="-1">
-              <a:latin typeface="Arial"/>
-            </a:endParaRPr>
-          </a:p>
-          <a:p>
-            <a:pPr marL="216000" indent="-216000">
-              <a:lnSpc>
-                <a:spcPct val="100000"/>
-              </a:lnSpc>
-            </a:pPr>
-            <a:r>
-              <a:rPr lang="en-US" sz="2000" b="0" strike="noStrike" spc="-1">
-                <a:latin typeface="Arial"/>
-              </a:rPr>
-              <a:t>We added some new flags indicating predictors outside of normal range. e.g. if a person had high BMI, we would either flag it as  1 or 2 depending on the range and then used a sum_flag that would add up these flags to indicate an overall health of a person.</a:t>
-            </a:r>
           </a:p>
         </p:txBody>
       </p:sp>
@@ -2331,7 +2133,7 @@
         <p:spPr>
           <a:xfrm>
             <a:off x="685800" y="1143000"/>
-            <a:ext cx="5486040" cy="3085920"/>
+            <a:ext cx="5486400" cy="3086100"/>
           </a:xfrm>
           <a:prstGeom prst="rect">
             <a:avLst/>
@@ -2368,127 +2170,9 @@
                 <a:spcPct val="100000"/>
               </a:lnSpc>
             </a:pPr>
-            <a:r>
-              <a:rPr lang="en-US" sz="2000" b="0" strike="noStrike" spc="-1">
-                <a:latin typeface="Arial"/>
-              </a:rPr>
-              <a:t>Now coming to data processing, </a:t>
-            </a:r>
-          </a:p>
-          <a:p>
-            <a:pPr marL="216000" indent="-216000">
-              <a:lnSpc>
-                <a:spcPct val="100000"/>
-              </a:lnSpc>
-            </a:pPr>
-            <a:endParaRPr lang="en-US" sz="2000" b="0" strike="noStrike" spc="-1">
+            <a:endParaRPr lang="en-US" sz="2000" b="0" strike="noStrike" spc="-1" dirty="0">
               <a:latin typeface="Arial"/>
             </a:endParaRPr>
-          </a:p>
-          <a:p>
-            <a:pPr marL="216000" indent="-216000">
-              <a:lnSpc>
-                <a:spcPct val="100000"/>
-              </a:lnSpc>
-            </a:pPr>
-            <a:r>
-              <a:rPr lang="en-US" sz="2000" b="0" strike="noStrike" spc="-1">
-                <a:latin typeface="Arial"/>
-              </a:rPr>
-              <a:t>Our target variable has different interpretations for positive and negative values. </a:t>
-            </a:r>
-          </a:p>
-          <a:p>
-            <a:pPr marL="216000" indent="-216000">
-              <a:lnSpc>
-                <a:spcPct val="100000"/>
-              </a:lnSpc>
-            </a:pPr>
-            <a:endParaRPr lang="en-US" sz="2000" b="0" strike="noStrike" spc="-1">
-              <a:latin typeface="Arial"/>
-            </a:endParaRPr>
-          </a:p>
-          <a:p>
-            <a:pPr marL="216000" indent="-216000">
-              <a:lnSpc>
-                <a:spcPct val="100000"/>
-              </a:lnSpc>
-            </a:pPr>
-            <a:r>
-              <a:rPr lang="en-US" sz="2000" b="0" strike="noStrike" spc="-1">
-                <a:latin typeface="Arial"/>
-              </a:rPr>
-              <a:t>so we used an absolute value where lower number would indicate high mortality risk and higher number would indicate lower risk.</a:t>
-            </a:r>
-          </a:p>
-          <a:p>
-            <a:pPr marL="216000" indent="-216000">
-              <a:lnSpc>
-                <a:spcPct val="100000"/>
-              </a:lnSpc>
-            </a:pPr>
-            <a:endParaRPr lang="en-US" sz="2000" b="0" strike="noStrike" spc="-1">
-              <a:latin typeface="Arial"/>
-            </a:endParaRPr>
-          </a:p>
-          <a:p>
-            <a:pPr marL="216000" indent="-216000">
-              <a:lnSpc>
-                <a:spcPct val="100000"/>
-              </a:lnSpc>
-            </a:pPr>
-            <a:r>
-              <a:rPr lang="en-US" sz="2000" b="0" strike="noStrike" spc="-1">
-                <a:latin typeface="Arial"/>
-              </a:rPr>
-              <a:t>For identifying race, we used the distribution of race in 70s and for sex, we  leveraged the fact that males and females have different ranges for some of the clinical variables like RBC.</a:t>
-            </a:r>
-          </a:p>
-          <a:p>
-            <a:pPr marL="216000" indent="-216000">
-              <a:lnSpc>
-                <a:spcPct val="100000"/>
-              </a:lnSpc>
-            </a:pPr>
-            <a:endParaRPr lang="en-US" sz="2000" b="0" strike="noStrike" spc="-1">
-              <a:latin typeface="Arial"/>
-            </a:endParaRPr>
-          </a:p>
-          <a:p>
-            <a:pPr marL="216000" indent="-216000">
-              <a:lnSpc>
-                <a:spcPct val="100000"/>
-              </a:lnSpc>
-            </a:pPr>
-            <a:r>
-              <a:rPr lang="en-US" sz="2000" b="0" strike="noStrike" spc="-1">
-                <a:latin typeface="Arial"/>
-              </a:rPr>
-              <a:t>For filling in the missing data in our dataset, we used an iterative imputer.</a:t>
-            </a:r>
-          </a:p>
-          <a:p>
-            <a:pPr marL="216000" indent="-216000">
-              <a:lnSpc>
-                <a:spcPct val="100000"/>
-              </a:lnSpc>
-            </a:pPr>
-            <a:endParaRPr lang="en-US" sz="2000" b="0" strike="noStrike" spc="-1">
-              <a:latin typeface="Arial"/>
-            </a:endParaRPr>
-          </a:p>
-          <a:p>
-            <a:pPr marL="216000" indent="-216000">
-              <a:lnSpc>
-                <a:spcPct val="100000"/>
-              </a:lnSpc>
-            </a:pPr>
-            <a:r>
-              <a:rPr lang="en-US" sz="2000" b="0" strike="noStrike" spc="-1">
-                <a:latin typeface="Arial"/>
-              </a:rPr>
-              <a:t>We added some new flags indicating predictors outside of normal range. e.g. if a person had high BMI, we would either flag it as  1 or 2 depending on the range and then used a sum_flag that would add up these flags to indicate an overall health of a person.</a:t>
-            </a:r>
           </a:p>
         </p:txBody>
       </p:sp>
@@ -2593,28 +2277,13 @@
           <a:p>
             <a:r>
               <a:rPr lang="en-US" dirty="0"/>
-              <a:t>As Vivek explained, this is the persistence model, the output of which we used as a predictor variable for the other models.</a:t>
+              <a:t>The persistence model is shown here along with linear regression and polynomial regression models. Linear Regression performed better when compared to the polynomial models.</a:t>
             </a:r>
           </a:p>
           <a:p>
             <a:r>
               <a:rPr lang="en-US" dirty="0"/>
-              <a:t>It helps us take into account the number of covid cases in the most recent past to predict the number of covid cases in the near future.</a:t>
-            </a:r>
-          </a:p>
-          <a:p>
-            <a:endParaRPr lang="en-US" dirty="0"/>
-          </a:p>
-          <a:p>
-            <a:r>
-              <a:rPr lang="en-US" dirty="0"/>
-              <a:t>First, we tried linear regression and polynomial regression with degrees 2,3,5 and 8. Linear Regression performed better when compared to the polynomial models.</a:t>
-            </a:r>
-          </a:p>
-          <a:p>
-            <a:r>
-              <a:rPr lang="en-US" dirty="0"/>
-              <a:t>We can also clearly see that increasing the degree increases the variance in the predicted values.</a:t>
+              <a:t>We can also see that increasing the degree beyond 3 increases the variance in the predicted values.</a:t>
             </a:r>
           </a:p>
           <a:p>
@@ -2708,7 +2377,12 @@
             <p:ph type="sldImg"/>
           </p:nvPr>
         </p:nvSpPr>
-        <p:spPr/>
+        <p:spPr>
+          <a:xfrm>
+            <a:off x="533400" y="763588"/>
+            <a:ext cx="6704013" cy="3771900"/>
+          </a:xfrm>
+        </p:spPr>
       </p:sp>
       <p:sp>
         <p:nvSpPr>
@@ -2726,20 +2400,41 @@
           <a:lstStyle/>
           <a:p>
             <a:r>
-              <a:rPr lang="en-US" dirty="0"/>
-              <a:t>First, we tried linear regression and polynomial regression with degrees 2,3,5 and 8. Linear Regression performed better when compared to the polynomial models.</a:t>
-            </a:r>
-          </a:p>
-          <a:p>
-            <a:r>
-              <a:rPr lang="en-US" dirty="0"/>
-              <a:t>We can also clearly see that increasing the degree increases the variance in the predicted values.</a:t>
-            </a:r>
-          </a:p>
-          <a:p>
-            <a:endParaRPr lang="en-US" dirty="0"/>
-          </a:p>
-          <a:p>
+              <a:rPr lang="en-US" sz="1200" b="0" i="0" kern="1200" dirty="0">
+                <a:solidFill>
+                  <a:schemeClr val="tx1"/>
+                </a:solidFill>
+                <a:effectLst/>
+                <a:latin typeface="+mn-lt"/>
+                <a:ea typeface="+mn-ea"/>
+                <a:cs typeface="+mn-cs"/>
+              </a:rPr>
+              <a:t>We used </a:t>
+            </a:r>
+            <a:r>
+              <a:rPr lang="en-US" sz="1200" b="0" i="0" kern="1200" dirty="0" err="1">
+                <a:solidFill>
+                  <a:schemeClr val="tx1"/>
+                </a:solidFill>
+                <a:effectLst/>
+                <a:latin typeface="+mn-lt"/>
+                <a:ea typeface="+mn-ea"/>
+                <a:cs typeface="+mn-cs"/>
+              </a:rPr>
+              <a:t>PyGAM</a:t>
+            </a:r>
+            <a:r>
+              <a:rPr lang="en-US" sz="1200" b="0" i="0" kern="1200" dirty="0">
+                <a:solidFill>
+                  <a:schemeClr val="tx1"/>
+                </a:solidFill>
+                <a:effectLst/>
+                <a:latin typeface="+mn-lt"/>
+                <a:ea typeface="+mn-ea"/>
+                <a:cs typeface="+mn-cs"/>
+              </a:rPr>
+              <a:t> as it has substantially more flexibility than the linear models because the relationships between dependent and independent variable are not assumed to be linear. </a:t>
+            </a:r>
             <a:endParaRPr lang="en-US" dirty="0"/>
           </a:p>
           <a:p>
@@ -2840,43 +2535,19 @@
           <a:bodyPr/>
           <a:lstStyle/>
           <a:p>
-            <a:pPr marL="0" marR="0" lvl="0" indent="0" algn="l" defTabSz="914400" rtl="0" eaLnBrk="1" fontAlgn="auto" latinLnBrk="0" hangingPunct="1">
-              <a:lnSpc>
-                <a:spcPct val="100000"/>
-              </a:lnSpc>
-              <a:spcBef>
-                <a:spcPts val="0"/>
-              </a:spcBef>
-              <a:spcAft>
-                <a:spcPts val="0"/>
-              </a:spcAft>
-              <a:buClrTx/>
-              <a:buSzTx/>
-              <a:buFontTx/>
-              <a:buNone/>
-              <a:tabLst/>
-              <a:defRPr/>
-            </a:pPr>
             <a:r>
               <a:rPr lang="en-US" dirty="0"/>
-              <a:t>We also tried the </a:t>
-            </a:r>
-            <a:r>
-              <a:rPr lang="en-US" dirty="0" err="1"/>
-              <a:t>XGBoost</a:t>
-            </a:r>
+              <a:t>We tried a multitude of deep learning models including CNN, GRU, LSTM and bi-directional models and found that they all provided very similar results.</a:t>
+            </a:r>
+          </a:p>
+          <a:p>
             <a:r>
               <a:rPr lang="en-US" dirty="0"/>
-              <a:t> Model which is a decision tree based ensemble model. The feature importance plot shows that </a:t>
-            </a:r>
-            <a:r>
-              <a:rPr lang="en-US" dirty="0" err="1"/>
-              <a:t>Southern_Avg</a:t>
-            </a:r>
-            <a:r>
-              <a:rPr lang="en-US" dirty="0"/>
-              <a:t> is the most important feature.</a:t>
-            </a:r>
+              <a:t>The predicted values follow a similar trend as the training and test data but are lagged by a 5-6 days which in turn reduces the effectiveness of the models.</a:t>
+            </a:r>
+          </a:p>
+          <a:p>
+            <a:endParaRPr lang="en-US" dirty="0"/>
           </a:p>
         </p:txBody>
       </p:sp>
@@ -2911,7 +2582,7 @@
     </p:spTree>
     <p:extLst>
       <p:ext uri="{BB962C8B-B14F-4D97-AF65-F5344CB8AC3E}">
-        <p14:creationId xmlns:p14="http://schemas.microsoft.com/office/powerpoint/2010/main" val="3844261907"/>
+        <p14:creationId xmlns:p14="http://schemas.microsoft.com/office/powerpoint/2010/main" val="2276785695"/>
       </p:ext>
     </p:extLst>
   </p:cSld>
@@ -6071,7 +5742,7 @@
                 </a:solidFill>
                 <a:latin typeface="Calibri"/>
               </a:rPr>
-              <a:t>5/9/21</a:t>
+              <a:t>5/9/2021</a:t>
             </a:fld>
             <a:endParaRPr lang="en-US" sz="1200" b="0" strike="noStrike" spc="-1">
               <a:latin typeface="Times New Roman"/>
@@ -6905,7 +6576,7 @@
                 </a:solidFill>
                 <a:latin typeface="Calibri"/>
               </a:rPr>
-              <a:t>5/9/21</a:t>
+              <a:t>5/9/2021</a:t>
             </a:fld>
             <a:endParaRPr lang="en-US" sz="1200" b="0" strike="noStrike" spc="-1">
               <a:latin typeface="Times New Roman"/>
@@ -8398,7 +8069,7 @@
     <mc:Choice Requires="p14">
       <p:transition spd="slow" p14:dur="2000" advTm="55000"/>
     </mc:Choice>
-    <mc:Fallback xmlns:p15="http://schemas.microsoft.com/office/powerpoint/2012/main" xmlns="">
+    <mc:Fallback xmlns="" xmlns:p15="http://schemas.microsoft.com/office/powerpoint/2012/main">
       <p:transition spd="slow" advTm="55000"/>
     </mc:Fallback>
   </mc:AlternateContent>
@@ -8447,7 +8118,7 @@
           </a:bodyPr>
           <a:lstStyle/>
           <a:p>
-            <a:pPr marL="432000" indent="-324000">
+            <a:pPr marL="108000">
               <a:lnSpc>
                 <a:spcPct val="90000"/>
               </a:lnSpc>
@@ -8460,11 +8131,9 @@
               <a:buClr>
                 <a:srgbClr val="000000"/>
               </a:buClr>
-              <a:buFont typeface="Wingdings" charset="2"/>
-              <a:buChar char=""/>
-            </a:pPr>
-            <a:r>
-              <a:rPr lang="en-US" sz="4000" b="1" strike="noStrike" spc="-1">
+            </a:pPr>
+            <a:r>
+              <a:rPr lang="en-US" sz="4000" b="1" strike="noStrike" spc="-1" dirty="0">
                 <a:solidFill>
                   <a:srgbClr val="000000"/>
                 </a:solidFill>
@@ -8473,7 +8142,7 @@
               </a:rPr>
               <a:t>MODEL SELECTION</a:t>
             </a:r>
-            <a:endParaRPr lang="en-US" sz="4000" b="0" strike="noStrike" spc="-1">
+            <a:endParaRPr lang="en-US" sz="4000" b="0" strike="noStrike" spc="-1" dirty="0">
               <a:solidFill>
                 <a:srgbClr val="000000"/>
               </a:solidFill>
@@ -8493,7 +8162,7 @@
                 <a:spcPts val="601"/>
               </a:spcAft>
             </a:pPr>
-            <a:endParaRPr lang="en-US" sz="4000" b="0" strike="noStrike" spc="-1">
+            <a:endParaRPr lang="en-US" sz="4000" b="0" strike="noStrike" spc="-1" dirty="0">
               <a:solidFill>
                 <a:srgbClr val="000000"/>
               </a:solidFill>
@@ -8602,7 +8271,7 @@
     <mc:Choice Requires="p14">
       <p:transition spd="slow" p14:dur="2000" advTm="55000"/>
     </mc:Choice>
-    <mc:Fallback xmlns:p15="http://schemas.microsoft.com/office/powerpoint/2012/main" xmlns="">
+    <mc:Fallback xmlns="" xmlns:p15="http://schemas.microsoft.com/office/powerpoint/2012/main">
       <p:transition spd="slow" advTm="55000"/>
     </mc:Fallback>
   </mc:AlternateContent>
@@ -8668,7 +8337,7 @@
               <a:buChar char=""/>
             </a:pPr>
             <a:r>
-              <a:rPr lang="en-US" sz="1600" b="0" i="1" strike="noStrike" spc="-1">
+              <a:rPr lang="en-US" sz="1600" b="0" i="1" strike="noStrike" spc="-1" dirty="0">
                 <a:solidFill>
                   <a:srgbClr val="000000"/>
                 </a:solidFill>
@@ -8678,7 +8347,7 @@
               <a:t>Given the strong </a:t>
             </a:r>
             <a:r>
-              <a:rPr lang="en-US" sz="1600" b="1" i="1" strike="noStrike" spc="-1">
+              <a:rPr lang="en-US" sz="1600" b="1" i="1" strike="noStrike" spc="-1" dirty="0">
                 <a:solidFill>
                   <a:srgbClr val="000000"/>
                 </a:solidFill>
@@ -8688,7 +8357,7 @@
               <a:t>linear relationship </a:t>
             </a:r>
             <a:r>
-              <a:rPr lang="en-US" sz="1600" b="0" i="1" strike="noStrike" spc="-1">
+              <a:rPr lang="en-US" sz="1600" b="0" i="1" strike="noStrike" spc="-1" dirty="0">
                 <a:solidFill>
                   <a:srgbClr val="000000"/>
                 </a:solidFill>
@@ -8697,7 +8366,7 @@
               </a:rPr>
               <a:t>between the titer average values and the confirmed daily case count average values, we suspect linear regression models might work best for this problem. We explore the use of the following models for forecasting daily case count:</a:t>
             </a:r>
-            <a:endParaRPr lang="en-US" sz="1600" b="0" strike="noStrike" spc="-1">
+            <a:endParaRPr lang="en-US" sz="1600" b="0" strike="noStrike" spc="-1" dirty="0">
               <a:solidFill>
                 <a:srgbClr val="000000"/>
               </a:solidFill>
@@ -8722,7 +8391,7 @@
               <a:buFont typeface="Wingdings" charset="2"/>
               <a:buChar char=""/>
             </a:pPr>
-            <a:endParaRPr lang="en-US" sz="1600" b="0" strike="noStrike" spc="-1">
+            <a:endParaRPr lang="en-US" sz="1600" b="0" strike="noStrike" spc="-1" dirty="0">
               <a:solidFill>
                 <a:srgbClr val="000000"/>
               </a:solidFill>
@@ -8747,7 +8416,7 @@
               <a:buFont typeface="Wingdings" charset="2"/>
               <a:buChar char=""/>
             </a:pPr>
-            <a:endParaRPr lang="en-US" sz="1600" b="0" strike="noStrike" spc="-1">
+            <a:endParaRPr lang="en-US" sz="1600" b="0" strike="noStrike" spc="-1" dirty="0">
               <a:solidFill>
                 <a:srgbClr val="000000"/>
               </a:solidFill>
@@ -8773,7 +8442,7 @@
               <a:buChar char=""/>
             </a:pPr>
             <a:r>
-              <a:rPr lang="en-US" sz="1600" b="1" strike="noStrike" spc="-1">
+              <a:rPr lang="en-US" sz="1600" b="1" strike="noStrike" spc="-1" dirty="0">
                 <a:solidFill>
                   <a:srgbClr val="000000"/>
                 </a:solidFill>
@@ -8782,7 +8451,7 @@
               </a:rPr>
               <a:t>Naive Model</a:t>
             </a:r>
-            <a:endParaRPr lang="en-US" sz="1600" b="0" strike="noStrike" spc="-1">
+            <a:endParaRPr lang="en-US" sz="1600" b="0" strike="noStrike" spc="-1" dirty="0">
               <a:solidFill>
                 <a:srgbClr val="000000"/>
               </a:solidFill>
@@ -8802,7 +8471,7 @@
               <a:buChar char=""/>
             </a:pPr>
             <a:r>
-              <a:rPr lang="en-US" sz="1600" b="0" strike="noStrike" spc="-1">
+              <a:rPr lang="en-US" sz="1600" b="0" strike="noStrike" spc="-1" dirty="0">
                 <a:solidFill>
                   <a:srgbClr val="000000"/>
                 </a:solidFill>
@@ -8812,7 +8481,7 @@
               <a:t>We develop a </a:t>
             </a:r>
             <a:r>
-              <a:rPr lang="en-US" sz="1600" b="1" strike="noStrike" spc="-1">
+              <a:rPr lang="en-US" sz="1600" b="1" strike="noStrike" spc="-1" dirty="0">
                 <a:solidFill>
                   <a:srgbClr val="000000"/>
                 </a:solidFill>
@@ -8822,7 +8491,7 @@
               <a:t>baseline persistence model</a:t>
             </a:r>
             <a:r>
-              <a:rPr lang="en-US" sz="1600" b="0" strike="noStrike" spc="-1">
+              <a:rPr lang="en-US" sz="1600" b="0" strike="noStrike" spc="-1" dirty="0">
                 <a:solidFill>
                   <a:srgbClr val="000000"/>
                 </a:solidFill>
@@ -8831,7 +8500,7 @@
               </a:rPr>
               <a:t> for evaluating performance of other models. This model uses the case count values from previous day (t-1) to predict the values for the current day (t). </a:t>
             </a:r>
-            <a:endParaRPr lang="en-US" sz="1600" b="0" strike="noStrike" spc="-1">
+            <a:endParaRPr lang="en-US" sz="1600" b="0" strike="noStrike" spc="-1" dirty="0">
               <a:solidFill>
                 <a:srgbClr val="000000"/>
               </a:solidFill>
@@ -8850,7 +8519,7 @@
               <a:buChar char=""/>
             </a:pPr>
             <a:r>
-              <a:rPr lang="en-US" sz="1600" b="1" strike="noStrike" spc="-1">
+              <a:rPr lang="en-US" sz="1600" b="1" strike="noStrike" spc="-1" dirty="0">
                 <a:solidFill>
                   <a:srgbClr val="000000"/>
                 </a:solidFill>
@@ -8859,7 +8528,7 @@
               </a:rPr>
               <a:t>Linear and Polynomial Regression</a:t>
             </a:r>
-            <a:endParaRPr lang="en-US" sz="1600" b="0" strike="noStrike" spc="-1">
+            <a:endParaRPr lang="en-US" sz="1600" b="0" strike="noStrike" spc="-1" dirty="0">
               <a:solidFill>
                 <a:srgbClr val="000000"/>
               </a:solidFill>
@@ -8878,7 +8547,7 @@
               <a:buChar char=""/>
             </a:pPr>
             <a:r>
-              <a:rPr lang="en-US" sz="1600" b="0" strike="noStrike" spc="-1">
+              <a:rPr lang="en-US" sz="1600" b="0" strike="noStrike" spc="-1" dirty="0">
                 <a:solidFill>
                   <a:srgbClr val="000000"/>
                 </a:solidFill>
@@ -8887,7 +8556,7 @@
               </a:rPr>
               <a:t>We evaluate the use of simple linear and regression models solved using Ordinary Least-Squares. </a:t>
             </a:r>
-            <a:endParaRPr lang="en-US" sz="1600" b="0" strike="noStrike" spc="-1">
+            <a:endParaRPr lang="en-US" sz="1600" b="0" strike="noStrike" spc="-1" dirty="0">
               <a:solidFill>
                 <a:srgbClr val="000000"/>
               </a:solidFill>
@@ -8906,7 +8575,7 @@
               <a:buChar char=""/>
             </a:pPr>
             <a:r>
-              <a:rPr lang="en-US" sz="1600" b="1" strike="noStrike" spc="-1">
+              <a:rPr lang="en-US" sz="1600" b="1" strike="noStrike" spc="-1" dirty="0">
                 <a:solidFill>
                   <a:srgbClr val="000000"/>
                 </a:solidFill>
@@ -8915,7 +8584,7 @@
               </a:rPr>
               <a:t>Generalized Linear Models</a:t>
             </a:r>
-            <a:endParaRPr lang="en-US" sz="1600" b="0" strike="noStrike" spc="-1">
+            <a:endParaRPr lang="en-US" sz="1600" b="0" strike="noStrike" spc="-1" dirty="0">
               <a:solidFill>
                 <a:srgbClr val="000000"/>
               </a:solidFill>
@@ -8934,7 +8603,7 @@
               <a:buChar char=""/>
             </a:pPr>
             <a:r>
-              <a:rPr lang="en-US" sz="1600" b="0" strike="noStrike" spc="-1">
+              <a:rPr lang="en-US" sz="1600" b="0" strike="noStrike" spc="-1" dirty="0">
                 <a:solidFill>
                   <a:srgbClr val="000000"/>
                 </a:solidFill>
@@ -8943,7 +8612,7 @@
               </a:rPr>
               <a:t>We suspect piece-wise linear models like GAMs might tend to work better than simple linear models, we develop such a model using Penalized B-Splines.</a:t>
             </a:r>
-            <a:endParaRPr lang="en-US" sz="1600" b="0" strike="noStrike" spc="-1">
+            <a:endParaRPr lang="en-US" sz="1600" b="0" strike="noStrike" spc="-1" dirty="0">
               <a:solidFill>
                 <a:srgbClr val="000000"/>
               </a:solidFill>
@@ -8962,16 +8631,16 @@
               <a:buChar char=""/>
             </a:pPr>
             <a:r>
-              <a:rPr lang="en-US" sz="1600" b="1" strike="noStrike" spc="-1">
+              <a:rPr lang="en-US" sz="1600" b="1" strike="noStrike" spc="-1" dirty="0">
                 <a:solidFill>
                   <a:srgbClr val="000000"/>
                 </a:solidFill>
                 <a:latin typeface="Calibri"/>
                 <a:ea typeface="Noto Sans CJK SC"/>
               </a:rPr>
-              <a:t>Gradient Boosting Classifiers</a:t>
-            </a:r>
-            <a:endParaRPr lang="en-US" sz="1600" b="0" strike="noStrike" spc="-1">
+              <a:t>Gradient Boosting Regression</a:t>
+            </a:r>
+            <a:endParaRPr lang="en-US" sz="1600" b="0" strike="noStrike" spc="-1" dirty="0">
               <a:solidFill>
                 <a:srgbClr val="000000"/>
               </a:solidFill>
@@ -8990,7 +8659,7 @@
               <a:buChar char=""/>
             </a:pPr>
             <a:r>
-              <a:rPr lang="en-US" sz="1600" b="1" strike="noStrike" spc="-1">
+              <a:rPr lang="en-US" sz="1600" b="1" strike="noStrike" spc="-1" dirty="0">
                 <a:solidFill>
                   <a:srgbClr val="000000"/>
                 </a:solidFill>
@@ -8999,7 +8668,7 @@
               </a:rPr>
               <a:t>Recurrent Neural Networks</a:t>
             </a:r>
-            <a:endParaRPr lang="en-US" sz="1600" b="0" strike="noStrike" spc="-1">
+            <a:endParaRPr lang="en-US" sz="1600" b="0" strike="noStrike" spc="-1" dirty="0">
               <a:solidFill>
                 <a:srgbClr val="000000"/>
               </a:solidFill>
@@ -9018,7 +8687,7 @@
               <a:buChar char=""/>
             </a:pPr>
             <a:r>
-              <a:rPr lang="en-US" sz="1600" b="0" strike="noStrike" spc="-1">
+              <a:rPr lang="en-US" sz="1600" b="0" strike="noStrike" spc="-1" dirty="0">
                 <a:solidFill>
                   <a:srgbClr val="000000"/>
                 </a:solidFill>
@@ -9028,26 +8697,46 @@
               <a:t>Since our time series data is sequential, we explore the use of recurrent neural networks such as </a:t>
             </a:r>
             <a:r>
-              <a:rPr lang="en-US" sz="1600" b="1" strike="noStrike" spc="-1">
+              <a:rPr lang="en-US" sz="1600" b="1" strike="noStrike" spc="-1" dirty="0">
                 <a:solidFill>
                   <a:srgbClr val="000000"/>
                 </a:solidFill>
                 <a:latin typeface="Calibri"/>
                 <a:ea typeface="Noto Sans CJK SC"/>
               </a:rPr>
-              <a:t>Gated Recurrent Units, LSTM with and without BiDirectional Layers</a:t>
-            </a:r>
-            <a:r>
-              <a:rPr lang="en-US" sz="1600" b="0" strike="noStrike" spc="-1">
+              <a:t>Gated Recurrent Units, LSTM with and without </a:t>
+            </a:r>
+            <a:r>
+              <a:rPr lang="en-US" sz="1600" b="1" strike="noStrike" spc="-1" dirty="0" err="1">
                 <a:solidFill>
                   <a:srgbClr val="000000"/>
                 </a:solidFill>
                 <a:latin typeface="Calibri"/>
                 <a:ea typeface="Noto Sans CJK SC"/>
               </a:rPr>
+              <a:t>BiDirectional</a:t>
+            </a:r>
+            <a:r>
+              <a:rPr lang="en-US" sz="1600" b="1" strike="noStrike" spc="-1" dirty="0">
+                <a:solidFill>
+                  <a:srgbClr val="000000"/>
+                </a:solidFill>
+                <a:latin typeface="Calibri"/>
+                <a:ea typeface="Noto Sans CJK SC"/>
+              </a:rPr>
+              <a:t> Layers</a:t>
+            </a:r>
+            <a:r>
+              <a:rPr lang="en-US" sz="1600" b="0" strike="noStrike" spc="-1" dirty="0">
+                <a:solidFill>
+                  <a:srgbClr val="000000"/>
+                </a:solidFill>
+                <a:latin typeface="Calibri"/>
+                <a:ea typeface="Noto Sans CJK SC"/>
+              </a:rPr>
               <a:t> to create deep neural networks.</a:t>
             </a:r>
-            <a:endParaRPr lang="en-US" sz="1600" b="0" strike="noStrike" spc="-1">
+            <a:endParaRPr lang="en-US" sz="1600" b="0" strike="noStrike" spc="-1" dirty="0">
               <a:solidFill>
                 <a:srgbClr val="000000"/>
               </a:solidFill>
@@ -9066,7 +8755,7 @@
                 <a:spcPts val="601"/>
               </a:spcAft>
             </a:pPr>
-            <a:endParaRPr lang="en-US" sz="1600" b="0" strike="noStrike" spc="-1">
+            <a:endParaRPr lang="en-US" sz="1600" b="0" strike="noStrike" spc="-1" dirty="0">
               <a:solidFill>
                 <a:srgbClr val="000000"/>
               </a:solidFill>
@@ -9256,7 +8945,7 @@
     <mc:Choice Requires="p14">
       <p:transition spd="slow" p14:dur="2000" advTm="55000"/>
     </mc:Choice>
-    <mc:Fallback xmlns:p15="http://schemas.microsoft.com/office/powerpoint/2012/main" xmlns="">
+    <mc:Fallback xmlns="" xmlns:p15="http://schemas.microsoft.com/office/powerpoint/2012/main">
       <p:transition spd="slow" advTm="55000"/>
     </mc:Fallback>
   </mc:AlternateContent>
@@ -9305,7 +8994,7 @@
           </a:bodyPr>
           <a:lstStyle/>
           <a:p>
-            <a:pPr marL="432000" indent="-324000">
+            <a:pPr marL="108000">
               <a:lnSpc>
                 <a:spcPct val="90000"/>
               </a:lnSpc>
@@ -9318,11 +9007,9 @@
               <a:buClr>
                 <a:srgbClr val="000000"/>
               </a:buClr>
-              <a:buFont typeface="Wingdings" charset="2"/>
-              <a:buChar char=""/>
-            </a:pPr>
-            <a:r>
-              <a:rPr lang="en-US" sz="4000" b="1" strike="noStrike" spc="-1">
+            </a:pPr>
+            <a:r>
+              <a:rPr lang="en-US" sz="4000" b="1" strike="noStrike" spc="-1" dirty="0">
                 <a:solidFill>
                   <a:srgbClr val="000000"/>
                 </a:solidFill>
@@ -9331,7 +9018,7 @@
               </a:rPr>
               <a:t>MODEL EVALUATION</a:t>
             </a:r>
-            <a:endParaRPr lang="en-US" sz="4000" b="0" strike="noStrike" spc="-1">
+            <a:endParaRPr lang="en-US" sz="4000" b="0" strike="noStrike" spc="-1" dirty="0">
               <a:solidFill>
                 <a:srgbClr val="000000"/>
               </a:solidFill>
@@ -9351,7 +9038,7 @@
                 <a:spcPts val="601"/>
               </a:spcAft>
             </a:pPr>
-            <a:endParaRPr lang="en-US" sz="4000" b="0" strike="noStrike" spc="-1">
+            <a:endParaRPr lang="en-US" sz="4000" b="0" strike="noStrike" spc="-1" dirty="0">
               <a:solidFill>
                 <a:srgbClr val="000000"/>
               </a:solidFill>
@@ -9460,7 +9147,7 @@
     <mc:Choice Requires="p14">
       <p:transition spd="slow" p14:dur="2000" advTm="55000"/>
     </mc:Choice>
-    <mc:Fallback xmlns:p15="http://schemas.microsoft.com/office/powerpoint/2012/main" xmlns="">
+    <mc:Fallback xmlns="" xmlns:p15="http://schemas.microsoft.com/office/powerpoint/2012/main">
       <p:transition spd="slow" advTm="55000"/>
     </mc:Fallback>
   </mc:AlternateContent>
@@ -10327,7 +10014,7 @@
     <mc:Choice Requires="p14">
       <p:transition spd="slow" p14:dur="2000" advTm="55000"/>
     </mc:Choice>
-    <mc:Fallback xmlns:p15="http://schemas.microsoft.com/office/powerpoint/2012/main" xmlns="">
+    <mc:Fallback xmlns="" xmlns:p15="http://schemas.microsoft.com/office/powerpoint/2012/main">
       <p:transition spd="slow" advTm="55000"/>
     </mc:Fallback>
   </mc:AlternateContent>
@@ -10376,7 +10063,7 @@
           </a:bodyPr>
           <a:lstStyle/>
           <a:p>
-            <a:pPr marL="432000" indent="-324000" algn="ctr">
+            <a:pPr marL="108000" algn="ctr">
               <a:lnSpc>
                 <a:spcPct val="90000"/>
               </a:lnSpc>
@@ -10389,11 +10076,9 @@
               <a:buClr>
                 <a:srgbClr val="000000"/>
               </a:buClr>
-              <a:buFont typeface="Wingdings" charset="2"/>
-              <a:buChar char=""/>
-            </a:pPr>
-            <a:r>
-              <a:rPr lang="en-US" sz="4000" b="1" strike="noStrike" spc="-1">
+            </a:pPr>
+            <a:r>
+              <a:rPr lang="en-US" sz="4000" b="1" strike="noStrike" spc="-1" dirty="0">
                 <a:solidFill>
                   <a:srgbClr val="000000"/>
                 </a:solidFill>
@@ -10402,7 +10087,7 @@
               </a:rPr>
               <a:t>ATTEMPT # 1  </a:t>
             </a:r>
-            <a:endParaRPr lang="en-US" sz="4000" b="0" strike="noStrike" spc="-1">
+            <a:endParaRPr lang="en-US" sz="4000" b="0" strike="noStrike" spc="-1" dirty="0">
               <a:solidFill>
                 <a:srgbClr val="000000"/>
               </a:solidFill>
@@ -10411,7 +10096,7 @@
             </a:endParaRPr>
           </a:p>
           <a:p>
-            <a:pPr marL="432000" indent="-324000">
+            <a:pPr marL="108000">
               <a:lnSpc>
                 <a:spcPct val="90000"/>
               </a:lnSpc>
@@ -10424,11 +10109,9 @@
               <a:buClr>
                 <a:srgbClr val="000000"/>
               </a:buClr>
-              <a:buFont typeface="Wingdings" charset="2"/>
-              <a:buChar char=""/>
-            </a:pPr>
-            <a:r>
-              <a:rPr lang="en-US" sz="4000" b="1" strike="noStrike" spc="-1">
+            </a:pPr>
+            <a:r>
+              <a:rPr lang="en-US" sz="4000" b="1" strike="noStrike" spc="-1" dirty="0">
                 <a:solidFill>
                   <a:srgbClr val="000000"/>
                 </a:solidFill>
@@ -10437,7 +10120,7 @@
               </a:rPr>
               <a:t>                USING STANDARD PREDICTORS</a:t>
             </a:r>
-            <a:endParaRPr lang="en-US" sz="4000" b="0" strike="noStrike" spc="-1">
+            <a:endParaRPr lang="en-US" sz="4000" b="0" strike="noStrike" spc="-1" dirty="0">
               <a:solidFill>
                 <a:srgbClr val="000000"/>
               </a:solidFill>
@@ -10457,7 +10140,7 @@
                 <a:spcPts val="601"/>
               </a:spcAft>
             </a:pPr>
-            <a:endParaRPr lang="en-US" sz="4000" b="0" strike="noStrike" spc="-1">
+            <a:endParaRPr lang="en-US" sz="4000" b="0" strike="noStrike" spc="-1" dirty="0">
               <a:solidFill>
                 <a:srgbClr val="000000"/>
               </a:solidFill>
@@ -10566,7 +10249,7 @@
     <mc:Choice Requires="p14">
       <p:transition spd="slow" p14:dur="2000" advTm="55000"/>
     </mc:Choice>
-    <mc:Fallback xmlns:p15="http://schemas.microsoft.com/office/powerpoint/2012/main" xmlns="">
+    <mc:Fallback xmlns="" xmlns:p15="http://schemas.microsoft.com/office/powerpoint/2012/main">
       <p:transition spd="slow" advTm="55000"/>
     </mc:Fallback>
   </mc:AlternateContent>
@@ -11710,7 +11393,7 @@
       </p:grpSpPr>
       <p:sp>
         <p:nvSpPr>
-          <p:cNvPr id="187" name="TextShape 1"/>
+          <p:cNvPr id="193" name="TextShape 1"/>
           <p:cNvSpPr txBox="1"/>
           <p:nvPr/>
         </p:nvSpPr>
@@ -11739,26 +11422,44 @@
               </a:lnSpc>
             </a:pPr>
             <a:r>
-              <a:rPr lang="en-US" sz="2400" b="1" strike="noStrike" spc="-1">
+              <a:rPr lang="en-US" sz="2400" b="1" strike="noStrike" spc="-1" dirty="0">
                 <a:solidFill>
                   <a:srgbClr val="000000"/>
                 </a:solidFill>
                 <a:latin typeface="Franklin Gothic Medium"/>
               </a:rPr>
-              <a:t>Model Predictions – Gradient Boosting Regression Model</a:t>
-            </a:r>
-            <a:endParaRPr lang="en-US" sz="2400" b="0" strike="noStrike" spc="-1">
-              <a:solidFill>
-                <a:srgbClr val="000000"/>
-              </a:solidFill>
-              <a:latin typeface="Calibri"/>
-            </a:endParaRPr>
-          </a:p>
-        </p:txBody>
-      </p:sp>
-      <p:sp>
-        <p:nvSpPr>
-          <p:cNvPr id="188" name="TextShape 2"/>
+              <a:t>Model Predictions – Deep </a:t>
+            </a:r>
+            <a:r>
+              <a:rPr lang="en-US" sz="2400" b="1" spc="-1" dirty="0">
+                <a:solidFill>
+                  <a:srgbClr val="000000"/>
+                </a:solidFill>
+                <a:latin typeface="Franklin Gothic Medium"/>
+              </a:rPr>
+              <a:t>Learning </a:t>
+            </a:r>
+            <a:r>
+              <a:rPr lang="en-US" sz="2400" b="1" strike="noStrike" spc="-1" dirty="0">
+                <a:solidFill>
+                  <a:srgbClr val="000000"/>
+                </a:solidFill>
+                <a:latin typeface="Franklin Gothic Medium"/>
+              </a:rPr>
+              <a:t>Models</a:t>
+            </a:r>
+            <a:endParaRPr lang="en-US" sz="2400" b="0" strike="noStrike" spc="-1" dirty="0">
+              <a:solidFill>
+                <a:srgbClr val="000000"/>
+              </a:solidFill>
+              <a:latin typeface="Calibri"/>
+            </a:endParaRPr>
+          </a:p>
+        </p:txBody>
+      </p:sp>
+      <p:sp>
+        <p:nvSpPr>
+          <p:cNvPr id="194" name="TextShape 2"/>
           <p:cNvSpPr txBox="1"/>
           <p:nvPr/>
         </p:nvSpPr>
@@ -11803,7 +11504,7 @@
       </p:sp>
       <p:sp>
         <p:nvSpPr>
-          <p:cNvPr id="189" name="Line 3"/>
+          <p:cNvPr id="195" name="Line 3"/>
           <p:cNvSpPr/>
           <p:nvPr/>
         </p:nvSpPr>
@@ -11836,7 +11537,7 @@
       </p:sp>
       <p:sp>
         <p:nvSpPr>
-          <p:cNvPr id="190" name="TextShape 4"/>
+          <p:cNvPr id="196" name="TextShape 4"/>
           <p:cNvSpPr txBox="1"/>
           <p:nvPr/>
         </p:nvSpPr>
@@ -11864,7 +11565,7 @@
                 <a:spcPct val="100000"/>
               </a:lnSpc>
             </a:pPr>
-            <a:fld id="{3F02E98B-DC13-4E91-92BB-1D45D454F99F}" type="slidenum">
+            <a:fld id="{5DEA46F7-D7EC-48BC-B5DE-36BE09A0776F}" type="slidenum">
               <a:rPr lang="en-US" sz="1200" b="0" strike="noStrike" spc="-1">
                 <a:solidFill>
                   <a:srgbClr val="8B8B8B"/>
@@ -11881,7 +11582,7 @@
       </p:sp>
       <p:pic>
         <p:nvPicPr>
-          <p:cNvPr id="191" name="Picture 190"/>
+          <p:cNvPr id="197" name="Picture 196"/>
           <p:cNvPicPr/>
           <p:nvPr/>
         </p:nvPicPr>
@@ -11891,8 +11592,8 @@
         </p:blipFill>
         <p:spPr>
           <a:xfrm>
-            <a:off x="5303520" y="2286000"/>
-            <a:ext cx="6559200" cy="2103120"/>
+            <a:off x="869760" y="2834640"/>
+            <a:ext cx="5439600" cy="1546920"/>
           </a:xfrm>
           <a:prstGeom prst="rect">
             <a:avLst/>
@@ -11904,7 +11605,7 @@
       </p:pic>
       <p:pic>
         <p:nvPicPr>
-          <p:cNvPr id="192" name="Picture 191"/>
+          <p:cNvPr id="198" name="Picture 197"/>
           <p:cNvPicPr/>
           <p:nvPr/>
         </p:nvPicPr>
@@ -11914,8 +11615,77 @@
         </p:blipFill>
         <p:spPr>
           <a:xfrm>
-            <a:off x="731520" y="2069280"/>
-            <a:ext cx="4362120" cy="2685600"/>
+            <a:off x="822960" y="1109160"/>
+            <a:ext cx="5394960" cy="1451160"/>
+          </a:xfrm>
+          <a:prstGeom prst="rect">
+            <a:avLst/>
+          </a:prstGeom>
+          <a:ln>
+            <a:noFill/>
+          </a:ln>
+        </p:spPr>
+      </p:pic>
+      <p:pic>
+        <p:nvPicPr>
+          <p:cNvPr id="199" name="Picture 198"/>
+          <p:cNvPicPr/>
+          <p:nvPr/>
+        </p:nvPicPr>
+        <p:blipFill>
+          <a:blip r:embed="rId5"/>
+          <a:stretch/>
+        </p:blipFill>
+        <p:spPr>
+          <a:xfrm>
+            <a:off x="914400" y="4663440"/>
+            <a:ext cx="5486400" cy="1667880"/>
+          </a:xfrm>
+          <a:prstGeom prst="rect">
+            <a:avLst/>
+          </a:prstGeom>
+          <a:ln>
+            <a:noFill/>
+          </a:ln>
+        </p:spPr>
+      </p:pic>
+      <p:pic>
+        <p:nvPicPr>
+          <p:cNvPr id="200" name="Picture 199"/>
+          <p:cNvPicPr/>
+          <p:nvPr/>
+        </p:nvPicPr>
+        <p:blipFill>
+          <a:blip r:embed="rId6"/>
+          <a:stretch/>
+        </p:blipFill>
+        <p:spPr>
+          <a:xfrm>
+            <a:off x="6576480" y="1828800"/>
+            <a:ext cx="5219280" cy="1579320"/>
+          </a:xfrm>
+          <a:prstGeom prst="rect">
+            <a:avLst/>
+          </a:prstGeom>
+          <a:ln>
+            <a:noFill/>
+          </a:ln>
+        </p:spPr>
+      </p:pic>
+      <p:pic>
+        <p:nvPicPr>
+          <p:cNvPr id="201" name="Picture 200"/>
+          <p:cNvPicPr/>
+          <p:nvPr/>
+        </p:nvPicPr>
+        <p:blipFill>
+          <a:blip r:embed="rId7"/>
+          <a:stretch/>
+        </p:blipFill>
+        <p:spPr>
+          <a:xfrm>
+            <a:off x="6631920" y="3662640"/>
+            <a:ext cx="5163840" cy="1640880"/>
           </a:xfrm>
           <a:prstGeom prst="rect">
             <a:avLst/>
@@ -12330,7 +12100,7 @@
       </p:grpSpPr>
       <p:sp>
         <p:nvSpPr>
-          <p:cNvPr id="193" name="TextShape 1"/>
+          <p:cNvPr id="187" name="TextShape 1"/>
           <p:cNvSpPr txBox="1"/>
           <p:nvPr/>
         </p:nvSpPr>
@@ -12378,7 +12148,7 @@
       </p:sp>
       <p:sp>
         <p:nvSpPr>
-          <p:cNvPr id="194" name="TextShape 2"/>
+          <p:cNvPr id="188" name="TextShape 2"/>
           <p:cNvSpPr txBox="1"/>
           <p:nvPr/>
         </p:nvSpPr>
@@ -12423,7 +12193,7 @@
       </p:sp>
       <p:sp>
         <p:nvSpPr>
-          <p:cNvPr id="195" name="Line 3"/>
+          <p:cNvPr id="189" name="Line 3"/>
           <p:cNvSpPr/>
           <p:nvPr/>
         </p:nvSpPr>
@@ -12456,7 +12226,7 @@
       </p:sp>
       <p:sp>
         <p:nvSpPr>
-          <p:cNvPr id="196" name="TextShape 4"/>
+          <p:cNvPr id="190" name="TextShape 4"/>
           <p:cNvSpPr txBox="1"/>
           <p:nvPr/>
         </p:nvSpPr>
@@ -12484,7 +12254,7 @@
                 <a:spcPct val="100000"/>
               </a:lnSpc>
             </a:pPr>
-            <a:fld id="{5DEA46F7-D7EC-48BC-B5DE-36BE09A0776F}" type="slidenum">
+            <a:fld id="{3F02E98B-DC13-4E91-92BB-1D45D454F99F}" type="slidenum">
               <a:rPr lang="en-US" sz="1200" b="0" strike="noStrike" spc="-1">
                 <a:solidFill>
                   <a:srgbClr val="8B8B8B"/>
@@ -12501,7 +12271,7 @@
       </p:sp>
       <p:pic>
         <p:nvPicPr>
-          <p:cNvPr id="197" name="Picture 196"/>
+          <p:cNvPr id="191" name="Picture 190"/>
           <p:cNvPicPr/>
           <p:nvPr/>
         </p:nvPicPr>
@@ -12511,8 +12281,8 @@
         </p:blipFill>
         <p:spPr>
           <a:xfrm>
-            <a:off x="869760" y="2834640"/>
-            <a:ext cx="5439600" cy="1546920"/>
+            <a:off x="5303520" y="2286000"/>
+            <a:ext cx="6559200" cy="2103120"/>
           </a:xfrm>
           <a:prstGeom prst="rect">
             <a:avLst/>
@@ -12524,7 +12294,7 @@
       </p:pic>
       <p:pic>
         <p:nvPicPr>
-          <p:cNvPr id="198" name="Picture 197"/>
+          <p:cNvPr id="192" name="Picture 191"/>
           <p:cNvPicPr/>
           <p:nvPr/>
         </p:nvPicPr>
@@ -12534,77 +12304,8 @@
         </p:blipFill>
         <p:spPr>
           <a:xfrm>
-            <a:off x="822960" y="1109160"/>
-            <a:ext cx="5394960" cy="1451160"/>
-          </a:xfrm>
-          <a:prstGeom prst="rect">
-            <a:avLst/>
-          </a:prstGeom>
-          <a:ln>
-            <a:noFill/>
-          </a:ln>
-        </p:spPr>
-      </p:pic>
-      <p:pic>
-        <p:nvPicPr>
-          <p:cNvPr id="199" name="Picture 198"/>
-          <p:cNvPicPr/>
-          <p:nvPr/>
-        </p:nvPicPr>
-        <p:blipFill>
-          <a:blip r:embed="rId5"/>
-          <a:stretch/>
-        </p:blipFill>
-        <p:spPr>
-          <a:xfrm>
-            <a:off x="914400" y="4663440"/>
-            <a:ext cx="5486400" cy="1667880"/>
-          </a:xfrm>
-          <a:prstGeom prst="rect">
-            <a:avLst/>
-          </a:prstGeom>
-          <a:ln>
-            <a:noFill/>
-          </a:ln>
-        </p:spPr>
-      </p:pic>
-      <p:pic>
-        <p:nvPicPr>
-          <p:cNvPr id="200" name="Picture 199"/>
-          <p:cNvPicPr/>
-          <p:nvPr/>
-        </p:nvPicPr>
-        <p:blipFill>
-          <a:blip r:embed="rId6"/>
-          <a:stretch/>
-        </p:blipFill>
-        <p:spPr>
-          <a:xfrm>
-            <a:off x="6576480" y="1828800"/>
-            <a:ext cx="5219280" cy="1579320"/>
-          </a:xfrm>
-          <a:prstGeom prst="rect">
-            <a:avLst/>
-          </a:prstGeom>
-          <a:ln>
-            <a:noFill/>
-          </a:ln>
-        </p:spPr>
-      </p:pic>
-      <p:pic>
-        <p:nvPicPr>
-          <p:cNvPr id="201" name="Picture 200"/>
-          <p:cNvPicPr/>
-          <p:nvPr/>
-        </p:nvPicPr>
-        <p:blipFill>
-          <a:blip r:embed="rId7"/>
-          <a:stretch/>
-        </p:blipFill>
-        <p:spPr>
-          <a:xfrm>
-            <a:off x="6631920" y="3662640"/>
-            <a:ext cx="5163840" cy="1640880"/>
+            <a:off x="731520" y="2069280"/>
+            <a:ext cx="4362120" cy="2685600"/>
           </a:xfrm>
           <a:prstGeom prst="rect">
             <a:avLst/>
@@ -12858,7 +12559,7 @@
               <a:buChar char=""/>
             </a:pPr>
             <a:r>
-              <a:rPr lang="en-US" sz="1800" b="0" i="1" strike="noStrike" spc="-1">
+              <a:rPr lang="en-US" sz="1800" b="0" i="1" strike="noStrike" spc="-1" dirty="0">
                 <a:solidFill>
                   <a:srgbClr val="000000"/>
                 </a:solidFill>
@@ -12868,7 +12569,7 @@
               <a:t>All models </a:t>
             </a:r>
             <a:r>
-              <a:rPr lang="en-US" sz="1800" b="1" i="1" strike="noStrike" spc="-1">
+              <a:rPr lang="en-US" sz="1800" b="1" i="1" strike="noStrike" spc="-1" dirty="0">
                 <a:solidFill>
                   <a:srgbClr val="000000"/>
                 </a:solidFill>
@@ -12878,7 +12579,7 @@
               <a:t>fair poorly</a:t>
             </a:r>
             <a:r>
-              <a:rPr lang="en-US" sz="1800" b="0" i="1" strike="noStrike" spc="-1">
+              <a:rPr lang="en-US" sz="1800" b="0" i="1" strike="noStrike" spc="-1" dirty="0">
                 <a:solidFill>
                   <a:srgbClr val="000000"/>
                 </a:solidFill>
@@ -12887,7 +12588,7 @@
               </a:rPr>
               <a:t> in comparison to the persistence model using only the wastewater RNA signal as the predictor variable.</a:t>
             </a:r>
-            <a:endParaRPr lang="en-US" sz="1800" b="0" strike="noStrike" spc="-1">
+            <a:endParaRPr lang="en-US" sz="1800" b="0" strike="noStrike" spc="-1" dirty="0">
               <a:latin typeface="Arial"/>
             </a:endParaRPr>
           </a:p>
@@ -12903,7 +12604,7 @@
               <a:buChar char=""/>
             </a:pPr>
             <a:r>
-              <a:rPr lang="en-US" sz="1800" b="1" i="1" strike="noStrike" spc="-1">
+              <a:rPr lang="en-US" sz="1800" b="1" i="1" strike="noStrike" spc="-1" dirty="0">
                 <a:solidFill>
                   <a:srgbClr val="000000"/>
                 </a:solidFill>
@@ -12913,16 +12614,36 @@
               <a:t>Piecewise Linear Models</a:t>
             </a:r>
             <a:r>
-              <a:rPr lang="en-US" sz="1800" b="0" i="1" strike="noStrike" spc="-1">
+              <a:rPr lang="en-US" sz="1800" b="0" i="1" strike="noStrike" spc="-1" dirty="0">
                 <a:solidFill>
                   <a:srgbClr val="000000"/>
                 </a:solidFill>
                 <a:latin typeface="Franklin Gothic Book"/>
                 <a:ea typeface="Calibri"/>
               </a:rPr>
-              <a:t> such as GAMS and XGBoost show good results on training data however fair poorly on test (unseen data)</a:t>
-            </a:r>
-            <a:endParaRPr lang="en-US" sz="1800" b="0" strike="noStrike" spc="-1">
+              <a:t> such as GAMS and </a:t>
+            </a:r>
+            <a:r>
+              <a:rPr lang="en-US" sz="1800" b="0" i="1" strike="noStrike" spc="-1" dirty="0" err="1">
+                <a:solidFill>
+                  <a:srgbClr val="000000"/>
+                </a:solidFill>
+                <a:latin typeface="Franklin Gothic Book"/>
+                <a:ea typeface="Calibri"/>
+              </a:rPr>
+              <a:t>XGBoost</a:t>
+            </a:r>
+            <a:r>
+              <a:rPr lang="en-US" sz="1800" b="0" i="1" strike="noStrike" spc="-1" dirty="0">
+                <a:solidFill>
+                  <a:srgbClr val="000000"/>
+                </a:solidFill>
+                <a:latin typeface="Franklin Gothic Book"/>
+                <a:ea typeface="Calibri"/>
+              </a:rPr>
+              <a:t> show good results on training data however fair poorly on test (unseen data)</a:t>
+            </a:r>
+            <a:endParaRPr lang="en-US" sz="1800" b="0" strike="noStrike" spc="-1" dirty="0">
               <a:latin typeface="Arial"/>
             </a:endParaRPr>
           </a:p>
@@ -12938,7 +12659,7 @@
               <a:buChar char=""/>
             </a:pPr>
             <a:r>
-              <a:rPr lang="en-US" sz="1800" b="0" i="1" strike="noStrike" spc="-1">
+              <a:rPr lang="en-US" sz="1800" b="0" i="1" strike="noStrike" spc="-1" dirty="0">
                 <a:solidFill>
                   <a:srgbClr val="000000"/>
                 </a:solidFill>
@@ -12948,7 +12669,7 @@
               <a:t>Dataset including predictor and response variables are </a:t>
             </a:r>
             <a:r>
-              <a:rPr lang="en-US" sz="1800" b="1" i="1" strike="noStrike" spc="-1">
+              <a:rPr lang="en-US" sz="1800" b="1" i="1" strike="noStrike" spc="-1" dirty="0">
                 <a:solidFill>
                   <a:srgbClr val="000000"/>
                 </a:solidFill>
@@ -12958,7 +12679,7 @@
               <a:t>noisy</a:t>
             </a:r>
             <a:r>
-              <a:rPr lang="en-US" sz="1800" b="0" i="1" strike="noStrike" spc="-1">
+              <a:rPr lang="en-US" sz="1800" b="0" i="1" strike="noStrike" spc="-1" dirty="0">
                 <a:solidFill>
                   <a:srgbClr val="000000"/>
                 </a:solidFill>
@@ -12967,7 +12688,7 @@
               </a:rPr>
               <a:t> hence the outputs are somewhat expected since we are fitting noise to noise.</a:t>
             </a:r>
-            <a:endParaRPr lang="en-US" sz="1800" b="0" strike="noStrike" spc="-1">
+            <a:endParaRPr lang="en-US" sz="1800" b="0" strike="noStrike" spc="-1" dirty="0">
               <a:latin typeface="Arial"/>
             </a:endParaRPr>
           </a:p>
@@ -12977,7 +12698,7 @@
                 <a:spcPct val="110000"/>
               </a:lnSpc>
             </a:pPr>
-            <a:endParaRPr lang="en-US" sz="1800" b="0" strike="noStrike" spc="-1">
+            <a:endParaRPr lang="en-US" sz="1800" b="0" strike="noStrike" spc="-1" dirty="0">
               <a:latin typeface="Arial"/>
             </a:endParaRPr>
           </a:p>
@@ -12987,7 +12708,7 @@
                 <a:spcPct val="110000"/>
               </a:lnSpc>
             </a:pPr>
-            <a:endParaRPr lang="en-US" sz="1800" b="0" strike="noStrike" spc="-1">
+            <a:endParaRPr lang="en-US" sz="1800" b="0" strike="noStrike" spc="-1" dirty="0">
               <a:latin typeface="Arial"/>
             </a:endParaRPr>
           </a:p>
@@ -12997,7 +12718,7 @@
                 <a:spcPct val="110000"/>
               </a:lnSpc>
             </a:pPr>
-            <a:endParaRPr lang="en-US" sz="1800" b="0" strike="noStrike" spc="-1">
+            <a:endParaRPr lang="en-US" sz="1800" b="0" strike="noStrike" spc="-1" dirty="0">
               <a:latin typeface="Arial"/>
             </a:endParaRPr>
           </a:p>
@@ -13007,7 +12728,7 @@
                 <a:spcPct val="110000"/>
               </a:lnSpc>
             </a:pPr>
-            <a:endParaRPr lang="en-US" sz="1800" b="0" strike="noStrike" spc="-1">
+            <a:endParaRPr lang="en-US" sz="1800" b="0" strike="noStrike" spc="-1" dirty="0">
               <a:latin typeface="Arial"/>
             </a:endParaRPr>
           </a:p>
@@ -13017,7 +12738,7 @@
                 <a:spcPct val="110000"/>
               </a:lnSpc>
             </a:pPr>
-            <a:endParaRPr lang="en-US" sz="1800" b="0" strike="noStrike" spc="-1">
+            <a:endParaRPr lang="en-US" sz="1800" b="0" strike="noStrike" spc="-1" dirty="0">
               <a:latin typeface="Arial"/>
             </a:endParaRPr>
           </a:p>
@@ -13056,8 +12777,8 @@
         </p:nvSpPr>
         <p:spPr>
           <a:xfrm>
-            <a:off x="1097280" y="2194560"/>
-            <a:ext cx="10515240" cy="5312160"/>
+            <a:off x="1097280" y="2042159"/>
+            <a:ext cx="10515240" cy="3305695"/>
           </a:xfrm>
           <a:prstGeom prst="rect">
             <a:avLst/>
@@ -13073,7 +12794,7 @@
           </a:bodyPr>
           <a:lstStyle/>
           <a:p>
-            <a:pPr marL="432000" indent="-324000" algn="ctr">
+            <a:pPr marL="108000" algn="ctr">
               <a:lnSpc>
                 <a:spcPct val="90000"/>
               </a:lnSpc>
@@ -13086,11 +12807,9 @@
               <a:buClr>
                 <a:srgbClr val="000000"/>
               </a:buClr>
-              <a:buFont typeface="Wingdings" charset="2"/>
-              <a:buChar char=""/>
-            </a:pPr>
-            <a:r>
-              <a:rPr lang="en-US" sz="4000" b="1" strike="noStrike" spc="-1">
+            </a:pPr>
+            <a:r>
+              <a:rPr lang="en-US" sz="4000" b="1" strike="noStrike" spc="-1" dirty="0">
                 <a:solidFill>
                   <a:srgbClr val="000000"/>
                 </a:solidFill>
@@ -13099,16 +12818,9 @@
               </a:rPr>
               <a:t>ATTEMPT # 2  </a:t>
             </a:r>
-            <a:endParaRPr lang="en-US" sz="4000" b="0" strike="noStrike" spc="-1">
-              <a:solidFill>
-                <a:srgbClr val="000000"/>
-              </a:solidFill>
-              <a:latin typeface="Calibri"/>
-              <a:ea typeface="Noto Sans CJK SC"/>
-            </a:endParaRPr>
-          </a:p>
-          <a:p>
-            <a:pPr marL="432000" indent="-324000">
+          </a:p>
+          <a:p>
+            <a:pPr marL="108000" algn="ctr">
               <a:lnSpc>
                 <a:spcPct val="90000"/>
               </a:lnSpc>
@@ -13121,20 +12833,8 @@
               <a:buClr>
                 <a:srgbClr val="000000"/>
               </a:buClr>
-              <a:buFont typeface="Wingdings" charset="2"/>
-              <a:buChar char=""/>
-            </a:pPr>
-            <a:r>
-              <a:rPr lang="en-US" sz="4000" b="1" strike="noStrike" spc="-1">
-                <a:solidFill>
-                  <a:srgbClr val="000000"/>
-                </a:solidFill>
-                <a:latin typeface="Calibri"/>
-                <a:ea typeface="Noto Sans CJK SC"/>
-              </a:rPr>
-              <a:t>             USING AUTO REGRESSIVE MODEL +     						STANDARD PREDICTORS </a:t>
-            </a:r>
-            <a:endParaRPr lang="en-US" sz="4000" b="0" strike="noStrike" spc="-1">
+            </a:pPr>
+            <a:endParaRPr lang="en-US" sz="4000" b="0" strike="noStrike" spc="-1" dirty="0">
               <a:solidFill>
                 <a:srgbClr val="000000"/>
               </a:solidFill>
@@ -13143,7 +12843,7 @@
             </a:endParaRPr>
           </a:p>
           <a:p>
-            <a:pPr>
+            <a:pPr marL="108000">
               <a:lnSpc>
                 <a:spcPct val="90000"/>
               </a:lnSpc>
@@ -13153,8 +12853,41 @@
               <a:spcAft>
                 <a:spcPts val="601"/>
               </a:spcAft>
-            </a:pPr>
-            <a:endParaRPr lang="en-US" sz="4000" b="0" strike="noStrike" spc="-1">
+              <a:buClr>
+                <a:srgbClr val="000000"/>
+              </a:buClr>
+            </a:pPr>
+            <a:r>
+              <a:rPr lang="en-US" sz="4000" b="1" strike="noStrike" spc="-1" dirty="0">
+                <a:solidFill>
+                  <a:srgbClr val="000000"/>
+                </a:solidFill>
+                <a:latin typeface="Calibri"/>
+                <a:ea typeface="Noto Sans CJK SC"/>
+              </a:rPr>
+              <a:t>             USING AUTO REGRESSIVE MODEL +     						STANDARD PREDICTORS </a:t>
+            </a:r>
+            <a:endParaRPr lang="en-US" sz="4000" b="0" strike="noStrike" spc="-1" dirty="0">
+              <a:solidFill>
+                <a:srgbClr val="000000"/>
+              </a:solidFill>
+              <a:latin typeface="Calibri"/>
+              <a:ea typeface="Noto Sans CJK SC"/>
+            </a:endParaRPr>
+          </a:p>
+          <a:p>
+            <a:pPr>
+              <a:lnSpc>
+                <a:spcPct val="90000"/>
+              </a:lnSpc>
+              <a:spcBef>
+                <a:spcPts val="1001"/>
+              </a:spcBef>
+              <a:spcAft>
+                <a:spcPts val="601"/>
+              </a:spcAft>
+            </a:pPr>
+            <a:endParaRPr lang="en-US" sz="4000" b="0" strike="noStrike" spc="-1" dirty="0">
               <a:solidFill>
                 <a:srgbClr val="000000"/>
               </a:solidFill>
@@ -13263,7 +12996,7 @@
     <mc:Choice Requires="p14">
       <p:transition spd="slow" p14:dur="2000" advTm="55000"/>
     </mc:Choice>
-    <mc:Fallback xmlns:p15="http://schemas.microsoft.com/office/powerpoint/2012/main" xmlns="">
+    <mc:Fallback xmlns="" xmlns:p15="http://schemas.microsoft.com/office/powerpoint/2012/main">
       <p:transition spd="slow" advTm="55000"/>
     </mc:Fallback>
   </mc:AlternateContent>
@@ -13389,7 +13122,7 @@
         <p:spPr>
           <a:xfrm>
             <a:off x="1188720" y="914400"/>
-            <a:ext cx="10515240" cy="1608120"/>
+            <a:ext cx="10515240" cy="1325576"/>
           </a:xfrm>
           <a:prstGeom prst="rect">
             <a:avLst/>
@@ -13423,7 +13156,7 @@
               </a:lnSpc>
             </a:pPr>
             <a:r>
-              <a:rPr lang="en-US" sz="1600" b="1" i="1" strike="noStrike" spc="-1">
+              <a:rPr lang="en-US" sz="1600" b="1" i="1" strike="noStrike" spc="-1" dirty="0">
                 <a:solidFill>
                   <a:srgbClr val="000000"/>
                 </a:solidFill>
@@ -13431,7 +13164,7 @@
               </a:rPr>
               <a:t>TAKE AWAY</a:t>
             </a:r>
-            <a:endParaRPr lang="en-US" sz="1600" b="0" strike="noStrike" spc="-1">
+            <a:endParaRPr lang="en-US" sz="1600" b="0" strike="noStrike" spc="-1" dirty="0">
               <a:latin typeface="Arial"/>
             </a:endParaRPr>
           </a:p>
@@ -13447,7 +13180,7 @@
               <a:buChar char=""/>
             </a:pPr>
             <a:r>
-              <a:rPr lang="en-US" sz="1600" b="0" i="1" strike="noStrike" spc="-1">
+              <a:rPr lang="en-US" sz="1600" b="0" i="1" strike="noStrike" spc="-1" dirty="0">
                 <a:solidFill>
                   <a:srgbClr val="000000"/>
                 </a:solidFill>
@@ -13456,7 +13189,7 @@
               </a:rPr>
               <a:t>On decomposing the training data into trend, seasonality and residuals, we see that there is seasonality in the data</a:t>
             </a:r>
-            <a:endParaRPr lang="en-US" sz="1600" b="0" strike="noStrike" spc="-1">
+            <a:endParaRPr lang="en-US" sz="1600" b="0" strike="noStrike" spc="-1" dirty="0">
               <a:latin typeface="Arial"/>
             </a:endParaRPr>
           </a:p>
@@ -13472,16 +13205,16 @@
               <a:buChar char=""/>
             </a:pPr>
             <a:r>
-              <a:rPr lang="en-US" sz="1600" b="0" i="1" strike="noStrike" spc="-1">
+              <a:rPr lang="en-US" sz="1600" b="0" i="1" strike="noStrike" spc="-1" dirty="0">
                 <a:solidFill>
                   <a:srgbClr val="000000"/>
                 </a:solidFill>
                 <a:latin typeface="Franklin Gothic Book"/>
                 <a:ea typeface="Calibri"/>
               </a:rPr>
-              <a:t>This encouraged us to add independent variables such as the Day of the Weekday, Day of the Month as predictors to further our enhance.</a:t>
-            </a:r>
-            <a:endParaRPr lang="en-US" sz="1600" b="0" strike="noStrike" spc="-1">
+              <a:t>This encouraged us to add independent variables such as the Day of the Weekday, Day of the Month as predictors to further enhance our models.</a:t>
+            </a:r>
+            <a:endParaRPr lang="en-US" sz="1600" b="0" strike="noStrike" spc="-1" dirty="0">
               <a:latin typeface="Arial"/>
             </a:endParaRPr>
           </a:p>
@@ -13491,7 +13224,7 @@
                 <a:spcPct val="110000"/>
               </a:lnSpc>
             </a:pPr>
-            <a:endParaRPr lang="en-US" sz="1600" b="0" strike="noStrike" spc="-1">
+            <a:endParaRPr lang="en-US" sz="1600" b="0" strike="noStrike" spc="-1" dirty="0">
               <a:latin typeface="Arial"/>
             </a:endParaRPr>
           </a:p>
@@ -13582,7 +13315,7 @@
           <p:nvPr/>
         </p:nvPicPr>
         <p:blipFill>
-          <a:blip r:embed="rId2"/>
+          <a:blip r:embed="rId3"/>
           <a:stretch/>
         </p:blipFill>
         <p:spPr>
@@ -13654,15 +13387,15 @@
               </a:lnSpc>
             </a:pPr>
             <a:r>
-              <a:rPr lang="en-US" sz="2400" b="1" strike="noStrike" spc="-1">
+              <a:rPr lang="en-US" sz="2400" b="1" strike="noStrike" spc="-1" dirty="0">
                 <a:solidFill>
                   <a:srgbClr val="000000"/>
                 </a:solidFill>
                 <a:latin typeface="Franklin Gothic Medium"/>
               </a:rPr>
-              <a:t>Model Comparison – Auto Regressive + Wastewate Signal</a:t>
-            </a:r>
-            <a:endParaRPr lang="en-US" sz="2400" b="0" strike="noStrike" spc="-1">
+              <a:t>Model Comparison – Auto Regressive + Wastewater Signal</a:t>
+            </a:r>
+            <a:endParaRPr lang="en-US" sz="2400" b="0" strike="noStrike" spc="-1" dirty="0">
               <a:solidFill>
                 <a:srgbClr val="000000"/>
               </a:solidFill>
@@ -13725,7 +13458,7 @@
         <p:spPr>
           <a:xfrm>
             <a:off x="1188720" y="914400"/>
-            <a:ext cx="10515240" cy="2036520"/>
+            <a:ext cx="10515240" cy="2060649"/>
           </a:xfrm>
           <a:prstGeom prst="rect">
             <a:avLst/>
@@ -13759,7 +13492,7 @@
               </a:lnSpc>
             </a:pPr>
             <a:r>
-              <a:rPr lang="en-US" sz="1600" b="1" i="1" strike="noStrike" spc="-1">
+              <a:rPr lang="en-US" sz="1600" b="1" i="1" strike="noStrike" spc="-1" dirty="0">
                 <a:solidFill>
                   <a:srgbClr val="000000"/>
                 </a:solidFill>
@@ -13768,7 +13501,7 @@
               </a:rPr>
               <a:t>Predictor Variables: </a:t>
             </a:r>
-            <a:endParaRPr lang="en-US" sz="1600" b="0" strike="noStrike" spc="-1">
+            <a:endParaRPr lang="en-US" sz="1600" b="0" strike="noStrike" spc="-1" dirty="0">
               <a:latin typeface="Arial"/>
             </a:endParaRPr>
           </a:p>
@@ -13784,7 +13517,7 @@
               <a:buChar char=""/>
             </a:pPr>
             <a:r>
-              <a:rPr lang="en-US" sz="1600" b="0" i="1" strike="noStrike" spc="-1">
+              <a:rPr lang="en-US" sz="1600" b="0" i="1" strike="noStrike" spc="-1" dirty="0">
                 <a:solidFill>
                   <a:srgbClr val="000000"/>
                 </a:solidFill>
@@ -13793,7 +13526,7 @@
               </a:rPr>
               <a:t>7 Day Rolling Average  of Confirmed COVID-19 Case Count from previous day</a:t>
             </a:r>
-            <a:endParaRPr lang="en-US" sz="1600" b="0" strike="noStrike" spc="-1">
+            <a:endParaRPr lang="en-US" sz="1600" b="0" strike="noStrike" spc="-1" dirty="0">
               <a:latin typeface="Arial"/>
             </a:endParaRPr>
           </a:p>
@@ -13809,7 +13542,7 @@
               <a:buChar char=""/>
             </a:pPr>
             <a:r>
-              <a:rPr lang="en-US" sz="1600" b="0" i="1" strike="noStrike" spc="-1">
+              <a:rPr lang="en-US" sz="1600" b="0" i="1" strike="noStrike" spc="-1" dirty="0">
                 <a:solidFill>
                   <a:srgbClr val="000000"/>
                 </a:solidFill>
@@ -13819,7 +13552,7 @@
               <a:t>7 Day Rolling Average of </a:t>
             </a:r>
             <a:r>
-              <a:rPr lang="en-US" sz="1600" b="1" i="1" strike="noStrike" spc="-1">
+              <a:rPr lang="en-US" sz="1600" b="1" i="1" strike="noStrike" spc="-1" dirty="0">
                 <a:solidFill>
                   <a:srgbClr val="000000"/>
                 </a:solidFill>
@@ -13829,7 +13562,7 @@
               <a:t>Southern</a:t>
             </a:r>
             <a:r>
-              <a:rPr lang="en-US" sz="1600" b="0" i="1" strike="noStrike" spc="-1">
+              <a:rPr lang="en-US" sz="1600" b="0" i="1" strike="noStrike" spc="-1" dirty="0">
                 <a:solidFill>
                   <a:srgbClr val="000000"/>
                 </a:solidFill>
@@ -13838,7 +13571,7 @@
               </a:rPr>
               <a:t> Viral RNA Signal</a:t>
             </a:r>
-            <a:endParaRPr lang="en-US" sz="1600" b="0" strike="noStrike" spc="-1">
+            <a:endParaRPr lang="en-US" sz="1600" b="0" strike="noStrike" spc="-1" dirty="0">
               <a:latin typeface="Arial"/>
             </a:endParaRPr>
           </a:p>
@@ -13854,7 +13587,7 @@
               <a:buChar char=""/>
             </a:pPr>
             <a:r>
-              <a:rPr lang="en-US" sz="1600" b="0" i="1" strike="noStrike" spc="-1">
+              <a:rPr lang="en-US" sz="1600" b="0" i="1" strike="noStrike" spc="-1" dirty="0">
                 <a:solidFill>
                   <a:srgbClr val="000000"/>
                 </a:solidFill>
@@ -13864,7 +13597,7 @@
               <a:t>7 Day Rolling Average of </a:t>
             </a:r>
             <a:r>
-              <a:rPr lang="en-US" sz="1600" b="1" i="1" strike="noStrike" spc="-1">
+              <a:rPr lang="en-US" sz="1600" b="1" i="1" strike="noStrike" spc="-1" dirty="0">
                 <a:solidFill>
                   <a:srgbClr val="000000"/>
                 </a:solidFill>
@@ -13874,7 +13607,7 @@
               <a:t>Northern</a:t>
             </a:r>
             <a:r>
-              <a:rPr lang="en-US" sz="1600" b="0" i="1" strike="noStrike" spc="-1">
+              <a:rPr lang="en-US" sz="1600" b="0" i="1" strike="noStrike" spc="-1" dirty="0">
                 <a:solidFill>
                   <a:srgbClr val="000000"/>
                 </a:solidFill>
@@ -13883,7 +13616,7 @@
               </a:rPr>
               <a:t> Viral RNA Signal</a:t>
             </a:r>
-            <a:endParaRPr lang="en-US" sz="1600" b="0" strike="noStrike" spc="-1">
+            <a:endParaRPr lang="en-US" sz="1600" b="0" strike="noStrike" spc="-1" dirty="0">
               <a:latin typeface="Arial"/>
             </a:endParaRPr>
           </a:p>
@@ -13899,7 +13632,7 @@
               <a:buChar char=""/>
             </a:pPr>
             <a:r>
-              <a:rPr lang="en-US" sz="1600" b="0" i="1" strike="noStrike" spc="-1">
+              <a:rPr lang="en-US" sz="1600" b="0" i="1" strike="noStrike" spc="-1" dirty="0">
                 <a:solidFill>
                   <a:srgbClr val="000000"/>
                 </a:solidFill>
@@ -13908,12 +13641,45 @@
               </a:rPr>
               <a:t>Seasonality Variables – Day of the Week, Day of the Month</a:t>
             </a:r>
-            <a:endParaRPr lang="en-US" sz="1600" b="0" strike="noStrike" spc="-1">
+            <a:endParaRPr lang="en-US" sz="1600" b="0" strike="noStrike" spc="-1" dirty="0">
               <a:latin typeface="Arial"/>
             </a:endParaRPr>
           </a:p>
           <a:p>
-            <a:pPr marL="216000" indent="-216000">
+            <a:pPr>
+              <a:lnSpc>
+                <a:spcPct val="100000"/>
+              </a:lnSpc>
+              <a:buClr>
+                <a:srgbClr val="000000"/>
+              </a:buClr>
+            </a:pPr>
+            <a:endParaRPr lang="en-US" sz="1600" b="0" strike="noStrike" spc="-1" dirty="0">
+              <a:latin typeface="Arial"/>
+            </a:endParaRPr>
+          </a:p>
+          <a:p>
+            <a:pPr>
+              <a:lnSpc>
+                <a:spcPct val="100000"/>
+              </a:lnSpc>
+            </a:pPr>
+            <a:r>
+              <a:rPr lang="en-US" sz="1600" b="1" i="1" strike="noStrike" spc="-1" dirty="0">
+                <a:solidFill>
+                  <a:srgbClr val="000000"/>
+                </a:solidFill>
+                <a:latin typeface="Calibri"/>
+                <a:ea typeface="Calibri"/>
+              </a:rPr>
+              <a:t>Response Variables:</a:t>
+            </a:r>
+            <a:endParaRPr lang="en-US" sz="1600" b="0" strike="noStrike" spc="-1" dirty="0">
+              <a:latin typeface="Arial"/>
+            </a:endParaRPr>
+          </a:p>
+          <a:p>
+            <a:pPr marL="285840" indent="-285480">
               <a:lnSpc>
                 <a:spcPct val="100000"/>
               </a:lnSpc>
@@ -13924,61 +13690,16 @@
               <a:buChar char=""/>
             </a:pPr>
             <a:r>
-              <a:rPr lang="en-US" sz="1600" b="1" i="1" strike="noStrike" spc="-1">
+              <a:rPr lang="en-US" sz="1600" b="0" i="1" strike="noStrike" spc="-1" dirty="0">
                 <a:solidFill>
                   <a:srgbClr val="000000"/>
                 </a:solidFill>
                 <a:latin typeface="Calibri"/>
                 <a:ea typeface="Calibri"/>
               </a:rPr>
-              <a:t>	</a:t>
-            </a:r>
-            <a:endParaRPr lang="en-US" sz="1600" b="0" strike="noStrike" spc="-1">
-              <a:latin typeface="Arial"/>
-            </a:endParaRPr>
-          </a:p>
-          <a:p>
-            <a:pPr>
-              <a:lnSpc>
-                <a:spcPct val="100000"/>
-              </a:lnSpc>
-            </a:pPr>
-            <a:r>
-              <a:rPr lang="en-US" sz="1600" b="1" i="1" strike="noStrike" spc="-1">
-                <a:solidFill>
-                  <a:srgbClr val="000000"/>
-                </a:solidFill>
-                <a:latin typeface="Calibri"/>
-                <a:ea typeface="Calibri"/>
-              </a:rPr>
-              <a:t>Response Variables:</a:t>
-            </a:r>
-            <a:endParaRPr lang="en-US" sz="1600" b="0" strike="noStrike" spc="-1">
-              <a:latin typeface="Arial"/>
-            </a:endParaRPr>
-          </a:p>
-          <a:p>
-            <a:pPr marL="285840" indent="-285480">
-              <a:lnSpc>
-                <a:spcPct val="100000"/>
-              </a:lnSpc>
-              <a:buClr>
-                <a:srgbClr val="000000"/>
-              </a:buClr>
-              <a:buFont typeface="Symbol" charset="2"/>
-              <a:buChar char=""/>
-            </a:pPr>
-            <a:r>
-              <a:rPr lang="en-US" sz="1600" b="0" i="1" strike="noStrike" spc="-1">
-                <a:solidFill>
-                  <a:srgbClr val="000000"/>
-                </a:solidFill>
-                <a:latin typeface="Calibri"/>
-                <a:ea typeface="Calibri"/>
-              </a:rPr>
               <a:t>7 Day Rolling Average  of Confirmed COVID-19 Case Count </a:t>
             </a:r>
-            <a:endParaRPr lang="en-US" sz="1600" b="0" strike="noStrike" spc="-1">
+            <a:endParaRPr lang="en-US" sz="1600" b="0" strike="noStrike" spc="-1" dirty="0">
               <a:latin typeface="Arial"/>
             </a:endParaRPr>
           </a:p>
@@ -14062,194 +13783,26 @@
           </a:p>
         </p:txBody>
       </p:sp>
-      <p:sp>
-        <p:nvSpPr>
-          <p:cNvPr id="221" name="TextShape 6"/>
-          <p:cNvSpPr txBox="1"/>
-          <p:nvPr/>
-        </p:nvSpPr>
-        <p:spPr>
-          <a:xfrm>
-            <a:off x="3383280" y="5943600"/>
-            <a:ext cx="6309360" cy="640080"/>
-          </a:xfrm>
-          <a:prstGeom prst="rect">
-            <a:avLst/>
-          </a:prstGeom>
-          <a:noFill/>
-          <a:ln>
-            <a:noFill/>
-          </a:ln>
-        </p:spPr>
-        <p:txBody>
-          <a:bodyPr>
-            <a:normAutofit/>
-          </a:bodyPr>
-          <a:lstStyle/>
-          <a:p>
-            <a:pPr marL="228600" indent="-228240" algn="ctr">
-              <a:lnSpc>
-                <a:spcPct val="90000"/>
-              </a:lnSpc>
-              <a:spcBef>
-                <a:spcPts val="1001"/>
-              </a:spcBef>
-              <a:spcAft>
-                <a:spcPts val="601"/>
-              </a:spcAft>
-              <a:buClr>
-                <a:srgbClr val="000000"/>
-              </a:buClr>
-              <a:buFont typeface="Arial"/>
-              <a:buChar char="•"/>
-            </a:pPr>
-            <a:r>
-              <a:rPr lang="en-US" sz="1000" b="0" strike="noStrike" spc="-1">
-                <a:solidFill>
-                  <a:srgbClr val="000000"/>
-                </a:solidFill>
-                <a:latin typeface="Franklin Gothic Book"/>
-                <a:ea typeface="Calibri"/>
-              </a:rPr>
-              <a:t>Figure: Evaluation of performance metrics relative to the baseline (Persistence) Model using Test Data</a:t>
-            </a:r>
-            <a:endParaRPr lang="en-US" sz="1000" b="0" strike="noStrike" spc="-1">
-              <a:solidFill>
-                <a:srgbClr val="000000"/>
-              </a:solidFill>
-              <a:latin typeface="Calibri"/>
-            </a:endParaRPr>
-          </a:p>
-          <a:p>
-            <a:pPr>
-              <a:lnSpc>
-                <a:spcPct val="90000"/>
-              </a:lnSpc>
-              <a:spcBef>
-                <a:spcPts val="1001"/>
-              </a:spcBef>
-              <a:spcAft>
-                <a:spcPts val="601"/>
-              </a:spcAft>
-            </a:pPr>
-            <a:endParaRPr lang="en-US" sz="1000" b="0" strike="noStrike" spc="-1">
-              <a:solidFill>
-                <a:srgbClr val="000000"/>
-              </a:solidFill>
-              <a:latin typeface="Calibri"/>
-            </a:endParaRPr>
-          </a:p>
-          <a:p>
-            <a:pPr>
-              <a:lnSpc>
-                <a:spcPct val="90000"/>
-              </a:lnSpc>
-              <a:spcBef>
-                <a:spcPts val="1001"/>
-              </a:spcBef>
-              <a:spcAft>
-                <a:spcPts val="601"/>
-              </a:spcAft>
-            </a:pPr>
-            <a:endParaRPr lang="en-US" sz="1000" b="0" strike="noStrike" spc="-1">
-              <a:solidFill>
-                <a:srgbClr val="000000"/>
-              </a:solidFill>
-              <a:latin typeface="Calibri"/>
-            </a:endParaRPr>
-          </a:p>
-          <a:p>
-            <a:pPr>
-              <a:lnSpc>
-                <a:spcPct val="90000"/>
-              </a:lnSpc>
-              <a:spcBef>
-                <a:spcPts val="1001"/>
-              </a:spcBef>
-              <a:spcAft>
-                <a:spcPts val="601"/>
-              </a:spcAft>
-            </a:pPr>
-            <a:endParaRPr lang="en-US" sz="1000" b="0" strike="noStrike" spc="-1">
-              <a:solidFill>
-                <a:srgbClr val="000000"/>
-              </a:solidFill>
-              <a:latin typeface="Calibri"/>
-            </a:endParaRPr>
-          </a:p>
-          <a:p>
-            <a:pPr>
-              <a:lnSpc>
-                <a:spcPct val="90000"/>
-              </a:lnSpc>
-              <a:spcBef>
-                <a:spcPts val="1001"/>
-              </a:spcBef>
-              <a:spcAft>
-                <a:spcPts val="601"/>
-              </a:spcAft>
-            </a:pPr>
-            <a:endParaRPr lang="en-US" sz="1000" b="0" strike="noStrike" spc="-1">
-              <a:solidFill>
-                <a:srgbClr val="000000"/>
-              </a:solidFill>
-              <a:latin typeface="Calibri"/>
-            </a:endParaRPr>
-          </a:p>
-          <a:p>
-            <a:pPr>
-              <a:lnSpc>
-                <a:spcPct val="90000"/>
-              </a:lnSpc>
-              <a:spcBef>
-                <a:spcPts val="1001"/>
-              </a:spcBef>
-              <a:spcAft>
-                <a:spcPts val="601"/>
-              </a:spcAft>
-            </a:pPr>
-            <a:endParaRPr lang="en-US" sz="1000" b="0" strike="noStrike" spc="-1">
-              <a:solidFill>
-                <a:srgbClr val="000000"/>
-              </a:solidFill>
-              <a:latin typeface="Calibri"/>
-            </a:endParaRPr>
-          </a:p>
-          <a:p>
-            <a:pPr>
-              <a:lnSpc>
-                <a:spcPct val="90000"/>
-              </a:lnSpc>
-              <a:spcBef>
-                <a:spcPts val="1001"/>
-              </a:spcBef>
-              <a:spcAft>
-                <a:spcPts val="601"/>
-              </a:spcAft>
-            </a:pPr>
-            <a:endParaRPr lang="en-US" sz="1000" b="0" strike="noStrike" spc="-1">
-              <a:solidFill>
-                <a:srgbClr val="000000"/>
-              </a:solidFill>
-              <a:latin typeface="Calibri"/>
-            </a:endParaRPr>
-          </a:p>
-        </p:txBody>
-      </p:sp>
       <p:pic>
         <p:nvPicPr>
-          <p:cNvPr id="222" name="Picture 221"/>
+          <p:cNvPr id="10" name="Picture 9">
+            <a:extLst>
+              <a:ext uri="{FF2B5EF4-FFF2-40B4-BE49-F238E27FC236}">
+                <a16:creationId xmlns:a16="http://schemas.microsoft.com/office/drawing/2014/main" id="{5E449C4C-C88C-4D62-8A91-34A5D56371CF}"/>
+              </a:ext>
+            </a:extLst>
+          </p:cNvPr>
           <p:cNvPicPr/>
           <p:nvPr/>
         </p:nvPicPr>
         <p:blipFill>
-          <a:blip r:embed="rId2"/>
+          <a:blip r:embed="rId3"/>
           <a:stretch/>
         </p:blipFill>
         <p:spPr>
           <a:xfrm>
-            <a:off x="3657600" y="2950920"/>
-            <a:ext cx="5577840" cy="2936880"/>
+            <a:off x="6003382" y="3196716"/>
+            <a:ext cx="5700578" cy="3131138"/>
           </a:xfrm>
           <a:prstGeom prst="rect">
             <a:avLst/>
@@ -14259,6 +13812,199 @@
           </a:ln>
         </p:spPr>
       </p:pic>
+      <p:pic>
+        <p:nvPicPr>
+          <p:cNvPr id="11" name="Picture 10">
+            <a:extLst>
+              <a:ext uri="{FF2B5EF4-FFF2-40B4-BE49-F238E27FC236}">
+                <a16:creationId xmlns:a16="http://schemas.microsoft.com/office/drawing/2014/main" id="{DB0F80D8-1490-4593-9E03-512A6FEE6DEC}"/>
+              </a:ext>
+            </a:extLst>
+          </p:cNvPr>
+          <p:cNvPicPr/>
+          <p:nvPr/>
+        </p:nvPicPr>
+        <p:blipFill>
+          <a:blip r:embed="rId4"/>
+          <a:stretch/>
+        </p:blipFill>
+        <p:spPr>
+          <a:xfrm>
+            <a:off x="610778" y="3225381"/>
+            <a:ext cx="5358755" cy="3131139"/>
+          </a:xfrm>
+          <a:prstGeom prst="rect">
+            <a:avLst/>
+          </a:prstGeom>
+          <a:ln>
+            <a:noFill/>
+          </a:ln>
+        </p:spPr>
+      </p:pic>
+      <p:sp>
+        <p:nvSpPr>
+          <p:cNvPr id="12" name="TextBox 11">
+            <a:extLst>
+              <a:ext uri="{FF2B5EF4-FFF2-40B4-BE49-F238E27FC236}">
+                <a16:creationId xmlns:a16="http://schemas.microsoft.com/office/drawing/2014/main" id="{45A17856-250D-462F-A8C0-ED10135C3DA3}"/>
+              </a:ext>
+            </a:extLst>
+          </p:cNvPr>
+          <p:cNvSpPr txBox="1"/>
+          <p:nvPr/>
+        </p:nvSpPr>
+        <p:spPr>
+          <a:xfrm>
+            <a:off x="1675616" y="3050869"/>
+            <a:ext cx="3971107" cy="276999"/>
+          </a:xfrm>
+          <a:prstGeom prst="rect">
+            <a:avLst/>
+          </a:prstGeom>
+          <a:noFill/>
+        </p:spPr>
+        <p:txBody>
+          <a:bodyPr wrap="square" rtlCol="0">
+            <a:spAutoFit/>
+          </a:bodyPr>
+          <a:lstStyle/>
+          <a:p>
+            <a:r>
+              <a:rPr lang="en-US" sz="1200" b="1" dirty="0"/>
+              <a:t>Before Adding Additional Predictor Variables</a:t>
+            </a:r>
+          </a:p>
+        </p:txBody>
+      </p:sp>
+      <p:sp>
+        <p:nvSpPr>
+          <p:cNvPr id="13" name="Rectangle 12">
+            <a:extLst>
+              <a:ext uri="{FF2B5EF4-FFF2-40B4-BE49-F238E27FC236}">
+                <a16:creationId xmlns:a16="http://schemas.microsoft.com/office/drawing/2014/main" id="{0D06ED26-EEEA-44F8-939A-2F05B70C868F}"/>
+              </a:ext>
+            </a:extLst>
+          </p:cNvPr>
+          <p:cNvSpPr/>
+          <p:nvPr/>
+        </p:nvSpPr>
+        <p:spPr>
+          <a:xfrm>
+            <a:off x="2872144" y="3757969"/>
+            <a:ext cx="485010" cy="2405578"/>
+          </a:xfrm>
+          <a:prstGeom prst="rect">
+            <a:avLst/>
+          </a:prstGeom>
+          <a:noFill/>
+        </p:spPr>
+        <p:style>
+          <a:lnRef idx="2">
+            <a:schemeClr val="accent1">
+              <a:shade val="50000"/>
+            </a:schemeClr>
+          </a:lnRef>
+          <a:fillRef idx="1">
+            <a:schemeClr val="accent1"/>
+          </a:fillRef>
+          <a:effectRef idx="0">
+            <a:schemeClr val="accent1"/>
+          </a:effectRef>
+          <a:fontRef idx="minor">
+            <a:schemeClr val="lt1"/>
+          </a:fontRef>
+        </p:style>
+        <p:txBody>
+          <a:bodyPr rtlCol="0" anchor="ctr"/>
+          <a:lstStyle/>
+          <a:p>
+            <a:pPr algn="ctr"/>
+            <a:endParaRPr lang="en-US"/>
+          </a:p>
+        </p:txBody>
+      </p:sp>
+      <p:sp>
+        <p:nvSpPr>
+          <p:cNvPr id="14" name="Rectangle 13">
+            <a:extLst>
+              <a:ext uri="{FF2B5EF4-FFF2-40B4-BE49-F238E27FC236}">
+                <a16:creationId xmlns:a16="http://schemas.microsoft.com/office/drawing/2014/main" id="{E291354E-F3FE-4B81-AD84-3CA93A788CEF}"/>
+              </a:ext>
+            </a:extLst>
+          </p:cNvPr>
+          <p:cNvSpPr/>
+          <p:nvPr/>
+        </p:nvSpPr>
+        <p:spPr>
+          <a:xfrm>
+            <a:off x="8484819" y="3714875"/>
+            <a:ext cx="485010" cy="2405578"/>
+          </a:xfrm>
+          <a:prstGeom prst="rect">
+            <a:avLst/>
+          </a:prstGeom>
+          <a:noFill/>
+        </p:spPr>
+        <p:style>
+          <a:lnRef idx="2">
+            <a:schemeClr val="accent1">
+              <a:shade val="50000"/>
+            </a:schemeClr>
+          </a:lnRef>
+          <a:fillRef idx="1">
+            <a:schemeClr val="accent1"/>
+          </a:fillRef>
+          <a:effectRef idx="0">
+            <a:schemeClr val="accent1"/>
+          </a:effectRef>
+          <a:fontRef idx="minor">
+            <a:schemeClr val="lt1"/>
+          </a:fontRef>
+        </p:style>
+        <p:txBody>
+          <a:bodyPr rtlCol="0" anchor="ctr"/>
+          <a:lstStyle/>
+          <a:p>
+            <a:pPr algn="ctr"/>
+            <a:endParaRPr lang="en-US"/>
+          </a:p>
+        </p:txBody>
+      </p:sp>
+      <p:sp>
+        <p:nvSpPr>
+          <p:cNvPr id="15" name="TextBox 14">
+            <a:extLst>
+              <a:ext uri="{FF2B5EF4-FFF2-40B4-BE49-F238E27FC236}">
+                <a16:creationId xmlns:a16="http://schemas.microsoft.com/office/drawing/2014/main" id="{FCC53A0D-21E8-4024-84E6-56E87623C444}"/>
+              </a:ext>
+            </a:extLst>
+          </p:cNvPr>
+          <p:cNvSpPr txBox="1"/>
+          <p:nvPr/>
+        </p:nvSpPr>
+        <p:spPr>
+          <a:xfrm>
+            <a:off x="7721446" y="3040297"/>
+            <a:ext cx="3345777" cy="276999"/>
+          </a:xfrm>
+          <a:prstGeom prst="rect">
+            <a:avLst/>
+          </a:prstGeom>
+          <a:noFill/>
+        </p:spPr>
+        <p:txBody>
+          <a:bodyPr wrap="square" rtlCol="0">
+            <a:spAutoFit/>
+          </a:bodyPr>
+          <a:lstStyle/>
+          <a:p>
+            <a:r>
+              <a:rPr lang="en-US" sz="1200" b="1" dirty="0"/>
+              <a:t>After Adding Predictor Variables</a:t>
+            </a:r>
+          </a:p>
+        </p:txBody>
+      </p:sp>
     </p:spTree>
   </p:cSld>
   <p:clrMapOvr>
@@ -14727,7 +14473,7 @@
           <p:nvPr/>
         </p:nvPicPr>
         <p:blipFill>
-          <a:blip r:embed="rId2"/>
+          <a:blip r:embed="rId3"/>
           <a:stretch/>
         </p:blipFill>
         <p:spPr>
@@ -14750,7 +14496,7 @@
           <p:nvPr/>
         </p:nvPicPr>
         <p:blipFill>
-          <a:blip r:embed="rId3"/>
+          <a:blip r:embed="rId4"/>
           <a:stretch/>
         </p:blipFill>
         <p:spPr>
@@ -14773,7 +14519,7 @@
           <p:nvPr/>
         </p:nvPicPr>
         <p:blipFill>
-          <a:blip r:embed="rId4"/>
+          <a:blip r:embed="rId5"/>
           <a:stretch/>
         </p:blipFill>
         <p:spPr>
@@ -14992,7 +14738,7 @@
           <p:nvPr/>
         </p:nvPicPr>
         <p:blipFill>
-          <a:blip r:embed="rId2"/>
+          <a:blip r:embed="rId3"/>
           <a:stretch/>
         </p:blipFill>
         <p:spPr>
@@ -15015,7 +14761,7 @@
           <p:nvPr/>
         </p:nvPicPr>
         <p:blipFill>
-          <a:blip r:embed="rId3"/>
+          <a:blip r:embed="rId4"/>
           <a:stretch/>
         </p:blipFill>
         <p:spPr>
@@ -15087,15 +14833,33 @@
               </a:lnSpc>
             </a:pPr>
             <a:r>
-              <a:rPr lang="en-US" sz="2400" b="1" strike="noStrike" spc="-1">
+              <a:rPr lang="en-US" sz="2400" b="1" strike="noStrike" spc="-1" dirty="0">
                 <a:solidFill>
                   <a:srgbClr val="000000"/>
                 </a:solidFill>
                 <a:latin typeface="Franklin Gothic Medium"/>
               </a:rPr>
-              <a:t>Model Predictions – Gradient Boosting Regression Model</a:t>
-            </a:r>
-            <a:endParaRPr lang="en-US" sz="2400" b="0" strike="noStrike" spc="-1">
+              <a:t>Model Predictions – </a:t>
+            </a:r>
+            <a:r>
+              <a:rPr lang="en-US" sz="2400" b="1" spc="-1" dirty="0">
+                <a:solidFill>
+                  <a:srgbClr val="000000"/>
+                </a:solidFill>
+                <a:latin typeface="Franklin Gothic Medium"/>
+              </a:rPr>
+              <a:t>Deep Learning </a:t>
+            </a:r>
+            <a:r>
+              <a:rPr lang="en-US" sz="2400" b="1" strike="noStrike" spc="-1" dirty="0">
+                <a:solidFill>
+                  <a:srgbClr val="000000"/>
+                </a:solidFill>
+                <a:latin typeface="Franklin Gothic Medium"/>
+              </a:rPr>
+              <a:t>Models</a:t>
+            </a:r>
+            <a:endParaRPr lang="en-US" sz="2400" b="0" strike="noStrike" spc="-1" dirty="0">
               <a:solidFill>
                 <a:srgbClr val="000000"/>
               </a:solidFill>
@@ -15369,7 +15133,7 @@
       </p:grpSpPr>
       <p:sp>
         <p:nvSpPr>
-          <p:cNvPr id="252" name="TextShape 1"/>
+          <p:cNvPr id="257" name="TextShape 1"/>
           <p:cNvSpPr txBox="1"/>
           <p:nvPr/>
         </p:nvSpPr>
@@ -15398,26 +15162,26 @@
               </a:lnSpc>
             </a:pPr>
             <a:r>
-              <a:rPr lang="en-US" sz="2400" b="1" strike="noStrike" spc="-1">
+              <a:rPr lang="en-US" sz="2400" b="1" spc="-1" dirty="0">
                 <a:solidFill>
                   <a:srgbClr val="000000"/>
                 </a:solidFill>
                 <a:latin typeface="Franklin Gothic Medium"/>
               </a:rPr>
-              <a:t>Conclusion</a:t>
-            </a:r>
-            <a:endParaRPr lang="en-US" sz="2400" b="0" strike="noStrike" spc="-1">
-              <a:solidFill>
-                <a:srgbClr val="000000"/>
-              </a:solidFill>
-              <a:latin typeface="Calibri"/>
-            </a:endParaRPr>
-          </a:p>
-        </p:txBody>
-      </p:sp>
-      <p:sp>
-        <p:nvSpPr>
-          <p:cNvPr id="253" name="TextShape 2"/>
+              <a:t>Conclusion &amp; Next Steps</a:t>
+            </a:r>
+            <a:endParaRPr lang="en-US" sz="2400" b="0" strike="noStrike" spc="-1" dirty="0">
+              <a:solidFill>
+                <a:srgbClr val="000000"/>
+              </a:solidFill>
+              <a:latin typeface="Calibri"/>
+            </a:endParaRPr>
+          </a:p>
+        </p:txBody>
+      </p:sp>
+      <p:sp>
+        <p:nvSpPr>
+          <p:cNvPr id="258" name="TextShape 2"/>
           <p:cNvSpPr txBox="1"/>
           <p:nvPr/>
         </p:nvSpPr>
@@ -15462,7 +15226,7 @@
       </p:sp>
       <p:sp>
         <p:nvSpPr>
-          <p:cNvPr id="254" name="Line 3"/>
+          <p:cNvPr id="259" name="Line 3"/>
           <p:cNvSpPr/>
           <p:nvPr/>
         </p:nvSpPr>
@@ -15495,7 +15259,7 @@
       </p:sp>
       <p:sp>
         <p:nvSpPr>
-          <p:cNvPr id="255" name="TextShape 4"/>
+          <p:cNvPr id="260" name="TextShape 4"/>
           <p:cNvSpPr txBox="1"/>
           <p:nvPr/>
         </p:nvSpPr>
@@ -15523,7 +15287,7 @@
                 <a:spcPct val="100000"/>
               </a:lnSpc>
             </a:pPr>
-            <a:fld id="{7C26B808-1983-4C1C-933C-645D7F96D4E5}" type="slidenum">
+            <a:fld id="{5214B17C-2D85-4608-AD78-1C03C74E2F9C}" type="slidenum">
               <a:rPr lang="en-US" sz="1200" b="0" strike="noStrike" spc="-1">
                 <a:solidFill>
                   <a:srgbClr val="8B8B8B"/>
@@ -15540,14 +15304,14 @@
       </p:sp>
       <p:sp>
         <p:nvSpPr>
-          <p:cNvPr id="256" name="CustomShape 5"/>
+          <p:cNvPr id="261" name="CustomShape 5"/>
           <p:cNvSpPr/>
           <p:nvPr/>
         </p:nvSpPr>
         <p:spPr>
           <a:xfrm>
             <a:off x="681120" y="1080000"/>
-            <a:ext cx="10515240" cy="4333066"/>
+            <a:ext cx="10515240" cy="6770656"/>
           </a:xfrm>
           <a:prstGeom prst="rect">
             <a:avLst/>
@@ -15586,18 +15350,14 @@
               <a:buChar char=""/>
             </a:pPr>
             <a:r>
-              <a:rPr lang="en-US" sz="1800" b="0" strike="noStrike" spc="-1" dirty="0">
+              <a:rPr lang="en-US" spc="-1" dirty="0">
                 <a:solidFill>
                   <a:srgbClr val="000000"/>
                 </a:solidFill>
                 <a:latin typeface="Franklin Gothic Book"/>
-                <a:ea typeface="Calibri"/>
-              </a:rPr>
-              <a:t>Time series decomposition of the training data shows that there could be an underlying seasonal factor in the data. We accounted for this by splitting the date variable into day-of-month and day-of-week.</a:t>
-            </a:r>
-            <a:endParaRPr lang="en-US" sz="1800" b="0" strike="noStrike" spc="-1" dirty="0">
-              <a:latin typeface="Arial"/>
-            </a:endParaRPr>
+              </a:rPr>
+              <a:t>Covid-19 data collection with respect to waste-water-management is very limited. To improve the predictive capability of the models we developed, we would like to add proxy variables to the models such as social media data analysis and clinical data.</a:t>
+            </a:r>
           </a:p>
           <a:p>
             <a:pPr marL="285840" indent="-285480" algn="just">
@@ -15610,8 +15370,11 @@
               <a:buFont typeface="Wingdings" charset="2"/>
               <a:buChar char=""/>
             </a:pPr>
-            <a:endParaRPr lang="en-US" sz="1800" b="0" strike="noStrike" spc="-1" dirty="0">
-              <a:latin typeface="Arial"/>
+            <a:endParaRPr lang="en-US" spc="-1" dirty="0">
+              <a:solidFill>
+                <a:srgbClr val="000000"/>
+              </a:solidFill>
+              <a:latin typeface="Franklin Gothic Book"/>
             </a:endParaRPr>
           </a:p>
           <a:p>
@@ -15626,23 +15389,13 @@
               <a:buChar char=""/>
             </a:pPr>
             <a:r>
-              <a:rPr lang="en-US" sz="1800" b="0" strike="noStrike" spc="-1" dirty="0">
+              <a:rPr lang="en-US" spc="-1" dirty="0">
                 <a:solidFill>
                   <a:srgbClr val="000000"/>
                 </a:solidFill>
                 <a:latin typeface="Franklin Gothic Book"/>
-                <a:ea typeface="Calibri"/>
-              </a:rPr>
-              <a:t>Adding the </a:t>
-            </a:r>
-            <a:r>
-              <a:rPr lang="en-US" spc="-1" dirty="0">
-                <a:solidFill>
-                  <a:srgbClr val="000000"/>
-                </a:solidFill>
-                <a:latin typeface="Franklin Gothic Book"/>
-              </a:rPr>
-              <a:t>output of the persistence model as an input variable has improved the predictive capabilities of all models. Auto regressive models may still end up being more powerful than using proxy predictor variables for this particular problem.</a:t>
+              </a:rPr>
+              <a:t>Use deconvolution method to utilize number of deaths and extrapolate the number of cases in each county. This might help reduce noise in the dataset. </a:t>
             </a:r>
           </a:p>
           <a:p>
@@ -15655,6 +15408,107 @@
               </a:buClr>
               <a:buFont typeface="Wingdings" charset="2"/>
               <a:buChar char=""/>
+            </a:pPr>
+            <a:endParaRPr lang="en-US" spc="-1" dirty="0">
+              <a:solidFill>
+                <a:srgbClr val="000000"/>
+              </a:solidFill>
+              <a:latin typeface="Franklin Gothic Book"/>
+            </a:endParaRPr>
+          </a:p>
+          <a:p>
+            <a:pPr marL="285840" indent="-285480" algn="just">
+              <a:lnSpc>
+                <a:spcPct val="110000"/>
+              </a:lnSpc>
+              <a:buClr>
+                <a:srgbClr val="000000"/>
+              </a:buClr>
+              <a:buFont typeface="Wingdings" charset="2"/>
+              <a:buChar char=""/>
+            </a:pPr>
+            <a:r>
+              <a:rPr lang="en-US" spc="-1" dirty="0">
+                <a:solidFill>
+                  <a:srgbClr val="000000"/>
+                </a:solidFill>
+                <a:latin typeface="Franklin Gothic Book"/>
+                <a:ea typeface="Calibri"/>
+              </a:rPr>
+              <a:t>Time series decomposition of the training data shows that there could be an underlying seasonal factor in the data. We accounted for this by splitting the date variable into day-of-month and day-of-week.</a:t>
+            </a:r>
+            <a:endParaRPr lang="en-US" spc="-1" dirty="0"/>
+          </a:p>
+          <a:p>
+            <a:pPr marL="285840" indent="-285480" algn="just">
+              <a:lnSpc>
+                <a:spcPct val="110000"/>
+              </a:lnSpc>
+              <a:buClr>
+                <a:srgbClr val="000000"/>
+              </a:buClr>
+              <a:buFont typeface="Wingdings" charset="2"/>
+              <a:buChar char=""/>
+            </a:pPr>
+            <a:endParaRPr lang="en-US" spc="-1" dirty="0"/>
+          </a:p>
+          <a:p>
+            <a:pPr marL="285840" indent="-285480" algn="just">
+              <a:lnSpc>
+                <a:spcPct val="110000"/>
+              </a:lnSpc>
+              <a:buClr>
+                <a:srgbClr val="000000"/>
+              </a:buClr>
+              <a:buFont typeface="Wingdings" charset="2"/>
+              <a:buChar char=""/>
+            </a:pPr>
+            <a:r>
+              <a:rPr lang="en-US" spc="-1" dirty="0">
+                <a:solidFill>
+                  <a:srgbClr val="000000"/>
+                </a:solidFill>
+                <a:latin typeface="Franklin Gothic Book"/>
+                <a:ea typeface="Calibri"/>
+              </a:rPr>
+              <a:t>Adding the </a:t>
+            </a:r>
+            <a:r>
+              <a:rPr lang="en-US" spc="-1" dirty="0">
+                <a:solidFill>
+                  <a:srgbClr val="000000"/>
+                </a:solidFill>
+                <a:latin typeface="Franklin Gothic Book"/>
+              </a:rPr>
+              <a:t>output of the persistence model as an input variable has improved the predictive capabilities of all models. Auto regressive models may still end up being more powerful than using proxy predictor variables for this particular problem.</a:t>
+            </a:r>
+          </a:p>
+          <a:p>
+            <a:pPr marL="285840" indent="-285480" algn="just">
+              <a:lnSpc>
+                <a:spcPct val="110000"/>
+              </a:lnSpc>
+              <a:buClr>
+                <a:srgbClr val="000000"/>
+              </a:buClr>
+              <a:buFont typeface="Wingdings" charset="2"/>
+              <a:buChar char=""/>
+            </a:pPr>
+            <a:endParaRPr lang="en-US" spc="-1" dirty="0">
+              <a:solidFill>
+                <a:srgbClr val="000000"/>
+              </a:solidFill>
+              <a:latin typeface="Franklin Gothic Book"/>
+            </a:endParaRPr>
+          </a:p>
+          <a:p>
+            <a:pPr marL="360" algn="just">
+              <a:lnSpc>
+                <a:spcPct val="110000"/>
+              </a:lnSpc>
+              <a:buClr>
+                <a:srgbClr val="000000"/>
+              </a:buClr>
             </a:pPr>
             <a:endParaRPr lang="en-US" sz="1800" b="0" strike="noStrike" spc="-1" dirty="0">
               <a:latin typeface="Arial"/>
@@ -15788,7 +15642,7 @@
         </p:spPr>
         <p:txBody>
           <a:bodyPr anchor="ctr">
-            <a:normAutofit fontScale="84500" lnSpcReduction="10000"/>
+            <a:normAutofit fontScale="92000" lnSpcReduction="10000"/>
           </a:bodyPr>
           <a:lstStyle/>
           <a:p>
@@ -16386,13 +16240,13 @@
       </p:grpSpPr>
       <p:sp>
         <p:nvSpPr>
-          <p:cNvPr id="257" name="TextShape 1"/>
+          <p:cNvPr id="262" name="TextShape 1"/>
           <p:cNvSpPr txBox="1"/>
           <p:nvPr/>
         </p:nvSpPr>
         <p:spPr>
           <a:xfrm>
-            <a:off x="838080" y="257040"/>
+            <a:off x="838080" y="189360"/>
             <a:ext cx="10515240" cy="454680"/>
           </a:xfrm>
           <a:prstGeom prst="rect">
@@ -16415,33 +16269,33 @@
               </a:lnSpc>
             </a:pPr>
             <a:r>
-              <a:rPr lang="en-US" sz="2400" b="1" spc="-1" dirty="0">
+              <a:rPr lang="en-US" sz="2400" b="1" strike="noStrike" spc="-1">
                 <a:solidFill>
                   <a:srgbClr val="000000"/>
                 </a:solidFill>
                 <a:latin typeface="Franklin Gothic Medium"/>
               </a:rPr>
-              <a:t>Next Steps</a:t>
-            </a:r>
-            <a:endParaRPr lang="en-US" sz="2400" b="0" strike="noStrike" spc="-1" dirty="0">
-              <a:solidFill>
-                <a:srgbClr val="000000"/>
-              </a:solidFill>
-              <a:latin typeface="Calibri"/>
-            </a:endParaRPr>
-          </a:p>
-        </p:txBody>
-      </p:sp>
-      <p:sp>
-        <p:nvSpPr>
-          <p:cNvPr id="258" name="TextShape 2"/>
+              <a:t>Acknowledgments</a:t>
+            </a:r>
+            <a:endParaRPr lang="en-US" sz="2400" b="0" strike="noStrike" spc="-1">
+              <a:solidFill>
+                <a:srgbClr val="000000"/>
+              </a:solidFill>
+              <a:latin typeface="Calibri"/>
+            </a:endParaRPr>
+          </a:p>
+        </p:txBody>
+      </p:sp>
+      <p:sp>
+        <p:nvSpPr>
+          <p:cNvPr id="263" name="TextShape 2"/>
           <p:cNvSpPr txBox="1"/>
           <p:nvPr/>
         </p:nvSpPr>
         <p:spPr>
           <a:xfrm>
-            <a:off x="2314080" y="6356520"/>
-            <a:ext cx="7249680" cy="364680"/>
+            <a:off x="838080" y="852480"/>
+            <a:ext cx="10515240" cy="5503320"/>
           </a:xfrm>
           <a:prstGeom prst="rect">
             <a:avLst/>
@@ -16452,6 +16306,240 @@
           </a:ln>
         </p:spPr>
         <p:txBody>
+          <a:bodyPr>
+            <a:normAutofit/>
+          </a:bodyPr>
+          <a:lstStyle/>
+          <a:p>
+            <a:pPr marL="360">
+              <a:lnSpc>
+                <a:spcPct val="110000"/>
+              </a:lnSpc>
+              <a:buClr>
+                <a:srgbClr val="000000"/>
+              </a:buClr>
+            </a:pPr>
+            <a:r>
+              <a:rPr lang="en-US" spc="-1" dirty="0">
+                <a:solidFill>
+                  <a:srgbClr val="000000"/>
+                </a:solidFill>
+                <a:latin typeface="Franklin Gothic Book"/>
+              </a:rPr>
+              <a:t>We acknowledge and thank the contributions of the following people for their help and guidance with this project.</a:t>
+            </a:r>
+          </a:p>
+          <a:p>
+            <a:pPr marL="360">
+              <a:lnSpc>
+                <a:spcPct val="110000"/>
+              </a:lnSpc>
+              <a:buClr>
+                <a:srgbClr val="000000"/>
+              </a:buClr>
+            </a:pPr>
+            <a:r>
+              <a:rPr lang="en-US" spc="-1" dirty="0">
+                <a:solidFill>
+                  <a:srgbClr val="000000"/>
+                </a:solidFill>
+                <a:latin typeface="Franklin Gothic Book"/>
+              </a:rPr>
+              <a:t> </a:t>
+            </a:r>
+          </a:p>
+          <a:p>
+            <a:pPr marL="685800" lvl="1" indent="-228240">
+              <a:lnSpc>
+                <a:spcPct val="90000"/>
+              </a:lnSpc>
+              <a:spcBef>
+                <a:spcPts val="499"/>
+              </a:spcBef>
+              <a:spcAft>
+                <a:spcPts val="601"/>
+              </a:spcAft>
+              <a:buClr>
+                <a:srgbClr val="000000"/>
+              </a:buClr>
+              <a:buFont typeface="Arial"/>
+              <a:buChar char="•"/>
+            </a:pPr>
+            <a:r>
+              <a:rPr lang="en-US" spc="-1" dirty="0">
+                <a:solidFill>
+                  <a:srgbClr val="000000"/>
+                </a:solidFill>
+                <a:latin typeface="Franklin Gothic Book"/>
+              </a:rPr>
+              <a:t>Mentor: Dr. Mauricio </a:t>
+            </a:r>
+            <a:r>
+              <a:rPr lang="en-US" spc="-1" dirty="0" err="1">
+                <a:solidFill>
+                  <a:srgbClr val="000000"/>
+                </a:solidFill>
+                <a:latin typeface="Franklin Gothic Book"/>
+              </a:rPr>
+              <a:t>Santillana</a:t>
+            </a:r>
+            <a:r>
+              <a:rPr lang="en-US" spc="-1" dirty="0">
+                <a:solidFill>
+                  <a:srgbClr val="000000"/>
+                </a:solidFill>
+                <a:latin typeface="Franklin Gothic Book"/>
+              </a:rPr>
+              <a:t> </a:t>
+            </a:r>
+          </a:p>
+          <a:p>
+            <a:pPr marL="685800" lvl="1" indent="-228240">
+              <a:lnSpc>
+                <a:spcPct val="90000"/>
+              </a:lnSpc>
+              <a:spcBef>
+                <a:spcPts val="499"/>
+              </a:spcBef>
+              <a:spcAft>
+                <a:spcPts val="601"/>
+              </a:spcAft>
+              <a:buClr>
+                <a:srgbClr val="000000"/>
+              </a:buClr>
+              <a:buFont typeface="Arial"/>
+              <a:buChar char="•"/>
+            </a:pPr>
+            <a:r>
+              <a:rPr lang="en-US" spc="-1" dirty="0">
+                <a:solidFill>
+                  <a:srgbClr val="000000"/>
+                </a:solidFill>
+                <a:latin typeface="Franklin Gothic Book"/>
+              </a:rPr>
+              <a:t>CS109b Teaching Staff - </a:t>
+            </a:r>
+            <a:r>
+              <a:rPr lang="en-US" spc="-1" dirty="0" err="1">
+                <a:solidFill>
+                  <a:srgbClr val="000000"/>
+                </a:solidFill>
+                <a:latin typeface="Franklin Gothic Book"/>
+              </a:rPr>
+              <a:t>Pavlos</a:t>
+            </a:r>
+            <a:r>
+              <a:rPr lang="en-US" spc="-1" dirty="0">
+                <a:solidFill>
+                  <a:srgbClr val="000000"/>
+                </a:solidFill>
+                <a:latin typeface="Franklin Gothic Book"/>
+              </a:rPr>
+              <a:t> </a:t>
+            </a:r>
+            <a:r>
+              <a:rPr lang="en-US" spc="-1" dirty="0" err="1">
+                <a:solidFill>
+                  <a:srgbClr val="000000"/>
+                </a:solidFill>
+                <a:latin typeface="Franklin Gothic Book"/>
+              </a:rPr>
+              <a:t>Protopapas</a:t>
+            </a:r>
+            <a:r>
+              <a:rPr lang="en-US" spc="-1" dirty="0">
+                <a:solidFill>
+                  <a:srgbClr val="000000"/>
+                </a:solidFill>
+                <a:latin typeface="Franklin Gothic Book"/>
+              </a:rPr>
+              <a:t>, Mark Glickman, Chris Tanner </a:t>
+            </a:r>
+          </a:p>
+          <a:p>
+            <a:pPr marL="685800" lvl="1" indent="-228240">
+              <a:lnSpc>
+                <a:spcPct val="90000"/>
+              </a:lnSpc>
+              <a:spcBef>
+                <a:spcPts val="499"/>
+              </a:spcBef>
+              <a:spcAft>
+                <a:spcPts val="601"/>
+              </a:spcAft>
+              <a:buClr>
+                <a:srgbClr val="000000"/>
+              </a:buClr>
+              <a:buFont typeface="Arial"/>
+              <a:buChar char="•"/>
+            </a:pPr>
+            <a:r>
+              <a:rPr lang="en-US" spc="-1" dirty="0">
+                <a:solidFill>
+                  <a:srgbClr val="000000"/>
+                </a:solidFill>
+                <a:latin typeface="Franklin Gothic Book"/>
+              </a:rPr>
+              <a:t>Teaching Fellows and Teaching Assistants</a:t>
+            </a:r>
+          </a:p>
+          <a:p>
+            <a:pPr marL="685800" lvl="1" indent="-228240">
+              <a:lnSpc>
+                <a:spcPct val="90000"/>
+              </a:lnSpc>
+              <a:spcBef>
+                <a:spcPts val="499"/>
+              </a:spcBef>
+              <a:spcAft>
+                <a:spcPts val="601"/>
+              </a:spcAft>
+              <a:buClr>
+                <a:srgbClr val="000000"/>
+              </a:buClr>
+              <a:buFont typeface="Arial"/>
+              <a:buChar char="•"/>
+            </a:pPr>
+            <a:r>
+              <a:rPr lang="en-US" spc="-1" dirty="0">
+                <a:solidFill>
+                  <a:srgbClr val="000000"/>
+                </a:solidFill>
+                <a:latin typeface="Franklin Gothic Book"/>
+              </a:rPr>
+              <a:t>Fellow Students of CS109b (Spring’ 2021)</a:t>
+            </a:r>
+          </a:p>
+          <a:p>
+            <a:endParaRPr lang="en-US" sz="1800" b="0" strike="noStrike" spc="-1" dirty="0">
+              <a:solidFill>
+                <a:srgbClr val="000000"/>
+              </a:solidFill>
+              <a:latin typeface="Calibri"/>
+            </a:endParaRPr>
+          </a:p>
+        </p:txBody>
+      </p:sp>
+      <p:sp>
+        <p:nvSpPr>
+          <p:cNvPr id="264" name="TextShape 3"/>
+          <p:cNvSpPr txBox="1"/>
+          <p:nvPr/>
+        </p:nvSpPr>
+        <p:spPr>
+          <a:xfrm>
+            <a:off x="2314080" y="6356520"/>
+            <a:ext cx="7249680" cy="364680"/>
+          </a:xfrm>
+          <a:prstGeom prst="rect">
+            <a:avLst/>
+          </a:prstGeom>
+          <a:noFill/>
+          <a:ln>
+            <a:noFill/>
+          </a:ln>
+        </p:spPr>
+        <p:txBody>
           <a:bodyPr anchor="ctr">
             <a:noAutofit/>
           </a:bodyPr>
@@ -16479,7 +16567,7 @@
       </p:sp>
       <p:sp>
         <p:nvSpPr>
-          <p:cNvPr id="259" name="Line 3"/>
+          <p:cNvPr id="265" name="Line 4"/>
           <p:cNvSpPr/>
           <p:nvPr/>
         </p:nvSpPr>
@@ -16512,7 +16600,7 @@
       </p:sp>
       <p:sp>
         <p:nvSpPr>
-          <p:cNvPr id="260" name="TextShape 4"/>
+          <p:cNvPr id="266" name="TextShape 5"/>
           <p:cNvSpPr txBox="1"/>
           <p:nvPr/>
         </p:nvSpPr>
@@ -16540,7 +16628,7 @@
                 <a:spcPct val="100000"/>
               </a:lnSpc>
             </a:pPr>
-            <a:fld id="{5214B17C-2D85-4608-AD78-1C03C74E2F9C}" type="slidenum">
+            <a:fld id="{83CD4BAD-839F-4D50-80AF-9751C1994C40}" type="slidenum">
               <a:rPr lang="en-US" sz="1200" b="0" strike="noStrike" spc="-1">
                 <a:solidFill>
                   <a:srgbClr val="8B8B8B"/>
@@ -16557,14 +16645,14 @@
       </p:sp>
       <p:sp>
         <p:nvSpPr>
-          <p:cNvPr id="261" name="CustomShape 5"/>
-          <p:cNvSpPr/>
+          <p:cNvPr id="267" name="TextShape 6"/>
+          <p:cNvSpPr txBox="1"/>
           <p:nvPr/>
         </p:nvSpPr>
         <p:spPr>
           <a:xfrm>
-            <a:off x="681120" y="1080000"/>
-            <a:ext cx="10515240" cy="4333066"/>
+            <a:off x="838080" y="3657600"/>
+            <a:ext cx="10515240" cy="1020240"/>
           </a:xfrm>
           <a:prstGeom prst="rect">
             <a:avLst/>
@@ -16574,174 +16662,31 @@
             <a:noFill/>
           </a:ln>
         </p:spPr>
-        <p:style>
-          <a:lnRef idx="0">
-            <a:scrgbClr r="0" g="0" b="0"/>
-          </a:lnRef>
-          <a:fillRef idx="0">
-            <a:scrgbClr r="0" g="0" b="0"/>
-          </a:fillRef>
-          <a:effectRef idx="0">
-            <a:scrgbClr r="0" g="0" b="0"/>
-          </a:effectRef>
-          <a:fontRef idx="minor"/>
-        </p:style>
-        <p:txBody>
-          <a:bodyPr lIns="90000" tIns="45000" rIns="90000" bIns="45000">
-            <a:spAutoFit/>
-          </a:bodyPr>
-          <a:lstStyle/>
-          <a:p>
-            <a:pPr marL="285840" indent="-285480" algn="just">
-              <a:lnSpc>
-                <a:spcPct val="110000"/>
-              </a:lnSpc>
-              <a:buClr>
-                <a:srgbClr val="000000"/>
-              </a:buClr>
-              <a:buFont typeface="Wingdings" charset="2"/>
-              <a:buChar char=""/>
-            </a:pPr>
-            <a:r>
-              <a:rPr lang="en-US" spc="-1" dirty="0">
-                <a:solidFill>
-                  <a:srgbClr val="000000"/>
-                </a:solidFill>
-                <a:latin typeface="Franklin Gothic Book"/>
-              </a:rPr>
-              <a:t>Covid-19 data collection with respect to waste-water-management is very limited. To improve the predictive capability of the models we developed, we would like to add proxy variables to the models such as social media data analysis and clinical data.</a:t>
-            </a:r>
-          </a:p>
-          <a:p>
-            <a:pPr marL="285840" indent="-285480" algn="just">
-              <a:lnSpc>
-                <a:spcPct val="110000"/>
-              </a:lnSpc>
-              <a:buClr>
-                <a:srgbClr val="000000"/>
-              </a:buClr>
-              <a:buFont typeface="Wingdings" charset="2"/>
-              <a:buChar char=""/>
-            </a:pPr>
-            <a:endParaRPr lang="en-US" spc="-1" dirty="0">
-              <a:solidFill>
-                <a:srgbClr val="000000"/>
-              </a:solidFill>
-              <a:latin typeface="Franklin Gothic Book"/>
-            </a:endParaRPr>
-          </a:p>
-          <a:p>
-            <a:pPr marL="285840" indent="-285480" algn="just">
-              <a:lnSpc>
-                <a:spcPct val="110000"/>
-              </a:lnSpc>
-              <a:buClr>
-                <a:srgbClr val="000000"/>
-              </a:buClr>
-              <a:buFont typeface="Wingdings" charset="2"/>
-              <a:buChar char=""/>
-            </a:pPr>
-            <a:r>
-              <a:rPr lang="en-US" spc="-1" dirty="0">
-                <a:solidFill>
-                  <a:srgbClr val="000000"/>
-                </a:solidFill>
-                <a:latin typeface="Franklin Gothic Book"/>
-              </a:rPr>
-              <a:t>Use deconvolution method to utilize number of deaths and extrapolate the number of cases in each county. This might help reduce noise in the dataset. </a:t>
-            </a:r>
-          </a:p>
-          <a:p>
-            <a:pPr marL="360" algn="just">
-              <a:lnSpc>
-                <a:spcPct val="110000"/>
-              </a:lnSpc>
-              <a:buClr>
-                <a:srgbClr val="000000"/>
-              </a:buClr>
-            </a:pPr>
-            <a:endParaRPr lang="en-US" sz="1800" b="0" strike="noStrike" spc="-1" dirty="0">
-              <a:latin typeface="Arial"/>
-            </a:endParaRPr>
-          </a:p>
-          <a:p>
-            <a:pPr marL="285840" indent="-285480" algn="just">
-              <a:lnSpc>
-                <a:spcPct val="110000"/>
-              </a:lnSpc>
-              <a:buClr>
-                <a:srgbClr val="000000"/>
-              </a:buClr>
-              <a:buFont typeface="Wingdings" charset="2"/>
-              <a:buChar char=""/>
-            </a:pPr>
-            <a:endParaRPr lang="en-US" sz="1800" b="0" strike="noStrike" spc="-1" dirty="0">
-              <a:latin typeface="Arial"/>
-            </a:endParaRPr>
-          </a:p>
-          <a:p>
-            <a:pPr marL="285840" indent="-285480" algn="just">
-              <a:lnSpc>
-                <a:spcPct val="110000"/>
-              </a:lnSpc>
-              <a:buClr>
-                <a:srgbClr val="000000"/>
-              </a:buClr>
-              <a:buFont typeface="Wingdings" charset="2"/>
-              <a:buChar char=""/>
-            </a:pPr>
-            <a:endParaRPr lang="en-US" sz="1800" b="0" strike="noStrike" spc="-1" dirty="0">
-              <a:latin typeface="Arial"/>
-            </a:endParaRPr>
-          </a:p>
-          <a:p>
-            <a:pPr algn="just">
-              <a:lnSpc>
-                <a:spcPct val="110000"/>
-              </a:lnSpc>
-            </a:pPr>
-            <a:endParaRPr lang="en-US" sz="1800" b="0" strike="noStrike" spc="-1" dirty="0">
-              <a:latin typeface="Arial"/>
-            </a:endParaRPr>
-          </a:p>
-          <a:p>
-            <a:pPr algn="just">
-              <a:lnSpc>
-                <a:spcPct val="110000"/>
-              </a:lnSpc>
-            </a:pPr>
-            <a:endParaRPr lang="en-US" sz="1800" b="0" strike="noStrike" spc="-1" dirty="0">
-              <a:latin typeface="Arial"/>
-            </a:endParaRPr>
-          </a:p>
-          <a:p>
-            <a:pPr algn="just">
-              <a:lnSpc>
-                <a:spcPct val="110000"/>
-              </a:lnSpc>
-            </a:pPr>
-            <a:endParaRPr lang="en-US" sz="1800" b="0" strike="noStrike" spc="-1" dirty="0">
-              <a:latin typeface="Arial"/>
-            </a:endParaRPr>
-          </a:p>
-          <a:p>
-            <a:pPr algn="just">
-              <a:lnSpc>
-                <a:spcPct val="110000"/>
-              </a:lnSpc>
-            </a:pPr>
-            <a:endParaRPr lang="en-US" sz="1800" b="0" strike="noStrike" spc="-1" dirty="0">
-              <a:latin typeface="Arial"/>
-            </a:endParaRPr>
-          </a:p>
-          <a:p>
-            <a:pPr algn="just">
-              <a:lnSpc>
-                <a:spcPct val="110000"/>
-              </a:lnSpc>
-            </a:pPr>
-            <a:endParaRPr lang="en-US" sz="1800" b="0" strike="noStrike" spc="-1" dirty="0">
-              <a:latin typeface="Arial"/>
+        <p:txBody>
+          <a:bodyPr anchor="ctr">
+            <a:normAutofit/>
+          </a:bodyPr>
+          <a:lstStyle/>
+          <a:p>
+            <a:pPr algn="ctr">
+              <a:lnSpc>
+                <a:spcPct val="90000"/>
+              </a:lnSpc>
+            </a:pPr>
+            <a:r>
+              <a:rPr lang="en-US" sz="3200" b="1" strike="noStrike" spc="-1">
+                <a:solidFill>
+                  <a:srgbClr val="000000"/>
+                </a:solidFill>
+                <a:latin typeface="Franklin Gothic Medium"/>
+              </a:rPr>
+              <a:t>THANK YOU</a:t>
+            </a:r>
+            <a:endParaRPr lang="en-US" sz="3200" b="0" strike="noStrike" spc="-1">
+              <a:solidFill>
+                <a:srgbClr val="000000"/>
+              </a:solidFill>
+              <a:latin typeface="Calibri"/>
             </a:endParaRPr>
           </a:p>
         </p:txBody>
@@ -16773,450 +16718,44 @@
       </p:grpSpPr>
       <p:sp>
         <p:nvSpPr>
-          <p:cNvPr id="262" name="TextShape 1"/>
-          <p:cNvSpPr txBox="1"/>
-          <p:nvPr/>
-        </p:nvSpPr>
-        <p:spPr>
-          <a:xfrm>
-            <a:off x="838080" y="189360"/>
-            <a:ext cx="10515240" cy="454680"/>
-          </a:xfrm>
-          <a:prstGeom prst="rect">
-            <a:avLst/>
-          </a:prstGeom>
-          <a:noFill/>
-          <a:ln>
-            <a:noFill/>
-          </a:ln>
-        </p:spPr>
-        <p:txBody>
-          <a:bodyPr anchor="ctr">
-            <a:normAutofit/>
-          </a:bodyPr>
-          <a:lstStyle/>
-          <a:p>
-            <a:pPr>
-              <a:lnSpc>
-                <a:spcPct val="90000"/>
-              </a:lnSpc>
-            </a:pPr>
-            <a:r>
-              <a:rPr lang="en-US" sz="2400" b="1" strike="noStrike" spc="-1">
-                <a:solidFill>
-                  <a:srgbClr val="000000"/>
-                </a:solidFill>
-                <a:latin typeface="Franklin Gothic Medium"/>
-              </a:rPr>
-              <a:t>Acknowledgments</a:t>
-            </a:r>
-            <a:endParaRPr lang="en-US" sz="2400" b="0" strike="noStrike" spc="-1">
-              <a:solidFill>
-                <a:srgbClr val="000000"/>
-              </a:solidFill>
-              <a:latin typeface="Calibri"/>
-            </a:endParaRPr>
-          </a:p>
-        </p:txBody>
-      </p:sp>
-      <p:sp>
-        <p:nvSpPr>
-          <p:cNvPr id="263" name="TextShape 2"/>
-          <p:cNvSpPr txBox="1"/>
-          <p:nvPr/>
-        </p:nvSpPr>
-        <p:spPr>
-          <a:xfrm>
-            <a:off x="838080" y="852480"/>
-            <a:ext cx="10515240" cy="5503320"/>
-          </a:xfrm>
-          <a:prstGeom prst="rect">
-            <a:avLst/>
-          </a:prstGeom>
-          <a:noFill/>
-          <a:ln>
-            <a:noFill/>
-          </a:ln>
-        </p:spPr>
-        <p:txBody>
-          <a:bodyPr>
-            <a:normAutofit/>
-          </a:bodyPr>
-          <a:lstStyle/>
-          <a:p>
-            <a:pPr marL="343080" indent="-342720">
-              <a:lnSpc>
-                <a:spcPct val="110000"/>
-              </a:lnSpc>
-              <a:buClr>
-                <a:srgbClr val="000000"/>
-              </a:buClr>
-              <a:buFont typeface="Calibri Light"/>
-              <a:buAutoNum type="arabicPeriod"/>
-            </a:pPr>
-            <a:r>
-              <a:rPr lang="en-US" sz="1600" b="0" strike="noStrike" spc="-1">
-                <a:solidFill>
-                  <a:srgbClr val="000000"/>
-                </a:solidFill>
-                <a:latin typeface="Franklin Gothic Medium"/>
-                <a:ea typeface="Calibri"/>
-              </a:rPr>
-              <a:t>We acknowledge and thank the contributions of the following people for their help and guidance with this project.</a:t>
-            </a:r>
-            <a:endParaRPr lang="en-US" sz="1600" b="0" strike="noStrike" spc="-1">
-              <a:solidFill>
-                <a:srgbClr val="000000"/>
-              </a:solidFill>
-              <a:latin typeface="Calibri"/>
-            </a:endParaRPr>
-          </a:p>
-          <a:p>
-            <a:pPr marL="343080" indent="-342720">
-              <a:lnSpc>
-                <a:spcPct val="110000"/>
-              </a:lnSpc>
-              <a:buClr>
-                <a:srgbClr val="000000"/>
-              </a:buClr>
-              <a:buFont typeface="Calibri Light"/>
-              <a:buAutoNum type="arabicPeriod"/>
-            </a:pPr>
-            <a:r>
-              <a:rPr lang="en-US" sz="1600" b="0" strike="noStrike" spc="-1">
-                <a:solidFill>
-                  <a:srgbClr val="000000"/>
-                </a:solidFill>
-                <a:latin typeface="Franklin Gothic Medium"/>
-                <a:ea typeface="Calibri"/>
-              </a:rPr>
-              <a:t> </a:t>
-            </a:r>
-            <a:endParaRPr lang="en-US" sz="1600" b="0" strike="noStrike" spc="-1">
-              <a:solidFill>
-                <a:srgbClr val="000000"/>
-              </a:solidFill>
-              <a:latin typeface="Calibri"/>
-            </a:endParaRPr>
-          </a:p>
-          <a:p>
-            <a:pPr marL="685800" lvl="1" indent="-228240">
-              <a:lnSpc>
-                <a:spcPct val="90000"/>
-              </a:lnSpc>
-              <a:spcBef>
-                <a:spcPts val="499"/>
-              </a:spcBef>
-              <a:spcAft>
-                <a:spcPts val="601"/>
-              </a:spcAft>
-              <a:buClr>
-                <a:srgbClr val="000000"/>
-              </a:buClr>
-              <a:buFont typeface="Arial"/>
-              <a:buChar char="•"/>
-            </a:pPr>
-            <a:r>
-              <a:rPr lang="en-US" sz="1800" b="0" strike="noStrike" spc="-1">
-                <a:solidFill>
-                  <a:srgbClr val="000000"/>
-                </a:solidFill>
-                <a:latin typeface="Times New Roman"/>
-                <a:ea typeface="Times New Roman"/>
-              </a:rPr>
-              <a:t>Mentor: Dr. Mauricio Santillana </a:t>
-            </a:r>
-            <a:endParaRPr lang="en-US" sz="1800" b="0" strike="noStrike" spc="-1">
-              <a:solidFill>
-                <a:srgbClr val="000000"/>
-              </a:solidFill>
-              <a:latin typeface="Calibri"/>
-            </a:endParaRPr>
-          </a:p>
-          <a:p>
-            <a:pPr marL="685800" lvl="1" indent="-228240">
-              <a:lnSpc>
-                <a:spcPct val="90000"/>
-              </a:lnSpc>
-              <a:spcBef>
-                <a:spcPts val="499"/>
-              </a:spcBef>
-              <a:spcAft>
-                <a:spcPts val="601"/>
-              </a:spcAft>
-              <a:buClr>
-                <a:srgbClr val="000000"/>
-              </a:buClr>
-              <a:buFont typeface="Arial"/>
-              <a:buChar char="•"/>
-            </a:pPr>
-            <a:r>
-              <a:rPr lang="en-US" sz="1800" b="0" strike="noStrike" spc="-1">
-                <a:solidFill>
-                  <a:srgbClr val="000000"/>
-                </a:solidFill>
-                <a:latin typeface="Times New Roman"/>
-                <a:ea typeface="Times New Roman"/>
-              </a:rPr>
-              <a:t>CS109b Teaching Staff - Pavlos Protopapas, Mark Glickman, Chris Tanner </a:t>
-            </a:r>
-            <a:endParaRPr lang="en-US" sz="1800" b="0" strike="noStrike" spc="-1">
-              <a:solidFill>
-                <a:srgbClr val="000000"/>
-              </a:solidFill>
-              <a:latin typeface="Calibri"/>
-            </a:endParaRPr>
-          </a:p>
-          <a:p>
-            <a:pPr marL="685800" lvl="1" indent="-228240">
-              <a:lnSpc>
-                <a:spcPct val="90000"/>
-              </a:lnSpc>
-              <a:spcBef>
-                <a:spcPts val="499"/>
-              </a:spcBef>
-              <a:spcAft>
-                <a:spcPts val="601"/>
-              </a:spcAft>
-              <a:buClr>
-                <a:srgbClr val="000000"/>
-              </a:buClr>
-              <a:buFont typeface="Arial"/>
-              <a:buChar char="•"/>
-            </a:pPr>
-            <a:r>
-              <a:rPr lang="en-US" sz="1800" b="0" strike="noStrike" spc="-1">
-                <a:solidFill>
-                  <a:srgbClr val="000000"/>
-                </a:solidFill>
-                <a:latin typeface="Times New Roman"/>
-                <a:ea typeface="Times New Roman"/>
-              </a:rPr>
-              <a:t>Teaching Fellows and Teaching Assistants</a:t>
-            </a:r>
-            <a:endParaRPr lang="en-US" sz="1800" b="0" strike="noStrike" spc="-1">
-              <a:solidFill>
-                <a:srgbClr val="000000"/>
-              </a:solidFill>
-              <a:latin typeface="Calibri"/>
-            </a:endParaRPr>
-          </a:p>
-          <a:p>
-            <a:pPr marL="685800" lvl="1" indent="-228240">
-              <a:lnSpc>
-                <a:spcPct val="90000"/>
-              </a:lnSpc>
-              <a:spcBef>
-                <a:spcPts val="499"/>
-              </a:spcBef>
-              <a:spcAft>
-                <a:spcPts val="601"/>
-              </a:spcAft>
-              <a:buClr>
-                <a:srgbClr val="000000"/>
-              </a:buClr>
-              <a:buFont typeface="Arial"/>
-              <a:buChar char="•"/>
-            </a:pPr>
-            <a:r>
-              <a:rPr lang="en-US" sz="1800" b="0" strike="noStrike" spc="-1">
-                <a:solidFill>
-                  <a:srgbClr val="000000"/>
-                </a:solidFill>
-                <a:latin typeface="Times New Roman"/>
-                <a:ea typeface="Times New Roman"/>
-              </a:rPr>
-              <a:t>Fellow Students of CS109b (Spring’ 2021)</a:t>
-            </a:r>
-            <a:endParaRPr lang="en-US" sz="1800" b="0" strike="noStrike" spc="-1">
-              <a:solidFill>
-                <a:srgbClr val="000000"/>
-              </a:solidFill>
-              <a:latin typeface="Calibri"/>
-            </a:endParaRPr>
-          </a:p>
-          <a:p>
-            <a:endParaRPr lang="en-US" sz="1800" b="0" strike="noStrike" spc="-1">
-              <a:solidFill>
-                <a:srgbClr val="000000"/>
-              </a:solidFill>
-              <a:latin typeface="Calibri"/>
-            </a:endParaRPr>
-          </a:p>
-        </p:txBody>
-      </p:sp>
-      <p:sp>
-        <p:nvSpPr>
-          <p:cNvPr id="264" name="TextShape 3"/>
-          <p:cNvSpPr txBox="1"/>
-          <p:nvPr/>
-        </p:nvSpPr>
-        <p:spPr>
-          <a:xfrm>
-            <a:off x="2314080" y="6356520"/>
-            <a:ext cx="7249680" cy="364680"/>
-          </a:xfrm>
-          <a:prstGeom prst="rect">
-            <a:avLst/>
-          </a:prstGeom>
-          <a:noFill/>
-          <a:ln>
-            <a:noFill/>
-          </a:ln>
-        </p:spPr>
-        <p:txBody>
-          <a:bodyPr anchor="ctr">
-            <a:noAutofit/>
-          </a:bodyPr>
-          <a:lstStyle/>
-          <a:p>
-            <a:pPr algn="ctr">
-              <a:lnSpc>
-                <a:spcPct val="100000"/>
-              </a:lnSpc>
-            </a:pPr>
-            <a:r>
-              <a:rPr lang="en-US" sz="1200" b="0" strike="noStrike" spc="-1">
-                <a:solidFill>
-                  <a:srgbClr val="8B8B8B"/>
-                </a:solidFill>
-                <a:latin typeface="Calibri"/>
-              </a:rPr>
-              <a:t>Final Project Group #111  V Bhatia, P Bhatt, L Bondili, R Soori</a:t>
-            </a:r>
-            <a:endParaRPr lang="en-US" sz="1200" b="0" strike="noStrike" spc="-1">
-              <a:latin typeface="Times New Roman"/>
-            </a:endParaRPr>
-          </a:p>
-        </p:txBody>
-      </p:sp>
-      <p:sp>
-        <p:nvSpPr>
-          <p:cNvPr id="265" name="Line 4"/>
-          <p:cNvSpPr/>
-          <p:nvPr/>
-        </p:nvSpPr>
-        <p:spPr>
-          <a:xfrm>
-            <a:off x="904680" y="782280"/>
-            <a:ext cx="10449000" cy="0"/>
-          </a:xfrm>
-          <a:prstGeom prst="line">
-            <a:avLst/>
-          </a:prstGeom>
-          <a:ln>
-            <a:solidFill>
-              <a:schemeClr val="tx1"/>
-            </a:solidFill>
-          </a:ln>
-        </p:spPr>
-        <p:style>
-          <a:lnRef idx="1">
-            <a:schemeClr val="accent1"/>
-          </a:lnRef>
-          <a:fillRef idx="0">
-            <a:schemeClr val="accent1"/>
-          </a:fillRef>
-          <a:effectRef idx="0">
-            <a:schemeClr val="accent1"/>
-          </a:effectRef>
-          <a:fontRef idx="minor"/>
-        </p:style>
-      </p:sp>
-      <p:sp>
-        <p:nvSpPr>
-          <p:cNvPr id="266" name="TextShape 5"/>
-          <p:cNvSpPr txBox="1"/>
-          <p:nvPr/>
-        </p:nvSpPr>
-        <p:spPr>
-          <a:xfrm>
-            <a:off x="10356840" y="6356520"/>
-            <a:ext cx="996480" cy="364680"/>
-          </a:xfrm>
-          <a:prstGeom prst="rect">
-            <a:avLst/>
-          </a:prstGeom>
-          <a:noFill/>
-          <a:ln>
-            <a:noFill/>
-          </a:ln>
-        </p:spPr>
-        <p:txBody>
-          <a:bodyPr anchor="ctr">
-            <a:noAutofit/>
-          </a:bodyPr>
-          <a:lstStyle/>
-          <a:p>
-            <a:pPr algn="r">
-              <a:lnSpc>
-                <a:spcPct val="100000"/>
-              </a:lnSpc>
-            </a:pPr>
-            <a:fld id="{83CD4BAD-839F-4D50-80AF-9751C1994C40}" type="slidenum">
-              <a:rPr lang="en-US" sz="1200" b="0" strike="noStrike" spc="-1">
-                <a:solidFill>
-                  <a:srgbClr val="8B8B8B"/>
-                </a:solidFill>
-                <a:latin typeface="Calibri"/>
-              </a:rPr>
-              <a:t>31</a:t>
-            </a:fld>
-            <a:endParaRPr lang="en-US" sz="1200" b="0" strike="noStrike" spc="-1">
-              <a:latin typeface="Times New Roman"/>
-            </a:endParaRPr>
-          </a:p>
-        </p:txBody>
-      </p:sp>
-      <p:sp>
-        <p:nvSpPr>
-          <p:cNvPr id="267" name="TextShape 6"/>
-          <p:cNvSpPr txBox="1"/>
-          <p:nvPr/>
-        </p:nvSpPr>
-        <p:spPr>
-          <a:xfrm>
-            <a:off x="838080" y="3657600"/>
-            <a:ext cx="10515240" cy="1020240"/>
-          </a:xfrm>
-          <a:prstGeom prst="rect">
-            <a:avLst/>
-          </a:prstGeom>
-          <a:noFill/>
-          <a:ln>
-            <a:noFill/>
-          </a:ln>
-        </p:spPr>
-        <p:txBody>
-          <a:bodyPr anchor="ctr">
-            <a:normAutofit/>
-          </a:bodyPr>
-          <a:lstStyle/>
-          <a:p>
-            <a:pPr algn="ctr">
-              <a:lnSpc>
-                <a:spcPct val="90000"/>
-              </a:lnSpc>
-            </a:pPr>
-            <a:r>
-              <a:rPr lang="en-US" sz="3200" b="1" strike="noStrike" spc="-1">
-                <a:solidFill>
-                  <a:srgbClr val="000000"/>
-                </a:solidFill>
-                <a:latin typeface="Franklin Gothic Medium"/>
-              </a:rPr>
-              <a:t>THANK YOU</a:t>
-            </a:r>
-            <a:endParaRPr lang="en-US" sz="3200" b="0" strike="noStrike" spc="-1">
-              <a:solidFill>
-                <a:srgbClr val="000000"/>
-              </a:solidFill>
-              <a:latin typeface="Calibri"/>
-            </a:endParaRPr>
+          <p:cNvPr id="2" name="Title 1">
+            <a:extLst>
+              <a:ext uri="{FF2B5EF4-FFF2-40B4-BE49-F238E27FC236}">
+                <a16:creationId xmlns:a16="http://schemas.microsoft.com/office/drawing/2014/main" id="{07BE8A33-919A-4382-9C99-194DA16F42B1}"/>
+              </a:ext>
+            </a:extLst>
+          </p:cNvPr>
+          <p:cNvSpPr>
+            <a:spLocks noGrp="1"/>
+          </p:cNvSpPr>
+          <p:nvPr>
+            <p:ph type="title"/>
+          </p:nvPr>
+        </p:nvSpPr>
+        <p:spPr>
+          <a:xfrm>
+            <a:off x="838380" y="2422440"/>
+            <a:ext cx="10515240" cy="1325160"/>
+          </a:xfrm>
+        </p:spPr>
+        <p:txBody>
+          <a:bodyPr/>
+          <a:lstStyle/>
+          <a:p>
+            <a:pPr algn="ctr"/>
+            <a:r>
+              <a:rPr lang="en-US" dirty="0"/>
+              <a:t>BACKUP SLIDES</a:t>
+            </a:r>
           </a:p>
         </p:txBody>
       </p:sp>
     </p:spTree>
+    <p:extLst>
+      <p:ext uri="{BB962C8B-B14F-4D97-AF65-F5344CB8AC3E}">
+        <p14:creationId xmlns:p14="http://schemas.microsoft.com/office/powerpoint/2010/main" val="2385506970"/>
+      </p:ext>
+    </p:extLst>
   </p:cSld>
   <p:clrMapOvr>
     <a:masterClrMapping/>
@@ -17243,68 +16782,6 @@
       </p:grpSpPr>
       <p:sp>
         <p:nvSpPr>
-          <p:cNvPr id="268" name="TextShape 1"/>
-          <p:cNvSpPr txBox="1"/>
-          <p:nvPr/>
-        </p:nvSpPr>
-        <p:spPr>
-          <a:xfrm>
-            <a:off x="838080" y="365040"/>
-            <a:ext cx="10515240" cy="1325160"/>
-          </a:xfrm>
-          <a:prstGeom prst="rect">
-            <a:avLst/>
-          </a:prstGeom>
-          <a:noFill/>
-          <a:ln>
-            <a:noFill/>
-          </a:ln>
-        </p:spPr>
-        <p:txBody>
-          <a:bodyPr lIns="0" tIns="0" rIns="0" bIns="0" anchor="ctr">
-            <a:noAutofit/>
-          </a:bodyPr>
-          <a:lstStyle/>
-          <a:p>
-            <a:r>
-              <a:rPr lang="en-US" sz="1800" b="0" strike="noStrike" spc="-1">
-                <a:solidFill>
-                  <a:srgbClr val="000000"/>
-                </a:solidFill>
-                <a:latin typeface="Calibri"/>
-              </a:rPr>
-              <a:t>BACKUP SLIDES</a:t>
-            </a:r>
-          </a:p>
-        </p:txBody>
-      </p:sp>
-    </p:spTree>
-  </p:cSld>
-  <p:clrMapOvr>
-    <a:masterClrMapping/>
-  </p:clrMapOvr>
-</p:sld>
-</file>
-
-<file path=ppt/slides/slide33.xml><?xml version="1.0" encoding="utf-8"?>
-<p:sld xmlns:a="http://schemas.openxmlformats.org/drawingml/2006/main" xmlns:r="http://schemas.openxmlformats.org/officeDocument/2006/relationships" xmlns:p="http://schemas.openxmlformats.org/presentationml/2006/main">
-  <p:cSld>
-    <p:spTree>
-      <p:nvGrpSpPr>
-        <p:cNvPr id="1" name=""/>
-        <p:cNvGrpSpPr/>
-        <p:nvPr/>
-      </p:nvGrpSpPr>
-      <p:grpSpPr>
-        <a:xfrm>
-          <a:off x="0" y="0"/>
-          <a:ext cx="0" cy="0"/>
-          <a:chOff x="0" y="0"/>
-          <a:chExt cx="0" cy="0"/>
-        </a:xfrm>
-      </p:grpSpPr>
-      <p:sp>
-        <p:nvSpPr>
           <p:cNvPr id="269" name="TextShape 1"/>
           <p:cNvSpPr txBox="1"/>
           <p:nvPr/>
@@ -17596,7 +17073,7 @@
                 </a:solidFill>
                 <a:latin typeface="Calibri"/>
               </a:rPr>
-              <a:t>33</a:t>
+              <a:t>32</a:t>
             </a:fld>
             <a:endParaRPr lang="en-US" sz="1200" b="0" strike="noStrike" spc="-1">
               <a:latin typeface="Times New Roman"/>
@@ -17654,7 +17131,7 @@
           </a:bodyPr>
           <a:lstStyle/>
           <a:p>
-            <a:pPr marL="432000" indent="-324000">
+            <a:pPr marL="108000">
               <a:lnSpc>
                 <a:spcPct val="90000"/>
               </a:lnSpc>
@@ -17667,11 +17144,9 @@
               <a:buClr>
                 <a:srgbClr val="000000"/>
               </a:buClr>
-              <a:buFont typeface="Wingdings" charset="2"/>
-              <a:buChar char=""/>
-            </a:pPr>
-            <a:r>
-              <a:rPr lang="en-US" sz="4000" b="1" strike="noStrike" spc="-1">
+            </a:pPr>
+            <a:r>
+              <a:rPr lang="en-US" sz="4000" b="1" strike="noStrike" spc="-1" dirty="0">
                 <a:solidFill>
                   <a:srgbClr val="000000"/>
                 </a:solidFill>
@@ -17680,7 +17155,7 @@
               </a:rPr>
               <a:t>DATASETS</a:t>
             </a:r>
-            <a:endParaRPr lang="en-US" sz="4000" b="0" strike="noStrike" spc="-1">
+            <a:endParaRPr lang="en-US" sz="4000" b="0" strike="noStrike" spc="-1" dirty="0">
               <a:solidFill>
                 <a:srgbClr val="000000"/>
               </a:solidFill>
@@ -17700,7 +17175,7 @@
                 <a:spcPts val="601"/>
               </a:spcAft>
             </a:pPr>
-            <a:endParaRPr lang="en-US" sz="4000" b="0" strike="noStrike" spc="-1">
+            <a:endParaRPr lang="en-US" sz="4000" b="0" strike="noStrike" spc="-1" dirty="0">
               <a:solidFill>
                 <a:srgbClr val="000000"/>
               </a:solidFill>
@@ -19111,7 +18586,7 @@
           </a:bodyPr>
           <a:lstStyle/>
           <a:p>
-            <a:pPr marL="432000" indent="-324000">
+            <a:pPr marL="108000">
               <a:lnSpc>
                 <a:spcPct val="90000"/>
               </a:lnSpc>
@@ -19124,11 +18599,9 @@
               <a:buClr>
                 <a:srgbClr val="000000"/>
               </a:buClr>
-              <a:buFont typeface="Wingdings" charset="2"/>
-              <a:buChar char=""/>
-            </a:pPr>
-            <a:r>
-              <a:rPr lang="en-US" sz="4000" b="1" strike="noStrike" spc="-1">
+            </a:pPr>
+            <a:r>
+              <a:rPr lang="en-US" sz="4000" b="1" strike="noStrike" spc="-1" dirty="0">
                 <a:solidFill>
                   <a:srgbClr val="000000"/>
                 </a:solidFill>
@@ -19137,7 +18610,7 @@
               </a:rPr>
               <a:t>EXPLORATORY DATA ANALYSIS</a:t>
             </a:r>
-            <a:endParaRPr lang="en-US" sz="4000" b="0" strike="noStrike" spc="-1">
+            <a:endParaRPr lang="en-US" sz="4000" b="0" strike="noStrike" spc="-1" dirty="0">
               <a:solidFill>
                 <a:srgbClr val="000000"/>
               </a:solidFill>
@@ -19157,7 +18630,7 @@
                 <a:spcPts val="601"/>
               </a:spcAft>
             </a:pPr>
-            <a:endParaRPr lang="en-US" sz="4000" b="0" strike="noStrike" spc="-1">
+            <a:endParaRPr lang="en-US" sz="4000" b="0" strike="noStrike" spc="-1" dirty="0">
               <a:solidFill>
                 <a:srgbClr val="000000"/>
               </a:solidFill>
@@ -19294,7 +18767,7 @@
         <p:spPr>
           <a:xfrm>
             <a:off x="457200" y="914400"/>
-            <a:ext cx="6766560" cy="1704600"/>
+            <a:ext cx="6766560" cy="1722095"/>
           </a:xfrm>
           <a:prstGeom prst="rect">
             <a:avLst/>
@@ -19328,7 +18801,7 @@
               </a:lnSpc>
             </a:pPr>
             <a:r>
-              <a:rPr lang="en-US" sz="1600" b="1" i="1" strike="noStrike" spc="-1">
+              <a:rPr lang="en-US" sz="1600" b="1" i="1" strike="noStrike" spc="-1" dirty="0">
                 <a:solidFill>
                   <a:srgbClr val="000000"/>
                 </a:solidFill>
@@ -19336,7 +18809,7 @@
               </a:rPr>
               <a:t>TAKE AWAYS</a:t>
             </a:r>
-            <a:endParaRPr lang="en-US" sz="1600" b="0" strike="noStrike" spc="-1">
+            <a:endParaRPr lang="en-US" sz="1600" b="0" strike="noStrike" spc="-1" dirty="0">
               <a:latin typeface="Arial"/>
             </a:endParaRPr>
           </a:p>
@@ -19352,15 +18825,15 @@
               <a:buChar char=""/>
             </a:pPr>
             <a:r>
-              <a:rPr lang="en-US" sz="1800" b="0" strike="noStrike" spc="-1">
+              <a:rPr lang="en-US" sz="1800" b="0" strike="noStrike" spc="-1" dirty="0">
                 <a:solidFill>
                   <a:srgbClr val="000000"/>
                 </a:solidFill>
                 <a:latin typeface="Calibri"/>
               </a:rPr>
-              <a:t>Raw daily values are noisy and show a lot of variability, the 7 day rolling average is much smoother and should work well as the input predictors</a:t>
-            </a:r>
-            <a:endParaRPr lang="en-US" sz="1800" b="0" strike="noStrike" spc="-1">
+              <a:t>Raw daily values are noisy and show a lot of variability, the 7-day rolling average is much smoother and should work well as the input predictors</a:t>
+            </a:r>
+            <a:endParaRPr lang="en-US" sz="1800" b="0" strike="noStrike" spc="-1" dirty="0">
               <a:latin typeface="Arial"/>
             </a:endParaRPr>
           </a:p>
@@ -19376,15 +18849,15 @@
               <a:buChar char=""/>
             </a:pPr>
             <a:r>
-              <a:rPr lang="en-US" sz="1800" b="0" strike="noStrike" spc="-1">
+              <a:rPr lang="en-US" sz="1800" b="0" strike="noStrike" spc="-1" dirty="0">
                 <a:solidFill>
                   <a:srgbClr val="000000"/>
                 </a:solidFill>
                 <a:latin typeface="Calibri"/>
               </a:rPr>
-              <a:t>Strong linear relationship between Southern and Northern titer 7 day average values</a:t>
-            </a:r>
-            <a:endParaRPr lang="en-US" sz="1800" b="0" strike="noStrike" spc="-1">
+              <a:t>Strong correlation between Southern and Northern titer 7-day average values</a:t>
+            </a:r>
+            <a:endParaRPr lang="en-US" sz="1800" b="0" strike="noStrike" spc="-1" dirty="0">
               <a:latin typeface="Arial"/>
             </a:endParaRPr>
           </a:p>
@@ -19732,7 +19205,7 @@
         <p:spPr>
           <a:xfrm>
             <a:off x="457200" y="1005840"/>
-            <a:ext cx="11430000" cy="1063800"/>
+            <a:ext cx="11430000" cy="829543"/>
           </a:xfrm>
           <a:prstGeom prst="rect">
             <a:avLst/>
@@ -19766,7 +19239,7 @@
               </a:lnSpc>
             </a:pPr>
             <a:r>
-              <a:rPr lang="en-US" sz="1600" b="1" i="1" strike="noStrike" spc="-1">
+              <a:rPr lang="en-US" sz="1600" b="1" i="1" strike="noStrike" spc="-1" dirty="0">
                 <a:solidFill>
                   <a:srgbClr val="000000"/>
                 </a:solidFill>
@@ -19774,7 +19247,7 @@
               </a:rPr>
               <a:t>TAKE AWAY</a:t>
             </a:r>
-            <a:endParaRPr lang="en-US" sz="1600" b="0" strike="noStrike" spc="-1">
+            <a:endParaRPr lang="en-US" sz="1600" b="0" strike="noStrike" spc="-1" dirty="0">
               <a:latin typeface="Arial"/>
             </a:endParaRPr>
           </a:p>
@@ -19790,7 +19263,7 @@
               <a:buChar char=""/>
             </a:pPr>
             <a:r>
-              <a:rPr lang="en-US" sz="1600" b="0" i="1" strike="noStrike" spc="-1">
+              <a:rPr lang="en-US" sz="1600" b="0" i="1" strike="noStrike" spc="-1" dirty="0">
                 <a:solidFill>
                   <a:srgbClr val="000000"/>
                 </a:solidFill>
@@ -19799,7 +19272,7 @@
               </a:rPr>
               <a:t>Daily case count for Massachusetts is also noisy and shows seasonal variations with a window of 7-10 days.</a:t>
             </a:r>
-            <a:endParaRPr lang="en-US" sz="1600" b="0" strike="noStrike" spc="-1">
+            <a:endParaRPr lang="en-US" sz="1600" b="0" strike="noStrike" spc="-1" dirty="0">
               <a:latin typeface="Arial"/>
             </a:endParaRPr>
           </a:p>
@@ -19815,16 +19288,16 @@
               <a:buChar char=""/>
             </a:pPr>
             <a:r>
-              <a:rPr lang="en-US" sz="1600" b="0" i="1" strike="noStrike" spc="-1">
+              <a:rPr lang="en-US" sz="1600" b="0" i="1" strike="noStrike" spc="-1" dirty="0">
                 <a:solidFill>
                   <a:srgbClr val="000000"/>
                 </a:solidFill>
                 <a:latin typeface="Calibri"/>
                 <a:ea typeface="Calibri"/>
               </a:rPr>
-              <a:t>7 Day rolling Average of confirmed cases count shows strong linear relationship with both Southern and Northern Titer Average Values. </a:t>
-            </a:r>
-            <a:endParaRPr lang="en-US" sz="1600" b="0" strike="noStrike" spc="-1">
+              <a:t>7 Day rolling Average of confirmed cases count shows strong correlation with both Southern and Northern Titer Average Values. </a:t>
+            </a:r>
+            <a:endParaRPr lang="en-US" sz="1600" b="0" strike="noStrike" spc="-1" dirty="0">
               <a:latin typeface="Arial"/>
             </a:endParaRPr>
           </a:p>

--- a/docs/Forecasting COVID-19 Cases Using SARS-Cov-2 Titers in Wastewater.pptx
+++ b/docs/Forecasting COVID-19 Cases Using SARS-Cov-2 Titers in Wastewater.pptx
@@ -33,9 +33,9 @@
     <p:sldId id="277" r:id="rId24"/>
     <p:sldId id="278" r:id="rId25"/>
     <p:sldId id="279" r:id="rId26"/>
-    <p:sldId id="280" r:id="rId27"/>
-    <p:sldId id="281" r:id="rId28"/>
-    <p:sldId id="282" r:id="rId29"/>
+    <p:sldId id="282" r:id="rId27"/>
+    <p:sldId id="280" r:id="rId28"/>
+    <p:sldId id="281" r:id="rId29"/>
     <p:sldId id="283" r:id="rId30"/>
     <p:sldId id="285" r:id="rId31"/>
     <p:sldId id="286" r:id="rId32"/>
@@ -1253,7 +1253,23 @@
           <a:p>
             <a:r>
               <a:rPr lang="en-US" dirty="0"/>
-              <a:t>These are the improved results for Linear and Polynomial regression models</a:t>
+              <a:t>In </a:t>
+            </a:r>
+            <a:r>
+              <a:rPr lang="en-US" dirty="0" err="1"/>
+              <a:t>XGBoost</a:t>
+            </a:r>
+            <a:r>
+              <a:rPr lang="en-US" dirty="0"/>
+              <a:t>, notice that the most important feature is now the Persistence model output and not the </a:t>
+            </a:r>
+            <a:r>
+              <a:rPr lang="en-US" dirty="0" err="1"/>
+              <a:t>Southern_Avg</a:t>
+            </a:r>
+            <a:r>
+              <a:rPr lang="en-US" dirty="0"/>
+              <a:t> that we saw earlier.</a:t>
             </a:r>
           </a:p>
         </p:txBody>
@@ -1289,7 +1305,7 @@
     </p:spTree>
     <p:extLst>
       <p:ext uri="{BB962C8B-B14F-4D97-AF65-F5344CB8AC3E}">
-        <p14:creationId xmlns:p14="http://schemas.microsoft.com/office/powerpoint/2010/main" val="3053014466"/>
+        <p14:creationId xmlns:p14="http://schemas.microsoft.com/office/powerpoint/2010/main" val="237328440"/>
       </p:ext>
     </p:extLst>
   </p:cSld>
@@ -1350,15 +1366,7 @@
           <a:p>
             <a:r>
               <a:rPr lang="en-US" dirty="0"/>
-              <a:t>Similarly, we can see the </a:t>
-            </a:r>
-            <a:r>
-              <a:rPr lang="en-US" dirty="0" err="1"/>
-              <a:t>PyGAM</a:t>
-            </a:r>
-            <a:r>
-              <a:rPr lang="en-US" dirty="0"/>
-              <a:t> predictions have improved</a:t>
+              <a:t>These are the improved results for Linear and Polynomial regression models</a:t>
             </a:r>
           </a:p>
         </p:txBody>
@@ -1394,7 +1402,7 @@
     </p:spTree>
     <p:extLst>
       <p:ext uri="{BB962C8B-B14F-4D97-AF65-F5344CB8AC3E}">
-        <p14:creationId xmlns:p14="http://schemas.microsoft.com/office/powerpoint/2010/main" val="1501582089"/>
+        <p14:creationId xmlns:p14="http://schemas.microsoft.com/office/powerpoint/2010/main" val="3053014466"/>
       </p:ext>
     </p:extLst>
   </p:cSld>
@@ -1455,23 +1463,15 @@
           <a:p>
             <a:r>
               <a:rPr lang="en-US" dirty="0"/>
-              <a:t>In </a:t>
+              <a:t>Similarly, we can see the </a:t>
             </a:r>
             <a:r>
               <a:rPr lang="en-US" dirty="0" err="1"/>
-              <a:t>XGBoost</a:t>
+              <a:t>PyGAM</a:t>
             </a:r>
             <a:r>
               <a:rPr lang="en-US" dirty="0"/>
-              <a:t>, notice that the most important feature is now the Persistence model output and not the </a:t>
-            </a:r>
-            <a:r>
-              <a:rPr lang="en-US" dirty="0" err="1"/>
-              <a:t>Southern_Avg</a:t>
-            </a:r>
-            <a:r>
-              <a:rPr lang="en-US" dirty="0"/>
-              <a:t> that we saw earlier.</a:t>
+              <a:t> predictions have improved</a:t>
             </a:r>
           </a:p>
         </p:txBody>
@@ -1507,7 +1507,7 @@
     </p:spTree>
     <p:extLst>
       <p:ext uri="{BB962C8B-B14F-4D97-AF65-F5344CB8AC3E}">
-        <p14:creationId xmlns:p14="http://schemas.microsoft.com/office/powerpoint/2010/main" val="237328440"/>
+        <p14:creationId xmlns:p14="http://schemas.microsoft.com/office/powerpoint/2010/main" val="1501582089"/>
       </p:ext>
     </p:extLst>
   </p:cSld>
@@ -7030,15 +7030,15 @@
               </a:lnSpc>
             </a:pPr>
             <a:r>
-              <a:rPr lang="en-US" sz="4400" b="1" strike="noStrike" spc="-1">
+              <a:rPr lang="en-US" sz="4400" b="1" strike="noStrike" spc="-1" dirty="0">
                 <a:solidFill>
                   <a:srgbClr val="000000"/>
                 </a:solidFill>
                 <a:latin typeface="Calibri Light"/>
               </a:rPr>
-              <a:t>Forecasting COVID-19 cases using SARS-Cov2 Titers in Urban Wastewater</a:t>
-            </a:r>
-            <a:endParaRPr lang="en-US" sz="4400" b="0" strike="noStrike" spc="-1">
+              <a:t>Forecasting COVID-19 cases using SARS-CoV-2 Titers in Urban Wastewater</a:t>
+            </a:r>
+            <a:endParaRPr lang="en-US" sz="4400" b="0" strike="noStrike" spc="-1" dirty="0">
               <a:solidFill>
                 <a:srgbClr val="000000"/>
               </a:solidFill>
@@ -7055,7 +7055,7 @@
         </p:nvSpPr>
         <p:spPr>
           <a:xfrm>
-            <a:off x="1687320" y="2777040"/>
+            <a:off x="1801620" y="2777040"/>
             <a:ext cx="2504880" cy="2261160"/>
           </a:xfrm>
           <a:prstGeom prst="rect">
@@ -8069,7 +8069,7 @@
     <mc:Choice Requires="p14">
       <p:transition spd="slow" p14:dur="2000" advTm="55000"/>
     </mc:Choice>
-    <mc:Fallback xmlns="" xmlns:p15="http://schemas.microsoft.com/office/powerpoint/2012/main">
+    <mc:Fallback xmlns:p15="http://schemas.microsoft.com/office/powerpoint/2012/main" xmlns="">
       <p:transition spd="slow" advTm="55000"/>
     </mc:Fallback>
   </mc:AlternateContent>
@@ -8271,7 +8271,7 @@
     <mc:Choice Requires="p14">
       <p:transition spd="slow" p14:dur="2000" advTm="55000"/>
     </mc:Choice>
-    <mc:Fallback xmlns="" xmlns:p15="http://schemas.microsoft.com/office/powerpoint/2012/main">
+    <mc:Fallback xmlns:p15="http://schemas.microsoft.com/office/powerpoint/2012/main" xmlns="">
       <p:transition spd="slow" advTm="55000"/>
     </mc:Fallback>
   </mc:AlternateContent>
@@ -8945,7 +8945,7 @@
     <mc:Choice Requires="p14">
       <p:transition spd="slow" p14:dur="2000" advTm="55000"/>
     </mc:Choice>
-    <mc:Fallback xmlns="" xmlns:p15="http://schemas.microsoft.com/office/powerpoint/2012/main">
+    <mc:Fallback xmlns:p15="http://schemas.microsoft.com/office/powerpoint/2012/main" xmlns="">
       <p:transition spd="slow" advTm="55000"/>
     </mc:Fallback>
   </mc:AlternateContent>
@@ -9147,7 +9147,7 @@
     <mc:Choice Requires="p14">
       <p:transition spd="slow" p14:dur="2000" advTm="55000"/>
     </mc:Choice>
-    <mc:Fallback xmlns="" xmlns:p15="http://schemas.microsoft.com/office/powerpoint/2012/main">
+    <mc:Fallback xmlns:p15="http://schemas.microsoft.com/office/powerpoint/2012/main" xmlns="">
       <p:transition spd="slow" advTm="55000"/>
     </mc:Fallback>
   </mc:AlternateContent>
@@ -10014,7 +10014,7 @@
     <mc:Choice Requires="p14">
       <p:transition spd="slow" p14:dur="2000" advTm="55000"/>
     </mc:Choice>
-    <mc:Fallback xmlns="" xmlns:p15="http://schemas.microsoft.com/office/powerpoint/2012/main">
+    <mc:Fallback xmlns:p15="http://schemas.microsoft.com/office/powerpoint/2012/main" xmlns="">
       <p:transition spd="slow" advTm="55000"/>
     </mc:Fallback>
   </mc:AlternateContent>
@@ -10249,7 +10249,7 @@
     <mc:Choice Requires="p14">
       <p:transition spd="slow" p14:dur="2000" advTm="55000"/>
     </mc:Choice>
-    <mc:Fallback xmlns="" xmlns:p15="http://schemas.microsoft.com/office/powerpoint/2012/main">
+    <mc:Fallback xmlns:p15="http://schemas.microsoft.com/office/powerpoint/2012/main" xmlns="">
       <p:transition spd="slow" advTm="55000"/>
     </mc:Fallback>
   </mc:AlternateContent>
@@ -12996,7 +12996,7 @@
     <mc:Choice Requires="p14">
       <p:transition spd="slow" p14:dur="2000" advTm="55000"/>
     </mc:Choice>
-    <mc:Fallback xmlns="" xmlns:p15="http://schemas.microsoft.com/office/powerpoint/2012/main">
+    <mc:Fallback xmlns:p15="http://schemas.microsoft.com/office/powerpoint/2012/main" xmlns="">
       <p:transition spd="slow" advTm="55000"/>
     </mc:Fallback>
   </mc:AlternateContent>
@@ -14032,7 +14032,7 @@
       </p:grpSpPr>
       <p:sp>
         <p:nvSpPr>
-          <p:cNvPr id="223" name="TextShape 1"/>
+          <p:cNvPr id="237" name="TextShape 1"/>
           <p:cNvSpPr txBox="1"/>
           <p:nvPr/>
         </p:nvSpPr>
@@ -14067,7 +14067,7 @@
                 </a:solidFill>
                 <a:latin typeface="Franklin Gothic Medium"/>
               </a:rPr>
-              <a:t>Model Predictions – Baseline Model and Simple Regression</a:t>
+              <a:t>Model Predictions – Gradient Boosting Regression Model</a:t>
             </a:r>
             <a:endParaRPr lang="en-US" sz="2400" b="0" strike="noStrike" spc="-1">
               <a:solidFill>
@@ -14080,7 +14080,7 @@
       </p:sp>
       <p:sp>
         <p:nvSpPr>
-          <p:cNvPr id="224" name="TextShape 2"/>
+          <p:cNvPr id="238" name="TextShape 2"/>
           <p:cNvSpPr txBox="1"/>
           <p:nvPr/>
         </p:nvSpPr>
@@ -14125,7 +14125,7 @@
       </p:sp>
       <p:sp>
         <p:nvSpPr>
-          <p:cNvPr id="225" name="Line 3"/>
+          <p:cNvPr id="239" name="Line 3"/>
           <p:cNvSpPr/>
           <p:nvPr/>
         </p:nvSpPr>
@@ -14158,7 +14158,7 @@
       </p:sp>
       <p:sp>
         <p:nvSpPr>
-          <p:cNvPr id="226" name="TextShape 4"/>
+          <p:cNvPr id="240" name="TextShape 4"/>
           <p:cNvSpPr txBox="1"/>
           <p:nvPr/>
         </p:nvSpPr>
@@ -14186,7 +14186,7 @@
                 <a:spcPct val="100000"/>
               </a:lnSpc>
             </a:pPr>
-            <a:fld id="{5B9986A8-D188-40C5-807C-C26DD2531DBD}" type="slidenum">
+            <a:fld id="{F16822CB-8D6D-4CB7-9E4E-EC2F4E17D760}" type="slidenum">
               <a:rPr lang="en-US" sz="1200" b="0" strike="noStrike" spc="-1">
                 <a:solidFill>
                   <a:srgbClr val="8B8B8B"/>
@@ -14203,7 +14203,7 @@
       </p:sp>
       <p:pic>
         <p:nvPicPr>
-          <p:cNvPr id="227" name="Picture 226"/>
+          <p:cNvPr id="241" name="Picture 240"/>
           <p:cNvPicPr/>
           <p:nvPr/>
         </p:nvPicPr>
@@ -14213,8 +14213,8 @@
         </p:blipFill>
         <p:spPr>
           <a:xfrm>
-            <a:off x="914400" y="1828800"/>
-            <a:ext cx="5112000" cy="1645920"/>
+            <a:off x="1010160" y="2103120"/>
+            <a:ext cx="4019040" cy="2485800"/>
           </a:xfrm>
           <a:prstGeom prst="rect">
             <a:avLst/>
@@ -14226,7 +14226,7 @@
       </p:pic>
       <p:pic>
         <p:nvPicPr>
-          <p:cNvPr id="228" name="Picture 227"/>
+          <p:cNvPr id="242" name="Picture 241"/>
           <p:cNvPicPr/>
           <p:nvPr/>
         </p:nvPicPr>
@@ -14236,31 +14236,8 @@
         </p:blipFill>
         <p:spPr>
           <a:xfrm>
-            <a:off x="6315840" y="1097280"/>
-            <a:ext cx="5479920" cy="5120640"/>
-          </a:xfrm>
-          <a:prstGeom prst="rect">
-            <a:avLst/>
-          </a:prstGeom>
-          <a:ln>
-            <a:noFill/>
-          </a:ln>
-        </p:spPr>
-      </p:pic>
-      <p:pic>
-        <p:nvPicPr>
-          <p:cNvPr id="229" name="Picture 228"/>
-          <p:cNvPicPr/>
-          <p:nvPr/>
-        </p:nvPicPr>
-        <p:blipFill>
-          <a:blip r:embed="rId5"/>
-          <a:stretch/>
-        </p:blipFill>
-        <p:spPr>
-          <a:xfrm>
-            <a:off x="891360" y="3749040"/>
-            <a:ext cx="5235120" cy="1658880"/>
+            <a:off x="5212080" y="2309040"/>
+            <a:ext cx="6675120" cy="2171520"/>
           </a:xfrm>
           <a:prstGeom prst="rect">
             <a:avLst/>
@@ -14297,7 +14274,7 @@
       </p:grpSpPr>
       <p:sp>
         <p:nvSpPr>
-          <p:cNvPr id="230" name="TextShape 1"/>
+          <p:cNvPr id="223" name="TextShape 1"/>
           <p:cNvSpPr txBox="1"/>
           <p:nvPr/>
         </p:nvSpPr>
@@ -14332,7 +14309,7 @@
                 </a:solidFill>
                 <a:latin typeface="Franklin Gothic Medium"/>
               </a:rPr>
-              <a:t>Model Predictions – Generalized Linear Models</a:t>
+              <a:t>Model Predictions – Baseline Model and Simple Regression</a:t>
             </a:r>
             <a:endParaRPr lang="en-US" sz="2400" b="0" strike="noStrike" spc="-1">
               <a:solidFill>
@@ -14345,7 +14322,7 @@
       </p:sp>
       <p:sp>
         <p:nvSpPr>
-          <p:cNvPr id="231" name="TextShape 2"/>
+          <p:cNvPr id="224" name="TextShape 2"/>
           <p:cNvSpPr txBox="1"/>
           <p:nvPr/>
         </p:nvSpPr>
@@ -14390,7 +14367,7 @@
       </p:sp>
       <p:sp>
         <p:nvSpPr>
-          <p:cNvPr id="232" name="Line 3"/>
+          <p:cNvPr id="225" name="Line 3"/>
           <p:cNvSpPr/>
           <p:nvPr/>
         </p:nvSpPr>
@@ -14423,7 +14400,7 @@
       </p:sp>
       <p:sp>
         <p:nvSpPr>
-          <p:cNvPr id="233" name="TextShape 4"/>
+          <p:cNvPr id="226" name="TextShape 4"/>
           <p:cNvSpPr txBox="1"/>
           <p:nvPr/>
         </p:nvSpPr>
@@ -14451,7 +14428,7 @@
                 <a:spcPct val="100000"/>
               </a:lnSpc>
             </a:pPr>
-            <a:fld id="{ADDB215D-A863-4704-88CA-8BC70AA37023}" type="slidenum">
+            <a:fld id="{5B9986A8-D188-40C5-807C-C26DD2531DBD}" type="slidenum">
               <a:rPr lang="en-US" sz="1200" b="0" strike="noStrike" spc="-1">
                 <a:solidFill>
                   <a:srgbClr val="8B8B8B"/>
@@ -14468,7 +14445,7 @@
       </p:sp>
       <p:pic>
         <p:nvPicPr>
-          <p:cNvPr id="234" name="Picture 233"/>
+          <p:cNvPr id="227" name="Picture 226"/>
           <p:cNvPicPr/>
           <p:nvPr/>
         </p:nvPicPr>
@@ -14478,8 +14455,8 @@
         </p:blipFill>
         <p:spPr>
           <a:xfrm>
-            <a:off x="796320" y="1463040"/>
-            <a:ext cx="2404080" cy="4297680"/>
+            <a:off x="914400" y="1828800"/>
+            <a:ext cx="5112000" cy="1645920"/>
           </a:xfrm>
           <a:prstGeom prst="rect">
             <a:avLst/>
@@ -14491,7 +14468,7 @@
       </p:pic>
       <p:pic>
         <p:nvPicPr>
-          <p:cNvPr id="235" name="Picture 234"/>
+          <p:cNvPr id="228" name="Picture 227"/>
           <p:cNvPicPr/>
           <p:nvPr/>
         </p:nvPicPr>
@@ -14501,8 +14478,8 @@
         </p:blipFill>
         <p:spPr>
           <a:xfrm>
-            <a:off x="3200400" y="2011680"/>
-            <a:ext cx="2414520" cy="3200400"/>
+            <a:off x="6315840" y="1097280"/>
+            <a:ext cx="5479920" cy="5120640"/>
           </a:xfrm>
           <a:prstGeom prst="rect">
             <a:avLst/>
@@ -14514,7 +14491,7 @@
       </p:pic>
       <p:pic>
         <p:nvPicPr>
-          <p:cNvPr id="236" name="Picture 235"/>
+          <p:cNvPr id="229" name="Picture 228"/>
           <p:cNvPicPr/>
           <p:nvPr/>
         </p:nvPicPr>
@@ -14524,8 +14501,8 @@
         </p:blipFill>
         <p:spPr>
           <a:xfrm>
-            <a:off x="5760720" y="2651760"/>
-            <a:ext cx="6118920" cy="1920240"/>
+            <a:off x="891360" y="3749040"/>
+            <a:ext cx="5235120" cy="1658880"/>
           </a:xfrm>
           <a:prstGeom prst="rect">
             <a:avLst/>
@@ -14562,7 +14539,7 @@
       </p:grpSpPr>
       <p:sp>
         <p:nvSpPr>
-          <p:cNvPr id="237" name="TextShape 1"/>
+          <p:cNvPr id="230" name="TextShape 1"/>
           <p:cNvSpPr txBox="1"/>
           <p:nvPr/>
         </p:nvSpPr>
@@ -14597,7 +14574,7 @@
                 </a:solidFill>
                 <a:latin typeface="Franklin Gothic Medium"/>
               </a:rPr>
-              <a:t>Model Predictions – Gradient Boosting Regression Model</a:t>
+              <a:t>Model Predictions – Generalized Linear Models</a:t>
             </a:r>
             <a:endParaRPr lang="en-US" sz="2400" b="0" strike="noStrike" spc="-1">
               <a:solidFill>
@@ -14610,7 +14587,7 @@
       </p:sp>
       <p:sp>
         <p:nvSpPr>
-          <p:cNvPr id="238" name="TextShape 2"/>
+          <p:cNvPr id="231" name="TextShape 2"/>
           <p:cNvSpPr txBox="1"/>
           <p:nvPr/>
         </p:nvSpPr>
@@ -14655,7 +14632,7 @@
       </p:sp>
       <p:sp>
         <p:nvSpPr>
-          <p:cNvPr id="239" name="Line 3"/>
+          <p:cNvPr id="232" name="Line 3"/>
           <p:cNvSpPr/>
           <p:nvPr/>
         </p:nvSpPr>
@@ -14688,7 +14665,7 @@
       </p:sp>
       <p:sp>
         <p:nvSpPr>
-          <p:cNvPr id="240" name="TextShape 4"/>
+          <p:cNvPr id="233" name="TextShape 4"/>
           <p:cNvSpPr txBox="1"/>
           <p:nvPr/>
         </p:nvSpPr>
@@ -14716,7 +14693,7 @@
                 <a:spcPct val="100000"/>
               </a:lnSpc>
             </a:pPr>
-            <a:fld id="{F16822CB-8D6D-4CB7-9E4E-EC2F4E17D760}" type="slidenum">
+            <a:fld id="{ADDB215D-A863-4704-88CA-8BC70AA37023}" type="slidenum">
               <a:rPr lang="en-US" sz="1200" b="0" strike="noStrike" spc="-1">
                 <a:solidFill>
                   <a:srgbClr val="8B8B8B"/>
@@ -14733,7 +14710,7 @@
       </p:sp>
       <p:pic>
         <p:nvPicPr>
-          <p:cNvPr id="241" name="Picture 240"/>
+          <p:cNvPr id="234" name="Picture 233"/>
           <p:cNvPicPr/>
           <p:nvPr/>
         </p:nvPicPr>
@@ -14743,8 +14720,8 @@
         </p:blipFill>
         <p:spPr>
           <a:xfrm>
-            <a:off x="1010160" y="2103120"/>
-            <a:ext cx="4019040" cy="2485800"/>
+            <a:off x="796320" y="1463040"/>
+            <a:ext cx="2404080" cy="4297680"/>
           </a:xfrm>
           <a:prstGeom prst="rect">
             <a:avLst/>
@@ -14756,7 +14733,7 @@
       </p:pic>
       <p:pic>
         <p:nvPicPr>
-          <p:cNvPr id="242" name="Picture 241"/>
+          <p:cNvPr id="235" name="Picture 234"/>
           <p:cNvPicPr/>
           <p:nvPr/>
         </p:nvPicPr>
@@ -14766,8 +14743,31 @@
         </p:blipFill>
         <p:spPr>
           <a:xfrm>
-            <a:off x="5212080" y="2309040"/>
-            <a:ext cx="6675120" cy="2171520"/>
+            <a:off x="3200400" y="2011680"/>
+            <a:ext cx="2414520" cy="3200400"/>
+          </a:xfrm>
+          <a:prstGeom prst="rect">
+            <a:avLst/>
+          </a:prstGeom>
+          <a:ln>
+            <a:noFill/>
+          </a:ln>
+        </p:spPr>
+      </p:pic>
+      <p:pic>
+        <p:nvPicPr>
+          <p:cNvPr id="236" name="Picture 235"/>
+          <p:cNvPicPr/>
+          <p:nvPr/>
+        </p:nvPicPr>
+        <p:blipFill>
+          <a:blip r:embed="rId5"/>
+          <a:stretch/>
+        </p:blipFill>
+        <p:spPr>
+          <a:xfrm>
+            <a:off x="5760720" y="2651760"/>
+            <a:ext cx="6118920" cy="1920240"/>
           </a:xfrm>
           <a:prstGeom prst="rect">
             <a:avLst/>
